--- a/cybersecurity-iacs/Rod/OSI_Security_Model.pptx
+++ b/cybersecurity-iacs/Rod/OSI_Security_Model.pptx
@@ -1,50 +1,50 @@
 
 <file path=ppt/presentation.xml><?xml version="1.0" encoding="utf-8"?>
-<p:presentation xmlns:a="http://schemas.openxmlformats.org/drawingml/2006/main" xmlns:r="http://schemas.openxmlformats.org/officeDocument/2006/relationships" xmlns:p="http://schemas.openxmlformats.org/presentationml/2006/main" showSpecialPlsOnTitleSld="0" saveSubsetFonts="1" autoCompressPictures="0">
+<p:presentation xmlns:a="http://schemas.openxmlformats.org/drawingml/2006/main" xmlns:r="http://schemas.openxmlformats.org/officeDocument/2006/relationships" xmlns:p="http://schemas.openxmlformats.org/presentationml/2006/main" showSpecialPlsOnTitleSld="0" autoCompressPictures="0">
   <p:sldMasterIdLst>
-    <p:sldMasterId id="2147483651" r:id="rId1"/>
+    <p:sldMasterId id="2147483648" r:id="rId1"/>
   </p:sldMasterIdLst>
   <p:notesMasterIdLst>
-    <p:notesMasterId r:id="rId34"/>
+    <p:notesMasterId r:id="rId6"/>
   </p:notesMasterIdLst>
   <p:handoutMasterIdLst>
-    <p:handoutMasterId r:id="rId35"/>
+    <p:handoutMasterId r:id="rId36"/>
   </p:handoutMasterIdLst>
   <p:sldIdLst>
-    <p:sldId id="256" r:id="rId2"/>
-    <p:sldId id="277" r:id="rId3"/>
-    <p:sldId id="257" r:id="rId4"/>
-    <p:sldId id="258" r:id="rId5"/>
-    <p:sldId id="259" r:id="rId6"/>
-    <p:sldId id="260" r:id="rId7"/>
-    <p:sldId id="261" r:id="rId8"/>
-    <p:sldId id="262" r:id="rId9"/>
-    <p:sldId id="263" r:id="rId10"/>
-    <p:sldId id="264" r:id="rId11"/>
-    <p:sldId id="265" r:id="rId12"/>
-    <p:sldId id="266" r:id="rId13"/>
-    <p:sldId id="267" r:id="rId14"/>
-    <p:sldId id="278" r:id="rId15"/>
-    <p:sldId id="268" r:id="rId16"/>
-    <p:sldId id="269" r:id="rId17"/>
-    <p:sldId id="270" r:id="rId18"/>
-    <p:sldId id="271" r:id="rId19"/>
-    <p:sldId id="273" r:id="rId20"/>
-    <p:sldId id="279" r:id="rId21"/>
-    <p:sldId id="272" r:id="rId22"/>
-    <p:sldId id="275" r:id="rId23"/>
-    <p:sldId id="276" r:id="rId24"/>
-    <p:sldId id="280" r:id="rId25"/>
-    <p:sldId id="274" r:id="rId26"/>
-    <p:sldId id="281" r:id="rId27"/>
-    <p:sldId id="282" r:id="rId28"/>
-    <p:sldId id="283" r:id="rId29"/>
-    <p:sldId id="284" r:id="rId30"/>
-    <p:sldId id="285" r:id="rId31"/>
-    <p:sldId id="286" r:id="rId32"/>
-    <p:sldId id="287" r:id="rId33"/>
+    <p:sldId id="256" r:id="rId3"/>
+    <p:sldId id="277" r:id="rId4"/>
+    <p:sldId id="257" r:id="rId5"/>
+    <p:sldId id="258" r:id="rId7"/>
+    <p:sldId id="259" r:id="rId8"/>
+    <p:sldId id="260" r:id="rId9"/>
+    <p:sldId id="261" r:id="rId10"/>
+    <p:sldId id="262" r:id="rId11"/>
+    <p:sldId id="263" r:id="rId12"/>
+    <p:sldId id="264" r:id="rId13"/>
+    <p:sldId id="265" r:id="rId14"/>
+    <p:sldId id="266" r:id="rId15"/>
+    <p:sldId id="267" r:id="rId16"/>
+    <p:sldId id="278" r:id="rId17"/>
+    <p:sldId id="268" r:id="rId18"/>
+    <p:sldId id="269" r:id="rId19"/>
+    <p:sldId id="270" r:id="rId20"/>
+    <p:sldId id="271" r:id="rId21"/>
+    <p:sldId id="273" r:id="rId22"/>
+    <p:sldId id="279" r:id="rId23"/>
+    <p:sldId id="272" r:id="rId24"/>
+    <p:sldId id="275" r:id="rId25"/>
+    <p:sldId id="276" r:id="rId26"/>
+    <p:sldId id="280" r:id="rId27"/>
+    <p:sldId id="274" r:id="rId28"/>
+    <p:sldId id="281" r:id="rId29"/>
+    <p:sldId id="282" r:id="rId30"/>
+    <p:sldId id="283" r:id="rId31"/>
+    <p:sldId id="284" r:id="rId32"/>
+    <p:sldId id="285" r:id="rId33"/>
+    <p:sldId id="286" r:id="rId34"/>
+    <p:sldId id="287" r:id="rId35"/>
   </p:sldIdLst>
-  <p:sldSz cx="9372600" cy="8297863"/>
+  <p:sldSz cx="9372600" cy="8297545"/>
   <p:notesSz cx="7315200" cy="9601200"/>
   <p:defaultTextStyle>
     <a:defPPr>
@@ -62,8 +62,8 @@
           <a:schemeClr val="tx1"/>
         </a:solidFill>
         <a:latin typeface="Garamond" pitchFamily="18" charset="0"/>
-        <a:ea typeface="ＭＳ Ｐゴシック"/>
-        <a:cs typeface="ＭＳ Ｐゴシック"/>
+        <a:ea typeface="MS PGothic"/>
+        <a:cs typeface="MS PGothic"/>
       </a:defRPr>
     </a:lvl1pPr>
     <a:lvl2pPr marL="457200" algn="l" rtl="0" fontAlgn="base">
@@ -78,8 +78,8 @@
           <a:schemeClr val="tx1"/>
         </a:solidFill>
         <a:latin typeface="Garamond" pitchFamily="18" charset="0"/>
-        <a:ea typeface="ＭＳ Ｐゴシック"/>
-        <a:cs typeface="ＭＳ Ｐゴシック"/>
+        <a:ea typeface="MS PGothic"/>
+        <a:cs typeface="MS PGothic"/>
       </a:defRPr>
     </a:lvl2pPr>
     <a:lvl3pPr marL="914400" algn="l" rtl="0" fontAlgn="base">
@@ -94,8 +94,8 @@
           <a:schemeClr val="tx1"/>
         </a:solidFill>
         <a:latin typeface="Garamond" pitchFamily="18" charset="0"/>
-        <a:ea typeface="ＭＳ Ｐゴシック"/>
-        <a:cs typeface="ＭＳ Ｐゴシック"/>
+        <a:ea typeface="MS PGothic"/>
+        <a:cs typeface="MS PGothic"/>
       </a:defRPr>
     </a:lvl3pPr>
     <a:lvl4pPr marL="1371600" algn="l" rtl="0" fontAlgn="base">
@@ -110,8 +110,8 @@
           <a:schemeClr val="tx1"/>
         </a:solidFill>
         <a:latin typeface="Garamond" pitchFamily="18" charset="0"/>
-        <a:ea typeface="ＭＳ Ｐゴシック"/>
-        <a:cs typeface="ＭＳ Ｐゴシック"/>
+        <a:ea typeface="MS PGothic"/>
+        <a:cs typeface="MS PGothic"/>
       </a:defRPr>
     </a:lvl4pPr>
     <a:lvl5pPr marL="1828800" algn="l" rtl="0" fontAlgn="base">
@@ -126,8 +126,8 @@
           <a:schemeClr val="tx1"/>
         </a:solidFill>
         <a:latin typeface="Garamond" pitchFamily="18" charset="0"/>
-        <a:ea typeface="ＭＳ Ｐゴシック"/>
-        <a:cs typeface="ＭＳ Ｐゴシック"/>
+        <a:ea typeface="MS PGothic"/>
+        <a:cs typeface="MS PGothic"/>
       </a:defRPr>
     </a:lvl5pPr>
     <a:lvl6pPr marL="2286000" algn="l" defTabSz="914400" rtl="0" eaLnBrk="1" latinLnBrk="0" hangingPunct="1">
@@ -136,8 +136,8 @@
           <a:schemeClr val="tx1"/>
         </a:solidFill>
         <a:latin typeface="Garamond" pitchFamily="18" charset="0"/>
-        <a:ea typeface="ＭＳ Ｐゴシック"/>
-        <a:cs typeface="ＭＳ Ｐゴシック"/>
+        <a:ea typeface="MS PGothic"/>
+        <a:cs typeface="MS PGothic"/>
       </a:defRPr>
     </a:lvl6pPr>
     <a:lvl7pPr marL="2743200" algn="l" defTabSz="914400" rtl="0" eaLnBrk="1" latinLnBrk="0" hangingPunct="1">
@@ -146,8 +146,8 @@
           <a:schemeClr val="tx1"/>
         </a:solidFill>
         <a:latin typeface="Garamond" pitchFamily="18" charset="0"/>
-        <a:ea typeface="ＭＳ Ｐゴシック"/>
-        <a:cs typeface="ＭＳ Ｐゴシック"/>
+        <a:ea typeface="MS PGothic"/>
+        <a:cs typeface="MS PGothic"/>
       </a:defRPr>
     </a:lvl7pPr>
     <a:lvl8pPr marL="3200400" algn="l" defTabSz="914400" rtl="0" eaLnBrk="1" latinLnBrk="0" hangingPunct="1">
@@ -156,8 +156,8 @@
           <a:schemeClr val="tx1"/>
         </a:solidFill>
         <a:latin typeface="Garamond" pitchFamily="18" charset="0"/>
-        <a:ea typeface="ＭＳ Ｐゴシック"/>
-        <a:cs typeface="ＭＳ Ｐゴシック"/>
+        <a:ea typeface="MS PGothic"/>
+        <a:cs typeface="MS PGothic"/>
       </a:defRPr>
     </a:lvl8pPr>
     <a:lvl9pPr marL="3657600" algn="l" defTabSz="914400" rtl="0" eaLnBrk="1" latinLnBrk="0" hangingPunct="1">
@@ -166,41 +166,11 @@
           <a:schemeClr val="tx1"/>
         </a:solidFill>
         <a:latin typeface="Garamond" pitchFamily="18" charset="0"/>
-        <a:ea typeface="ＭＳ Ｐゴシック"/>
-        <a:cs typeface="ＭＳ Ｐゴシック"/>
+        <a:ea typeface="MS PGothic"/>
+        <a:cs typeface="MS PGothic"/>
       </a:defRPr>
     </a:lvl9pPr>
   </p:defaultTextStyle>
-  <p:extLst>
-    <p:ext uri="{EFAFB233-063F-42B5-8137-9DF3F51BA10A}">
-      <p15:sldGuideLst xmlns:p15="http://schemas.microsoft.com/office/powerpoint/2012/main">
-        <p15:guide id="1" orient="horz" pos="2614" userDrawn="1">
-          <p15:clr>
-            <a:srgbClr val="A4A3A4"/>
-          </p15:clr>
-        </p15:guide>
-        <p15:guide id="2" pos="2952" userDrawn="1">
-          <p15:clr>
-            <a:srgbClr val="A4A3A4"/>
-          </p15:clr>
-        </p15:guide>
-      </p15:sldGuideLst>
-    </p:ext>
-    <p:ext uri="{2D200454-40CA-4A62-9FC3-DE9A4176ACB9}">
-      <p15:notesGuideLst xmlns:p15="http://schemas.microsoft.com/office/powerpoint/2012/main">
-        <p15:guide id="1" orient="horz" pos="3024">
-          <p15:clr>
-            <a:srgbClr val="A4A3A4"/>
-          </p15:clr>
-        </p15:guide>
-        <p15:guide id="2" pos="2308">
-          <p15:clr>
-            <a:srgbClr val="A4A3A4"/>
-          </p15:clr>
-        </p15:guide>
-      </p15:notesGuideLst>
-    </p:ext>
-  </p:extLst>
 </p:presentation>
 </file>
 
@@ -261,20 +231,14 @@
           <a:ln w="9525">
             <a:noFill/>
             <a:miter lim="800000"/>
-            <a:headEnd/>
-            <a:tailEnd/>
           </a:ln>
         </p:spPr>
         <p:txBody>
-          <a:bodyPr vert="horz" wrap="square" lIns="96603" tIns="48303" rIns="96603" bIns="48303" numCol="1" anchor="b" anchorCtr="0" compatLnSpc="1">
-            <a:prstTxWarp prst="textNoShape">
-              <a:avLst/>
-            </a:prstTxWarp>
-          </a:bodyPr>
+          <a:bodyPr vert="horz" wrap="square" lIns="96603" tIns="48303" rIns="96603" bIns="48303" numCol="1" anchor="b" anchorCtr="0" compatLnSpc="1"/>
           <a:lstStyle>
             <a:lvl1pPr defTabSz="965200">
               <a:defRPr sz="1200">
-                <a:latin typeface="Times New Roman" pitchFamily="18" charset="0"/>
+                <a:latin typeface="Times New Roman" panose="02020603050405020304" pitchFamily="-110" charset="0"/>
               </a:defRPr>
             </a:lvl1pPr>
           </a:lstStyle>
@@ -286,6 +250,7 @@
               <a:rPr lang="en-US" dirty="0"/>
               <a:t>Copyright © 2017 Elephant Scale. All rights reserved.</a:t>
             </a:r>
+            <a:endParaRPr lang="en-US" dirty="0"/>
           </a:p>
         </p:txBody>
       </p:sp>
@@ -311,20 +276,14 @@
           <a:ln w="9525">
             <a:noFill/>
             <a:miter lim="800000"/>
-            <a:headEnd/>
-            <a:tailEnd/>
           </a:ln>
         </p:spPr>
         <p:txBody>
-          <a:bodyPr vert="horz" wrap="square" lIns="96603" tIns="48303" rIns="96603" bIns="48303" numCol="1" anchor="b" anchorCtr="0" compatLnSpc="1">
-            <a:prstTxWarp prst="textNoShape">
-              <a:avLst/>
-            </a:prstTxWarp>
-          </a:bodyPr>
+          <a:bodyPr vert="horz" wrap="square" lIns="96603" tIns="48303" rIns="96603" bIns="48303" numCol="1" anchor="b" anchorCtr="0" compatLnSpc="1"/>
           <a:lstStyle>
             <a:lvl1pPr algn="r" defTabSz="965200">
               <a:defRPr sz="1200">
-                <a:latin typeface="Times New Roman" pitchFamily="18" charset="0"/>
+                <a:latin typeface="Times New Roman" panose="02020603050405020304" pitchFamily="-110" charset="0"/>
               </a:defRPr>
             </a:lvl1pPr>
           </a:lstStyle>
@@ -334,21 +293,12 @@
             </a:pPr>
             <a:fld id="{97E62689-8C7D-4291-A094-4E689FEC4C3B}" type="slidenum">
               <a:rPr lang="en-US"/>
-              <a:pPr>
-                <a:defRPr/>
-              </a:pPr>
-              <a:t>‹#›</a:t>
             </a:fld>
             <a:endParaRPr lang="en-US" dirty="0"/>
           </a:p>
         </p:txBody>
       </p:sp>
     </p:spTree>
-    <p:extLst>
-      <p:ext uri="{BB962C8B-B14F-4D97-AF65-F5344CB8AC3E}">
-        <p14:creationId xmlns:p14="http://schemas.microsoft.com/office/powerpoint/2010/main" val="3239291525"/>
-      </p:ext>
-    </p:extLst>
   </p:cSld>
   <p:clrMap bg1="lt1" tx1="dk1" bg2="lt2" tx2="dk2" accent1="accent1" accent2="accent2" accent3="accent3" accent4="accent4" accent5="accent5" accent6="accent6" hlink="hlink" folHlink="folHlink"/>
   <p:hf hdr="0" ftr="0" dt="0"/>
@@ -404,8 +354,6 @@
               <a:srgbClr val="000000"/>
             </a:solidFill>
             <a:miter lim="800000"/>
-            <a:headEnd/>
-            <a:tailEnd/>
           </a:ln>
         </p:spPr>
       </p:sp>
@@ -431,21 +379,15 @@
           <a:ln w="9525">
             <a:noFill/>
             <a:miter lim="800000"/>
-            <a:headEnd/>
-            <a:tailEnd/>
           </a:ln>
           <a:effectLst/>
         </p:spPr>
         <p:txBody>
-          <a:bodyPr vert="horz" wrap="square" lIns="0" tIns="0" rIns="0" bIns="0" numCol="1" anchor="b" anchorCtr="1" compatLnSpc="1">
-            <a:prstTxWarp prst="textNoShape">
-              <a:avLst/>
-            </a:prstTxWarp>
-          </a:bodyPr>
+          <a:bodyPr vert="horz" wrap="square" lIns="0" tIns="0" rIns="0" bIns="0" numCol="1" anchor="b" anchorCtr="1" compatLnSpc="1"/>
           <a:lstStyle>
             <a:lvl1pPr algn="ctr" defTabSz="965200" eaLnBrk="0" hangingPunct="0">
               <a:defRPr sz="900">
-                <a:latin typeface="Arial" charset="0"/>
+                <a:latin typeface="Arial" panose="020B0604020202020204" pitchFamily="34" charset="0"/>
               </a:defRPr>
             </a:lvl1pPr>
           </a:lstStyle>
@@ -457,6 +399,7 @@
               <a:rPr lang="en-US" dirty="0"/>
               <a:t>Copyright © 2017 Elephant Scale. All rights reserved.</a:t>
             </a:r>
+            <a:endParaRPr lang="en-US" dirty="0"/>
           </a:p>
         </p:txBody>
       </p:sp>
@@ -482,21 +425,15 @@
           <a:ln w="9525">
             <a:noFill/>
             <a:miter lim="800000"/>
-            <a:headEnd/>
-            <a:tailEnd/>
           </a:ln>
           <a:effectLst/>
         </p:spPr>
         <p:txBody>
-          <a:bodyPr vert="horz" wrap="square" lIns="0" tIns="0" rIns="0" bIns="0" numCol="1" anchor="b" anchorCtr="0" compatLnSpc="1">
-            <a:prstTxWarp prst="textNoShape">
-              <a:avLst/>
-            </a:prstTxWarp>
-          </a:bodyPr>
+          <a:bodyPr vert="horz" wrap="square" lIns="0" tIns="0" rIns="0" bIns="0" numCol="1" anchor="b" anchorCtr="0" compatLnSpc="1"/>
           <a:lstStyle>
             <a:lvl1pPr algn="r" defTabSz="965200" eaLnBrk="0" hangingPunct="0">
               <a:defRPr b="1">
-                <a:latin typeface="Arial" charset="0"/>
+                <a:latin typeface="Arial" panose="020B0604020202020204" pitchFamily="34" charset="0"/>
               </a:defRPr>
             </a:lvl1pPr>
           </a:lstStyle>
@@ -506,10 +443,6 @@
             </a:pPr>
             <a:fld id="{EFAADD5D-AF76-45EE-AA5F-6DAC73BF167A}" type="slidenum">
               <a:rPr lang="en-US"/>
-              <a:pPr>
-                <a:defRPr/>
-              </a:pPr>
-              <a:t>‹#›</a:t>
             </a:fld>
             <a:endParaRPr lang="en-US" dirty="0"/>
           </a:p>
@@ -535,24 +468,26 @@
           <a:ln w="9525">
             <a:noFill/>
             <a:miter lim="800000"/>
-            <a:headEnd/>
-            <a:tailEnd/>
           </a:ln>
         </p:spPr>
         <p:txBody>
           <a:bodyPr wrap="none" lIns="96386" tIns="48194" rIns="96386" bIns="48194"/>
           <a:lstStyle/>
           <a:p>
-            <a:pPr defTabSz="960438">
+            <a:pPr defTabSz="960755">
               <a:defRPr/>
             </a:pPr>
             <a:r>
               <a:rPr lang="en-US" sz="1200" b="1" u="sng" dirty="0">
-                <a:latin typeface="Times New Roman" pitchFamily="18" charset="0"/>
-                <a:cs typeface="Times New Roman" pitchFamily="18" charset="0"/>
+                <a:latin typeface="Times New Roman" panose="02020603050405020304" pitchFamily="-110" charset="0"/>
+                <a:cs typeface="Times New Roman" panose="02020603050405020304" pitchFamily="-110" charset="0"/>
               </a:rPr>
               <a:t>Notes:</a:t>
             </a:r>
+            <a:endParaRPr lang="en-US" sz="1200" b="1" u="sng" dirty="0">
+              <a:latin typeface="Times New Roman" panose="02020603050405020304" pitchFamily="-110" charset="0"/>
+              <a:cs typeface="Times New Roman" panose="02020603050405020304" pitchFamily="-110" charset="0"/>
+            </a:endParaRPr>
           </a:p>
         </p:txBody>
       </p:sp>
@@ -578,16 +513,10 @@
           <a:ln w="9525">
             <a:noFill/>
             <a:miter lim="800000"/>
-            <a:headEnd/>
-            <a:tailEnd/>
           </a:ln>
         </p:spPr>
         <p:txBody>
-          <a:bodyPr vert="horz" wrap="square" lIns="91537" tIns="45768" rIns="91537" bIns="45768" numCol="1" anchor="t" anchorCtr="0" compatLnSpc="1">
-            <a:prstTxWarp prst="textNoShape">
-              <a:avLst/>
-            </a:prstTxWarp>
-          </a:bodyPr>
+          <a:bodyPr vert="horz" wrap="square" lIns="91537" tIns="45768" rIns="91537" bIns="45768" numCol="1" anchor="t" anchorCtr="0" compatLnSpc="1"/>
           <a:lstStyle/>
           <a:p>
             <a:pPr lvl="0"/>
@@ -617,8 +546,6 @@
               <a:srgbClr val="000000"/>
             </a:solidFill>
             <a:round/>
-            <a:headEnd/>
-            <a:tailEnd/>
           </a:ln>
           <a:effectLst/>
         </p:spPr>
@@ -633,7 +560,7 @@
               <a:defRPr/>
             </a:pPr>
             <a:endParaRPr lang="en-US" dirty="0">
-              <a:latin typeface="Garamond" pitchFamily="-110" charset="0"/>
+              <a:latin typeface="Garamond" pitchFamily="18" charset="0"/>
               <a:ea typeface="+mn-ea"/>
               <a:cs typeface="+mn-cs"/>
             </a:endParaRPr>
@@ -641,11 +568,6 @@
         </p:txBody>
       </p:sp>
     </p:spTree>
-    <p:extLst>
-      <p:ext uri="{BB962C8B-B14F-4D97-AF65-F5344CB8AC3E}">
-        <p14:creationId xmlns:p14="http://schemas.microsoft.com/office/powerpoint/2010/main" val="953744030"/>
-      </p:ext>
-    </p:extLst>
   </p:cSld>
   <p:clrMap bg1="lt1" tx1="dk1" bg2="lt2" tx2="dk2" accent1="accent1" accent2="accent2" accent3="accent3" accent4="accent4" accent5="accent5" accent6="accent6" hlink="hlink" folHlink="folHlink"/>
   <p:hf dt="0"/>
@@ -658,15 +580,15 @@
         <a:spcPct val="0"/>
       </a:spcAft>
       <a:buSzPct val="65000"/>
-      <a:buFont typeface="Wingdings" pitchFamily="2" charset="2"/>
+      <a:buFont typeface="Wingdings" panose="05000000000000000000" pitchFamily="2" charset="2"/>
       <a:buNone/>
       <a:defRPr sz="1200" kern="1200">
         <a:solidFill>
           <a:schemeClr val="tx1"/>
         </a:solidFill>
-        <a:latin typeface="Times New Roman" pitchFamily="-110" charset="0"/>
-        <a:ea typeface="ＭＳ Ｐゴシック" pitchFamily="-110" charset="-128"/>
-        <a:cs typeface="ＭＳ Ｐゴシック" pitchFamily="-110" charset="-128"/>
+        <a:latin typeface="Times New Roman" panose="02020603050405020304" pitchFamily="-110" charset="0"/>
+        <a:ea typeface="MS PGothic" pitchFamily="-110" charset="-128"/>
+        <a:cs typeface="MS PGothic" pitchFamily="-110" charset="-128"/>
       </a:defRPr>
     </a:lvl1pPr>
     <a:lvl2pPr marL="282575" indent="0" algn="l" rtl="0" eaLnBrk="0" fontAlgn="base" hangingPunct="0">
@@ -681,12 +603,12 @@
         <a:solidFill>
           <a:schemeClr val="tx1"/>
         </a:solidFill>
-        <a:latin typeface="Times New Roman" pitchFamily="-110" charset="0"/>
-        <a:ea typeface="ＭＳ Ｐゴシック" pitchFamily="-110" charset="-128"/>
-        <a:cs typeface="ＭＳ Ｐゴシック"/>
+        <a:latin typeface="Times New Roman" panose="02020603050405020304" pitchFamily="-110" charset="0"/>
+        <a:ea typeface="MS PGothic" pitchFamily="-110" charset="-128"/>
+        <a:cs typeface="MS PGothic"/>
       </a:defRPr>
     </a:lvl2pPr>
-    <a:lvl3pPr marL="744538" indent="-173038" algn="l" rtl="0" eaLnBrk="0" fontAlgn="base" hangingPunct="0">
+    <a:lvl3pPr marL="744855" indent="-173355" algn="l" rtl="0" eaLnBrk="0" fontAlgn="base" hangingPunct="0">
       <a:spcBef>
         <a:spcPct val="30000"/>
       </a:spcBef>
@@ -698,9 +620,9 @@
         <a:solidFill>
           <a:schemeClr val="tx1"/>
         </a:solidFill>
-        <a:latin typeface="Times New Roman" pitchFamily="-110" charset="0"/>
-        <a:ea typeface="ＭＳ Ｐゴシック" pitchFamily="-110" charset="-128"/>
-        <a:cs typeface="ＭＳ Ｐゴシック"/>
+        <a:latin typeface="Times New Roman" panose="02020603050405020304" pitchFamily="-110" charset="0"/>
+        <a:ea typeface="MS PGothic" pitchFamily="-110" charset="-128"/>
+        <a:cs typeface="MS PGothic"/>
       </a:defRPr>
     </a:lvl3pPr>
     <a:lvl4pPr marL="1600200" indent="-228600" algn="l" rtl="0" eaLnBrk="0" fontAlgn="base" hangingPunct="0">
@@ -714,9 +636,9 @@
         <a:solidFill>
           <a:schemeClr val="tx1"/>
         </a:solidFill>
-        <a:latin typeface="Times New Roman" pitchFamily="-110" charset="0"/>
-        <a:ea typeface="ＭＳ Ｐゴシック" pitchFamily="-110" charset="-128"/>
-        <a:cs typeface="ＭＳ Ｐゴシック"/>
+        <a:latin typeface="Times New Roman" panose="02020603050405020304" pitchFamily="-110" charset="0"/>
+        <a:ea typeface="MS PGothic" pitchFamily="-110" charset="-128"/>
+        <a:cs typeface="MS PGothic"/>
       </a:defRPr>
     </a:lvl4pPr>
     <a:lvl5pPr marL="2057400" indent="-228600" algn="l" rtl="0" eaLnBrk="0" fontAlgn="base" hangingPunct="0">
@@ -730,9 +652,9 @@
         <a:solidFill>
           <a:schemeClr val="tx1"/>
         </a:solidFill>
-        <a:latin typeface="Times New Roman" pitchFamily="-110" charset="0"/>
-        <a:ea typeface="ＭＳ Ｐゴシック" pitchFamily="-110" charset="-128"/>
-        <a:cs typeface="ＭＳ Ｐゴシック"/>
+        <a:latin typeface="Times New Roman" panose="02020603050405020304" pitchFamily="-110" charset="0"/>
+        <a:ea typeface="MS PGothic" pitchFamily="-110" charset="-128"/>
+        <a:cs typeface="MS PGothic"/>
       </a:defRPr>
     </a:lvl5pPr>
     <a:lvl6pPr marL="2286000" algn="l" defTabSz="457200" rtl="0" eaLnBrk="1" latinLnBrk="0" hangingPunct="1">
@@ -827,6 +749,7 @@
               <a:rPr lang="en-US" dirty="0"/>
               <a:t>Image credit: https://superuser.com/questions/874393/what-protocol-is-used-to-transfer-a-message-in-a-http-application</a:t>
             </a:r>
+            <a:endParaRPr lang="en-US" dirty="0"/>
           </a:p>
           <a:p>
             <a:r>
@@ -883,21 +806,12 @@
             </a:pPr>
             <a:fld id="{EFAADD5D-AF76-45EE-AA5F-6DAC73BF167A}" type="slidenum">
               <a:rPr lang="en-US" smtClean="0"/>
-              <a:pPr>
-                <a:defRPr/>
-              </a:pPr>
-              <a:t>3</a:t>
             </a:fld>
             <a:endParaRPr lang="en-US" dirty="0"/>
           </a:p>
         </p:txBody>
       </p:sp>
     </p:spTree>
-    <p:extLst>
-      <p:ext uri="{BB962C8B-B14F-4D97-AF65-F5344CB8AC3E}">
-        <p14:creationId xmlns:p14="http://schemas.microsoft.com/office/powerpoint/2010/main" val="2289722487"/>
-      </p:ext>
-    </p:extLst>
   </p:cSld>
   <p:clrMapOvr>
     <a:masterClrMapping/>
@@ -1003,21 +917,12 @@
             </a:pPr>
             <a:fld id="{EFAADD5D-AF76-45EE-AA5F-6DAC73BF167A}" type="slidenum">
               <a:rPr lang="en-US" smtClean="0"/>
-              <a:pPr>
-                <a:defRPr/>
-              </a:pPr>
-              <a:t>12</a:t>
             </a:fld>
             <a:endParaRPr lang="en-US" dirty="0"/>
           </a:p>
         </p:txBody>
       </p:sp>
     </p:spTree>
-    <p:extLst>
-      <p:ext uri="{BB962C8B-B14F-4D97-AF65-F5344CB8AC3E}">
-        <p14:creationId xmlns:p14="http://schemas.microsoft.com/office/powerpoint/2010/main" val="2521583047"/>
-      </p:ext>
-    </p:extLst>
   </p:cSld>
   <p:clrMapOvr>
     <a:masterClrMapping/>
@@ -1123,21 +1028,12 @@
             </a:pPr>
             <a:fld id="{EFAADD5D-AF76-45EE-AA5F-6DAC73BF167A}" type="slidenum">
               <a:rPr lang="en-US" smtClean="0"/>
-              <a:pPr>
-                <a:defRPr/>
-              </a:pPr>
-              <a:t>17</a:t>
             </a:fld>
             <a:endParaRPr lang="en-US" dirty="0"/>
           </a:p>
         </p:txBody>
       </p:sp>
     </p:spTree>
-    <p:extLst>
-      <p:ext uri="{BB962C8B-B14F-4D97-AF65-F5344CB8AC3E}">
-        <p14:creationId xmlns:p14="http://schemas.microsoft.com/office/powerpoint/2010/main" val="1932686536"/>
-      </p:ext>
-    </p:extLst>
   </p:cSld>
   <p:clrMapOvr>
     <a:masterClrMapping/>
@@ -1239,21 +1135,12 @@
             </a:pPr>
             <a:fld id="{EFAADD5D-AF76-45EE-AA5F-6DAC73BF167A}" type="slidenum">
               <a:rPr lang="en-US" smtClean="0"/>
-              <a:pPr>
-                <a:defRPr/>
-              </a:pPr>
-              <a:t>18</a:t>
             </a:fld>
             <a:endParaRPr lang="en-US" dirty="0"/>
           </a:p>
         </p:txBody>
       </p:sp>
     </p:spTree>
-    <p:extLst>
-      <p:ext uri="{BB962C8B-B14F-4D97-AF65-F5344CB8AC3E}">
-        <p14:creationId xmlns:p14="http://schemas.microsoft.com/office/powerpoint/2010/main" val="1985281699"/>
-      </p:ext>
-    </p:extLst>
   </p:cSld>
   <p:clrMapOvr>
     <a:masterClrMapping/>
@@ -1355,21 +1242,12 @@
             </a:pPr>
             <a:fld id="{EFAADD5D-AF76-45EE-AA5F-6DAC73BF167A}" type="slidenum">
               <a:rPr lang="en-US" smtClean="0"/>
-              <a:pPr>
-                <a:defRPr/>
-              </a:pPr>
-              <a:t>19</a:t>
             </a:fld>
             <a:endParaRPr lang="en-US" dirty="0"/>
           </a:p>
         </p:txBody>
       </p:sp>
     </p:spTree>
-    <p:extLst>
-      <p:ext uri="{BB962C8B-B14F-4D97-AF65-F5344CB8AC3E}">
-        <p14:creationId xmlns:p14="http://schemas.microsoft.com/office/powerpoint/2010/main" val="1695845845"/>
-      </p:ext>
-    </p:extLst>
   </p:cSld>
   <p:clrMapOvr>
     <a:masterClrMapping/>
@@ -1471,21 +1349,12 @@
             </a:pPr>
             <a:fld id="{EFAADD5D-AF76-45EE-AA5F-6DAC73BF167A}" type="slidenum">
               <a:rPr lang="en-US" smtClean="0"/>
-              <a:pPr>
-                <a:defRPr/>
-              </a:pPr>
-              <a:t>21</a:t>
             </a:fld>
             <a:endParaRPr lang="en-US" dirty="0"/>
           </a:p>
         </p:txBody>
       </p:sp>
     </p:spTree>
-    <p:extLst>
-      <p:ext uri="{BB962C8B-B14F-4D97-AF65-F5344CB8AC3E}">
-        <p14:creationId xmlns:p14="http://schemas.microsoft.com/office/powerpoint/2010/main" val="2561139059"/>
-      </p:ext>
-    </p:extLst>
   </p:cSld>
   <p:clrMapOvr>
     <a:masterClrMapping/>
@@ -1587,21 +1456,12 @@
             </a:pPr>
             <a:fld id="{EFAADD5D-AF76-45EE-AA5F-6DAC73BF167A}" type="slidenum">
               <a:rPr lang="en-US" smtClean="0"/>
-              <a:pPr>
-                <a:defRPr/>
-              </a:pPr>
-              <a:t>22</a:t>
             </a:fld>
             <a:endParaRPr lang="en-US" dirty="0"/>
           </a:p>
         </p:txBody>
       </p:sp>
     </p:spTree>
-    <p:extLst>
-      <p:ext uri="{BB962C8B-B14F-4D97-AF65-F5344CB8AC3E}">
-        <p14:creationId xmlns:p14="http://schemas.microsoft.com/office/powerpoint/2010/main" val="444113330"/>
-      </p:ext>
-    </p:extLst>
   </p:cSld>
   <p:clrMapOvr>
     <a:masterClrMapping/>
@@ -1703,21 +1563,12 @@
             </a:pPr>
             <a:fld id="{EFAADD5D-AF76-45EE-AA5F-6DAC73BF167A}" type="slidenum">
               <a:rPr lang="en-US" smtClean="0"/>
-              <a:pPr>
-                <a:defRPr/>
-              </a:pPr>
-              <a:t>23</a:t>
             </a:fld>
             <a:endParaRPr lang="en-US" dirty="0"/>
           </a:p>
         </p:txBody>
       </p:sp>
     </p:spTree>
-    <p:extLst>
-      <p:ext uri="{BB962C8B-B14F-4D97-AF65-F5344CB8AC3E}">
-        <p14:creationId xmlns:p14="http://schemas.microsoft.com/office/powerpoint/2010/main" val="232782456"/>
-      </p:ext>
-    </p:extLst>
   </p:cSld>
   <p:clrMapOvr>
     <a:masterClrMapping/>
@@ -1819,21 +1670,12 @@
             </a:pPr>
             <a:fld id="{EFAADD5D-AF76-45EE-AA5F-6DAC73BF167A}" type="slidenum">
               <a:rPr lang="en-US" smtClean="0"/>
-              <a:pPr>
-                <a:defRPr/>
-              </a:pPr>
-              <a:t>25</a:t>
             </a:fld>
             <a:endParaRPr lang="en-US" dirty="0"/>
           </a:p>
         </p:txBody>
       </p:sp>
     </p:spTree>
-    <p:extLst>
-      <p:ext uri="{BB962C8B-B14F-4D97-AF65-F5344CB8AC3E}">
-        <p14:creationId xmlns:p14="http://schemas.microsoft.com/office/powerpoint/2010/main" val="2237001971"/>
-      </p:ext>
-    </p:extLst>
   </p:cSld>
   <p:clrMapOvr>
     <a:masterClrMapping/>
@@ -1889,6 +1731,7 @@
               <a:rPr lang="en-US" dirty="0"/>
               <a:t>Image Credit: https://nicolaswindpassinger.com/osi-reference-model</a:t>
             </a:r>
+            <a:endParaRPr lang="en-US" dirty="0"/>
           </a:p>
           <a:p>
             <a:endParaRPr lang="en-US" dirty="0"/>
@@ -1941,21 +1784,12 @@
             </a:pPr>
             <a:fld id="{EFAADD5D-AF76-45EE-AA5F-6DAC73BF167A}" type="slidenum">
               <a:rPr lang="en-US" smtClean="0"/>
-              <a:pPr>
-                <a:defRPr/>
-              </a:pPr>
-              <a:t>4</a:t>
             </a:fld>
             <a:endParaRPr lang="en-US" dirty="0"/>
           </a:p>
         </p:txBody>
       </p:sp>
     </p:spTree>
-    <p:extLst>
-      <p:ext uri="{BB962C8B-B14F-4D97-AF65-F5344CB8AC3E}">
-        <p14:creationId xmlns:p14="http://schemas.microsoft.com/office/powerpoint/2010/main" val="2690733490"/>
-      </p:ext>
-    </p:extLst>
   </p:cSld>
   <p:clrMapOvr>
     <a:masterClrMapping/>
@@ -2011,6 +1845,7 @@
               <a:rPr lang="en-US" dirty="0"/>
               <a:t>Image Credit: https://nicolaswindpassinger.com/osi-reference-model</a:t>
             </a:r>
+            <a:endParaRPr lang="en-US" dirty="0"/>
           </a:p>
         </p:txBody>
       </p:sp>
@@ -2060,21 +1895,12 @@
             </a:pPr>
             <a:fld id="{EFAADD5D-AF76-45EE-AA5F-6DAC73BF167A}" type="slidenum">
               <a:rPr lang="en-US" smtClean="0"/>
-              <a:pPr>
-                <a:defRPr/>
-              </a:pPr>
-              <a:t>5</a:t>
             </a:fld>
             <a:endParaRPr lang="en-US" dirty="0"/>
           </a:p>
         </p:txBody>
       </p:sp>
     </p:spTree>
-    <p:extLst>
-      <p:ext uri="{BB962C8B-B14F-4D97-AF65-F5344CB8AC3E}">
-        <p14:creationId xmlns:p14="http://schemas.microsoft.com/office/powerpoint/2010/main" val="3665891591"/>
-      </p:ext>
-    </p:extLst>
   </p:cSld>
   <p:clrMapOvr>
     <a:masterClrMapping/>
@@ -2180,21 +2006,12 @@
             </a:pPr>
             <a:fld id="{EFAADD5D-AF76-45EE-AA5F-6DAC73BF167A}" type="slidenum">
               <a:rPr lang="en-US" smtClean="0"/>
-              <a:pPr>
-                <a:defRPr/>
-              </a:pPr>
-              <a:t>6</a:t>
             </a:fld>
             <a:endParaRPr lang="en-US" dirty="0"/>
           </a:p>
         </p:txBody>
       </p:sp>
     </p:spTree>
-    <p:extLst>
-      <p:ext uri="{BB962C8B-B14F-4D97-AF65-F5344CB8AC3E}">
-        <p14:creationId xmlns:p14="http://schemas.microsoft.com/office/powerpoint/2010/main" val="107667788"/>
-      </p:ext>
-    </p:extLst>
   </p:cSld>
   <p:clrMapOvr>
     <a:masterClrMapping/>
@@ -2300,21 +2117,12 @@
             </a:pPr>
             <a:fld id="{EFAADD5D-AF76-45EE-AA5F-6DAC73BF167A}" type="slidenum">
               <a:rPr lang="en-US" smtClean="0"/>
-              <a:pPr>
-                <a:defRPr/>
-              </a:pPr>
-              <a:t>7</a:t>
             </a:fld>
             <a:endParaRPr lang="en-US" dirty="0"/>
           </a:p>
         </p:txBody>
       </p:sp>
     </p:spTree>
-    <p:extLst>
-      <p:ext uri="{BB962C8B-B14F-4D97-AF65-F5344CB8AC3E}">
-        <p14:creationId xmlns:p14="http://schemas.microsoft.com/office/powerpoint/2010/main" val="1381438033"/>
-      </p:ext>
-    </p:extLst>
   </p:cSld>
   <p:clrMapOvr>
     <a:masterClrMapping/>
@@ -2420,21 +2228,12 @@
             </a:pPr>
             <a:fld id="{EFAADD5D-AF76-45EE-AA5F-6DAC73BF167A}" type="slidenum">
               <a:rPr lang="en-US" smtClean="0"/>
-              <a:pPr>
-                <a:defRPr/>
-              </a:pPr>
-              <a:t>8</a:t>
             </a:fld>
             <a:endParaRPr lang="en-US" dirty="0"/>
           </a:p>
         </p:txBody>
       </p:sp>
     </p:spTree>
-    <p:extLst>
-      <p:ext uri="{BB962C8B-B14F-4D97-AF65-F5344CB8AC3E}">
-        <p14:creationId xmlns:p14="http://schemas.microsoft.com/office/powerpoint/2010/main" val="2214693369"/>
-      </p:ext>
-    </p:extLst>
   </p:cSld>
   <p:clrMapOvr>
     <a:masterClrMapping/>
@@ -2540,21 +2339,12 @@
             </a:pPr>
             <a:fld id="{EFAADD5D-AF76-45EE-AA5F-6DAC73BF167A}" type="slidenum">
               <a:rPr lang="en-US" smtClean="0"/>
-              <a:pPr>
-                <a:defRPr/>
-              </a:pPr>
-              <a:t>9</a:t>
             </a:fld>
             <a:endParaRPr lang="en-US" dirty="0"/>
           </a:p>
         </p:txBody>
       </p:sp>
     </p:spTree>
-    <p:extLst>
-      <p:ext uri="{BB962C8B-B14F-4D97-AF65-F5344CB8AC3E}">
-        <p14:creationId xmlns:p14="http://schemas.microsoft.com/office/powerpoint/2010/main" val="589062179"/>
-      </p:ext>
-    </p:extLst>
   </p:cSld>
   <p:clrMapOvr>
     <a:masterClrMapping/>
@@ -2660,21 +2450,12 @@
             </a:pPr>
             <a:fld id="{EFAADD5D-AF76-45EE-AA5F-6DAC73BF167A}" type="slidenum">
               <a:rPr lang="en-US" smtClean="0"/>
-              <a:pPr>
-                <a:defRPr/>
-              </a:pPr>
-              <a:t>10</a:t>
             </a:fld>
             <a:endParaRPr lang="en-US" dirty="0"/>
           </a:p>
         </p:txBody>
       </p:sp>
     </p:spTree>
-    <p:extLst>
-      <p:ext uri="{BB962C8B-B14F-4D97-AF65-F5344CB8AC3E}">
-        <p14:creationId xmlns:p14="http://schemas.microsoft.com/office/powerpoint/2010/main" val="2438391649"/>
-      </p:ext>
-    </p:extLst>
   </p:cSld>
   <p:clrMapOvr>
     <a:masterClrMapping/>
@@ -2780,21 +2561,12 @@
             </a:pPr>
             <a:fld id="{EFAADD5D-AF76-45EE-AA5F-6DAC73BF167A}" type="slidenum">
               <a:rPr lang="en-US" smtClean="0"/>
-              <a:pPr>
-                <a:defRPr/>
-              </a:pPr>
-              <a:t>11</a:t>
             </a:fld>
             <a:endParaRPr lang="en-US" dirty="0"/>
           </a:p>
         </p:txBody>
       </p:sp>
     </p:spTree>
-    <p:extLst>
-      <p:ext uri="{BB962C8B-B14F-4D97-AF65-F5344CB8AC3E}">
-        <p14:creationId xmlns:p14="http://schemas.microsoft.com/office/powerpoint/2010/main" val="545533022"/>
-      </p:ext>
-    </p:extLst>
   </p:cSld>
   <p:clrMapOvr>
     <a:masterClrMapping/>
@@ -2803,7 +2575,7 @@
 </file>
 
 <file path=ppt/slideLayouts/slideLayout1.xml><?xml version="1.0" encoding="utf-8"?>
-<p:sldLayout xmlns:a="http://schemas.openxmlformats.org/drawingml/2006/main" xmlns:r="http://schemas.openxmlformats.org/officeDocument/2006/relationships" xmlns:p="http://schemas.openxmlformats.org/presentationml/2006/main" showMasterSp="0" type="title" preserve="1">
+<p:sldLayout xmlns:a="http://schemas.openxmlformats.org/drawingml/2006/main" xmlns:r="http://schemas.openxmlformats.org/officeDocument/2006/relationships" xmlns:p="http://schemas.openxmlformats.org/presentationml/2006/main" type="title" preserve="1" showMasterSp="0">
   <p:cSld name="Title Slide">
     <p:bg>
       <p:bgPr>
@@ -2838,7 +2610,9 @@
         <p:blipFill rotWithShape="1">
           <a:blip r:embed="rId2"/>
           <a:srcRect t="19473"/>
-          <a:stretch/>
+          <a:stretch>
+            <a:fillRect/>
+          </a:stretch>
         </p:blipFill>
         <p:spPr bwMode="auto">
           <a:xfrm>
@@ -2889,6 +2663,7 @@
               <a:rPr lang="en-US"/>
               <a:t>Click to edit Master subtitle style</a:t>
             </a:r>
+            <a:endParaRPr lang="en-US"/>
           </a:p>
         </p:txBody>
       </p:sp>
@@ -2920,6 +2695,7 @@
               <a:rPr lang="en-US"/>
               <a:t>Click to edit Master title style</a:t>
             </a:r>
+            <a:endParaRPr lang="en-US"/>
           </a:p>
         </p:txBody>
       </p:sp>
@@ -2928,6 +2704,7 @@
   <p:clrMapOvr>
     <a:masterClrMapping/>
   </p:clrMapOvr>
+  <p:hf hdr="0" dt="0"/>
 </p:sldLayout>
 </file>
 
@@ -2969,6 +2746,7 @@
               <a:rPr lang="en-US" dirty="0"/>
               <a:t>Click to edit Master title style</a:t>
             </a:r>
+            <a:endParaRPr lang="en-US" dirty="0"/>
           </a:p>
         </p:txBody>
       </p:sp>
@@ -2992,6 +2770,7 @@
               <a:rPr lang="en-US" dirty="0"/>
               <a:t>Click to edit Master text styles</a:t>
             </a:r>
+            <a:endParaRPr lang="en-US" dirty="0"/>
           </a:p>
           <a:p>
             <a:pPr lvl="1"/>
@@ -2999,6 +2778,7 @@
               <a:rPr lang="en-US" dirty="0"/>
               <a:t>Second level</a:t>
             </a:r>
+            <a:endParaRPr lang="en-US" dirty="0"/>
           </a:p>
           <a:p>
             <a:pPr lvl="2"/>
@@ -3006,6 +2786,7 @@
               <a:rPr lang="en-US" dirty="0"/>
               <a:t>Third level</a:t>
             </a:r>
+            <a:endParaRPr lang="en-US" dirty="0"/>
           </a:p>
           <a:p>
             <a:pPr lvl="3"/>
@@ -3013,6 +2794,7 @@
               <a:rPr lang="en-US" dirty="0"/>
               <a:t>Fourth level</a:t>
             </a:r>
+            <a:endParaRPr lang="en-US" dirty="0"/>
           </a:p>
           <a:p>
             <a:pPr lvl="4"/>
@@ -3020,6 +2802,7 @@
               <a:rPr lang="en-US" dirty="0"/>
               <a:t>Fifth level</a:t>
             </a:r>
+            <a:endParaRPr lang="en-US" dirty="0"/>
           </a:p>
         </p:txBody>
       </p:sp>
@@ -3043,8 +2826,9 @@
             </a:pPr>
             <a:r>
               <a:rPr lang="en-US" dirty="0"/>
-              <a:t>Copyright © 2017 Elephant Scale. All rights reserved.</a:t>
-            </a:r>
+              <a:t>Copyright © 2021 Elephant Scale. All rights reserved.</a:t>
+            </a:r>
+            <a:endParaRPr lang="en-US" dirty="0"/>
           </a:p>
         </p:txBody>
       </p:sp>
@@ -3068,10 +2852,6 @@
             </a:pPr>
             <a:fld id="{77EF9825-4C23-4085-A4E3-B5565466BD91}" type="slidenum">
               <a:rPr lang="en-US" smtClean="0"/>
-              <a:pPr>
-                <a:defRPr/>
-              </a:pPr>
-              <a:t>‹#›</a:t>
             </a:fld>
             <a:endParaRPr lang="en-US" dirty="0"/>
           </a:p>
@@ -3082,6 +2862,7 @@
   <p:clrMapOvr>
     <a:masterClrMapping/>
   </p:clrMapOvr>
+  <p:hf hdr="0" dt="0"/>
 </p:sldLayout>
 </file>
 
@@ -3126,6 +2907,7 @@
               <a:rPr lang="en-US"/>
               <a:t>Click to edit Master title style</a:t>
             </a:r>
+            <a:endParaRPr lang="en-US"/>
           </a:p>
         </p:txBody>
       </p:sp>
@@ -3154,6 +2936,7 @@
               <a:rPr lang="en-US"/>
               <a:t>Click to edit Master text styles</a:t>
             </a:r>
+            <a:endParaRPr lang="en-US"/>
           </a:p>
           <a:p>
             <a:pPr lvl="1"/>
@@ -3161,6 +2944,7 @@
               <a:rPr lang="en-US"/>
               <a:t>Second level</a:t>
             </a:r>
+            <a:endParaRPr lang="en-US"/>
           </a:p>
           <a:p>
             <a:pPr lvl="2"/>
@@ -3168,6 +2952,7 @@
               <a:rPr lang="en-US"/>
               <a:t>Third level</a:t>
             </a:r>
+            <a:endParaRPr lang="en-US"/>
           </a:p>
           <a:p>
             <a:pPr lvl="3"/>
@@ -3175,6 +2960,7 @@
               <a:rPr lang="en-US"/>
               <a:t>Fourth level</a:t>
             </a:r>
+            <a:endParaRPr lang="en-US"/>
           </a:p>
           <a:p>
             <a:pPr lvl="4"/>
@@ -3182,6 +2968,7 @@
               <a:rPr lang="en-US"/>
               <a:t>Fifth level</a:t>
             </a:r>
+            <a:endParaRPr lang="en-US"/>
           </a:p>
         </p:txBody>
       </p:sp>
@@ -3210,6 +2997,7 @@
               <a:rPr lang="en-US"/>
               <a:t>Click to edit Master text styles</a:t>
             </a:r>
+            <a:endParaRPr lang="en-US"/>
           </a:p>
           <a:p>
             <a:pPr lvl="1"/>
@@ -3217,6 +3005,7 @@
               <a:rPr lang="en-US"/>
               <a:t>Second level</a:t>
             </a:r>
+            <a:endParaRPr lang="en-US"/>
           </a:p>
           <a:p>
             <a:pPr lvl="2"/>
@@ -3224,6 +3013,7 @@
               <a:rPr lang="en-US"/>
               <a:t>Third level</a:t>
             </a:r>
+            <a:endParaRPr lang="en-US"/>
           </a:p>
           <a:p>
             <a:pPr lvl="3"/>
@@ -3231,6 +3021,7 @@
               <a:rPr lang="en-US"/>
               <a:t>Fourth level</a:t>
             </a:r>
+            <a:endParaRPr lang="en-US"/>
           </a:p>
           <a:p>
             <a:pPr lvl="4"/>
@@ -3238,6 +3029,7 @@
               <a:rPr lang="en-US"/>
               <a:t>Fifth level</a:t>
             </a:r>
+            <a:endParaRPr lang="en-US"/>
           </a:p>
         </p:txBody>
       </p:sp>
@@ -3266,6 +3058,7 @@
               <a:rPr lang="en-US"/>
               <a:t>Click to edit Master text styles</a:t>
             </a:r>
+            <a:endParaRPr lang="en-US"/>
           </a:p>
           <a:p>
             <a:pPr lvl="1"/>
@@ -3273,6 +3066,7 @@
               <a:rPr lang="en-US"/>
               <a:t>Second level</a:t>
             </a:r>
+            <a:endParaRPr lang="en-US"/>
           </a:p>
           <a:p>
             <a:pPr lvl="2"/>
@@ -3280,6 +3074,7 @@
               <a:rPr lang="en-US"/>
               <a:t>Third level</a:t>
             </a:r>
+            <a:endParaRPr lang="en-US"/>
           </a:p>
           <a:p>
             <a:pPr lvl="3"/>
@@ -3287,6 +3082,7 @@
               <a:rPr lang="en-US"/>
               <a:t>Fourth level</a:t>
             </a:r>
+            <a:endParaRPr lang="en-US"/>
           </a:p>
           <a:p>
             <a:pPr lvl="4"/>
@@ -3294,6 +3090,7 @@
               <a:rPr lang="en-US"/>
               <a:t>Fifth level</a:t>
             </a:r>
+            <a:endParaRPr lang="en-US"/>
           </a:p>
         </p:txBody>
       </p:sp>
@@ -3307,9 +3104,7 @@
             <p:ph type="sldNum" sz="quarter" idx="11"/>
           </p:nvPr>
         </p:nvSpPr>
-        <p:spPr>
-          <a:ln/>
-        </p:spPr>
+        <p:spPr/>
         <p:txBody>
           <a:bodyPr/>
           <a:lstStyle>
@@ -3323,10 +3118,6 @@
             </a:pPr>
             <a:fld id="{040E4B02-67B9-4228-B08B-2561CEE6B946}" type="slidenum">
               <a:rPr lang="en-US"/>
-              <a:pPr>
-                <a:defRPr/>
-              </a:pPr>
-              <a:t>‹#›</a:t>
             </a:fld>
             <a:endParaRPr lang="en-US" dirty="0"/>
           </a:p>
@@ -3342,9 +3133,7 @@
             <p:ph type="ftr" sz="quarter" idx="12"/>
           </p:nvPr>
         </p:nvSpPr>
-        <p:spPr>
-          <a:ln/>
-        </p:spPr>
+        <p:spPr/>
         <p:txBody>
           <a:bodyPr/>
           <a:lstStyle>
@@ -3358,8 +3147,9 @@
             </a:pPr>
             <a:r>
               <a:rPr lang="en-US" dirty="0"/>
-              <a:t>Copyright © 2017 Elephant Scale. All rights reserved.</a:t>
-            </a:r>
+              <a:t>Copyright © 2021 Elephant Scale. All rights reserved.</a:t>
+            </a:r>
+            <a:endParaRPr lang="en-US" dirty="0"/>
           </a:p>
         </p:txBody>
       </p:sp>
@@ -3368,6 +3158,7 @@
   <p:clrMapOvr>
     <a:masterClrMapping/>
   </p:clrMapOvr>
+  <p:hf hdr="0" dt="0"/>
 </p:sldLayout>
 </file>
 
@@ -3412,6 +3203,7 @@
               <a:rPr lang="en-US"/>
               <a:t>Click to edit Master title style</a:t>
             </a:r>
+            <a:endParaRPr lang="en-US"/>
           </a:p>
         </p:txBody>
       </p:sp>
@@ -3440,6 +3232,7 @@
               <a:rPr lang="en-US"/>
               <a:t>Click to edit Master text styles</a:t>
             </a:r>
+            <a:endParaRPr lang="en-US"/>
           </a:p>
           <a:p>
             <a:pPr lvl="1"/>
@@ -3447,6 +3240,7 @@
               <a:rPr lang="en-US"/>
               <a:t>Second level</a:t>
             </a:r>
+            <a:endParaRPr lang="en-US"/>
           </a:p>
           <a:p>
             <a:pPr lvl="2"/>
@@ -3454,6 +3248,7 @@
               <a:rPr lang="en-US"/>
               <a:t>Third level</a:t>
             </a:r>
+            <a:endParaRPr lang="en-US"/>
           </a:p>
           <a:p>
             <a:pPr lvl="3"/>
@@ -3461,6 +3256,7 @@
               <a:rPr lang="en-US"/>
               <a:t>Fourth level</a:t>
             </a:r>
+            <a:endParaRPr lang="en-US"/>
           </a:p>
           <a:p>
             <a:pPr lvl="4"/>
@@ -3468,6 +3264,7 @@
               <a:rPr lang="en-US"/>
               <a:t>Fifth level</a:t>
             </a:r>
+            <a:endParaRPr lang="en-US"/>
           </a:p>
         </p:txBody>
       </p:sp>
@@ -3496,6 +3293,7 @@
               <a:rPr lang="en-US"/>
               <a:t>Click to edit Master text styles</a:t>
             </a:r>
+            <a:endParaRPr lang="en-US"/>
           </a:p>
           <a:p>
             <a:pPr lvl="1"/>
@@ -3503,6 +3301,7 @@
               <a:rPr lang="en-US"/>
               <a:t>Second level</a:t>
             </a:r>
+            <a:endParaRPr lang="en-US"/>
           </a:p>
           <a:p>
             <a:pPr lvl="2"/>
@@ -3510,6 +3309,7 @@
               <a:rPr lang="en-US"/>
               <a:t>Third level</a:t>
             </a:r>
+            <a:endParaRPr lang="en-US"/>
           </a:p>
           <a:p>
             <a:pPr lvl="3"/>
@@ -3517,6 +3317,7 @@
               <a:rPr lang="en-US"/>
               <a:t>Fourth level</a:t>
             </a:r>
+            <a:endParaRPr lang="en-US"/>
           </a:p>
           <a:p>
             <a:pPr lvl="4"/>
@@ -3524,6 +3325,7 @@
               <a:rPr lang="en-US"/>
               <a:t>Fifth level</a:t>
             </a:r>
+            <a:endParaRPr lang="en-US"/>
           </a:p>
         </p:txBody>
       </p:sp>
@@ -3537,9 +3339,7 @@
             <p:ph type="sldNum" sz="quarter" idx="11"/>
           </p:nvPr>
         </p:nvSpPr>
-        <p:spPr>
-          <a:ln/>
-        </p:spPr>
+        <p:spPr/>
         <p:txBody>
           <a:bodyPr/>
           <a:lstStyle>
@@ -3553,10 +3353,6 @@
             </a:pPr>
             <a:fld id="{A86CC632-9864-46F1-8EAB-FCD3BB9CEC9A}" type="slidenum">
               <a:rPr lang="en-US"/>
-              <a:pPr>
-                <a:defRPr/>
-              </a:pPr>
-              <a:t>‹#›</a:t>
             </a:fld>
             <a:endParaRPr lang="en-US" dirty="0"/>
           </a:p>
@@ -3572,9 +3368,7 @@
             <p:ph type="ftr" sz="quarter" idx="12"/>
           </p:nvPr>
         </p:nvSpPr>
-        <p:spPr>
-          <a:ln/>
-        </p:spPr>
+        <p:spPr/>
         <p:txBody>
           <a:bodyPr/>
           <a:lstStyle>
@@ -3588,8 +3382,9 @@
             </a:pPr>
             <a:r>
               <a:rPr lang="en-US" dirty="0"/>
-              <a:t>Copyright © 2017 Elephant Scale. All rights reserved.</a:t>
-            </a:r>
+              <a:t>Copyright © 2021 Elephant Scale. All rights reserved.</a:t>
+            </a:r>
+            <a:endParaRPr lang="en-US" dirty="0"/>
           </a:p>
         </p:txBody>
       </p:sp>
@@ -3598,6 +3393,7 @@
   <p:clrMapOvr>
     <a:masterClrMapping/>
   </p:clrMapOvr>
+  <p:hf hdr="0" dt="0"/>
 </p:sldLayout>
 </file>
 
@@ -3648,15 +3444,10 @@
           <a:ln w="9525">
             <a:noFill/>
             <a:miter lim="800000"/>
-            <a:headEnd/>
-            <a:tailEnd/>
           </a:ln>
         </p:spPr>
         <p:txBody>
           <a:bodyPr vert="horz" wrap="square" lIns="92007" tIns="46005" rIns="92007" bIns="46005" numCol="1" anchor="t" anchorCtr="0" compatLnSpc="1">
-            <a:prstTxWarp prst="textNoShape">
-              <a:avLst/>
-            </a:prstTxWarp>
             <a:normAutofit/>
           </a:bodyPr>
           <a:lstStyle/>
@@ -3666,6 +3457,7 @@
               <a:rPr lang="en-US" dirty="0"/>
               <a:t>Click to edit Master text styles</a:t>
             </a:r>
+            <a:endParaRPr lang="en-US" dirty="0"/>
           </a:p>
           <a:p>
             <a:pPr lvl="1"/>
@@ -3673,6 +3465,7 @@
               <a:rPr lang="en-US" dirty="0"/>
               <a:t>Second level</a:t>
             </a:r>
+            <a:endParaRPr lang="en-US" dirty="0"/>
           </a:p>
           <a:p>
             <a:pPr lvl="2"/>
@@ -3680,6 +3473,7 @@
               <a:rPr lang="en-US" dirty="0"/>
               <a:t>Third level</a:t>
             </a:r>
+            <a:endParaRPr lang="en-US" dirty="0"/>
           </a:p>
           <a:p>
             <a:pPr lvl="3"/>
@@ -3687,6 +3481,7 @@
               <a:rPr lang="en-US" dirty="0"/>
               <a:t>Fourth level</a:t>
             </a:r>
+            <a:endParaRPr lang="en-US" dirty="0"/>
           </a:p>
           <a:p>
             <a:pPr lvl="4"/>
@@ -3694,6 +3489,7 @@
               <a:rPr lang="en-US" dirty="0"/>
               <a:t>Fifth level</a:t>
             </a:r>
+            <a:endParaRPr lang="en-US" dirty="0"/>
           </a:p>
         </p:txBody>
       </p:sp>
@@ -3719,26 +3515,20 @@
           <a:ln w="9525">
             <a:noFill/>
             <a:miter lim="800000"/>
-            <a:headEnd/>
-            <a:tailEnd/>
           </a:ln>
           <a:effectLst/>
         </p:spPr>
         <p:txBody>
-          <a:bodyPr vert="horz" wrap="square" lIns="0" tIns="0" rIns="0" bIns="0" numCol="1" anchor="b" anchorCtr="0" compatLnSpc="1">
-            <a:prstTxWarp prst="textNoShape">
-              <a:avLst/>
-            </a:prstTxWarp>
-          </a:bodyPr>
+          <a:bodyPr vert="horz" wrap="square" lIns="0" tIns="0" rIns="0" bIns="0" numCol="1" anchor="b" anchorCtr="0" compatLnSpc="1"/>
           <a:lstStyle>
             <a:lvl1pPr algn="r" eaLnBrk="0" hangingPunct="0">
               <a:defRPr b="1">
                 <a:solidFill>
                   <a:srgbClr val="000000"/>
                 </a:solidFill>
-                <a:latin typeface="Arial" charset="0"/>
-                <a:ea typeface="ＭＳ Ｐゴシック" charset="0"/>
-                <a:cs typeface="ＭＳ Ｐゴシック" charset="0"/>
+                <a:latin typeface="Arial" panose="020B0604020202020204" pitchFamily="34" charset="0"/>
+                <a:ea typeface="MS PGothic" charset="0"/>
+                <a:cs typeface="MS PGothic" charset="0"/>
               </a:defRPr>
             </a:lvl1pPr>
           </a:lstStyle>
@@ -3748,10 +3538,6 @@
             </a:pPr>
             <a:fld id="{77EF9825-4C23-4085-A4E3-B5565466BD91}" type="slidenum">
               <a:rPr lang="en-US"/>
-              <a:pPr>
-                <a:defRPr/>
-              </a:pPr>
-              <a:t>‹#›</a:t>
             </a:fld>
             <a:endParaRPr lang="en-US" dirty="0"/>
           </a:p>
@@ -3779,16 +3565,11 @@
           <a:ln w="9525">
             <a:noFill/>
             <a:miter lim="800000"/>
-            <a:headEnd/>
-            <a:tailEnd/>
           </a:ln>
           <a:effectLst/>
         </p:spPr>
         <p:txBody>
           <a:bodyPr vert="horz" wrap="square" lIns="0" tIns="0" rIns="0" bIns="0" numCol="1" anchor="t" anchorCtr="0" compatLnSpc="1">
-            <a:prstTxWarp prst="textNoShape">
-              <a:avLst/>
-            </a:prstTxWarp>
             <a:spAutoFit/>
           </a:bodyPr>
           <a:lstStyle>
@@ -3812,8 +3593,9 @@
             </a:pPr>
             <a:r>
               <a:rPr lang="en-US" dirty="0"/>
-              <a:t>Copyright © 2017 Elephant Scale. All rights reserved.</a:t>
-            </a:r>
+              <a:t>Copyright © 2021 Elephant Scale. All rights reserved.</a:t>
+            </a:r>
+            <a:endParaRPr lang="en-US" dirty="0"/>
           </a:p>
         </p:txBody>
       </p:sp>
@@ -3826,7 +3608,7 @@
           <p:nvPr/>
         </p:nvPicPr>
         <p:blipFill>
-          <a:blip r:embed="rId6"/>
+          <a:blip r:embed="rId5"/>
           <a:srcRect/>
           <a:stretch>
             <a:fillRect/>
@@ -3873,16 +3655,10 @@
           <a:ln w="9525">
             <a:noFill/>
             <a:miter lim="800000"/>
-            <a:headEnd/>
-            <a:tailEnd/>
           </a:ln>
         </p:spPr>
         <p:txBody>
-          <a:bodyPr vert="horz" wrap="square" lIns="92007" tIns="46005" rIns="92007" bIns="46005" numCol="1" anchor="b" anchorCtr="0" compatLnSpc="1">
-            <a:prstTxWarp prst="textNoShape">
-              <a:avLst/>
-            </a:prstTxWarp>
-          </a:bodyPr>
+          <a:bodyPr vert="horz" wrap="square" lIns="92007" tIns="46005" rIns="92007" bIns="46005" numCol="1" anchor="b" anchorCtr="0" compatLnSpc="1"/>
           <a:lstStyle/>
           <a:p>
             <a:pPr lvl="0"/>
@@ -3890,6 +3666,7 @@
               <a:rPr lang="en-US" dirty="0"/>
               <a:t>Click to edit Master title style</a:t>
             </a:r>
+            <a:endParaRPr lang="en-US" dirty="0"/>
           </a:p>
         </p:txBody>
       </p:sp>
@@ -3897,10 +3674,10 @@
   </p:cSld>
   <p:clrMap bg1="dk2" tx1="lt1" bg2="dk1" tx2="lt2" accent1="accent1" accent2="accent2" accent3="accent3" accent4="accent4" accent5="accent5" accent6="accent6" hlink="hlink" folHlink="folHlink"/>
   <p:sldLayoutIdLst>
-    <p:sldLayoutId id="2147483656" r:id="rId1"/>
-    <p:sldLayoutId id="2147483655" r:id="rId2"/>
-    <p:sldLayoutId id="2147483654" r:id="rId3"/>
-    <p:sldLayoutId id="2147483653" r:id="rId4"/>
+    <p:sldLayoutId id="2147483649" r:id="rId1"/>
+    <p:sldLayoutId id="2147483650" r:id="rId2"/>
+    <p:sldLayoutId id="2147483651" r:id="rId3"/>
+    <p:sldLayoutId id="2147483652" r:id="rId4"/>
   </p:sldLayoutIdLst>
   <p:hf hdr="0" dt="0"/>
   <p:txStyles>
@@ -3917,8 +3694,8 @@
             <a:schemeClr val="tx1"/>
           </a:solidFill>
           <a:latin typeface="+mj-lt"/>
-          <a:ea typeface="ＭＳ Ｐゴシック" pitchFamily="-110" charset="-128"/>
-          <a:cs typeface="ＭＳ Ｐゴシック" pitchFamily="-110" charset="-128"/>
+          <a:ea typeface="MS PGothic" pitchFamily="-110" charset="-128"/>
+          <a:cs typeface="MS PGothic" pitchFamily="-110" charset="-128"/>
         </a:defRPr>
       </a:lvl1pPr>
       <a:lvl2pPr algn="l" rtl="0" eaLnBrk="0" fontAlgn="base" hangingPunct="0">
@@ -3932,9 +3709,9 @@
           <a:solidFill>
             <a:schemeClr val="tx1"/>
           </a:solidFill>
-          <a:latin typeface="Verdana" pitchFamily="-110" charset="0"/>
-          <a:ea typeface="ＭＳ Ｐゴシック" pitchFamily="-110" charset="-128"/>
-          <a:cs typeface="ＭＳ Ｐゴシック" pitchFamily="-110" charset="-128"/>
+          <a:latin typeface="Verdana" panose="020B0604030504040204" pitchFamily="-110" charset="0"/>
+          <a:ea typeface="MS PGothic" pitchFamily="-110" charset="-128"/>
+          <a:cs typeface="MS PGothic" pitchFamily="-110" charset="-128"/>
         </a:defRPr>
       </a:lvl2pPr>
       <a:lvl3pPr algn="l" rtl="0" eaLnBrk="0" fontAlgn="base" hangingPunct="0">
@@ -3948,9 +3725,9 @@
           <a:solidFill>
             <a:schemeClr val="tx1"/>
           </a:solidFill>
-          <a:latin typeface="Verdana" pitchFamily="-110" charset="0"/>
-          <a:ea typeface="ＭＳ Ｐゴシック" pitchFamily="-110" charset="-128"/>
-          <a:cs typeface="ＭＳ Ｐゴシック" pitchFamily="-110" charset="-128"/>
+          <a:latin typeface="Verdana" panose="020B0604030504040204" pitchFamily="-110" charset="0"/>
+          <a:ea typeface="MS PGothic" pitchFamily="-110" charset="-128"/>
+          <a:cs typeface="MS PGothic" pitchFamily="-110" charset="-128"/>
         </a:defRPr>
       </a:lvl3pPr>
       <a:lvl4pPr algn="l" rtl="0" eaLnBrk="0" fontAlgn="base" hangingPunct="0">
@@ -3964,9 +3741,9 @@
           <a:solidFill>
             <a:schemeClr val="tx1"/>
           </a:solidFill>
-          <a:latin typeface="Verdana" pitchFamily="-110" charset="0"/>
-          <a:ea typeface="ＭＳ Ｐゴシック" pitchFamily="-110" charset="-128"/>
-          <a:cs typeface="ＭＳ Ｐゴシック" pitchFamily="-110" charset="-128"/>
+          <a:latin typeface="Verdana" panose="020B0604030504040204" pitchFamily="-110" charset="0"/>
+          <a:ea typeface="MS PGothic" pitchFamily="-110" charset="-128"/>
+          <a:cs typeface="MS PGothic" pitchFamily="-110" charset="-128"/>
         </a:defRPr>
       </a:lvl4pPr>
       <a:lvl5pPr algn="l" rtl="0" eaLnBrk="0" fontAlgn="base" hangingPunct="0">
@@ -3980,9 +3757,9 @@
           <a:solidFill>
             <a:schemeClr val="tx1"/>
           </a:solidFill>
-          <a:latin typeface="Verdana" pitchFamily="-110" charset="0"/>
-          <a:ea typeface="ＭＳ Ｐゴシック" pitchFamily="-110" charset="-128"/>
-          <a:cs typeface="ＭＳ Ｐゴシック" pitchFamily="-110" charset="-128"/>
+          <a:latin typeface="Verdana" panose="020B0604030504040204" pitchFamily="-110" charset="0"/>
+          <a:ea typeface="MS PGothic" pitchFamily="-110" charset="-128"/>
+          <a:cs typeface="MS PGothic" pitchFamily="-110" charset="-128"/>
         </a:defRPr>
       </a:lvl5pPr>
       <a:lvl6pPr marL="457200" algn="l" rtl="0" eaLnBrk="0" fontAlgn="base" hangingPunct="0">
@@ -3996,7 +3773,7 @@
           <a:solidFill>
             <a:schemeClr val="tx1"/>
           </a:solidFill>
-          <a:latin typeface="Verdana" pitchFamily="-110" charset="0"/>
+          <a:latin typeface="Verdana" panose="020B0604030504040204" pitchFamily="-110" charset="0"/>
         </a:defRPr>
       </a:lvl6pPr>
       <a:lvl7pPr marL="914400" algn="l" rtl="0" eaLnBrk="0" fontAlgn="base" hangingPunct="0">
@@ -4010,7 +3787,7 @@
           <a:solidFill>
             <a:schemeClr val="tx1"/>
           </a:solidFill>
-          <a:latin typeface="Verdana" pitchFamily="-110" charset="0"/>
+          <a:latin typeface="Verdana" panose="020B0604030504040204" pitchFamily="-110" charset="0"/>
         </a:defRPr>
       </a:lvl7pPr>
       <a:lvl8pPr marL="1371600" algn="l" rtl="0" eaLnBrk="0" fontAlgn="base" hangingPunct="0">
@@ -4024,7 +3801,7 @@
           <a:solidFill>
             <a:schemeClr val="tx1"/>
           </a:solidFill>
-          <a:latin typeface="Verdana" pitchFamily="-110" charset="0"/>
+          <a:latin typeface="Verdana" panose="020B0604030504040204" pitchFamily="-110" charset="0"/>
         </a:defRPr>
       </a:lvl8pPr>
       <a:lvl9pPr marL="1828800" algn="l" rtl="0" eaLnBrk="0" fontAlgn="base" hangingPunct="0">
@@ -4038,12 +3815,12 @@
           <a:solidFill>
             <a:schemeClr val="tx1"/>
           </a:solidFill>
-          <a:latin typeface="Verdana" pitchFamily="-110" charset="0"/>
+          <a:latin typeface="Verdana" panose="020B0604030504040204" pitchFamily="-110" charset="0"/>
         </a:defRPr>
       </a:lvl9pPr>
     </p:titleStyle>
     <p:bodyStyle>
-      <a:lvl1pPr marL="290513" indent="-290513" algn="l" rtl="0" eaLnBrk="0" fontAlgn="base" hangingPunct="0">
+      <a:lvl1pPr marL="290830" indent="-290830" algn="l" rtl="0" eaLnBrk="0" fontAlgn="base" hangingPunct="0">
         <a:spcBef>
           <a:spcPct val="20000"/>
         </a:spcBef>
@@ -4054,18 +3831,18 @@
           <a:schemeClr val="tx2"/>
         </a:buClr>
         <a:buSzPct val="65000"/>
-        <a:buFont typeface="Wingdings" pitchFamily="2" charset="2"/>
+        <a:buFont typeface="Wingdings" panose="05000000000000000000" pitchFamily="2" charset="2"/>
         <a:buChar char=""/>
         <a:defRPr sz="2400">
           <a:solidFill>
             <a:srgbClr val="000000"/>
           </a:solidFill>
           <a:latin typeface="+mn-lt"/>
-          <a:ea typeface="ＭＳ Ｐゴシック" pitchFamily="-110" charset="-128"/>
-          <a:cs typeface="ＭＳ Ｐゴシック" pitchFamily="-110" charset="-128"/>
+          <a:ea typeface="MS PGothic" pitchFamily="-110" charset="-128"/>
+          <a:cs typeface="MS PGothic" pitchFamily="-110" charset="-128"/>
         </a:defRPr>
       </a:lvl1pPr>
-      <a:lvl2pPr marL="633413" indent="-228600" algn="l" rtl="0" eaLnBrk="0" fontAlgn="base" hangingPunct="0">
+      <a:lvl2pPr marL="633730" indent="-228600" algn="l" rtl="0" eaLnBrk="0" fontAlgn="base" hangingPunct="0">
         <a:spcBef>
           <a:spcPct val="20000"/>
         </a:spcBef>
@@ -4081,11 +3858,11 @@
             <a:srgbClr val="000000"/>
           </a:solidFill>
           <a:latin typeface="+mn-lt"/>
-          <a:ea typeface="ＭＳ Ｐゴシック" pitchFamily="-110" charset="-128"/>
-          <a:cs typeface="ＭＳ Ｐゴシック"/>
+          <a:ea typeface="MS PGothic" pitchFamily="-110" charset="-128"/>
+          <a:cs typeface="MS PGothic"/>
         </a:defRPr>
       </a:lvl2pPr>
-      <a:lvl3pPr marL="969963" indent="-222250" algn="l" rtl="0" eaLnBrk="0" fontAlgn="base" hangingPunct="0">
+      <a:lvl3pPr marL="970280" indent="-222250" algn="l" rtl="0" eaLnBrk="0" fontAlgn="base" hangingPunct="0">
         <a:spcBef>
           <a:spcPct val="20000"/>
         </a:spcBef>
@@ -4098,11 +3875,11 @@
             <a:srgbClr val="000000"/>
           </a:solidFill>
           <a:latin typeface="+mn-lt"/>
-          <a:ea typeface="ＭＳ Ｐゴシック" pitchFamily="-110" charset="-128"/>
-          <a:cs typeface="ＭＳ Ｐゴシック"/>
+          <a:ea typeface="MS PGothic" pitchFamily="-110" charset="-128"/>
+          <a:cs typeface="MS PGothic"/>
         </a:defRPr>
       </a:lvl3pPr>
-      <a:lvl4pPr marL="1258888" indent="-228600" algn="l" rtl="0" eaLnBrk="0" fontAlgn="base" hangingPunct="0">
+      <a:lvl4pPr marL="1259205" indent="-228600" algn="l" rtl="0" eaLnBrk="0" fontAlgn="base" hangingPunct="0">
         <a:spcBef>
           <a:spcPct val="0"/>
         </a:spcBef>
@@ -4120,11 +3897,11 @@
             <a:srgbClr val="000000"/>
           </a:solidFill>
           <a:latin typeface="+mn-lt"/>
-          <a:ea typeface="ＭＳ Ｐゴシック" pitchFamily="-110" charset="-128"/>
-          <a:cs typeface="ＭＳ Ｐゴシック"/>
+          <a:ea typeface="MS PGothic" pitchFamily="-110" charset="-128"/>
+          <a:cs typeface="MS PGothic"/>
         </a:defRPr>
       </a:lvl4pPr>
-      <a:lvl5pPr marL="2055813" indent="-230188" algn="l" rtl="0" eaLnBrk="0" fontAlgn="base" hangingPunct="0">
+      <a:lvl5pPr marL="2056130" indent="-230505" algn="l" rtl="0" eaLnBrk="0" fontAlgn="base" hangingPunct="0">
         <a:spcBef>
           <a:spcPct val="20000"/>
         </a:spcBef>
@@ -4138,12 +3915,12 @@
           <a:solidFill>
             <a:schemeClr val="tx1"/>
           </a:solidFill>
-          <a:latin typeface="Times New Roman" pitchFamily="-110" charset="0"/>
-          <a:ea typeface="ＭＳ Ｐゴシック" pitchFamily="-110" charset="-128"/>
-          <a:cs typeface="ＭＳ Ｐゴシック"/>
+          <a:latin typeface="Times New Roman" panose="02020603050405020304" pitchFamily="-110" charset="0"/>
+          <a:ea typeface="MS PGothic" pitchFamily="-110" charset="-128"/>
+          <a:cs typeface="MS PGothic"/>
         </a:defRPr>
       </a:lvl5pPr>
-      <a:lvl6pPr marL="2513013" indent="-230188" algn="l" rtl="0" eaLnBrk="0" fontAlgn="base" hangingPunct="0">
+      <a:lvl6pPr marL="2513330" indent="-230505" algn="l" rtl="0" eaLnBrk="0" fontAlgn="base" hangingPunct="0">
         <a:spcBef>
           <a:spcPct val="20000"/>
         </a:spcBef>
@@ -4157,11 +3934,11 @@
           <a:solidFill>
             <a:schemeClr val="tx1"/>
           </a:solidFill>
-          <a:latin typeface="Times New Roman" pitchFamily="-110" charset="0"/>
-          <a:ea typeface="ＭＳ Ｐゴシック" pitchFamily="-110" charset="-128"/>
+          <a:latin typeface="Times New Roman" panose="02020603050405020304" pitchFamily="-110" charset="0"/>
+          <a:ea typeface="MS PGothic" pitchFamily="-110" charset="-128"/>
         </a:defRPr>
       </a:lvl6pPr>
-      <a:lvl7pPr marL="2970213" indent="-230188" algn="l" rtl="0" eaLnBrk="0" fontAlgn="base" hangingPunct="0">
+      <a:lvl7pPr marL="2970530" indent="-230505" algn="l" rtl="0" eaLnBrk="0" fontAlgn="base" hangingPunct="0">
         <a:spcBef>
           <a:spcPct val="20000"/>
         </a:spcBef>
@@ -4175,11 +3952,11 @@
           <a:solidFill>
             <a:schemeClr val="tx1"/>
           </a:solidFill>
-          <a:latin typeface="Times New Roman" pitchFamily="-110" charset="0"/>
-          <a:ea typeface="ＭＳ Ｐゴシック" pitchFamily="-110" charset="-128"/>
+          <a:latin typeface="Times New Roman" panose="02020603050405020304" pitchFamily="-110" charset="0"/>
+          <a:ea typeface="MS PGothic" pitchFamily="-110" charset="-128"/>
         </a:defRPr>
       </a:lvl7pPr>
-      <a:lvl8pPr marL="3427413" indent="-230188" algn="l" rtl="0" eaLnBrk="0" fontAlgn="base" hangingPunct="0">
+      <a:lvl8pPr marL="3427730" indent="-230505" algn="l" rtl="0" eaLnBrk="0" fontAlgn="base" hangingPunct="0">
         <a:spcBef>
           <a:spcPct val="20000"/>
         </a:spcBef>
@@ -4193,11 +3970,11 @@
           <a:solidFill>
             <a:schemeClr val="tx1"/>
           </a:solidFill>
-          <a:latin typeface="Times New Roman" pitchFamily="-110" charset="0"/>
-          <a:ea typeface="ＭＳ Ｐゴシック" pitchFamily="-110" charset="-128"/>
+          <a:latin typeface="Times New Roman" panose="02020603050405020304" pitchFamily="-110" charset="0"/>
+          <a:ea typeface="MS PGothic" pitchFamily="-110" charset="-128"/>
         </a:defRPr>
       </a:lvl8pPr>
-      <a:lvl9pPr marL="3884613" indent="-230188" algn="l" rtl="0" eaLnBrk="0" fontAlgn="base" hangingPunct="0">
+      <a:lvl9pPr marL="3884930" indent="-230505" algn="l" rtl="0" eaLnBrk="0" fontAlgn="base" hangingPunct="0">
         <a:spcBef>
           <a:spcPct val="20000"/>
         </a:spcBef>
@@ -4211,8 +3988,8 @@
           <a:solidFill>
             <a:schemeClr val="tx1"/>
           </a:solidFill>
-          <a:latin typeface="Times New Roman" pitchFamily="-110" charset="0"/>
-          <a:ea typeface="ＭＳ Ｐゴシック" pitchFamily="-110" charset="-128"/>
+          <a:latin typeface="Times New Roman" panose="02020603050405020304" pitchFamily="-110" charset="0"/>
+          <a:ea typeface="MS PGothic" pitchFamily="-110" charset="-128"/>
         </a:defRPr>
       </a:lvl9pPr>
     </p:bodyStyle>
@@ -4346,9 +4123,7 @@
         <p:txBody>
           <a:bodyPr/>
           <a:lstStyle/>
-          <a:p>
-            <a:endParaRPr/>
-          </a:p>
+          <a:p/>
         </p:txBody>
       </p:sp>
       <p:sp>
@@ -4404,6 +4179,11 @@
               </a:rPr>
               <a:t>Copyright © 2021 by Elephant Scale, All Rights Reserved</a:t>
             </a:r>
+            <a:endParaRPr sz="800">
+              <a:solidFill>
+                <a:srgbClr val="000000"/>
+              </a:solidFill>
+            </a:endParaRPr>
           </a:p>
         </p:txBody>
       </p:sp>
@@ -4434,13 +4214,7 @@
       </p:grpSpPr>
       <p:sp>
         <p:nvSpPr>
-          <p:cNvPr id="2" name="Title 1">
-            <a:extLst>
-              <a:ext uri="{FF2B5EF4-FFF2-40B4-BE49-F238E27FC236}">
-                <a16:creationId xmlns:a16="http://schemas.microsoft.com/office/drawing/2014/main" id="{D5A8371E-6FD1-421F-9C7C-547C8AE939A9}"/>
-              </a:ext>
-            </a:extLst>
-          </p:cNvPr>
+          <p:cNvPr id="2" name="Title 1"/>
           <p:cNvSpPr>
             <a:spLocks noGrp="1"/>
           </p:cNvSpPr>
@@ -4463,13 +4237,7 @@
       </p:sp>
       <p:sp>
         <p:nvSpPr>
-          <p:cNvPr id="7" name="Text Placeholder 6">
-            <a:extLst>
-              <a:ext uri="{FF2B5EF4-FFF2-40B4-BE49-F238E27FC236}">
-                <a16:creationId xmlns:a16="http://schemas.microsoft.com/office/drawing/2014/main" id="{862616B8-C108-480B-9A59-00D8E75B5F42}"/>
-              </a:ext>
-            </a:extLst>
-          </p:cNvPr>
+          <p:cNvPr id="7" name="Text Placeholder 6"/>
           <p:cNvSpPr>
             <a:spLocks noGrp="1"/>
           </p:cNvSpPr>
@@ -4486,12 +4254,14 @@
               <a:rPr lang="en-US" dirty="0"/>
               <a:t>Responsible for routing and transferring data packets between different nodes across various networks</a:t>
             </a:r>
+            <a:endParaRPr lang="en-US" dirty="0"/>
           </a:p>
           <a:p>
             <a:r>
               <a:rPr lang="en-US" dirty="0"/>
               <a:t>Includes the IP the Internet Protocol part of TCP/IP</a:t>
             </a:r>
+            <a:endParaRPr lang="en-US" dirty="0"/>
           </a:p>
           <a:p>
             <a:r>
@@ -4504,13 +4274,7 @@
       </p:sp>
       <p:pic>
         <p:nvPicPr>
-          <p:cNvPr id="10" name="Content Placeholder 9" descr="A screenshot of a phone&#10;&#10;Description automatically generated with medium confidence">
-            <a:extLst>
-              <a:ext uri="{FF2B5EF4-FFF2-40B4-BE49-F238E27FC236}">
-                <a16:creationId xmlns:a16="http://schemas.microsoft.com/office/drawing/2014/main" id="{04594735-37DB-4917-A7FB-78EB96482ECD}"/>
-              </a:ext>
-            </a:extLst>
-          </p:cNvPr>
+          <p:cNvPr id="10" name="Content Placeholder 9" descr="A screenshot of a phone&#10;&#10;Description automatically generated with medium confidence"/>
           <p:cNvPicPr>
             <a:picLocks noGrp="1" noChangeAspect="1"/>
           </p:cNvPicPr>
@@ -4519,7 +4283,7 @@
           </p:nvPr>
         </p:nvPicPr>
         <p:blipFill>
-          <a:blip r:embed="rId3"/>
+          <a:blip r:embed="rId1"/>
           <a:stretch>
             <a:fillRect/>
           </a:stretch>
@@ -4533,13 +4297,7 @@
       </p:pic>
       <p:sp>
         <p:nvSpPr>
-          <p:cNvPr id="5" name="Slide Number Placeholder 4">
-            <a:extLst>
-              <a:ext uri="{FF2B5EF4-FFF2-40B4-BE49-F238E27FC236}">
-                <a16:creationId xmlns:a16="http://schemas.microsoft.com/office/drawing/2014/main" id="{42B33EE9-D9F7-43E1-8295-F701997CEB5D}"/>
-              </a:ext>
-            </a:extLst>
-          </p:cNvPr>
+          <p:cNvPr id="5" name="Slide Number Placeholder 4"/>
           <p:cNvSpPr>
             <a:spLocks noGrp="1"/>
           </p:cNvSpPr>
@@ -4557,10 +4315,6 @@
             </a:pPr>
             <a:fld id="{77EF9825-4C23-4085-A4E3-B5565466BD91}" type="slidenum">
               <a:rPr lang="en-US" smtClean="0"/>
-              <a:pPr>
-                <a:defRPr/>
-              </a:pPr>
-              <a:t>10</a:t>
             </a:fld>
             <a:endParaRPr lang="en-US" dirty="0"/>
           </a:p>
@@ -4568,13 +4322,7 @@
       </p:sp>
       <p:sp>
         <p:nvSpPr>
-          <p:cNvPr id="4" name="Footer Placeholder 3">
-            <a:extLst>
-              <a:ext uri="{FF2B5EF4-FFF2-40B4-BE49-F238E27FC236}">
-                <a16:creationId xmlns:a16="http://schemas.microsoft.com/office/drawing/2014/main" id="{C78E7FDB-953C-49B8-9A3E-52830E9DFB81}"/>
-              </a:ext>
-            </a:extLst>
-          </p:cNvPr>
+          <p:cNvPr id="4" name="Footer Placeholder 3"/>
           <p:cNvSpPr>
             <a:spLocks noGrp="1"/>
           </p:cNvSpPr>
@@ -4592,21 +4340,15 @@
             </a:pPr>
             <a:r>
               <a:rPr lang="en-US"/>
-              <a:t>Copyright © 2017 Elephant Scale. All rights reserved.</a:t>
-            </a:r>
-            <a:endParaRPr lang="en-US" dirty="0"/>
-          </a:p>
-        </p:txBody>
-      </p:sp>
-      <p:sp>
-        <p:nvSpPr>
-          <p:cNvPr id="11" name="Rectangle 10">
-            <a:extLst>
-              <a:ext uri="{FF2B5EF4-FFF2-40B4-BE49-F238E27FC236}">
-                <a16:creationId xmlns:a16="http://schemas.microsoft.com/office/drawing/2014/main" id="{3EC5723A-45EA-487D-9400-2276398D7BF8}"/>
-              </a:ext>
-            </a:extLst>
-          </p:cNvPr>
+              <a:t>Copyright © 2021 Elephant Scale. All rights reserved.</a:t>
+            </a:r>
+            <a:endParaRPr lang="en-US" dirty="0"/>
+          </a:p>
+        </p:txBody>
+      </p:sp>
+      <p:sp>
+        <p:nvSpPr>
+          <p:cNvPr id="11" name="Rectangle 10"/>
           <p:cNvSpPr/>
           <p:nvPr/>
         </p:nvSpPr>
@@ -4631,11 +4373,7 @@
           <a:effectLst/>
         </p:spPr>
         <p:txBody>
-          <a:bodyPr vert="horz" wrap="square" lIns="91440" tIns="45720" rIns="91440" bIns="45720" numCol="1" rtlCol="0" anchor="t" anchorCtr="0" compatLnSpc="1">
-            <a:prstTxWarp prst="textNoShape">
-              <a:avLst/>
-            </a:prstTxWarp>
-          </a:bodyPr>
+          <a:bodyPr vert="horz" wrap="square" lIns="91440" tIns="45720" rIns="91440" bIns="45720" numCol="1" rtlCol="0" anchor="t" anchorCtr="0" compatLnSpc="1"/>
           <a:lstStyle/>
           <a:p>
             <a:pPr marL="0" marR="0" indent="0" algn="ctr" defTabSz="914400" rtl="0" eaLnBrk="1" fontAlgn="base" latinLnBrk="0" hangingPunct="1">
@@ -4652,7 +4390,6 @@
               <a:buSzTx/>
               <a:buFontTx/>
               <a:buNone/>
-              <a:tabLst/>
             </a:pPr>
             <a:endParaRPr kumimoji="0" lang="en-CA" sz="1000" b="0" i="0" u="none" strike="noStrike" cap="none" normalizeH="0" baseline="0">
               <a:ln>
@@ -4662,17 +4399,12 @@
                 <a:schemeClr val="tx1"/>
               </a:solidFill>
               <a:effectLst/>
-              <a:latin typeface="Garamond" pitchFamily="-110" charset="0"/>
+              <a:latin typeface="Garamond" pitchFamily="18" charset="0"/>
             </a:endParaRPr>
           </a:p>
         </p:txBody>
       </p:sp>
     </p:spTree>
-    <p:extLst>
-      <p:ext uri="{BB962C8B-B14F-4D97-AF65-F5344CB8AC3E}">
-        <p14:creationId xmlns:p14="http://schemas.microsoft.com/office/powerpoint/2010/main" val="1458461415"/>
-      </p:ext>
-    </p:extLst>
   </p:cSld>
   <p:clrMapOvr>
     <a:masterClrMapping/>
@@ -4699,13 +4431,7 @@
       </p:grpSpPr>
       <p:sp>
         <p:nvSpPr>
-          <p:cNvPr id="2" name="Title 1">
-            <a:extLst>
-              <a:ext uri="{FF2B5EF4-FFF2-40B4-BE49-F238E27FC236}">
-                <a16:creationId xmlns:a16="http://schemas.microsoft.com/office/drawing/2014/main" id="{D5A8371E-6FD1-421F-9C7C-547C8AE939A9}"/>
-              </a:ext>
-            </a:extLst>
-          </p:cNvPr>
+          <p:cNvPr id="2" name="Title 1"/>
           <p:cNvSpPr>
             <a:spLocks noGrp="1"/>
           </p:cNvSpPr>
@@ -4728,13 +4454,7 @@
       </p:sp>
       <p:sp>
         <p:nvSpPr>
-          <p:cNvPr id="7" name="Text Placeholder 6">
-            <a:extLst>
-              <a:ext uri="{FF2B5EF4-FFF2-40B4-BE49-F238E27FC236}">
-                <a16:creationId xmlns:a16="http://schemas.microsoft.com/office/drawing/2014/main" id="{862616B8-C108-480B-9A59-00D8E75B5F42}"/>
-              </a:ext>
-            </a:extLst>
-          </p:cNvPr>
+          <p:cNvPr id="7" name="Text Placeholder 6"/>
           <p:cNvSpPr>
             <a:spLocks noGrp="1"/>
           </p:cNvSpPr>
@@ -4753,12 +4473,14 @@
               <a:rPr lang="en-US" dirty="0"/>
               <a:t>Later where data transfer between two directly connected nodes in a network takes place</a:t>
             </a:r>
+            <a:endParaRPr lang="en-US" dirty="0"/>
           </a:p>
           <a:p>
             <a:r>
               <a:rPr lang="en-US" dirty="0"/>
               <a:t>Divided into two sub layers: </a:t>
             </a:r>
+            <a:endParaRPr lang="en-US" dirty="0"/>
           </a:p>
           <a:p>
             <a:pPr lvl="1"/>
@@ -4766,6 +4488,7 @@
               <a:rPr lang="en-US" dirty="0"/>
               <a:t>Medium access control layer (MAC layer)</a:t>
             </a:r>
+            <a:endParaRPr lang="en-US" dirty="0"/>
           </a:p>
           <a:p>
             <a:pPr lvl="1"/>
@@ -4773,12 +4496,14 @@
               <a:rPr lang="en-US" dirty="0"/>
               <a:t>Logical link control layer (LLC). </a:t>
             </a:r>
+            <a:endParaRPr lang="en-US" dirty="0"/>
           </a:p>
           <a:p>
             <a:r>
               <a:rPr lang="en-US" dirty="0"/>
               <a:t>Various IEEE 802 standards apply to this layer</a:t>
             </a:r>
+            <a:endParaRPr lang="en-US" dirty="0"/>
           </a:p>
           <a:p>
             <a:pPr lvl="1"/>
@@ -4786,6 +4511,7 @@
               <a:rPr lang="en-US" dirty="0"/>
               <a:t>IEEE 802.15.4 or low rate Wireless PAN for example</a:t>
             </a:r>
+            <a:endParaRPr lang="en-US" dirty="0"/>
           </a:p>
           <a:p>
             <a:endParaRPr lang="en-CA" dirty="0"/>
@@ -4794,13 +4520,7 @@
       </p:sp>
       <p:pic>
         <p:nvPicPr>
-          <p:cNvPr id="10" name="Content Placeholder 9" descr="A screenshot of a phone&#10;&#10;Description automatically generated with medium confidence">
-            <a:extLst>
-              <a:ext uri="{FF2B5EF4-FFF2-40B4-BE49-F238E27FC236}">
-                <a16:creationId xmlns:a16="http://schemas.microsoft.com/office/drawing/2014/main" id="{04594735-37DB-4917-A7FB-78EB96482ECD}"/>
-              </a:ext>
-            </a:extLst>
-          </p:cNvPr>
+          <p:cNvPr id="10" name="Content Placeholder 9" descr="A screenshot of a phone&#10;&#10;Description automatically generated with medium confidence"/>
           <p:cNvPicPr>
             <a:picLocks noGrp="1" noChangeAspect="1"/>
           </p:cNvPicPr>
@@ -4809,7 +4529,7 @@
           </p:nvPr>
         </p:nvPicPr>
         <p:blipFill>
-          <a:blip r:embed="rId3"/>
+          <a:blip r:embed="rId1"/>
           <a:stretch>
             <a:fillRect/>
           </a:stretch>
@@ -4823,13 +4543,7 @@
       </p:pic>
       <p:sp>
         <p:nvSpPr>
-          <p:cNvPr id="5" name="Slide Number Placeholder 4">
-            <a:extLst>
-              <a:ext uri="{FF2B5EF4-FFF2-40B4-BE49-F238E27FC236}">
-                <a16:creationId xmlns:a16="http://schemas.microsoft.com/office/drawing/2014/main" id="{42B33EE9-D9F7-43E1-8295-F701997CEB5D}"/>
-              </a:ext>
-            </a:extLst>
-          </p:cNvPr>
+          <p:cNvPr id="5" name="Slide Number Placeholder 4"/>
           <p:cNvSpPr>
             <a:spLocks noGrp="1"/>
           </p:cNvSpPr>
@@ -4847,10 +4561,6 @@
             </a:pPr>
             <a:fld id="{77EF9825-4C23-4085-A4E3-B5565466BD91}" type="slidenum">
               <a:rPr lang="en-US" smtClean="0"/>
-              <a:pPr>
-                <a:defRPr/>
-              </a:pPr>
-              <a:t>11</a:t>
             </a:fld>
             <a:endParaRPr lang="en-US" dirty="0"/>
           </a:p>
@@ -4858,13 +4568,7 @@
       </p:sp>
       <p:sp>
         <p:nvSpPr>
-          <p:cNvPr id="4" name="Footer Placeholder 3">
-            <a:extLst>
-              <a:ext uri="{FF2B5EF4-FFF2-40B4-BE49-F238E27FC236}">
-                <a16:creationId xmlns:a16="http://schemas.microsoft.com/office/drawing/2014/main" id="{C78E7FDB-953C-49B8-9A3E-52830E9DFB81}"/>
-              </a:ext>
-            </a:extLst>
-          </p:cNvPr>
+          <p:cNvPr id="4" name="Footer Placeholder 3"/>
           <p:cNvSpPr>
             <a:spLocks noGrp="1"/>
           </p:cNvSpPr>
@@ -4882,21 +4586,15 @@
             </a:pPr>
             <a:r>
               <a:rPr lang="en-US"/>
-              <a:t>Copyright © 2017 Elephant Scale. All rights reserved.</a:t>
-            </a:r>
-            <a:endParaRPr lang="en-US" dirty="0"/>
-          </a:p>
-        </p:txBody>
-      </p:sp>
-      <p:sp>
-        <p:nvSpPr>
-          <p:cNvPr id="11" name="Rectangle 10">
-            <a:extLst>
-              <a:ext uri="{FF2B5EF4-FFF2-40B4-BE49-F238E27FC236}">
-                <a16:creationId xmlns:a16="http://schemas.microsoft.com/office/drawing/2014/main" id="{3EC5723A-45EA-487D-9400-2276398D7BF8}"/>
-              </a:ext>
-            </a:extLst>
-          </p:cNvPr>
+              <a:t>Copyright © 2021 Elephant Scale. All rights reserved.</a:t>
+            </a:r>
+            <a:endParaRPr lang="en-US" dirty="0"/>
+          </a:p>
+        </p:txBody>
+      </p:sp>
+      <p:sp>
+        <p:nvSpPr>
+          <p:cNvPr id="11" name="Rectangle 10"/>
           <p:cNvSpPr/>
           <p:nvPr/>
         </p:nvSpPr>
@@ -4921,11 +4619,7 @@
           <a:effectLst/>
         </p:spPr>
         <p:txBody>
-          <a:bodyPr vert="horz" wrap="square" lIns="91440" tIns="45720" rIns="91440" bIns="45720" numCol="1" rtlCol="0" anchor="t" anchorCtr="0" compatLnSpc="1">
-            <a:prstTxWarp prst="textNoShape">
-              <a:avLst/>
-            </a:prstTxWarp>
-          </a:bodyPr>
+          <a:bodyPr vert="horz" wrap="square" lIns="91440" tIns="45720" rIns="91440" bIns="45720" numCol="1" rtlCol="0" anchor="t" anchorCtr="0" compatLnSpc="1"/>
           <a:lstStyle/>
           <a:p>
             <a:pPr marL="0" marR="0" indent="0" algn="ctr" defTabSz="914400" rtl="0" eaLnBrk="1" fontAlgn="base" latinLnBrk="0" hangingPunct="1">
@@ -4942,7 +4636,6 @@
               <a:buSzTx/>
               <a:buFontTx/>
               <a:buNone/>
-              <a:tabLst/>
             </a:pPr>
             <a:endParaRPr kumimoji="0" lang="en-CA" sz="1000" b="0" i="0" u="none" strike="noStrike" cap="none" normalizeH="0" baseline="0">
               <a:ln>
@@ -4952,17 +4645,12 @@
                 <a:schemeClr val="tx1"/>
               </a:solidFill>
               <a:effectLst/>
-              <a:latin typeface="Garamond" pitchFamily="-110" charset="0"/>
+              <a:latin typeface="Garamond" pitchFamily="18" charset="0"/>
             </a:endParaRPr>
           </a:p>
         </p:txBody>
       </p:sp>
     </p:spTree>
-    <p:extLst>
-      <p:ext uri="{BB962C8B-B14F-4D97-AF65-F5344CB8AC3E}">
-        <p14:creationId xmlns:p14="http://schemas.microsoft.com/office/powerpoint/2010/main" val="58856330"/>
-      </p:ext>
-    </p:extLst>
   </p:cSld>
   <p:clrMapOvr>
     <a:masterClrMapping/>
@@ -4989,13 +4677,7 @@
       </p:grpSpPr>
       <p:sp>
         <p:nvSpPr>
-          <p:cNvPr id="2" name="Title 1">
-            <a:extLst>
-              <a:ext uri="{FF2B5EF4-FFF2-40B4-BE49-F238E27FC236}">
-                <a16:creationId xmlns:a16="http://schemas.microsoft.com/office/drawing/2014/main" id="{D5A8371E-6FD1-421F-9C7C-547C8AE939A9}"/>
-              </a:ext>
-            </a:extLst>
-          </p:cNvPr>
+          <p:cNvPr id="2" name="Title 1"/>
           <p:cNvSpPr>
             <a:spLocks noGrp="1"/>
           </p:cNvSpPr>
@@ -5018,13 +4700,7 @@
       </p:sp>
       <p:sp>
         <p:nvSpPr>
-          <p:cNvPr id="7" name="Text Placeholder 6">
-            <a:extLst>
-              <a:ext uri="{FF2B5EF4-FFF2-40B4-BE49-F238E27FC236}">
-                <a16:creationId xmlns:a16="http://schemas.microsoft.com/office/drawing/2014/main" id="{862616B8-C108-480B-9A59-00D8E75B5F42}"/>
-              </a:ext>
-            </a:extLst>
-          </p:cNvPr>
+          <p:cNvPr id="7" name="Text Placeholder 6"/>
           <p:cNvSpPr>
             <a:spLocks noGrp="1"/>
           </p:cNvSpPr>
@@ -5043,18 +4719,21 @@
               <a:rPr lang="en-US" dirty="0"/>
               <a:t>Layer where networks are organized</a:t>
             </a:r>
+            <a:endParaRPr lang="en-US" dirty="0"/>
           </a:p>
           <a:p>
             <a:r>
               <a:rPr lang="en-US" dirty="0"/>
               <a:t>Foundation of IoT and its connected </a:t>
             </a:r>
+            <a:endParaRPr lang="en-US" dirty="0"/>
           </a:p>
           <a:p>
             <a:r>
               <a:rPr lang="en-US" dirty="0"/>
               <a:t>Includes the essential physical structure needed to make the IoT possible</a:t>
             </a:r>
+            <a:endParaRPr lang="en-US" dirty="0"/>
           </a:p>
           <a:p>
             <a:pPr lvl="1"/>
@@ -5062,6 +4741,7 @@
               <a:rPr lang="en-US" dirty="0"/>
               <a:t>E.g., cables and radio frequency links</a:t>
             </a:r>
+            <a:endParaRPr lang="en-US" dirty="0"/>
           </a:p>
           <a:p>
             <a:pPr lvl="1"/>
@@ -5075,13 +4755,7 @@
       </p:sp>
       <p:pic>
         <p:nvPicPr>
-          <p:cNvPr id="10" name="Content Placeholder 9" descr="A screenshot of a phone&#10;&#10;Description automatically generated with medium confidence">
-            <a:extLst>
-              <a:ext uri="{FF2B5EF4-FFF2-40B4-BE49-F238E27FC236}">
-                <a16:creationId xmlns:a16="http://schemas.microsoft.com/office/drawing/2014/main" id="{04594735-37DB-4917-A7FB-78EB96482ECD}"/>
-              </a:ext>
-            </a:extLst>
-          </p:cNvPr>
+          <p:cNvPr id="10" name="Content Placeholder 9" descr="A screenshot of a phone&#10;&#10;Description automatically generated with medium confidence"/>
           <p:cNvPicPr>
             <a:picLocks noGrp="1" noChangeAspect="1"/>
           </p:cNvPicPr>
@@ -5090,7 +4764,7 @@
           </p:nvPr>
         </p:nvPicPr>
         <p:blipFill>
-          <a:blip r:embed="rId3"/>
+          <a:blip r:embed="rId1"/>
           <a:stretch>
             <a:fillRect/>
           </a:stretch>
@@ -5104,13 +4778,7 @@
       </p:pic>
       <p:sp>
         <p:nvSpPr>
-          <p:cNvPr id="5" name="Slide Number Placeholder 4">
-            <a:extLst>
-              <a:ext uri="{FF2B5EF4-FFF2-40B4-BE49-F238E27FC236}">
-                <a16:creationId xmlns:a16="http://schemas.microsoft.com/office/drawing/2014/main" id="{42B33EE9-D9F7-43E1-8295-F701997CEB5D}"/>
-              </a:ext>
-            </a:extLst>
-          </p:cNvPr>
+          <p:cNvPr id="5" name="Slide Number Placeholder 4"/>
           <p:cNvSpPr>
             <a:spLocks noGrp="1"/>
           </p:cNvSpPr>
@@ -5128,10 +4796,6 @@
             </a:pPr>
             <a:fld id="{77EF9825-4C23-4085-A4E3-B5565466BD91}" type="slidenum">
               <a:rPr lang="en-US" smtClean="0"/>
-              <a:pPr>
-                <a:defRPr/>
-              </a:pPr>
-              <a:t>12</a:t>
             </a:fld>
             <a:endParaRPr lang="en-US" dirty="0"/>
           </a:p>
@@ -5139,13 +4803,7 @@
       </p:sp>
       <p:sp>
         <p:nvSpPr>
-          <p:cNvPr id="4" name="Footer Placeholder 3">
-            <a:extLst>
-              <a:ext uri="{FF2B5EF4-FFF2-40B4-BE49-F238E27FC236}">
-                <a16:creationId xmlns:a16="http://schemas.microsoft.com/office/drawing/2014/main" id="{C78E7FDB-953C-49B8-9A3E-52830E9DFB81}"/>
-              </a:ext>
-            </a:extLst>
-          </p:cNvPr>
+          <p:cNvPr id="4" name="Footer Placeholder 3"/>
           <p:cNvSpPr>
             <a:spLocks noGrp="1"/>
           </p:cNvSpPr>
@@ -5163,21 +4821,15 @@
             </a:pPr>
             <a:r>
               <a:rPr lang="en-US"/>
-              <a:t>Copyright © 2017 Elephant Scale. All rights reserved.</a:t>
-            </a:r>
-            <a:endParaRPr lang="en-US" dirty="0"/>
-          </a:p>
-        </p:txBody>
-      </p:sp>
-      <p:sp>
-        <p:nvSpPr>
-          <p:cNvPr id="11" name="Rectangle 10">
-            <a:extLst>
-              <a:ext uri="{FF2B5EF4-FFF2-40B4-BE49-F238E27FC236}">
-                <a16:creationId xmlns:a16="http://schemas.microsoft.com/office/drawing/2014/main" id="{3EC5723A-45EA-487D-9400-2276398D7BF8}"/>
-              </a:ext>
-            </a:extLst>
-          </p:cNvPr>
+              <a:t>Copyright © 2021 Elephant Scale. All rights reserved.</a:t>
+            </a:r>
+            <a:endParaRPr lang="en-US" dirty="0"/>
+          </a:p>
+        </p:txBody>
+      </p:sp>
+      <p:sp>
+        <p:nvSpPr>
+          <p:cNvPr id="11" name="Rectangle 10"/>
           <p:cNvSpPr/>
           <p:nvPr/>
         </p:nvSpPr>
@@ -5202,11 +4854,7 @@
           <a:effectLst/>
         </p:spPr>
         <p:txBody>
-          <a:bodyPr vert="horz" wrap="square" lIns="91440" tIns="45720" rIns="91440" bIns="45720" numCol="1" rtlCol="0" anchor="t" anchorCtr="0" compatLnSpc="1">
-            <a:prstTxWarp prst="textNoShape">
-              <a:avLst/>
-            </a:prstTxWarp>
-          </a:bodyPr>
+          <a:bodyPr vert="horz" wrap="square" lIns="91440" tIns="45720" rIns="91440" bIns="45720" numCol="1" rtlCol="0" anchor="t" anchorCtr="0" compatLnSpc="1"/>
           <a:lstStyle/>
           <a:p>
             <a:pPr marL="0" marR="0" indent="0" algn="ctr" defTabSz="914400" rtl="0" eaLnBrk="1" fontAlgn="base" latinLnBrk="0" hangingPunct="1">
@@ -5223,7 +4871,6 @@
               <a:buSzTx/>
               <a:buFontTx/>
               <a:buNone/>
-              <a:tabLst/>
             </a:pPr>
             <a:endParaRPr kumimoji="0" lang="en-CA" sz="1000" b="0" i="0" u="none" strike="noStrike" cap="none" normalizeH="0" baseline="0">
               <a:ln>
@@ -5233,17 +4880,12 @@
                 <a:schemeClr val="tx1"/>
               </a:solidFill>
               <a:effectLst/>
-              <a:latin typeface="Garamond" pitchFamily="-110" charset="0"/>
+              <a:latin typeface="Garamond" pitchFamily="18" charset="0"/>
             </a:endParaRPr>
           </a:p>
         </p:txBody>
       </p:sp>
     </p:spTree>
-    <p:extLst>
-      <p:ext uri="{BB962C8B-B14F-4D97-AF65-F5344CB8AC3E}">
-        <p14:creationId xmlns:p14="http://schemas.microsoft.com/office/powerpoint/2010/main" val="2707614925"/>
-      </p:ext>
-    </p:extLst>
   </p:cSld>
   <p:clrMapOvr>
     <a:masterClrMapping/>
@@ -5270,13 +4912,7 @@
       </p:grpSpPr>
       <p:sp>
         <p:nvSpPr>
-          <p:cNvPr id="7" name="Title 6">
-            <a:extLst>
-              <a:ext uri="{FF2B5EF4-FFF2-40B4-BE49-F238E27FC236}">
-                <a16:creationId xmlns:a16="http://schemas.microsoft.com/office/drawing/2014/main" id="{1AA0958E-6213-461B-94EA-BC836D6A74BF}"/>
-              </a:ext>
-            </a:extLst>
-          </p:cNvPr>
+          <p:cNvPr id="7" name="Title 6"/>
           <p:cNvSpPr>
             <a:spLocks noGrp="1"/>
           </p:cNvSpPr>
@@ -5299,13 +4935,7 @@
       </p:sp>
       <p:sp>
         <p:nvSpPr>
-          <p:cNvPr id="8" name="Content Placeholder 7">
-            <a:extLst>
-              <a:ext uri="{FF2B5EF4-FFF2-40B4-BE49-F238E27FC236}">
-                <a16:creationId xmlns:a16="http://schemas.microsoft.com/office/drawing/2014/main" id="{98F31C19-EEDC-4420-85BE-15756FD7CA1D}"/>
-              </a:ext>
-            </a:extLst>
-          </p:cNvPr>
+          <p:cNvPr id="8" name="Content Placeholder 7"/>
           <p:cNvSpPr>
             <a:spLocks noGrp="1"/>
           </p:cNvSpPr>
@@ -5322,6 +4952,7 @@
               <a:rPr lang="en-US" dirty="0"/>
               <a:t>Using OSI to figure out why an application isn’t working</a:t>
             </a:r>
+            <a:endParaRPr lang="en-US" dirty="0"/>
           </a:p>
           <a:p>
             <a:pPr marL="342900" lvl="1" indent="0">
@@ -5331,6 +4962,7 @@
               <a:rPr lang="en-US" dirty="0"/>
               <a:t>Layer 1: Physical</a:t>
             </a:r>
+            <a:endParaRPr lang="en-US" dirty="0"/>
           </a:p>
           <a:p>
             <a:pPr marL="342900" lvl="1" indent="0">
@@ -5340,6 +4972,7 @@
               <a:rPr lang="en-US" dirty="0"/>
               <a:t>	Is the network cable plugged in?</a:t>
             </a:r>
+            <a:endParaRPr lang="en-US" dirty="0"/>
           </a:p>
           <a:p>
             <a:pPr marL="342900" lvl="1" indent="0">
@@ -5349,6 +4982,7 @@
               <a:rPr lang="en-US" dirty="0"/>
               <a:t>Layer 2: Data Link</a:t>
             </a:r>
+            <a:endParaRPr lang="en-US" dirty="0"/>
           </a:p>
           <a:p>
             <a:pPr marL="342900" lvl="1" indent="0">
@@ -5358,6 +4992,7 @@
               <a:rPr lang="en-US" dirty="0"/>
               <a:t>	Do you have a link light?</a:t>
             </a:r>
+            <a:endParaRPr lang="en-US" dirty="0"/>
           </a:p>
           <a:p>
             <a:pPr marL="342900" lvl="1" indent="0">
@@ -5367,6 +5002,7 @@
               <a:rPr lang="en-US" dirty="0"/>
               <a:t>Layer 3: Network</a:t>
             </a:r>
+            <a:endParaRPr lang="en-US" dirty="0"/>
           </a:p>
           <a:p>
             <a:pPr marL="342900" lvl="1" indent="0">
@@ -5376,6 +5012,7 @@
               <a:rPr lang="en-US" dirty="0"/>
               <a:t>	Are you getting an IP?</a:t>
             </a:r>
+            <a:endParaRPr lang="en-US" dirty="0"/>
           </a:p>
           <a:p>
             <a:pPr marL="342900" lvl="1" indent="0">
@@ -5385,6 +5022,7 @@
               <a:rPr lang="en-US" dirty="0"/>
               <a:t>Layer 4: Transport</a:t>
             </a:r>
+            <a:endParaRPr lang="en-US" dirty="0"/>
           </a:p>
           <a:p>
             <a:pPr marL="342900" lvl="1" indent="0">
@@ -5394,6 +5032,7 @@
               <a:rPr lang="en-US" dirty="0"/>
               <a:t>	Can you connect to your default gateway?</a:t>
             </a:r>
+            <a:endParaRPr lang="en-US" dirty="0"/>
           </a:p>
           <a:p>
             <a:pPr marL="342900" lvl="1" indent="0">
@@ -5403,6 +5042,7 @@
               <a:rPr lang="en-US" dirty="0"/>
               <a:t>Layer 5: Session</a:t>
             </a:r>
+            <a:endParaRPr lang="en-US" dirty="0"/>
           </a:p>
           <a:p>
             <a:pPr marL="342900" lvl="1" indent="0">
@@ -5412,6 +5052,7 @@
               <a:rPr lang="en-US" dirty="0"/>
               <a:t>	Do you have DNS server information? </a:t>
             </a:r>
+            <a:endParaRPr lang="en-US" dirty="0"/>
           </a:p>
           <a:p>
             <a:pPr marL="342900" lvl="1" indent="0">
@@ -5421,6 +5062,7 @@
               <a:rPr lang="en-US" dirty="0"/>
               <a:t>	Can you ping 4.2.2.2 but not google.com?</a:t>
             </a:r>
+            <a:endParaRPr lang="en-US" dirty="0"/>
           </a:p>
           <a:p>
             <a:pPr marL="342900" lvl="1" indent="0">
@@ -5430,6 +5072,7 @@
               <a:rPr lang="en-US" dirty="0"/>
               <a:t>Layers 6&amp;7: Presentation &amp; Application – </a:t>
             </a:r>
+            <a:endParaRPr lang="en-US" dirty="0"/>
           </a:p>
           <a:p>
             <a:pPr marL="342900" lvl="1" indent="0">
@@ -5439,6 +5082,7 @@
               <a:rPr lang="en-US" dirty="0"/>
               <a:t>	Can you browse to a site? </a:t>
             </a:r>
+            <a:endParaRPr lang="en-US" dirty="0"/>
           </a:p>
           <a:p>
             <a:pPr marL="0" indent="0">
@@ -5457,13 +5101,7 @@
       </p:sp>
       <p:sp>
         <p:nvSpPr>
-          <p:cNvPr id="6" name="Footer Placeholder 5">
-            <a:extLst>
-              <a:ext uri="{FF2B5EF4-FFF2-40B4-BE49-F238E27FC236}">
-                <a16:creationId xmlns:a16="http://schemas.microsoft.com/office/drawing/2014/main" id="{DA8F46C0-7B94-427B-AF66-D7FA6BFCFCFD}"/>
-              </a:ext>
-            </a:extLst>
-          </p:cNvPr>
+          <p:cNvPr id="6" name="Footer Placeholder 5"/>
           <p:cNvSpPr>
             <a:spLocks noGrp="1"/>
           </p:cNvSpPr>
@@ -5481,21 +5119,15 @@
             </a:pPr>
             <a:r>
               <a:rPr lang="en-US"/>
-              <a:t>Copyright © 2017 Elephant Scale. All rights reserved.</a:t>
-            </a:r>
-            <a:endParaRPr lang="en-US" dirty="0"/>
-          </a:p>
-        </p:txBody>
-      </p:sp>
-      <p:sp>
-        <p:nvSpPr>
-          <p:cNvPr id="5" name="Slide Number Placeholder 4">
-            <a:extLst>
-              <a:ext uri="{FF2B5EF4-FFF2-40B4-BE49-F238E27FC236}">
-                <a16:creationId xmlns:a16="http://schemas.microsoft.com/office/drawing/2014/main" id="{DA39A780-5EAA-4F48-9BB0-1976DCA0AB71}"/>
-              </a:ext>
-            </a:extLst>
-          </p:cNvPr>
+              <a:t>Copyright © 2021 Elephant Scale. All rights reserved.</a:t>
+            </a:r>
+            <a:endParaRPr lang="en-US" dirty="0"/>
+          </a:p>
+        </p:txBody>
+      </p:sp>
+      <p:sp>
+        <p:nvSpPr>
+          <p:cNvPr id="5" name="Slide Number Placeholder 4"/>
           <p:cNvSpPr>
             <a:spLocks noGrp="1"/>
           </p:cNvSpPr>
@@ -5513,21 +5145,12 @@
             </a:pPr>
             <a:fld id="{A86CC632-9864-46F1-8EAB-FCD3BB9CEC9A}" type="slidenum">
               <a:rPr lang="en-US" smtClean="0"/>
-              <a:pPr>
-                <a:defRPr/>
-              </a:pPr>
-              <a:t>13</a:t>
             </a:fld>
             <a:endParaRPr lang="en-US" dirty="0"/>
           </a:p>
         </p:txBody>
       </p:sp>
     </p:spTree>
-    <p:extLst>
-      <p:ext uri="{BB962C8B-B14F-4D97-AF65-F5344CB8AC3E}">
-        <p14:creationId xmlns:p14="http://schemas.microsoft.com/office/powerpoint/2010/main" val="1288758311"/>
-      </p:ext>
-    </p:extLst>
   </p:cSld>
   <p:clrMapOvr>
     <a:masterClrMapping/>
@@ -5554,13 +5177,7 @@
       </p:grpSpPr>
       <p:sp>
         <p:nvSpPr>
-          <p:cNvPr id="7" name="Subtitle 6">
-            <a:extLst>
-              <a:ext uri="{FF2B5EF4-FFF2-40B4-BE49-F238E27FC236}">
-                <a16:creationId xmlns:a16="http://schemas.microsoft.com/office/drawing/2014/main" id="{F0AE21C9-8363-46F0-8E84-17175B4B6DF1}"/>
-              </a:ext>
-            </a:extLst>
-          </p:cNvPr>
+          <p:cNvPr id="7" name="Subtitle 6"/>
           <p:cNvSpPr>
             <a:spLocks noGrp="1"/>
           </p:cNvSpPr>
@@ -5583,13 +5200,7 @@
       </p:sp>
       <p:sp>
         <p:nvSpPr>
-          <p:cNvPr id="6" name="Title 5">
-            <a:extLst>
-              <a:ext uri="{FF2B5EF4-FFF2-40B4-BE49-F238E27FC236}">
-                <a16:creationId xmlns:a16="http://schemas.microsoft.com/office/drawing/2014/main" id="{4DACFC3C-D81E-481C-B5A9-F8A87A958800}"/>
-              </a:ext>
-            </a:extLst>
-          </p:cNvPr>
+          <p:cNvPr id="6" name="Title 5"/>
           <p:cNvSpPr>
             <a:spLocks noGrp="1"/>
           </p:cNvSpPr>
@@ -5612,13 +5223,7 @@
       </p:sp>
       <p:sp>
         <p:nvSpPr>
-          <p:cNvPr id="4" name="Footer Placeholder 3">
-            <a:extLst>
-              <a:ext uri="{FF2B5EF4-FFF2-40B4-BE49-F238E27FC236}">
-                <a16:creationId xmlns:a16="http://schemas.microsoft.com/office/drawing/2014/main" id="{BFA942A8-60C4-4A5F-8D58-AE737E0673E5}"/>
-              </a:ext>
-            </a:extLst>
-          </p:cNvPr>
+          <p:cNvPr id="4" name="Footer Placeholder 3"/>
           <p:cNvSpPr>
             <a:spLocks noGrp="1"/>
           </p:cNvSpPr>
@@ -5641,21 +5246,15 @@
             </a:pPr>
             <a:r>
               <a:rPr lang="en-US"/>
-              <a:t>Copyright © 2017 Elephant Scale. All rights reserved.</a:t>
-            </a:r>
-            <a:endParaRPr lang="en-US" dirty="0"/>
-          </a:p>
-        </p:txBody>
-      </p:sp>
-      <p:sp>
-        <p:nvSpPr>
-          <p:cNvPr id="5" name="Slide Number Placeholder 4">
-            <a:extLst>
-              <a:ext uri="{FF2B5EF4-FFF2-40B4-BE49-F238E27FC236}">
-                <a16:creationId xmlns:a16="http://schemas.microsoft.com/office/drawing/2014/main" id="{7307FB93-BD0F-4578-AEEB-BF0EFE50CF23}"/>
-              </a:ext>
-            </a:extLst>
-          </p:cNvPr>
+              <a:t>Copyright © 2021 Elephant Scale. All rights reserved.</a:t>
+            </a:r>
+            <a:endParaRPr lang="en-US" dirty="0"/>
+          </a:p>
+        </p:txBody>
+      </p:sp>
+      <p:sp>
+        <p:nvSpPr>
+          <p:cNvPr id="5" name="Slide Number Placeholder 4"/>
           <p:cNvSpPr>
             <a:spLocks noGrp="1"/>
           </p:cNvSpPr>
@@ -5678,21 +5277,12 @@
             </a:pPr>
             <a:fld id="{77EF9825-4C23-4085-A4E3-B5565466BD91}" type="slidenum">
               <a:rPr lang="en-US" smtClean="0"/>
-              <a:pPr>
-                <a:defRPr/>
-              </a:pPr>
-              <a:t>14</a:t>
             </a:fld>
             <a:endParaRPr lang="en-US" dirty="0"/>
           </a:p>
         </p:txBody>
       </p:sp>
     </p:spTree>
-    <p:extLst>
-      <p:ext uri="{BB962C8B-B14F-4D97-AF65-F5344CB8AC3E}">
-        <p14:creationId xmlns:p14="http://schemas.microsoft.com/office/powerpoint/2010/main" val="988519999"/>
-      </p:ext>
-    </p:extLst>
   </p:cSld>
   <p:clrMapOvr>
     <a:masterClrMapping/>
@@ -5719,13 +5309,7 @@
       </p:grpSpPr>
       <p:sp>
         <p:nvSpPr>
-          <p:cNvPr id="7" name="Title 6">
-            <a:extLst>
-              <a:ext uri="{FF2B5EF4-FFF2-40B4-BE49-F238E27FC236}">
-                <a16:creationId xmlns:a16="http://schemas.microsoft.com/office/drawing/2014/main" id="{1AA0958E-6213-461B-94EA-BC836D6A74BF}"/>
-              </a:ext>
-            </a:extLst>
-          </p:cNvPr>
+          <p:cNvPr id="7" name="Title 6"/>
           <p:cNvSpPr>
             <a:spLocks noGrp="1"/>
           </p:cNvSpPr>
@@ -5748,13 +5332,7 @@
       </p:sp>
       <p:sp>
         <p:nvSpPr>
-          <p:cNvPr id="6" name="Footer Placeholder 5">
-            <a:extLst>
-              <a:ext uri="{FF2B5EF4-FFF2-40B4-BE49-F238E27FC236}">
-                <a16:creationId xmlns:a16="http://schemas.microsoft.com/office/drawing/2014/main" id="{DA8F46C0-7B94-427B-AF66-D7FA6BFCFCFD}"/>
-              </a:ext>
-            </a:extLst>
-          </p:cNvPr>
+          <p:cNvPr id="6" name="Footer Placeholder 5"/>
           <p:cNvSpPr>
             <a:spLocks noGrp="1"/>
           </p:cNvSpPr>
@@ -5772,21 +5350,15 @@
             </a:pPr>
             <a:r>
               <a:rPr lang="en-US"/>
-              <a:t>Copyright © 2017 Elephant Scale. All rights reserved.</a:t>
-            </a:r>
-            <a:endParaRPr lang="en-US" dirty="0"/>
-          </a:p>
-        </p:txBody>
-      </p:sp>
-      <p:sp>
-        <p:nvSpPr>
-          <p:cNvPr id="5" name="Slide Number Placeholder 4">
-            <a:extLst>
-              <a:ext uri="{FF2B5EF4-FFF2-40B4-BE49-F238E27FC236}">
-                <a16:creationId xmlns:a16="http://schemas.microsoft.com/office/drawing/2014/main" id="{DA39A780-5EAA-4F48-9BB0-1976DCA0AB71}"/>
-              </a:ext>
-            </a:extLst>
-          </p:cNvPr>
+              <a:t>Copyright © 2021 Elephant Scale. All rights reserved.</a:t>
+            </a:r>
+            <a:endParaRPr lang="en-US" dirty="0"/>
+          </a:p>
+        </p:txBody>
+      </p:sp>
+      <p:sp>
+        <p:nvSpPr>
+          <p:cNvPr id="5" name="Slide Number Placeholder 4"/>
           <p:cNvSpPr>
             <a:spLocks noGrp="1"/>
           </p:cNvSpPr>
@@ -5804,10 +5376,6 @@
             </a:pPr>
             <a:fld id="{A86CC632-9864-46F1-8EAB-FCD3BB9CEC9A}" type="slidenum">
               <a:rPr lang="en-US" smtClean="0"/>
-              <a:pPr>
-                <a:defRPr/>
-              </a:pPr>
-              <a:t>15</a:t>
             </a:fld>
             <a:endParaRPr lang="en-US" dirty="0"/>
           </a:p>
@@ -5815,23 +5383,11 @@
       </p:sp>
       <p:graphicFrame>
         <p:nvGraphicFramePr>
-          <p:cNvPr id="9" name="Table 9">
-            <a:extLst>
-              <a:ext uri="{FF2B5EF4-FFF2-40B4-BE49-F238E27FC236}">
-                <a16:creationId xmlns:a16="http://schemas.microsoft.com/office/drawing/2014/main" id="{772E1E9D-BB8E-4976-8975-5590B76444ED}"/>
-              </a:ext>
-            </a:extLst>
-          </p:cNvPr>
+          <p:cNvPr id="9" name="Table 9"/>
           <p:cNvGraphicFramePr>
             <a:graphicFrameLocks noGrp="1"/>
           </p:cNvGraphicFramePr>
-          <p:nvPr>
-            <p:extLst>
-              <p:ext uri="{D42A27DB-BD31-4B8C-83A1-F6EECF244321}">
-                <p14:modId xmlns:p14="http://schemas.microsoft.com/office/powerpoint/2010/main" val="84172375"/>
-              </p:ext>
-            </p:extLst>
-          </p:nvPr>
+          <p:nvPr/>
         </p:nvGraphicFramePr>
         <p:xfrm>
           <a:off x="876300" y="1558131"/>
@@ -5844,27 +5400,9 @@
                 <a:tableStyleId>{5C22544A-7EE6-4342-B048-85BDC9FD1C3A}</a:tableStyleId>
               </a:tblPr>
               <a:tblGrid>
-                <a:gridCol w="920503">
-                  <a:extLst>
-                    <a:ext uri="{9D8B030D-6E8A-4147-A177-3AD203B41FA5}">
-                      <a16:colId xmlns:a16="http://schemas.microsoft.com/office/drawing/2014/main" val="2673880581"/>
-                    </a:ext>
-                  </a:extLst>
-                </a:gridCol>
-                <a:gridCol w="1687590">
-                  <a:extLst>
-                    <a:ext uri="{9D8B030D-6E8A-4147-A177-3AD203B41FA5}">
-                      <a16:colId xmlns:a16="http://schemas.microsoft.com/office/drawing/2014/main" val="1996859057"/>
-                    </a:ext>
-                  </a:extLst>
-                </a:gridCol>
-                <a:gridCol w="5292895">
-                  <a:extLst>
-                    <a:ext uri="{9D8B030D-6E8A-4147-A177-3AD203B41FA5}">
-                      <a16:colId xmlns:a16="http://schemas.microsoft.com/office/drawing/2014/main" val="3597983078"/>
-                    </a:ext>
-                  </a:extLst>
-                </a:gridCol>
+                <a:gridCol w="920503"/>
+                <a:gridCol w="1687590"/>
+                <a:gridCol w="5292895"/>
               </a:tblGrid>
               <a:tr h="434340">
                 <a:tc>
@@ -5912,11 +5450,6 @@
                   </a:txBody>
                   <a:tcPr/>
                 </a:tc>
-                <a:extLst>
-                  <a:ext uri="{0D108BD9-81ED-4DB2-BD59-A6C34878D82A}">
-                    <a16:rowId xmlns:a16="http://schemas.microsoft.com/office/drawing/2014/main" val="1867193943"/>
-                  </a:ext>
-                </a:extLst>
               </a:tr>
               <a:tr h="480060">
                 <a:tc>
@@ -5967,6 +5500,7 @@
                         <a:rPr lang="en-US" dirty="0"/>
                         <a:t>/Password sniffing.</a:t>
                       </a:r>
+                      <a:endParaRPr lang="en-US" dirty="0"/>
                     </a:p>
                     <a:p>
                       <a:pPr algn="ctr"/>
@@ -5974,6 +5508,7 @@
                         <a:rPr lang="en-US" dirty="0"/>
                         <a:t>Lack of role-based security for admin and support.</a:t>
                       </a:r>
+                      <a:endParaRPr lang="en-US" dirty="0"/>
                     </a:p>
                     <a:p>
                       <a:pPr algn="ctr"/>
@@ -5986,11 +5521,6 @@
                   </a:txBody>
                   <a:tcPr/>
                 </a:tc>
-                <a:extLst>
-                  <a:ext uri="{0D108BD9-81ED-4DB2-BD59-A6C34878D82A}">
-                    <a16:rowId xmlns:a16="http://schemas.microsoft.com/office/drawing/2014/main" val="770128980"/>
-                  </a:ext>
-                </a:extLst>
               </a:tr>
               <a:tr h="434340">
                 <a:tc>
@@ -6033,6 +5563,7 @@
                         <a:rPr lang="en-US" dirty="0"/>
                         <a:t>Phishing, TLS/SSL sniffing</a:t>
                       </a:r>
+                      <a:endParaRPr lang="en-US" dirty="0"/>
                     </a:p>
                     <a:p>
                       <a:pPr algn="ctr"/>
@@ -6045,11 +5576,6 @@
                   </a:txBody>
                   <a:tcPr/>
                 </a:tc>
-                <a:extLst>
-                  <a:ext uri="{0D108BD9-81ED-4DB2-BD59-A6C34878D82A}">
-                    <a16:rowId xmlns:a16="http://schemas.microsoft.com/office/drawing/2014/main" val="2907686210"/>
-                  </a:ext>
-                </a:extLst>
               </a:tr>
               <a:tr h="434340">
                 <a:tc>
@@ -6092,6 +5618,7 @@
                         <a:rPr lang="en-US" dirty="0"/>
                         <a:t>Hacking – Telnet and FTP hacking</a:t>
                       </a:r>
+                      <a:endParaRPr lang="en-US" dirty="0"/>
                     </a:p>
                     <a:p>
                       <a:pPr algn="ctr"/>
@@ -6104,11 +5631,6 @@
                   </a:txBody>
                   <a:tcPr/>
                 </a:tc>
-                <a:extLst>
-                  <a:ext uri="{0D108BD9-81ED-4DB2-BD59-A6C34878D82A}">
-                    <a16:rowId xmlns:a16="http://schemas.microsoft.com/office/drawing/2014/main" val="2798043468"/>
-                  </a:ext>
-                </a:extLst>
               </a:tr>
               <a:tr h="434340">
                 <a:tc>
@@ -6151,6 +5673,7 @@
                         <a:rPr lang="en-US" dirty="0"/>
                         <a:t>TCP Sessions sniffing</a:t>
                       </a:r>
+                      <a:endParaRPr lang="en-US" dirty="0"/>
                     </a:p>
                     <a:p>
                       <a:pPr algn="ctr"/>
@@ -6163,11 +5686,6 @@
                   </a:txBody>
                   <a:tcPr/>
                 </a:tc>
-                <a:extLst>
-                  <a:ext uri="{0D108BD9-81ED-4DB2-BD59-A6C34878D82A}">
-                    <a16:rowId xmlns:a16="http://schemas.microsoft.com/office/drawing/2014/main" val="51088123"/>
-                  </a:ext>
-                </a:extLst>
               </a:tr>
               <a:tr h="434340">
                 <a:tc>
@@ -6210,6 +5728,7 @@
                         <a:rPr lang="en-US" dirty="0"/>
                         <a:t>Man in the Middle Attacks</a:t>
                       </a:r>
+                      <a:endParaRPr lang="en-US" dirty="0"/>
                     </a:p>
                     <a:p>
                       <a:pPr algn="ctr"/>
@@ -6222,11 +5741,6 @@
                   </a:txBody>
                   <a:tcPr/>
                 </a:tc>
-                <a:extLst>
-                  <a:ext uri="{0D108BD9-81ED-4DB2-BD59-A6C34878D82A}">
-                    <a16:rowId xmlns:a16="http://schemas.microsoft.com/office/drawing/2014/main" val="2529156697"/>
-                  </a:ext>
-                </a:extLst>
               </a:tr>
               <a:tr h="434340">
                 <a:tc>
@@ -6274,11 +5788,6 @@
                   </a:txBody>
                   <a:tcPr/>
                 </a:tc>
-                <a:extLst>
-                  <a:ext uri="{0D108BD9-81ED-4DB2-BD59-A6C34878D82A}">
-                    <a16:rowId xmlns:a16="http://schemas.microsoft.com/office/drawing/2014/main" val="2353960436"/>
-                  </a:ext>
-                </a:extLst>
               </a:tr>
               <a:tr h="434340">
                 <a:tc>
@@ -6326,22 +5835,12 @@
                   </a:txBody>
                   <a:tcPr/>
                 </a:tc>
-                <a:extLst>
-                  <a:ext uri="{0D108BD9-81ED-4DB2-BD59-A6C34878D82A}">
-                    <a16:rowId xmlns:a16="http://schemas.microsoft.com/office/drawing/2014/main" val="3516254870"/>
-                  </a:ext>
-                </a:extLst>
               </a:tr>
             </a:tbl>
           </a:graphicData>
         </a:graphic>
       </p:graphicFrame>
     </p:spTree>
-    <p:extLst>
-      <p:ext uri="{BB962C8B-B14F-4D97-AF65-F5344CB8AC3E}">
-        <p14:creationId xmlns:p14="http://schemas.microsoft.com/office/powerpoint/2010/main" val="455744912"/>
-      </p:ext>
-    </p:extLst>
   </p:cSld>
   <p:clrMapOvr>
     <a:masterClrMapping/>
@@ -6368,13 +5867,7 @@
       </p:grpSpPr>
       <p:sp>
         <p:nvSpPr>
-          <p:cNvPr id="2" name="Title 1">
-            <a:extLst>
-              <a:ext uri="{FF2B5EF4-FFF2-40B4-BE49-F238E27FC236}">
-                <a16:creationId xmlns:a16="http://schemas.microsoft.com/office/drawing/2014/main" id="{FFBED6AB-4D92-4FEC-9710-09BAA936FFB7}"/>
-              </a:ext>
-            </a:extLst>
-          </p:cNvPr>
+          <p:cNvPr id="2" name="Title 1"/>
           <p:cNvSpPr>
             <a:spLocks noGrp="1"/>
           </p:cNvSpPr>
@@ -6397,13 +5890,7 @@
       </p:sp>
       <p:sp>
         <p:nvSpPr>
-          <p:cNvPr id="3" name="Content Placeholder 2">
-            <a:extLst>
-              <a:ext uri="{FF2B5EF4-FFF2-40B4-BE49-F238E27FC236}">
-                <a16:creationId xmlns:a16="http://schemas.microsoft.com/office/drawing/2014/main" id="{2682E4DA-D4E5-4E72-B9F4-2C3E12536904}"/>
-              </a:ext>
-            </a:extLst>
-          </p:cNvPr>
+          <p:cNvPr id="3" name="Content Placeholder 2"/>
           <p:cNvSpPr>
             <a:spLocks noGrp="1"/>
           </p:cNvSpPr>
@@ -6422,6 +5909,7 @@
               <a:rPr lang="en-US" dirty="0"/>
               <a:t>Refers to the applications that support the end user functions</a:t>
             </a:r>
+            <a:endParaRPr lang="en-US" dirty="0"/>
           </a:p>
           <a:p>
             <a:pPr lvl="1"/>
@@ -6429,6 +5917,7 @@
               <a:rPr lang="en-US" dirty="0"/>
               <a:t>Applications at this layer include FTP, SMTP and other services</a:t>
             </a:r>
+            <a:endParaRPr lang="en-US" dirty="0"/>
           </a:p>
           <a:p>
             <a:pPr lvl="1"/>
@@ -6436,6 +5925,7 @@
               <a:rPr lang="en-US" dirty="0"/>
               <a:t>Supports user applications with that authentication and authorization</a:t>
             </a:r>
+            <a:endParaRPr lang="en-US" dirty="0"/>
           </a:p>
           <a:p>
             <a:r>
@@ -6450,6 +5940,7 @@
               <a:rPr lang="en-US" dirty="0"/>
               <a:t> is unauthorized access to control systems</a:t>
             </a:r>
+            <a:endParaRPr lang="en-US" dirty="0"/>
           </a:p>
           <a:p>
             <a:pPr lvl="1"/>
@@ -6465,6 +5956,7 @@
               <a:rPr lang="en-US" dirty="0"/>
               <a:t>, creating backdoors for future attacks</a:t>
             </a:r>
+            <a:endParaRPr lang="en-US" dirty="0"/>
           </a:p>
           <a:p>
             <a:pPr lvl="1"/>
@@ -6472,12 +5964,14 @@
               <a:rPr lang="en-US" dirty="0"/>
               <a:t>Common attack vector using social engineering, phishing and other deceptive exploits</a:t>
             </a:r>
+            <a:endParaRPr lang="en-US" dirty="0"/>
           </a:p>
           <a:p>
             <a:r>
               <a:rPr lang="en-US" dirty="0"/>
               <a:t>First line of defense is strong organizational procedures and policies on issuing, revoking and changing authentication credentials</a:t>
             </a:r>
+            <a:endParaRPr lang="en-US" dirty="0"/>
           </a:p>
           <a:p>
             <a:endParaRPr lang="en-CA" dirty="0"/>
@@ -6486,13 +5980,7 @@
       </p:sp>
       <p:sp>
         <p:nvSpPr>
-          <p:cNvPr id="4" name="Footer Placeholder 3">
-            <a:extLst>
-              <a:ext uri="{FF2B5EF4-FFF2-40B4-BE49-F238E27FC236}">
-                <a16:creationId xmlns:a16="http://schemas.microsoft.com/office/drawing/2014/main" id="{5EC63A21-D15E-4852-B957-E0E02527E919}"/>
-              </a:ext>
-            </a:extLst>
-          </p:cNvPr>
+          <p:cNvPr id="4" name="Footer Placeholder 3"/>
           <p:cNvSpPr>
             <a:spLocks noGrp="1"/>
           </p:cNvSpPr>
@@ -6510,21 +5998,15 @@
             </a:pPr>
             <a:r>
               <a:rPr lang="en-US"/>
-              <a:t>Copyright © 2017 Elephant Scale. All rights reserved.</a:t>
-            </a:r>
-            <a:endParaRPr lang="en-US" dirty="0"/>
-          </a:p>
-        </p:txBody>
-      </p:sp>
-      <p:sp>
-        <p:nvSpPr>
-          <p:cNvPr id="5" name="Slide Number Placeholder 4">
-            <a:extLst>
-              <a:ext uri="{FF2B5EF4-FFF2-40B4-BE49-F238E27FC236}">
-                <a16:creationId xmlns:a16="http://schemas.microsoft.com/office/drawing/2014/main" id="{59CB5C77-8726-4C5B-85D1-58942BB38A9E}"/>
-              </a:ext>
-            </a:extLst>
-          </p:cNvPr>
+              <a:t>Copyright © 2021 Elephant Scale. All rights reserved.</a:t>
+            </a:r>
+            <a:endParaRPr lang="en-US" dirty="0"/>
+          </a:p>
+        </p:txBody>
+      </p:sp>
+      <p:sp>
+        <p:nvSpPr>
+          <p:cNvPr id="5" name="Slide Number Placeholder 4"/>
           <p:cNvSpPr>
             <a:spLocks noGrp="1"/>
           </p:cNvSpPr>
@@ -6542,21 +6024,12 @@
             </a:pPr>
             <a:fld id="{77EF9825-4C23-4085-A4E3-B5565466BD91}" type="slidenum">
               <a:rPr lang="en-US" smtClean="0"/>
-              <a:pPr>
-                <a:defRPr/>
-              </a:pPr>
-              <a:t>16</a:t>
             </a:fld>
             <a:endParaRPr lang="en-US" dirty="0"/>
           </a:p>
         </p:txBody>
       </p:sp>
     </p:spTree>
-    <p:extLst>
-      <p:ext uri="{BB962C8B-B14F-4D97-AF65-F5344CB8AC3E}">
-        <p14:creationId xmlns:p14="http://schemas.microsoft.com/office/powerpoint/2010/main" val="3748414109"/>
-      </p:ext>
-    </p:extLst>
   </p:cSld>
   <p:clrMapOvr>
     <a:masterClrMapping/>
@@ -6583,13 +6056,7 @@
       </p:grpSpPr>
       <p:sp>
         <p:nvSpPr>
-          <p:cNvPr id="2" name="Title 1">
-            <a:extLst>
-              <a:ext uri="{FF2B5EF4-FFF2-40B4-BE49-F238E27FC236}">
-                <a16:creationId xmlns:a16="http://schemas.microsoft.com/office/drawing/2014/main" id="{FFBED6AB-4D92-4FEC-9710-09BAA936FFB7}"/>
-              </a:ext>
-            </a:extLst>
-          </p:cNvPr>
+          <p:cNvPr id="2" name="Title 1"/>
           <p:cNvSpPr>
             <a:spLocks noGrp="1"/>
           </p:cNvSpPr>
@@ -6612,13 +6079,7 @@
       </p:sp>
       <p:sp>
         <p:nvSpPr>
-          <p:cNvPr id="3" name="Content Placeholder 2">
-            <a:extLst>
-              <a:ext uri="{FF2B5EF4-FFF2-40B4-BE49-F238E27FC236}">
-                <a16:creationId xmlns:a16="http://schemas.microsoft.com/office/drawing/2014/main" id="{2682E4DA-D4E5-4E72-B9F4-2C3E12536904}"/>
-              </a:ext>
-            </a:extLst>
-          </p:cNvPr>
+          <p:cNvPr id="3" name="Content Placeholder 2"/>
           <p:cNvSpPr>
             <a:spLocks noGrp="1"/>
           </p:cNvSpPr>
@@ -6641,6 +6102,7 @@
               <a:rPr lang="en-US" dirty="0"/>
               <a:t>/Password is common authentication</a:t>
             </a:r>
+            <a:endParaRPr lang="en-US" dirty="0"/>
           </a:p>
           <a:p>
             <a:pPr lvl="1"/>
@@ -6648,6 +6110,7 @@
               <a:rPr lang="en-US" dirty="0"/>
               <a:t>Often implemented with weak account policy</a:t>
             </a:r>
+            <a:endParaRPr lang="en-US" dirty="0"/>
           </a:p>
           <a:p>
             <a:pPr lvl="1"/>
@@ -6655,6 +6118,7 @@
               <a:rPr lang="en-US" dirty="0"/>
               <a:t>Users suffer from password fatigue</a:t>
             </a:r>
+            <a:endParaRPr lang="en-US" dirty="0"/>
           </a:p>
           <a:p>
             <a:pPr lvl="2"/>
@@ -6662,6 +6126,7 @@
               <a:rPr lang="en-US" dirty="0"/>
               <a:t>Tend to use the same password across accounts</a:t>
             </a:r>
+            <a:endParaRPr lang="en-US" dirty="0"/>
           </a:p>
           <a:p>
             <a:pPr lvl="2"/>
@@ -6669,6 +6134,7 @@
               <a:rPr lang="en-US" dirty="0"/>
               <a:t>Tend to use short easy to guess passwords</a:t>
             </a:r>
+            <a:endParaRPr lang="en-US" dirty="0"/>
           </a:p>
           <a:p>
             <a:pPr lvl="2"/>
@@ -6676,12 +6142,14 @@
               <a:rPr lang="en-US" dirty="0"/>
               <a:t>Tend to not change their passwords</a:t>
             </a:r>
+            <a:endParaRPr lang="en-US" dirty="0"/>
           </a:p>
           <a:p>
             <a:r>
               <a:rPr lang="en-US" dirty="0"/>
               <a:t>Mitigations</a:t>
             </a:r>
+            <a:endParaRPr lang="en-US" dirty="0"/>
           </a:p>
           <a:p>
             <a:pPr lvl="1"/>
@@ -6689,6 +6157,7 @@
               <a:rPr lang="en-US" dirty="0"/>
               <a:t>Password policy requiring strong passwords and regular rotations</a:t>
             </a:r>
+            <a:endParaRPr lang="en-US" dirty="0"/>
           </a:p>
           <a:p>
             <a:pPr lvl="1"/>
@@ -6696,6 +6165,7 @@
               <a:rPr lang="en-US" dirty="0"/>
               <a:t>Use generated tokens instead of passwords</a:t>
             </a:r>
+            <a:endParaRPr lang="en-US" dirty="0"/>
           </a:p>
           <a:p>
             <a:pPr lvl="2"/>
@@ -6703,6 +6173,7 @@
               <a:rPr lang="en-US" dirty="0"/>
               <a:t>These have higher entropy and are harder to crack</a:t>
             </a:r>
+            <a:endParaRPr lang="en-US" dirty="0"/>
           </a:p>
           <a:p>
             <a:pPr lvl="2"/>
@@ -6710,6 +6181,7 @@
               <a:rPr lang="en-US" dirty="0"/>
               <a:t>Eliminates the problem of password reuse</a:t>
             </a:r>
+            <a:endParaRPr lang="en-US" dirty="0"/>
           </a:p>
           <a:p>
             <a:pPr lvl="1"/>
@@ -6717,6 +6189,7 @@
               <a:rPr lang="en-US" dirty="0"/>
               <a:t>MFA – multi-factor authentication</a:t>
             </a:r>
+            <a:endParaRPr lang="en-US" dirty="0"/>
           </a:p>
           <a:p>
             <a:pPr lvl="2"/>
@@ -6724,6 +6197,7 @@
               <a:rPr lang="en-US" dirty="0"/>
               <a:t>Requires authentication from two of three possible sources</a:t>
             </a:r>
+            <a:endParaRPr lang="en-US" dirty="0"/>
           </a:p>
           <a:p>
             <a:pPr lvl="3"/>
@@ -6731,6 +6205,7 @@
               <a:rPr lang="en-US" dirty="0"/>
               <a:t>What the user knows – password or token</a:t>
             </a:r>
+            <a:endParaRPr lang="en-US" dirty="0"/>
           </a:p>
           <a:p>
             <a:pPr lvl="3"/>
@@ -6738,6 +6213,7 @@
               <a:rPr lang="en-US" dirty="0"/>
               <a:t>Where the user is – specific IP address</a:t>
             </a:r>
+            <a:endParaRPr lang="en-US" dirty="0"/>
           </a:p>
           <a:p>
             <a:pPr lvl="3"/>
@@ -6745,6 +6221,7 @@
               <a:rPr lang="en-US" dirty="0"/>
               <a:t>Something the user has – mobile phone for a confirmation code</a:t>
             </a:r>
+            <a:endParaRPr lang="en-US" dirty="0"/>
           </a:p>
           <a:p>
             <a:pPr lvl="2"/>
@@ -6761,13 +6238,7 @@
       </p:sp>
       <p:sp>
         <p:nvSpPr>
-          <p:cNvPr id="4" name="Footer Placeholder 3">
-            <a:extLst>
-              <a:ext uri="{FF2B5EF4-FFF2-40B4-BE49-F238E27FC236}">
-                <a16:creationId xmlns:a16="http://schemas.microsoft.com/office/drawing/2014/main" id="{5EC63A21-D15E-4852-B957-E0E02527E919}"/>
-              </a:ext>
-            </a:extLst>
-          </p:cNvPr>
+          <p:cNvPr id="4" name="Footer Placeholder 3"/>
           <p:cNvSpPr>
             <a:spLocks noGrp="1"/>
           </p:cNvSpPr>
@@ -6785,21 +6256,15 @@
             </a:pPr>
             <a:r>
               <a:rPr lang="en-US"/>
-              <a:t>Copyright © 2017 Elephant Scale. All rights reserved.</a:t>
-            </a:r>
-            <a:endParaRPr lang="en-US" dirty="0"/>
-          </a:p>
-        </p:txBody>
-      </p:sp>
-      <p:sp>
-        <p:nvSpPr>
-          <p:cNvPr id="5" name="Slide Number Placeholder 4">
-            <a:extLst>
-              <a:ext uri="{FF2B5EF4-FFF2-40B4-BE49-F238E27FC236}">
-                <a16:creationId xmlns:a16="http://schemas.microsoft.com/office/drawing/2014/main" id="{59CB5C77-8726-4C5B-85D1-58942BB38A9E}"/>
-              </a:ext>
-            </a:extLst>
-          </p:cNvPr>
+              <a:t>Copyright © 2021 Elephant Scale. All rights reserved.</a:t>
+            </a:r>
+            <a:endParaRPr lang="en-US" dirty="0"/>
+          </a:p>
+        </p:txBody>
+      </p:sp>
+      <p:sp>
+        <p:nvSpPr>
+          <p:cNvPr id="5" name="Slide Number Placeholder 4"/>
           <p:cNvSpPr>
             <a:spLocks noGrp="1"/>
           </p:cNvSpPr>
@@ -6817,21 +6282,12 @@
             </a:pPr>
             <a:fld id="{77EF9825-4C23-4085-A4E3-B5565466BD91}" type="slidenum">
               <a:rPr lang="en-US" smtClean="0"/>
-              <a:pPr>
-                <a:defRPr/>
-              </a:pPr>
-              <a:t>17</a:t>
             </a:fld>
             <a:endParaRPr lang="en-US" dirty="0"/>
           </a:p>
         </p:txBody>
       </p:sp>
     </p:spTree>
-    <p:extLst>
-      <p:ext uri="{BB962C8B-B14F-4D97-AF65-F5344CB8AC3E}">
-        <p14:creationId xmlns:p14="http://schemas.microsoft.com/office/powerpoint/2010/main" val="2445265878"/>
-      </p:ext>
-    </p:extLst>
   </p:cSld>
   <p:clrMapOvr>
     <a:masterClrMapping/>
@@ -6858,13 +6314,7 @@
       </p:grpSpPr>
       <p:sp>
         <p:nvSpPr>
-          <p:cNvPr id="2" name="Title 1">
-            <a:extLst>
-              <a:ext uri="{FF2B5EF4-FFF2-40B4-BE49-F238E27FC236}">
-                <a16:creationId xmlns:a16="http://schemas.microsoft.com/office/drawing/2014/main" id="{FFBED6AB-4D92-4FEC-9710-09BAA936FFB7}"/>
-              </a:ext>
-            </a:extLst>
-          </p:cNvPr>
+          <p:cNvPr id="2" name="Title 1"/>
           <p:cNvSpPr>
             <a:spLocks noGrp="1"/>
           </p:cNvSpPr>
@@ -6887,13 +6337,7 @@
       </p:sp>
       <p:sp>
         <p:nvSpPr>
-          <p:cNvPr id="3" name="Content Placeholder 2">
-            <a:extLst>
-              <a:ext uri="{FF2B5EF4-FFF2-40B4-BE49-F238E27FC236}">
-                <a16:creationId xmlns:a16="http://schemas.microsoft.com/office/drawing/2014/main" id="{2682E4DA-D4E5-4E72-B9F4-2C3E12536904}"/>
-              </a:ext>
-            </a:extLst>
-          </p:cNvPr>
+          <p:cNvPr id="3" name="Content Placeholder 2"/>
           <p:cNvSpPr>
             <a:spLocks noGrp="1"/>
           </p:cNvSpPr>
@@ -6912,12 +6356,14 @@
               <a:rPr lang="en-US" dirty="0"/>
               <a:t>Encryption is performed at this layer</a:t>
             </a:r>
+            <a:endParaRPr lang="en-US" dirty="0"/>
           </a:p>
           <a:p>
             <a:r>
               <a:rPr lang="en-US" dirty="0"/>
               <a:t>Common attacks often involve weak or missing encryption</a:t>
             </a:r>
+            <a:endParaRPr lang="en-US" dirty="0"/>
           </a:p>
           <a:p>
             <a:pPr lvl="1"/>
@@ -6925,12 +6371,14 @@
               <a:rPr lang="en-US" dirty="0"/>
               <a:t>There must be both encryption for data in transit and encryption for data at rest</a:t>
             </a:r>
+            <a:endParaRPr lang="en-US" dirty="0"/>
           </a:p>
           <a:p>
             <a:r>
               <a:rPr lang="en-US" dirty="0"/>
               <a:t>Exploitable weaknesses can occur when:</a:t>
             </a:r>
+            <a:endParaRPr lang="en-US" dirty="0"/>
           </a:p>
           <a:p>
             <a:pPr lvl="1"/>
@@ -6938,6 +6386,7 @@
               <a:rPr lang="en-US" dirty="0"/>
               <a:t>An encryption standard is used that is too weak, one that has known weaknesses for example</a:t>
             </a:r>
+            <a:endParaRPr lang="en-US" dirty="0"/>
           </a:p>
           <a:p>
             <a:pPr lvl="1"/>
@@ -6945,6 +6394,7 @@
               <a:rPr lang="en-US" dirty="0"/>
               <a:t>Flawed implementation of the encryption such as:</a:t>
             </a:r>
+            <a:endParaRPr lang="en-US" dirty="0"/>
           </a:p>
           <a:p>
             <a:pPr lvl="2"/>
@@ -6952,6 +6402,7 @@
               <a:rPr lang="en-US" dirty="0"/>
               <a:t>Keys are too short</a:t>
             </a:r>
+            <a:endParaRPr lang="en-US" dirty="0"/>
           </a:p>
           <a:p>
             <a:pPr lvl="2"/>
@@ -6959,6 +6410,7 @@
               <a:rPr lang="en-US" dirty="0"/>
               <a:t>Salts are not used in digests allowing the use of rainbow tables to reverse engineer passwords</a:t>
             </a:r>
+            <a:endParaRPr lang="en-US" dirty="0"/>
           </a:p>
           <a:p>
             <a:pPr lvl="2"/>
@@ -6966,6 +6418,7 @@
               <a:rPr lang="en-US" dirty="0"/>
               <a:t>Using an encryption library that has not been fully vetted</a:t>
             </a:r>
+            <a:endParaRPr lang="en-US" dirty="0"/>
           </a:p>
           <a:p>
             <a:pPr lvl="2"/>
@@ -6973,6 +6426,7 @@
               <a:rPr lang="en-US" dirty="0"/>
               <a:t>Using a home-grown encryption library that is not full tested</a:t>
             </a:r>
+            <a:endParaRPr lang="en-US" dirty="0"/>
           </a:p>
           <a:p>
             <a:pPr lvl="1"/>
@@ -6980,6 +6434,7 @@
               <a:rPr lang="en-US" dirty="0"/>
               <a:t>Flawed application of an encryption application</a:t>
             </a:r>
+            <a:endParaRPr lang="en-US" dirty="0"/>
           </a:p>
           <a:p>
             <a:pPr lvl="2"/>
@@ -6987,6 +6442,7 @@
               <a:rPr lang="en-US" dirty="0"/>
               <a:t>Failure to encrypt data when it should be</a:t>
             </a:r>
+            <a:endParaRPr lang="en-US" dirty="0"/>
           </a:p>
           <a:p>
             <a:pPr lvl="2"/>
@@ -6994,6 +6450,7 @@
               <a:rPr lang="en-US" dirty="0"/>
               <a:t>Not encrypting some data that is accessible</a:t>
             </a:r>
+            <a:endParaRPr lang="en-US" dirty="0"/>
           </a:p>
           <a:p>
             <a:pPr lvl="2"/>
@@ -7010,13 +6467,7 @@
       </p:sp>
       <p:sp>
         <p:nvSpPr>
-          <p:cNvPr id="4" name="Footer Placeholder 3">
-            <a:extLst>
-              <a:ext uri="{FF2B5EF4-FFF2-40B4-BE49-F238E27FC236}">
-                <a16:creationId xmlns:a16="http://schemas.microsoft.com/office/drawing/2014/main" id="{5EC63A21-D15E-4852-B957-E0E02527E919}"/>
-              </a:ext>
-            </a:extLst>
-          </p:cNvPr>
+          <p:cNvPr id="4" name="Footer Placeholder 3"/>
           <p:cNvSpPr>
             <a:spLocks noGrp="1"/>
           </p:cNvSpPr>
@@ -7034,21 +6485,15 @@
             </a:pPr>
             <a:r>
               <a:rPr lang="en-US"/>
-              <a:t>Copyright © 2017 Elephant Scale. All rights reserved.</a:t>
-            </a:r>
-            <a:endParaRPr lang="en-US" dirty="0"/>
-          </a:p>
-        </p:txBody>
-      </p:sp>
-      <p:sp>
-        <p:nvSpPr>
-          <p:cNvPr id="5" name="Slide Number Placeholder 4">
-            <a:extLst>
-              <a:ext uri="{FF2B5EF4-FFF2-40B4-BE49-F238E27FC236}">
-                <a16:creationId xmlns:a16="http://schemas.microsoft.com/office/drawing/2014/main" id="{59CB5C77-8726-4C5B-85D1-58942BB38A9E}"/>
-              </a:ext>
-            </a:extLst>
-          </p:cNvPr>
+              <a:t>Copyright © 2021 Elephant Scale. All rights reserved.</a:t>
+            </a:r>
+            <a:endParaRPr lang="en-US" dirty="0"/>
+          </a:p>
+        </p:txBody>
+      </p:sp>
+      <p:sp>
+        <p:nvSpPr>
+          <p:cNvPr id="5" name="Slide Number Placeholder 4"/>
           <p:cNvSpPr>
             <a:spLocks noGrp="1"/>
           </p:cNvSpPr>
@@ -7066,21 +6511,12 @@
             </a:pPr>
             <a:fld id="{77EF9825-4C23-4085-A4E3-B5565466BD91}" type="slidenum">
               <a:rPr lang="en-US" smtClean="0"/>
-              <a:pPr>
-                <a:defRPr/>
-              </a:pPr>
-              <a:t>18</a:t>
             </a:fld>
             <a:endParaRPr lang="en-US" dirty="0"/>
           </a:p>
         </p:txBody>
       </p:sp>
     </p:spTree>
-    <p:extLst>
-      <p:ext uri="{BB962C8B-B14F-4D97-AF65-F5344CB8AC3E}">
-        <p14:creationId xmlns:p14="http://schemas.microsoft.com/office/powerpoint/2010/main" val="3257691635"/>
-      </p:ext>
-    </p:extLst>
   </p:cSld>
   <p:clrMapOvr>
     <a:masterClrMapping/>
@@ -7107,13 +6543,7 @@
       </p:grpSpPr>
       <p:sp>
         <p:nvSpPr>
-          <p:cNvPr id="2" name="Title 1">
-            <a:extLst>
-              <a:ext uri="{FF2B5EF4-FFF2-40B4-BE49-F238E27FC236}">
-                <a16:creationId xmlns:a16="http://schemas.microsoft.com/office/drawing/2014/main" id="{FFBED6AB-4D92-4FEC-9710-09BAA936FFB7}"/>
-              </a:ext>
-            </a:extLst>
-          </p:cNvPr>
+          <p:cNvPr id="2" name="Title 1"/>
           <p:cNvSpPr>
             <a:spLocks noGrp="1"/>
           </p:cNvSpPr>
@@ -7136,13 +6566,7 @@
       </p:sp>
       <p:sp>
         <p:nvSpPr>
-          <p:cNvPr id="3" name="Content Placeholder 2">
-            <a:extLst>
-              <a:ext uri="{FF2B5EF4-FFF2-40B4-BE49-F238E27FC236}">
-                <a16:creationId xmlns:a16="http://schemas.microsoft.com/office/drawing/2014/main" id="{2682E4DA-D4E5-4E72-B9F4-2C3E12536904}"/>
-              </a:ext>
-            </a:extLst>
-          </p:cNvPr>
+          <p:cNvPr id="3" name="Content Placeholder 2"/>
           <p:cNvSpPr>
             <a:spLocks noGrp="1"/>
           </p:cNvSpPr>
@@ -7161,6 +6585,7 @@
               <a:rPr lang="en-US" dirty="0"/>
               <a:t>Presentation level security can be subverted at the application level</a:t>
             </a:r>
+            <a:endParaRPr lang="en-US" dirty="0"/>
           </a:p>
           <a:p>
             <a:r>
@@ -7175,6 +6600,7 @@
               <a:rPr lang="en-US" dirty="0"/>
               <a:t>) attack</a:t>
             </a:r>
+            <a:endParaRPr lang="en-US" dirty="0"/>
           </a:p>
           <a:p>
             <a:pPr lvl="1"/>
@@ -7182,12 +6608,14 @@
               <a:rPr lang="en-US" dirty="0"/>
               <a:t>Access is gained at the application level to steal or alter data before it become encrypted</a:t>
             </a:r>
+            <a:endParaRPr lang="en-US" dirty="0"/>
           </a:p>
           <a:p>
             <a:r>
               <a:rPr lang="en-US" dirty="0"/>
               <a:t>Often the result of human engineering</a:t>
             </a:r>
+            <a:endParaRPr lang="en-US" dirty="0"/>
           </a:p>
           <a:p>
             <a:pPr lvl="1"/>
@@ -7195,6 +6623,7 @@
               <a:rPr lang="en-US" dirty="0"/>
               <a:t>Compromised user installs malware</a:t>
             </a:r>
+            <a:endParaRPr lang="en-US" dirty="0"/>
           </a:p>
           <a:p>
             <a:pPr lvl="1"/>
@@ -7202,12 +6631,14 @@
               <a:rPr lang="en-US" dirty="0"/>
               <a:t>Or malware is installed from a phishing or other attack</a:t>
             </a:r>
+            <a:endParaRPr lang="en-US" dirty="0"/>
           </a:p>
           <a:p>
             <a:r>
               <a:rPr lang="en-US" dirty="0"/>
               <a:t>Can be mitigated to a degree by isolation</a:t>
             </a:r>
+            <a:endParaRPr lang="en-US" dirty="0"/>
           </a:p>
           <a:p>
             <a:pPr lvl="1"/>
@@ -7215,6 +6646,7 @@
               <a:rPr lang="en-US" dirty="0"/>
               <a:t>Applications used for systems control do not have access to other applications</a:t>
             </a:r>
+            <a:endParaRPr lang="en-US" dirty="0"/>
           </a:p>
           <a:p>
             <a:pPr lvl="1"/>
@@ -7222,6 +6654,7 @@
               <a:rPr lang="en-US" dirty="0"/>
               <a:t>No public access to the user control apps</a:t>
             </a:r>
+            <a:endParaRPr lang="en-US" dirty="0"/>
           </a:p>
           <a:p>
             <a:pPr lvl="1"/>
@@ -7229,12 +6662,14 @@
               <a:rPr lang="en-US" dirty="0"/>
               <a:t>Only the absolute minimum network access to private networks</a:t>
             </a:r>
+            <a:endParaRPr lang="en-US" dirty="0"/>
           </a:p>
           <a:p>
             <a:r>
               <a:rPr lang="en-US" dirty="0"/>
               <a:t>Ideally, control systems only connect to the system they control</a:t>
             </a:r>
+            <a:endParaRPr lang="en-US" dirty="0"/>
           </a:p>
           <a:p>
             <a:pPr lvl="2"/>
@@ -7251,13 +6686,7 @@
       </p:sp>
       <p:sp>
         <p:nvSpPr>
-          <p:cNvPr id="4" name="Footer Placeholder 3">
-            <a:extLst>
-              <a:ext uri="{FF2B5EF4-FFF2-40B4-BE49-F238E27FC236}">
-                <a16:creationId xmlns:a16="http://schemas.microsoft.com/office/drawing/2014/main" id="{5EC63A21-D15E-4852-B957-E0E02527E919}"/>
-              </a:ext>
-            </a:extLst>
-          </p:cNvPr>
+          <p:cNvPr id="4" name="Footer Placeholder 3"/>
           <p:cNvSpPr>
             <a:spLocks noGrp="1"/>
           </p:cNvSpPr>
@@ -7275,21 +6704,15 @@
             </a:pPr>
             <a:r>
               <a:rPr lang="en-US"/>
-              <a:t>Copyright © 2017 Elephant Scale. All rights reserved.</a:t>
-            </a:r>
-            <a:endParaRPr lang="en-US" dirty="0"/>
-          </a:p>
-        </p:txBody>
-      </p:sp>
-      <p:sp>
-        <p:nvSpPr>
-          <p:cNvPr id="5" name="Slide Number Placeholder 4">
-            <a:extLst>
-              <a:ext uri="{FF2B5EF4-FFF2-40B4-BE49-F238E27FC236}">
-                <a16:creationId xmlns:a16="http://schemas.microsoft.com/office/drawing/2014/main" id="{59CB5C77-8726-4C5B-85D1-58942BB38A9E}"/>
-              </a:ext>
-            </a:extLst>
-          </p:cNvPr>
+              <a:t>Copyright © 2021 Elephant Scale. All rights reserved.</a:t>
+            </a:r>
+            <a:endParaRPr lang="en-US" dirty="0"/>
+          </a:p>
+        </p:txBody>
+      </p:sp>
+      <p:sp>
+        <p:nvSpPr>
+          <p:cNvPr id="5" name="Slide Number Placeholder 4"/>
           <p:cNvSpPr>
             <a:spLocks noGrp="1"/>
           </p:cNvSpPr>
@@ -7307,21 +6730,12 @@
             </a:pPr>
             <a:fld id="{77EF9825-4C23-4085-A4E3-B5565466BD91}" type="slidenum">
               <a:rPr lang="en-US" smtClean="0"/>
-              <a:pPr>
-                <a:defRPr/>
-              </a:pPr>
-              <a:t>19</a:t>
             </a:fld>
             <a:endParaRPr lang="en-US" dirty="0"/>
           </a:p>
         </p:txBody>
       </p:sp>
     </p:spTree>
-    <p:extLst>
-      <p:ext uri="{BB962C8B-B14F-4D97-AF65-F5344CB8AC3E}">
-        <p14:creationId xmlns:p14="http://schemas.microsoft.com/office/powerpoint/2010/main" val="4096848676"/>
-      </p:ext>
-    </p:extLst>
   </p:cSld>
   <p:clrMapOvr>
     <a:masterClrMapping/>
@@ -7348,13 +6762,7 @@
       </p:grpSpPr>
       <p:sp>
         <p:nvSpPr>
-          <p:cNvPr id="7" name="Subtitle 6">
-            <a:extLst>
-              <a:ext uri="{FF2B5EF4-FFF2-40B4-BE49-F238E27FC236}">
-                <a16:creationId xmlns:a16="http://schemas.microsoft.com/office/drawing/2014/main" id="{630E3220-DDD1-401A-BF31-938A830AB3F9}"/>
-              </a:ext>
-            </a:extLst>
-          </p:cNvPr>
+          <p:cNvPr id="7" name="Subtitle 6"/>
           <p:cNvSpPr>
             <a:spLocks noGrp="1"/>
           </p:cNvSpPr>
@@ -7377,13 +6785,7 @@
       </p:sp>
       <p:sp>
         <p:nvSpPr>
-          <p:cNvPr id="6" name="Title 5">
-            <a:extLst>
-              <a:ext uri="{FF2B5EF4-FFF2-40B4-BE49-F238E27FC236}">
-                <a16:creationId xmlns:a16="http://schemas.microsoft.com/office/drawing/2014/main" id="{8011290B-1F59-40D7-BA56-399A7C7035CD}"/>
-              </a:ext>
-            </a:extLst>
-          </p:cNvPr>
+          <p:cNvPr id="6" name="Title 5"/>
           <p:cNvSpPr>
             <a:spLocks noGrp="1"/>
           </p:cNvSpPr>
@@ -7406,13 +6808,7 @@
       </p:sp>
       <p:sp>
         <p:nvSpPr>
-          <p:cNvPr id="4" name="Footer Placeholder 3">
-            <a:extLst>
-              <a:ext uri="{FF2B5EF4-FFF2-40B4-BE49-F238E27FC236}">
-                <a16:creationId xmlns:a16="http://schemas.microsoft.com/office/drawing/2014/main" id="{AB0EDBFE-41C0-47AC-9F4D-FDA0E6EDB018}"/>
-              </a:ext>
-            </a:extLst>
-          </p:cNvPr>
+          <p:cNvPr id="4" name="Footer Placeholder 3"/>
           <p:cNvSpPr>
             <a:spLocks noGrp="1"/>
           </p:cNvSpPr>
@@ -7435,21 +6831,15 @@
             </a:pPr>
             <a:r>
               <a:rPr lang="en-US"/>
-              <a:t>Copyright © 2017 Elephant Scale. All rights reserved.</a:t>
-            </a:r>
-            <a:endParaRPr lang="en-US" dirty="0"/>
-          </a:p>
-        </p:txBody>
-      </p:sp>
-      <p:sp>
-        <p:nvSpPr>
-          <p:cNvPr id="5" name="Slide Number Placeholder 4">
-            <a:extLst>
-              <a:ext uri="{FF2B5EF4-FFF2-40B4-BE49-F238E27FC236}">
-                <a16:creationId xmlns:a16="http://schemas.microsoft.com/office/drawing/2014/main" id="{3597528B-E507-4377-B76D-DB138F99C498}"/>
-              </a:ext>
-            </a:extLst>
-          </p:cNvPr>
+              <a:t>Copyright © 2021 Elephant Scale. All rights reserved.</a:t>
+            </a:r>
+            <a:endParaRPr lang="en-US" dirty="0"/>
+          </a:p>
+        </p:txBody>
+      </p:sp>
+      <p:sp>
+        <p:nvSpPr>
+          <p:cNvPr id="5" name="Slide Number Placeholder 4"/>
           <p:cNvSpPr>
             <a:spLocks noGrp="1"/>
           </p:cNvSpPr>
@@ -7472,21 +6862,12 @@
             </a:pPr>
             <a:fld id="{77EF9825-4C23-4085-A4E3-B5565466BD91}" type="slidenum">
               <a:rPr lang="en-US" smtClean="0"/>
-              <a:pPr>
-                <a:defRPr/>
-              </a:pPr>
-              <a:t>2</a:t>
             </a:fld>
             <a:endParaRPr lang="en-US" dirty="0"/>
           </a:p>
         </p:txBody>
       </p:sp>
     </p:spTree>
-    <p:extLst>
-      <p:ext uri="{BB962C8B-B14F-4D97-AF65-F5344CB8AC3E}">
-        <p14:creationId xmlns:p14="http://schemas.microsoft.com/office/powerpoint/2010/main" val="1571068120"/>
-      </p:ext>
-    </p:extLst>
   </p:cSld>
   <p:clrMapOvr>
     <a:masterClrMapping/>
@@ -7513,13 +6894,7 @@
       </p:grpSpPr>
       <p:sp>
         <p:nvSpPr>
-          <p:cNvPr id="2" name="Title 1">
-            <a:extLst>
-              <a:ext uri="{FF2B5EF4-FFF2-40B4-BE49-F238E27FC236}">
-                <a16:creationId xmlns:a16="http://schemas.microsoft.com/office/drawing/2014/main" id="{149E31B6-6BBF-4CC7-B15B-2D944F6B4929}"/>
-              </a:ext>
-            </a:extLst>
-          </p:cNvPr>
+          <p:cNvPr id="2" name="Title 1"/>
           <p:cNvSpPr>
             <a:spLocks noGrp="1"/>
           </p:cNvSpPr>
@@ -7542,13 +6917,7 @@
       </p:sp>
       <p:sp>
         <p:nvSpPr>
-          <p:cNvPr id="4" name="Footer Placeholder 3">
-            <a:extLst>
-              <a:ext uri="{FF2B5EF4-FFF2-40B4-BE49-F238E27FC236}">
-                <a16:creationId xmlns:a16="http://schemas.microsoft.com/office/drawing/2014/main" id="{1731BDF1-B34A-4CAF-B6B2-3DDB46B58C26}"/>
-              </a:ext>
-            </a:extLst>
-          </p:cNvPr>
+          <p:cNvPr id="4" name="Footer Placeholder 3"/>
           <p:cNvSpPr>
             <a:spLocks noGrp="1"/>
           </p:cNvSpPr>
@@ -7566,20 +6935,15 @@
             </a:pPr>
             <a:r>
               <a:rPr lang="en-US" dirty="0"/>
-              <a:t>Copyright © 2017 Elephant Scale. All rights reserved.</a:t>
-            </a:r>
-          </a:p>
-        </p:txBody>
-      </p:sp>
-      <p:sp>
-        <p:nvSpPr>
-          <p:cNvPr id="5" name="Slide Number Placeholder 4">
-            <a:extLst>
-              <a:ext uri="{FF2B5EF4-FFF2-40B4-BE49-F238E27FC236}">
-                <a16:creationId xmlns:a16="http://schemas.microsoft.com/office/drawing/2014/main" id="{D2AC61AD-95BF-437A-9803-6900F803F6B2}"/>
-              </a:ext>
-            </a:extLst>
-          </p:cNvPr>
+              <a:t>Copyright © 2021 Elephant Scale. All rights reserved.</a:t>
+            </a:r>
+            <a:endParaRPr lang="en-US" dirty="0"/>
+          </a:p>
+        </p:txBody>
+      </p:sp>
+      <p:sp>
+        <p:nvSpPr>
+          <p:cNvPr id="5" name="Slide Number Placeholder 4"/>
           <p:cNvSpPr>
             <a:spLocks noGrp="1"/>
           </p:cNvSpPr>
@@ -7597,10 +6961,6 @@
             </a:pPr>
             <a:fld id="{77EF9825-4C23-4085-A4E3-B5565466BD91}" type="slidenum">
               <a:rPr lang="en-US" smtClean="0"/>
-              <a:pPr>
-                <a:defRPr/>
-              </a:pPr>
-              <a:t>20</a:t>
             </a:fld>
             <a:endParaRPr lang="en-US" dirty="0"/>
           </a:p>
@@ -7608,20 +6968,14 @@
       </p:sp>
       <p:pic>
         <p:nvPicPr>
-          <p:cNvPr id="7" name="Picture 6" descr="Timeline&#10;&#10;Description automatically generated">
-            <a:extLst>
-              <a:ext uri="{FF2B5EF4-FFF2-40B4-BE49-F238E27FC236}">
-                <a16:creationId xmlns:a16="http://schemas.microsoft.com/office/drawing/2014/main" id="{CDFEDC94-66B8-486B-A5EF-D97B690C4853}"/>
-              </a:ext>
-            </a:extLst>
-          </p:cNvPr>
+          <p:cNvPr id="7" name="Picture 6" descr="Timeline&#10;&#10;Description automatically generated"/>
           <p:cNvPicPr>
             <a:picLocks noChangeAspect="1"/>
           </p:cNvPicPr>
           <p:nvPr/>
         </p:nvPicPr>
         <p:blipFill>
-          <a:blip r:embed="rId2"/>
+          <a:blip r:embed="rId1"/>
           <a:stretch>
             <a:fillRect/>
           </a:stretch>
@@ -7637,11 +6991,6 @@
         </p:spPr>
       </p:pic>
     </p:spTree>
-    <p:extLst>
-      <p:ext uri="{BB962C8B-B14F-4D97-AF65-F5344CB8AC3E}">
-        <p14:creationId xmlns:p14="http://schemas.microsoft.com/office/powerpoint/2010/main" val="2065828863"/>
-      </p:ext>
-    </p:extLst>
   </p:cSld>
   <p:clrMapOvr>
     <a:masterClrMapping/>
@@ -7668,13 +7017,7 @@
       </p:grpSpPr>
       <p:sp>
         <p:nvSpPr>
-          <p:cNvPr id="2" name="Title 1">
-            <a:extLst>
-              <a:ext uri="{FF2B5EF4-FFF2-40B4-BE49-F238E27FC236}">
-                <a16:creationId xmlns:a16="http://schemas.microsoft.com/office/drawing/2014/main" id="{FFBED6AB-4D92-4FEC-9710-09BAA936FFB7}"/>
-              </a:ext>
-            </a:extLst>
-          </p:cNvPr>
+          <p:cNvPr id="2" name="Title 1"/>
           <p:cNvSpPr>
             <a:spLocks noGrp="1"/>
           </p:cNvSpPr>
@@ -7697,13 +7040,7 @@
       </p:sp>
       <p:sp>
         <p:nvSpPr>
-          <p:cNvPr id="3" name="Content Placeholder 2">
-            <a:extLst>
-              <a:ext uri="{FF2B5EF4-FFF2-40B4-BE49-F238E27FC236}">
-                <a16:creationId xmlns:a16="http://schemas.microsoft.com/office/drawing/2014/main" id="{2682E4DA-D4E5-4E72-B9F4-2C3E12536904}"/>
-              </a:ext>
-            </a:extLst>
-          </p:cNvPr>
+          <p:cNvPr id="3" name="Content Placeholder 2"/>
           <p:cNvSpPr>
             <a:spLocks noGrp="1"/>
           </p:cNvSpPr>
@@ -7722,6 +7059,7 @@
               <a:rPr lang="en-US" dirty="0"/>
               <a:t>The main attacks at this level deal with interfering with sessions or some sort of session hijack</a:t>
             </a:r>
+            <a:endParaRPr lang="en-US" dirty="0"/>
           </a:p>
           <a:p>
             <a:r>
@@ -7736,18 +7074,21 @@
               <a:rPr lang="en-US" dirty="0"/>
               <a:t>) attacks occur when an adversary can intercept communications between two parties in a session</a:t>
             </a:r>
+            <a:endParaRPr lang="en-US" dirty="0"/>
           </a:p>
           <a:p>
             <a:r>
               <a:rPr lang="en-US" dirty="0"/>
               <a:t>A main risk is that an adversary could take over an automated system by hijacking a session between the system and an operator</a:t>
             </a:r>
+            <a:endParaRPr lang="en-US" dirty="0"/>
           </a:p>
           <a:p>
             <a:r>
               <a:rPr lang="en-US" dirty="0"/>
               <a:t>Some potential exploits</a:t>
             </a:r>
+            <a:endParaRPr lang="en-US" dirty="0"/>
           </a:p>
           <a:p>
             <a:pPr lvl="1"/>
@@ -7755,6 +7096,7 @@
               <a:rPr lang="en-US" dirty="0"/>
               <a:t>Failure to use regular confirmation of identity of participant</a:t>
             </a:r>
+            <a:endParaRPr lang="en-US" dirty="0"/>
           </a:p>
           <a:p>
             <a:pPr lvl="2"/>
@@ -7762,6 +7104,7 @@
               <a:rPr lang="en-US" dirty="0"/>
               <a:t>Ignoring warning about expired TSL certificate for example</a:t>
             </a:r>
+            <a:endParaRPr lang="en-US" dirty="0"/>
           </a:p>
           <a:p>
             <a:pPr lvl="1"/>
@@ -7769,6 +7112,7 @@
               <a:rPr lang="en-US" dirty="0"/>
               <a:t>Failure to rotate credentials during a session</a:t>
             </a:r>
+            <a:endParaRPr lang="en-US" dirty="0"/>
           </a:p>
           <a:p>
             <a:pPr lvl="2"/>
@@ -7776,6 +7120,7 @@
               <a:rPr lang="en-US" dirty="0"/>
               <a:t>The longer a set of credentials is used, the more likely they are to be hacked</a:t>
             </a:r>
+            <a:endParaRPr lang="en-US" dirty="0"/>
           </a:p>
           <a:p>
             <a:pPr lvl="1"/>
@@ -7783,6 +7128,7 @@
               <a:rPr lang="en-US" dirty="0"/>
               <a:t>Failure to securely transmit session information</a:t>
             </a:r>
+            <a:endParaRPr lang="en-US" dirty="0"/>
           </a:p>
           <a:p>
             <a:pPr lvl="2"/>
@@ -7790,6 +7136,7 @@
               <a:rPr lang="en-US" dirty="0"/>
               <a:t>Often makes the session tokens or ids guessable by an adversary</a:t>
             </a:r>
+            <a:endParaRPr lang="en-US" dirty="0"/>
           </a:p>
           <a:p>
             <a:pPr lvl="1"/>
@@ -7810,13 +7157,7 @@
       </p:sp>
       <p:sp>
         <p:nvSpPr>
-          <p:cNvPr id="4" name="Footer Placeholder 3">
-            <a:extLst>
-              <a:ext uri="{FF2B5EF4-FFF2-40B4-BE49-F238E27FC236}">
-                <a16:creationId xmlns:a16="http://schemas.microsoft.com/office/drawing/2014/main" id="{5EC63A21-D15E-4852-B957-E0E02527E919}"/>
-              </a:ext>
-            </a:extLst>
-          </p:cNvPr>
+          <p:cNvPr id="4" name="Footer Placeholder 3"/>
           <p:cNvSpPr>
             <a:spLocks noGrp="1"/>
           </p:cNvSpPr>
@@ -7834,21 +7175,15 @@
             </a:pPr>
             <a:r>
               <a:rPr lang="en-US"/>
-              <a:t>Copyright © 2017 Elephant Scale. All rights reserved.</a:t>
-            </a:r>
-            <a:endParaRPr lang="en-US" dirty="0"/>
-          </a:p>
-        </p:txBody>
-      </p:sp>
-      <p:sp>
-        <p:nvSpPr>
-          <p:cNvPr id="5" name="Slide Number Placeholder 4">
-            <a:extLst>
-              <a:ext uri="{FF2B5EF4-FFF2-40B4-BE49-F238E27FC236}">
-                <a16:creationId xmlns:a16="http://schemas.microsoft.com/office/drawing/2014/main" id="{59CB5C77-8726-4C5B-85D1-58942BB38A9E}"/>
-              </a:ext>
-            </a:extLst>
-          </p:cNvPr>
+              <a:t>Copyright © 2021 Elephant Scale. All rights reserved.</a:t>
+            </a:r>
+            <a:endParaRPr lang="en-US" dirty="0"/>
+          </a:p>
+        </p:txBody>
+      </p:sp>
+      <p:sp>
+        <p:nvSpPr>
+          <p:cNvPr id="5" name="Slide Number Placeholder 4"/>
           <p:cNvSpPr>
             <a:spLocks noGrp="1"/>
           </p:cNvSpPr>
@@ -7866,21 +7201,12 @@
             </a:pPr>
             <a:fld id="{77EF9825-4C23-4085-A4E3-B5565466BD91}" type="slidenum">
               <a:rPr lang="en-US" smtClean="0"/>
-              <a:pPr>
-                <a:defRPr/>
-              </a:pPr>
-              <a:t>21</a:t>
             </a:fld>
             <a:endParaRPr lang="en-US" dirty="0"/>
           </a:p>
         </p:txBody>
       </p:sp>
     </p:spTree>
-    <p:extLst>
-      <p:ext uri="{BB962C8B-B14F-4D97-AF65-F5344CB8AC3E}">
-        <p14:creationId xmlns:p14="http://schemas.microsoft.com/office/powerpoint/2010/main" val="3810540760"/>
-      </p:ext>
-    </p:extLst>
   </p:cSld>
   <p:clrMapOvr>
     <a:masterClrMapping/>
@@ -7907,13 +7233,7 @@
       </p:grpSpPr>
       <p:sp>
         <p:nvSpPr>
-          <p:cNvPr id="2" name="Title 1">
-            <a:extLst>
-              <a:ext uri="{FF2B5EF4-FFF2-40B4-BE49-F238E27FC236}">
-                <a16:creationId xmlns:a16="http://schemas.microsoft.com/office/drawing/2014/main" id="{FFBED6AB-4D92-4FEC-9710-09BAA936FFB7}"/>
-              </a:ext>
-            </a:extLst>
-          </p:cNvPr>
+          <p:cNvPr id="2" name="Title 1"/>
           <p:cNvSpPr>
             <a:spLocks noGrp="1"/>
           </p:cNvSpPr>
@@ -7936,13 +7256,7 @@
       </p:sp>
       <p:sp>
         <p:nvSpPr>
-          <p:cNvPr id="3" name="Content Placeholder 2">
-            <a:extLst>
-              <a:ext uri="{FF2B5EF4-FFF2-40B4-BE49-F238E27FC236}">
-                <a16:creationId xmlns:a16="http://schemas.microsoft.com/office/drawing/2014/main" id="{2682E4DA-D4E5-4E72-B9F4-2C3E12536904}"/>
-              </a:ext>
-            </a:extLst>
-          </p:cNvPr>
+          <p:cNvPr id="3" name="Content Placeholder 2"/>
           <p:cNvSpPr>
             <a:spLocks noGrp="1"/>
           </p:cNvSpPr>
@@ -7961,6 +7275,7 @@
               <a:rPr lang="en-US" dirty="0"/>
               <a:t>Internet based attacks probe for open ports</a:t>
             </a:r>
+            <a:endParaRPr lang="en-US" dirty="0"/>
           </a:p>
           <a:p>
             <a:pPr lvl="1"/>
@@ -7968,6 +7283,7 @@
               <a:rPr lang="en-US" dirty="0"/>
               <a:t>Can be used to inject malware</a:t>
             </a:r>
+            <a:endParaRPr lang="en-US" dirty="0"/>
           </a:p>
           <a:p>
             <a:pPr lvl="1"/>
@@ -7975,12 +7291,14 @@
               <a:rPr lang="en-US" dirty="0"/>
               <a:t>Malware often opens other ports as a backdoor</a:t>
             </a:r>
+            <a:endParaRPr lang="en-US" dirty="0"/>
           </a:p>
           <a:p>
             <a:r>
               <a:rPr lang="en-US" dirty="0"/>
               <a:t>Mitigations involve</a:t>
             </a:r>
+            <a:endParaRPr lang="en-US" dirty="0"/>
           </a:p>
           <a:p>
             <a:pPr lvl="1"/>
@@ -7988,6 +7306,7 @@
               <a:rPr lang="en-US" dirty="0"/>
               <a:t>Regular port scans</a:t>
             </a:r>
+            <a:endParaRPr lang="en-US" dirty="0"/>
           </a:p>
           <a:p>
             <a:pPr lvl="1"/>
@@ -7995,6 +7314,7 @@
               <a:rPr lang="en-US" dirty="0"/>
               <a:t>Use of non-standard ports to confound probing for commonly used ports</a:t>
             </a:r>
+            <a:endParaRPr lang="en-US" dirty="0"/>
           </a:p>
           <a:p>
             <a:pPr lvl="1"/>
@@ -8002,18 +7322,21 @@
               <a:rPr lang="en-US" dirty="0"/>
               <a:t>Firewalls to block access to most ports except those explicitly allowed on a whitelist</a:t>
             </a:r>
+            <a:endParaRPr lang="en-US" dirty="0"/>
           </a:p>
           <a:p>
             <a:r>
               <a:rPr lang="en-US" dirty="0"/>
               <a:t>Known or published IP addresses are potential targets</a:t>
             </a:r>
+            <a:endParaRPr lang="en-US" dirty="0"/>
           </a:p>
           <a:p>
             <a:r>
               <a:rPr lang="en-US" dirty="0"/>
               <a:t>Mitigations involve</a:t>
             </a:r>
+            <a:endParaRPr lang="en-US" dirty="0"/>
           </a:p>
           <a:p>
             <a:pPr lvl="1"/>
@@ -8021,6 +7344,7 @@
               <a:rPr lang="en-US" dirty="0"/>
               <a:t>Use of an API gateway to map external IP addresses to internal addresses</a:t>
             </a:r>
+            <a:endParaRPr lang="en-US" dirty="0"/>
           </a:p>
           <a:p>
             <a:pPr lvl="1"/>
@@ -8028,6 +7352,7 @@
               <a:rPr lang="en-US" dirty="0"/>
               <a:t>Use of filtering and firewalling on the gateway</a:t>
             </a:r>
+            <a:endParaRPr lang="en-US" dirty="0"/>
           </a:p>
           <a:p>
             <a:pPr lvl="1"/>
@@ -8035,6 +7360,7 @@
               <a:rPr lang="en-US" dirty="0"/>
               <a:t>Establishment of a DNZ</a:t>
             </a:r>
+            <a:endParaRPr lang="en-US" dirty="0"/>
           </a:p>
           <a:p>
             <a:pPr lvl="1"/>
@@ -8044,13 +7370,7 @@
       </p:sp>
       <p:sp>
         <p:nvSpPr>
-          <p:cNvPr id="4" name="Footer Placeholder 3">
-            <a:extLst>
-              <a:ext uri="{FF2B5EF4-FFF2-40B4-BE49-F238E27FC236}">
-                <a16:creationId xmlns:a16="http://schemas.microsoft.com/office/drawing/2014/main" id="{5EC63A21-D15E-4852-B957-E0E02527E919}"/>
-              </a:ext>
-            </a:extLst>
-          </p:cNvPr>
+          <p:cNvPr id="4" name="Footer Placeholder 3"/>
           <p:cNvSpPr>
             <a:spLocks noGrp="1"/>
           </p:cNvSpPr>
@@ -8068,21 +7388,15 @@
             </a:pPr>
             <a:r>
               <a:rPr lang="en-US"/>
-              <a:t>Copyright © 2017 Elephant Scale. All rights reserved.</a:t>
-            </a:r>
-            <a:endParaRPr lang="en-US" dirty="0"/>
-          </a:p>
-        </p:txBody>
-      </p:sp>
-      <p:sp>
-        <p:nvSpPr>
-          <p:cNvPr id="5" name="Slide Number Placeholder 4">
-            <a:extLst>
-              <a:ext uri="{FF2B5EF4-FFF2-40B4-BE49-F238E27FC236}">
-                <a16:creationId xmlns:a16="http://schemas.microsoft.com/office/drawing/2014/main" id="{59CB5C77-8726-4C5B-85D1-58942BB38A9E}"/>
-              </a:ext>
-            </a:extLst>
-          </p:cNvPr>
+              <a:t>Copyright © 2021 Elephant Scale. All rights reserved.</a:t>
+            </a:r>
+            <a:endParaRPr lang="en-US" dirty="0"/>
+          </a:p>
+        </p:txBody>
+      </p:sp>
+      <p:sp>
+        <p:nvSpPr>
+          <p:cNvPr id="5" name="Slide Number Placeholder 4"/>
           <p:cNvSpPr>
             <a:spLocks noGrp="1"/>
           </p:cNvSpPr>
@@ -8100,21 +7414,12 @@
             </a:pPr>
             <a:fld id="{77EF9825-4C23-4085-A4E3-B5565466BD91}" type="slidenum">
               <a:rPr lang="en-US" smtClean="0"/>
-              <a:pPr>
-                <a:defRPr/>
-              </a:pPr>
-              <a:t>22</a:t>
             </a:fld>
             <a:endParaRPr lang="en-US" dirty="0"/>
           </a:p>
         </p:txBody>
       </p:sp>
     </p:spTree>
-    <p:extLst>
-      <p:ext uri="{BB962C8B-B14F-4D97-AF65-F5344CB8AC3E}">
-        <p14:creationId xmlns:p14="http://schemas.microsoft.com/office/powerpoint/2010/main" val="3681545461"/>
-      </p:ext>
-    </p:extLst>
   </p:cSld>
   <p:clrMapOvr>
     <a:masterClrMapping/>
@@ -8141,13 +7446,7 @@
       </p:grpSpPr>
       <p:sp>
         <p:nvSpPr>
-          <p:cNvPr id="2" name="Title 1">
-            <a:extLst>
-              <a:ext uri="{FF2B5EF4-FFF2-40B4-BE49-F238E27FC236}">
-                <a16:creationId xmlns:a16="http://schemas.microsoft.com/office/drawing/2014/main" id="{FFBED6AB-4D92-4FEC-9710-09BAA936FFB7}"/>
-              </a:ext>
-            </a:extLst>
-          </p:cNvPr>
+          <p:cNvPr id="2" name="Title 1"/>
           <p:cNvSpPr>
             <a:spLocks noGrp="1"/>
           </p:cNvSpPr>
@@ -8170,13 +7469,7 @@
       </p:sp>
       <p:sp>
         <p:nvSpPr>
-          <p:cNvPr id="3" name="Content Placeholder 2">
-            <a:extLst>
-              <a:ext uri="{FF2B5EF4-FFF2-40B4-BE49-F238E27FC236}">
-                <a16:creationId xmlns:a16="http://schemas.microsoft.com/office/drawing/2014/main" id="{2682E4DA-D4E5-4E72-B9F4-2C3E12536904}"/>
-              </a:ext>
-            </a:extLst>
-          </p:cNvPr>
+          <p:cNvPr id="3" name="Content Placeholder 2"/>
           <p:cNvSpPr>
             <a:spLocks noGrp="1"/>
           </p:cNvSpPr>
@@ -8201,6 +7494,7 @@
               <a:rPr lang="en-US" dirty="0"/>
               <a:t>DMZs connect internal networks to the outside world</a:t>
             </a:r>
+            <a:endParaRPr lang="en-US" dirty="0"/>
           </a:p>
           <a:p>
             <a:pPr lvl="2"/>
@@ -8208,6 +7502,7 @@
               <a:rPr lang="en-US" dirty="0"/>
               <a:t>Internal networks cannot be accessed directly</a:t>
             </a:r>
+            <a:endParaRPr lang="en-US" dirty="0"/>
           </a:p>
           <a:p>
             <a:pPr lvl="2"/>
@@ -8215,6 +7510,7 @@
               <a:rPr lang="en-US" dirty="0"/>
               <a:t>Must go through the DMZ</a:t>
             </a:r>
+            <a:endParaRPr lang="en-US" dirty="0"/>
           </a:p>
           <a:p>
             <a:pPr lvl="2"/>
@@ -8222,6 +7518,7 @@
               <a:rPr lang="en-US" dirty="0"/>
               <a:t>Including standard application-level attacks</a:t>
             </a:r>
+            <a:endParaRPr lang="en-US" dirty="0"/>
           </a:p>
           <a:p>
             <a:pPr lvl="1"/>
@@ -8229,6 +7526,7 @@
               <a:rPr lang="en-US" dirty="0"/>
               <a:t>Honeypots are fake networks</a:t>
             </a:r>
+            <a:endParaRPr lang="en-US" dirty="0"/>
           </a:p>
           <a:p>
             <a:pPr lvl="2"/>
@@ -8236,6 +7534,7 @@
               <a:rPr lang="en-US" dirty="0"/>
               <a:t>Designed to distract attackers</a:t>
             </a:r>
+            <a:endParaRPr lang="en-US" dirty="0"/>
           </a:p>
           <a:p>
             <a:pPr lvl="2"/>
@@ -8243,18 +7542,13 @@
               <a:rPr lang="en-US" dirty="0"/>
               <a:t>They wind up attacking the honeypot instead of the industrial system</a:t>
             </a:r>
-          </a:p>
-        </p:txBody>
-      </p:sp>
-      <p:sp>
-        <p:nvSpPr>
-          <p:cNvPr id="4" name="Footer Placeholder 3">
-            <a:extLst>
-              <a:ext uri="{FF2B5EF4-FFF2-40B4-BE49-F238E27FC236}">
-                <a16:creationId xmlns:a16="http://schemas.microsoft.com/office/drawing/2014/main" id="{5EC63A21-D15E-4852-B957-E0E02527E919}"/>
-              </a:ext>
-            </a:extLst>
-          </p:cNvPr>
+            <a:endParaRPr lang="en-US" dirty="0"/>
+          </a:p>
+        </p:txBody>
+      </p:sp>
+      <p:sp>
+        <p:nvSpPr>
+          <p:cNvPr id="4" name="Footer Placeholder 3"/>
           <p:cNvSpPr>
             <a:spLocks noGrp="1"/>
           </p:cNvSpPr>
@@ -8272,21 +7566,15 @@
             </a:pPr>
             <a:r>
               <a:rPr lang="en-US"/>
-              <a:t>Copyright © 2017 Elephant Scale. All rights reserved.</a:t>
-            </a:r>
-            <a:endParaRPr lang="en-US" dirty="0"/>
-          </a:p>
-        </p:txBody>
-      </p:sp>
-      <p:sp>
-        <p:nvSpPr>
-          <p:cNvPr id="5" name="Slide Number Placeholder 4">
-            <a:extLst>
-              <a:ext uri="{FF2B5EF4-FFF2-40B4-BE49-F238E27FC236}">
-                <a16:creationId xmlns:a16="http://schemas.microsoft.com/office/drawing/2014/main" id="{59CB5C77-8726-4C5B-85D1-58942BB38A9E}"/>
-              </a:ext>
-            </a:extLst>
-          </p:cNvPr>
+              <a:t>Copyright © 2021 Elephant Scale. All rights reserved.</a:t>
+            </a:r>
+            <a:endParaRPr lang="en-US" dirty="0"/>
+          </a:p>
+        </p:txBody>
+      </p:sp>
+      <p:sp>
+        <p:nvSpPr>
+          <p:cNvPr id="5" name="Slide Number Placeholder 4"/>
           <p:cNvSpPr>
             <a:spLocks noGrp="1"/>
           </p:cNvSpPr>
@@ -8304,10 +7592,6 @@
             </a:pPr>
             <a:fld id="{77EF9825-4C23-4085-A4E3-B5565466BD91}" type="slidenum">
               <a:rPr lang="en-US" smtClean="0"/>
-              <a:pPr>
-                <a:defRPr/>
-              </a:pPr>
-              <a:t>23</a:t>
             </a:fld>
             <a:endParaRPr lang="en-US" dirty="0"/>
           </a:p>
@@ -8315,20 +7599,14 @@
       </p:sp>
       <p:pic>
         <p:nvPicPr>
-          <p:cNvPr id="7" name="Picture 6" descr="Diagram&#10;&#10;Description automatically generated">
-            <a:extLst>
-              <a:ext uri="{FF2B5EF4-FFF2-40B4-BE49-F238E27FC236}">
-                <a16:creationId xmlns:a16="http://schemas.microsoft.com/office/drawing/2014/main" id="{B759D24B-38C4-4F92-9B79-F876F7356F51}"/>
-              </a:ext>
-            </a:extLst>
-          </p:cNvPr>
+          <p:cNvPr id="7" name="Picture 6" descr="Diagram&#10;&#10;Description automatically generated"/>
           <p:cNvPicPr>
             <a:picLocks noChangeAspect="1"/>
           </p:cNvPicPr>
           <p:nvPr/>
         </p:nvPicPr>
         <p:blipFill>
-          <a:blip r:embed="rId3"/>
+          <a:blip r:embed="rId1"/>
           <a:stretch>
             <a:fillRect/>
           </a:stretch>
@@ -8344,11 +7622,6 @@
         </p:spPr>
       </p:pic>
     </p:spTree>
-    <p:extLst>
-      <p:ext uri="{BB962C8B-B14F-4D97-AF65-F5344CB8AC3E}">
-        <p14:creationId xmlns:p14="http://schemas.microsoft.com/office/powerpoint/2010/main" val="3883846575"/>
-      </p:ext>
-    </p:extLst>
   </p:cSld>
   <p:clrMapOvr>
     <a:masterClrMapping/>
@@ -8375,13 +7648,7 @@
       </p:grpSpPr>
       <p:sp>
         <p:nvSpPr>
-          <p:cNvPr id="2" name="Title 1">
-            <a:extLst>
-              <a:ext uri="{FF2B5EF4-FFF2-40B4-BE49-F238E27FC236}">
-                <a16:creationId xmlns:a16="http://schemas.microsoft.com/office/drawing/2014/main" id="{16E61A2D-E1C7-44B0-80FA-8ABD6935BF95}"/>
-              </a:ext>
-            </a:extLst>
-          </p:cNvPr>
+          <p:cNvPr id="2" name="Title 1"/>
           <p:cNvSpPr>
             <a:spLocks noGrp="1"/>
           </p:cNvSpPr>
@@ -8404,13 +7671,7 @@
       </p:sp>
       <p:sp>
         <p:nvSpPr>
-          <p:cNvPr id="3" name="Content Placeholder 2">
-            <a:extLst>
-              <a:ext uri="{FF2B5EF4-FFF2-40B4-BE49-F238E27FC236}">
-                <a16:creationId xmlns:a16="http://schemas.microsoft.com/office/drawing/2014/main" id="{5D35CBFB-D8A7-442E-9002-5E5161C8DE6F}"/>
-              </a:ext>
-            </a:extLst>
-          </p:cNvPr>
+          <p:cNvPr id="3" name="Content Placeholder 2"/>
           <p:cNvSpPr>
             <a:spLocks noGrp="1"/>
           </p:cNvSpPr>
@@ -8427,6 +7688,7 @@
               <a:rPr lang="en-US" dirty="0"/>
               <a:t>Level at which most network hardware operates</a:t>
             </a:r>
+            <a:endParaRPr lang="en-US" dirty="0"/>
           </a:p>
           <a:p>
             <a:pPr lvl="1"/>
@@ -8434,12 +7696,14 @@
               <a:rPr lang="en-US" dirty="0"/>
               <a:t>Switches, routers, firewalls, etc.</a:t>
             </a:r>
+            <a:endParaRPr lang="en-US" dirty="0"/>
           </a:p>
           <a:p>
             <a:r>
               <a:rPr lang="en-US" dirty="0"/>
               <a:t>Attacker can reroute traffic via a compromised router</a:t>
             </a:r>
+            <a:endParaRPr lang="en-US" dirty="0"/>
           </a:p>
           <a:p>
             <a:pPr lvl="1"/>
@@ -8447,12 +7711,14 @@
               <a:rPr lang="en-US" dirty="0"/>
               <a:t>Many commercial routers have security flaws</a:t>
             </a:r>
+            <a:endParaRPr lang="en-US" dirty="0"/>
           </a:p>
           <a:p>
             <a:r>
               <a:rPr lang="en-US" dirty="0"/>
               <a:t>Malware insertion into network devices is a common attack</a:t>
             </a:r>
+            <a:endParaRPr lang="en-US" dirty="0"/>
           </a:p>
           <a:p>
             <a:pPr lvl="1"/>
@@ -8460,6 +7726,7 @@
               <a:rPr lang="en-US" dirty="0"/>
               <a:t>Used by the NSA as part of their Tailored Access Operations (TAO)</a:t>
             </a:r>
+            <a:endParaRPr lang="en-US" dirty="0"/>
           </a:p>
           <a:p>
             <a:pPr lvl="1"/>
@@ -8467,6 +7734,7 @@
               <a:rPr lang="en-US" dirty="0"/>
               <a:t>Network devices are physically intercepted during shipment</a:t>
             </a:r>
+            <a:endParaRPr lang="en-US" dirty="0"/>
           </a:p>
           <a:p>
             <a:pPr lvl="1"/>
@@ -8474,24 +7742,20 @@
               <a:rPr lang="en-US" dirty="0"/>
               <a:t>Malware is installed to create backdoors</a:t>
             </a:r>
+            <a:endParaRPr lang="en-US" dirty="0"/>
           </a:p>
           <a:p>
             <a:r>
               <a:rPr lang="en-US" dirty="0"/>
               <a:t>Security analyses often overlook off the shelf hardware</a:t>
             </a:r>
-          </a:p>
-        </p:txBody>
-      </p:sp>
-      <p:sp>
-        <p:nvSpPr>
-          <p:cNvPr id="4" name="Footer Placeholder 3">
-            <a:extLst>
-              <a:ext uri="{FF2B5EF4-FFF2-40B4-BE49-F238E27FC236}">
-                <a16:creationId xmlns:a16="http://schemas.microsoft.com/office/drawing/2014/main" id="{CDC9F319-8D31-4DA6-99C6-4A21ABEF7728}"/>
-              </a:ext>
-            </a:extLst>
-          </p:cNvPr>
+            <a:endParaRPr lang="en-US" dirty="0"/>
+          </a:p>
+        </p:txBody>
+      </p:sp>
+      <p:sp>
+        <p:nvSpPr>
+          <p:cNvPr id="4" name="Footer Placeholder 3"/>
           <p:cNvSpPr>
             <a:spLocks noGrp="1"/>
           </p:cNvSpPr>
@@ -8509,21 +7773,15 @@
             </a:pPr>
             <a:r>
               <a:rPr lang="en-US"/>
-              <a:t>Copyright © 2017 Elephant Scale. All rights reserved.</a:t>
-            </a:r>
-            <a:endParaRPr lang="en-US" dirty="0"/>
-          </a:p>
-        </p:txBody>
-      </p:sp>
-      <p:sp>
-        <p:nvSpPr>
-          <p:cNvPr id="5" name="Slide Number Placeholder 4">
-            <a:extLst>
-              <a:ext uri="{FF2B5EF4-FFF2-40B4-BE49-F238E27FC236}">
-                <a16:creationId xmlns:a16="http://schemas.microsoft.com/office/drawing/2014/main" id="{0D1AC9F0-C557-4BD8-BA0C-103B5DB8601D}"/>
-              </a:ext>
-            </a:extLst>
-          </p:cNvPr>
+              <a:t>Copyright © 2021 Elephant Scale. All rights reserved.</a:t>
+            </a:r>
+            <a:endParaRPr lang="en-US" dirty="0"/>
+          </a:p>
+        </p:txBody>
+      </p:sp>
+      <p:sp>
+        <p:nvSpPr>
+          <p:cNvPr id="5" name="Slide Number Placeholder 4"/>
           <p:cNvSpPr>
             <a:spLocks noGrp="1"/>
           </p:cNvSpPr>
@@ -8541,21 +7799,12 @@
             </a:pPr>
             <a:fld id="{77EF9825-4C23-4085-A4E3-B5565466BD91}" type="slidenum">
               <a:rPr lang="en-US" smtClean="0"/>
-              <a:pPr>
-                <a:defRPr/>
-              </a:pPr>
-              <a:t>24</a:t>
             </a:fld>
             <a:endParaRPr lang="en-US" dirty="0"/>
           </a:p>
         </p:txBody>
       </p:sp>
     </p:spTree>
-    <p:extLst>
-      <p:ext uri="{BB962C8B-B14F-4D97-AF65-F5344CB8AC3E}">
-        <p14:creationId xmlns:p14="http://schemas.microsoft.com/office/powerpoint/2010/main" val="2829148935"/>
-      </p:ext>
-    </p:extLst>
   </p:cSld>
   <p:clrMapOvr>
     <a:masterClrMapping/>
@@ -8582,13 +7831,7 @@
       </p:grpSpPr>
       <p:sp>
         <p:nvSpPr>
-          <p:cNvPr id="2" name="Title 1">
-            <a:extLst>
-              <a:ext uri="{FF2B5EF4-FFF2-40B4-BE49-F238E27FC236}">
-                <a16:creationId xmlns:a16="http://schemas.microsoft.com/office/drawing/2014/main" id="{FFBED6AB-4D92-4FEC-9710-09BAA936FFB7}"/>
-              </a:ext>
-            </a:extLst>
-          </p:cNvPr>
+          <p:cNvPr id="2" name="Title 1"/>
           <p:cNvSpPr>
             <a:spLocks noGrp="1"/>
           </p:cNvSpPr>
@@ -8611,13 +7854,7 @@
       </p:sp>
       <p:sp>
         <p:nvSpPr>
-          <p:cNvPr id="4" name="Footer Placeholder 3">
-            <a:extLst>
-              <a:ext uri="{FF2B5EF4-FFF2-40B4-BE49-F238E27FC236}">
-                <a16:creationId xmlns:a16="http://schemas.microsoft.com/office/drawing/2014/main" id="{5EC63A21-D15E-4852-B957-E0E02527E919}"/>
-              </a:ext>
-            </a:extLst>
-          </p:cNvPr>
+          <p:cNvPr id="4" name="Footer Placeholder 3"/>
           <p:cNvSpPr>
             <a:spLocks noGrp="1"/>
           </p:cNvSpPr>
@@ -8635,21 +7872,15 @@
             </a:pPr>
             <a:r>
               <a:rPr lang="en-US"/>
-              <a:t>Copyright © 2017 Elephant Scale. All rights reserved.</a:t>
-            </a:r>
-            <a:endParaRPr lang="en-US" dirty="0"/>
-          </a:p>
-        </p:txBody>
-      </p:sp>
-      <p:sp>
-        <p:nvSpPr>
-          <p:cNvPr id="5" name="Slide Number Placeholder 4">
-            <a:extLst>
-              <a:ext uri="{FF2B5EF4-FFF2-40B4-BE49-F238E27FC236}">
-                <a16:creationId xmlns:a16="http://schemas.microsoft.com/office/drawing/2014/main" id="{59CB5C77-8726-4C5B-85D1-58942BB38A9E}"/>
-              </a:ext>
-            </a:extLst>
-          </p:cNvPr>
+              <a:t>Copyright © 2021 Elephant Scale. All rights reserved.</a:t>
+            </a:r>
+            <a:endParaRPr lang="en-US" dirty="0"/>
+          </a:p>
+        </p:txBody>
+      </p:sp>
+      <p:sp>
+        <p:nvSpPr>
+          <p:cNvPr id="5" name="Slide Number Placeholder 4"/>
           <p:cNvSpPr>
             <a:spLocks noGrp="1"/>
           </p:cNvSpPr>
@@ -8667,10 +7898,6 @@
             </a:pPr>
             <a:fld id="{77EF9825-4C23-4085-A4E3-B5565466BD91}" type="slidenum">
               <a:rPr lang="en-US" smtClean="0"/>
-              <a:pPr>
-                <a:defRPr/>
-              </a:pPr>
-              <a:t>25</a:t>
             </a:fld>
             <a:endParaRPr lang="en-US" dirty="0"/>
           </a:p>
@@ -8678,20 +7905,14 @@
       </p:sp>
       <p:pic>
         <p:nvPicPr>
-          <p:cNvPr id="7" name="Picture 6" descr="Diagram&#10;&#10;Description automatically generated">
-            <a:extLst>
-              <a:ext uri="{FF2B5EF4-FFF2-40B4-BE49-F238E27FC236}">
-                <a16:creationId xmlns:a16="http://schemas.microsoft.com/office/drawing/2014/main" id="{F1CA7DAA-EE2F-4EE2-A82C-B66CDF281970}"/>
-              </a:ext>
-            </a:extLst>
-          </p:cNvPr>
+          <p:cNvPr id="7" name="Picture 6" descr="Diagram&#10;&#10;Description automatically generated"/>
           <p:cNvPicPr>
             <a:picLocks noChangeAspect="1"/>
           </p:cNvPicPr>
           <p:nvPr/>
         </p:nvPicPr>
         <p:blipFill>
-          <a:blip r:embed="rId3"/>
+          <a:blip r:embed="rId1"/>
           <a:stretch>
             <a:fillRect/>
           </a:stretch>
@@ -8707,11 +7928,6 @@
         </p:spPr>
       </p:pic>
     </p:spTree>
-    <p:extLst>
-      <p:ext uri="{BB962C8B-B14F-4D97-AF65-F5344CB8AC3E}">
-        <p14:creationId xmlns:p14="http://schemas.microsoft.com/office/powerpoint/2010/main" val="221153928"/>
-      </p:ext>
-    </p:extLst>
   </p:cSld>
   <p:clrMapOvr>
     <a:masterClrMapping/>
@@ -8738,13 +7954,7 @@
       </p:grpSpPr>
       <p:sp>
         <p:nvSpPr>
-          <p:cNvPr id="2" name="Title 1">
-            <a:extLst>
-              <a:ext uri="{FF2B5EF4-FFF2-40B4-BE49-F238E27FC236}">
-                <a16:creationId xmlns:a16="http://schemas.microsoft.com/office/drawing/2014/main" id="{16E61A2D-E1C7-44B0-80FA-8ABD6935BF95}"/>
-              </a:ext>
-            </a:extLst>
-          </p:cNvPr>
+          <p:cNvPr id="2" name="Title 1"/>
           <p:cNvSpPr>
             <a:spLocks noGrp="1"/>
           </p:cNvSpPr>
@@ -8767,13 +7977,7 @@
       </p:sp>
       <p:sp>
         <p:nvSpPr>
-          <p:cNvPr id="3" name="Content Placeholder 2">
-            <a:extLst>
-              <a:ext uri="{FF2B5EF4-FFF2-40B4-BE49-F238E27FC236}">
-                <a16:creationId xmlns:a16="http://schemas.microsoft.com/office/drawing/2014/main" id="{5D35CBFB-D8A7-442E-9002-5E5161C8DE6F}"/>
-              </a:ext>
-            </a:extLst>
-          </p:cNvPr>
+          <p:cNvPr id="3" name="Content Placeholder 2"/>
           <p:cNvSpPr>
             <a:spLocks noGrp="1"/>
           </p:cNvSpPr>
@@ -8790,6 +7994,7 @@
               <a:rPr lang="en-US" dirty="0"/>
               <a:t>Mitigations involve</a:t>
             </a:r>
+            <a:endParaRPr lang="en-US" dirty="0"/>
           </a:p>
           <a:p>
             <a:pPr lvl="1"/>
@@ -8797,6 +8002,7 @@
               <a:rPr lang="en-US" dirty="0"/>
               <a:t>Using NAT and other address translation strategies</a:t>
             </a:r>
+            <a:endParaRPr lang="en-US" dirty="0"/>
           </a:p>
           <a:p>
             <a:pPr lvl="1"/>
@@ -8804,6 +8010,7 @@
               <a:rPr lang="en-US" dirty="0"/>
               <a:t>Physically secure network equipment</a:t>
             </a:r>
+            <a:endParaRPr lang="en-US" dirty="0"/>
           </a:p>
           <a:p>
             <a:pPr lvl="1"/>
@@ -8811,6 +8018,7 @@
               <a:rPr lang="en-US" dirty="0"/>
               <a:t>Breeches at this layer commonly occur inside the organization</a:t>
             </a:r>
+            <a:endParaRPr lang="en-US" dirty="0"/>
           </a:p>
           <a:p>
             <a:pPr lvl="1"/>
@@ -8818,6 +8026,7 @@
               <a:rPr lang="en-US" dirty="0"/>
               <a:t>The use of VPNs where possible</a:t>
             </a:r>
+            <a:endParaRPr lang="en-US" dirty="0"/>
           </a:p>
           <a:p>
             <a:pPr lvl="1"/>
@@ -8825,6 +8034,7 @@
               <a:rPr lang="en-US" dirty="0"/>
               <a:t>However, this does add a layer of latency and complexity</a:t>
             </a:r>
+            <a:endParaRPr lang="en-US" dirty="0"/>
           </a:p>
           <a:p>
             <a:pPr lvl="1"/>
@@ -8832,18 +8042,13 @@
               <a:rPr lang="en-US" dirty="0"/>
               <a:t>Full security audits of all network equipment</a:t>
             </a:r>
-          </a:p>
-        </p:txBody>
-      </p:sp>
-      <p:sp>
-        <p:nvSpPr>
-          <p:cNvPr id="4" name="Footer Placeholder 3">
-            <a:extLst>
-              <a:ext uri="{FF2B5EF4-FFF2-40B4-BE49-F238E27FC236}">
-                <a16:creationId xmlns:a16="http://schemas.microsoft.com/office/drawing/2014/main" id="{CDC9F319-8D31-4DA6-99C6-4A21ABEF7728}"/>
-              </a:ext>
-            </a:extLst>
-          </p:cNvPr>
+            <a:endParaRPr lang="en-US" dirty="0"/>
+          </a:p>
+        </p:txBody>
+      </p:sp>
+      <p:sp>
+        <p:nvSpPr>
+          <p:cNvPr id="4" name="Footer Placeholder 3"/>
           <p:cNvSpPr>
             <a:spLocks noGrp="1"/>
           </p:cNvSpPr>
@@ -8861,21 +8066,15 @@
             </a:pPr>
             <a:r>
               <a:rPr lang="en-US"/>
-              <a:t>Copyright © 2017 Elephant Scale. All rights reserved.</a:t>
-            </a:r>
-            <a:endParaRPr lang="en-US" dirty="0"/>
-          </a:p>
-        </p:txBody>
-      </p:sp>
-      <p:sp>
-        <p:nvSpPr>
-          <p:cNvPr id="5" name="Slide Number Placeholder 4">
-            <a:extLst>
-              <a:ext uri="{FF2B5EF4-FFF2-40B4-BE49-F238E27FC236}">
-                <a16:creationId xmlns:a16="http://schemas.microsoft.com/office/drawing/2014/main" id="{0D1AC9F0-C557-4BD8-BA0C-103B5DB8601D}"/>
-              </a:ext>
-            </a:extLst>
-          </p:cNvPr>
+              <a:t>Copyright © 2021 Elephant Scale. All rights reserved.</a:t>
+            </a:r>
+            <a:endParaRPr lang="en-US" dirty="0"/>
+          </a:p>
+        </p:txBody>
+      </p:sp>
+      <p:sp>
+        <p:nvSpPr>
+          <p:cNvPr id="5" name="Slide Number Placeholder 4"/>
           <p:cNvSpPr>
             <a:spLocks noGrp="1"/>
           </p:cNvSpPr>
@@ -8893,21 +8092,12 @@
             </a:pPr>
             <a:fld id="{77EF9825-4C23-4085-A4E3-B5565466BD91}" type="slidenum">
               <a:rPr lang="en-US" smtClean="0"/>
-              <a:pPr>
-                <a:defRPr/>
-              </a:pPr>
-              <a:t>26</a:t>
             </a:fld>
             <a:endParaRPr lang="en-US" dirty="0"/>
           </a:p>
         </p:txBody>
       </p:sp>
     </p:spTree>
-    <p:extLst>
-      <p:ext uri="{BB962C8B-B14F-4D97-AF65-F5344CB8AC3E}">
-        <p14:creationId xmlns:p14="http://schemas.microsoft.com/office/powerpoint/2010/main" val="3189797848"/>
-      </p:ext>
-    </p:extLst>
   </p:cSld>
   <p:clrMapOvr>
     <a:masterClrMapping/>
@@ -8934,13 +8124,7 @@
       </p:grpSpPr>
       <p:sp>
         <p:nvSpPr>
-          <p:cNvPr id="2" name="Title 1">
-            <a:extLst>
-              <a:ext uri="{FF2B5EF4-FFF2-40B4-BE49-F238E27FC236}">
-                <a16:creationId xmlns:a16="http://schemas.microsoft.com/office/drawing/2014/main" id="{16E61A2D-E1C7-44B0-80FA-8ABD6935BF95}"/>
-              </a:ext>
-            </a:extLst>
-          </p:cNvPr>
+          <p:cNvPr id="2" name="Title 1"/>
           <p:cNvSpPr>
             <a:spLocks noGrp="1"/>
           </p:cNvSpPr>
@@ -8963,13 +8147,7 @@
       </p:sp>
       <p:sp>
         <p:nvSpPr>
-          <p:cNvPr id="3" name="Content Placeholder 2">
-            <a:extLst>
-              <a:ext uri="{FF2B5EF4-FFF2-40B4-BE49-F238E27FC236}">
-                <a16:creationId xmlns:a16="http://schemas.microsoft.com/office/drawing/2014/main" id="{5D35CBFB-D8A7-442E-9002-5E5161C8DE6F}"/>
-              </a:ext>
-            </a:extLst>
-          </p:cNvPr>
+          <p:cNvPr id="3" name="Content Placeholder 2"/>
           <p:cNvSpPr>
             <a:spLocks noGrp="1"/>
           </p:cNvSpPr>
@@ -8986,12 +8164,14 @@
               <a:rPr lang="en-US" dirty="0"/>
               <a:t>This layer works on the MAC address and packet layer</a:t>
             </a:r>
+            <a:endParaRPr lang="en-US" dirty="0"/>
           </a:p>
           <a:p>
             <a:r>
               <a:rPr lang="en-US" dirty="0"/>
               <a:t>Common attack is to force a Network Interface Controller (NIC) into promiscuous mode</a:t>
             </a:r>
+            <a:endParaRPr lang="en-US" dirty="0"/>
           </a:p>
           <a:p>
             <a:pPr lvl="1"/>
@@ -8999,18 +8179,21 @@
               <a:rPr lang="en-US" dirty="0"/>
               <a:t>This allows it to absorb traffic intended for other machines</a:t>
             </a:r>
+            <a:endParaRPr lang="en-US" dirty="0"/>
           </a:p>
           <a:p>
             <a:r>
               <a:rPr lang="en-US" dirty="0"/>
               <a:t>This is also the layer where attackers may spoof a MAC address</a:t>
             </a:r>
+            <a:endParaRPr lang="en-US" dirty="0"/>
           </a:p>
           <a:p>
             <a:r>
               <a:rPr lang="en-US" dirty="0"/>
               <a:t>Mitigation</a:t>
             </a:r>
+            <a:endParaRPr lang="en-US" dirty="0"/>
           </a:p>
           <a:p>
             <a:pPr lvl="1"/>
@@ -9018,6 +8201,7 @@
               <a:rPr lang="en-US" dirty="0"/>
               <a:t>A common mitigation is to create separate virtual LANS (VLANs) on a single physical LAN</a:t>
             </a:r>
+            <a:endParaRPr lang="en-US" dirty="0"/>
           </a:p>
           <a:p>
             <a:pPr lvl="1"/>
@@ -9025,6 +8209,7 @@
               <a:rPr lang="en-US" dirty="0"/>
               <a:t>Access control lists can then be applied to the different VLANs</a:t>
             </a:r>
+            <a:endParaRPr lang="en-US" dirty="0"/>
           </a:p>
           <a:p>
             <a:pPr lvl="1"/>
@@ -9032,18 +8217,13 @@
               <a:rPr lang="en-US" dirty="0"/>
               <a:t>Disabling unused ports also helps at this layer too</a:t>
             </a:r>
-          </a:p>
-        </p:txBody>
-      </p:sp>
-      <p:sp>
-        <p:nvSpPr>
-          <p:cNvPr id="4" name="Footer Placeholder 3">
-            <a:extLst>
-              <a:ext uri="{FF2B5EF4-FFF2-40B4-BE49-F238E27FC236}">
-                <a16:creationId xmlns:a16="http://schemas.microsoft.com/office/drawing/2014/main" id="{CDC9F319-8D31-4DA6-99C6-4A21ABEF7728}"/>
-              </a:ext>
-            </a:extLst>
-          </p:cNvPr>
+            <a:endParaRPr lang="en-US" dirty="0"/>
+          </a:p>
+        </p:txBody>
+      </p:sp>
+      <p:sp>
+        <p:nvSpPr>
+          <p:cNvPr id="4" name="Footer Placeholder 3"/>
           <p:cNvSpPr>
             <a:spLocks noGrp="1"/>
           </p:cNvSpPr>
@@ -9061,21 +8241,15 @@
             </a:pPr>
             <a:r>
               <a:rPr lang="en-US"/>
-              <a:t>Copyright © 2017 Elephant Scale. All rights reserved.</a:t>
-            </a:r>
-            <a:endParaRPr lang="en-US" dirty="0"/>
-          </a:p>
-        </p:txBody>
-      </p:sp>
-      <p:sp>
-        <p:nvSpPr>
-          <p:cNvPr id="5" name="Slide Number Placeholder 4">
-            <a:extLst>
-              <a:ext uri="{FF2B5EF4-FFF2-40B4-BE49-F238E27FC236}">
-                <a16:creationId xmlns:a16="http://schemas.microsoft.com/office/drawing/2014/main" id="{0D1AC9F0-C557-4BD8-BA0C-103B5DB8601D}"/>
-              </a:ext>
-            </a:extLst>
-          </p:cNvPr>
+              <a:t>Copyright © 2021 Elephant Scale. All rights reserved.</a:t>
+            </a:r>
+            <a:endParaRPr lang="en-US" dirty="0"/>
+          </a:p>
+        </p:txBody>
+      </p:sp>
+      <p:sp>
+        <p:nvSpPr>
+          <p:cNvPr id="5" name="Slide Number Placeholder 4"/>
           <p:cNvSpPr>
             <a:spLocks noGrp="1"/>
           </p:cNvSpPr>
@@ -9093,21 +8267,12 @@
             </a:pPr>
             <a:fld id="{77EF9825-4C23-4085-A4E3-B5565466BD91}" type="slidenum">
               <a:rPr lang="en-US" smtClean="0"/>
-              <a:pPr>
-                <a:defRPr/>
-              </a:pPr>
-              <a:t>27</a:t>
             </a:fld>
             <a:endParaRPr lang="en-US" dirty="0"/>
           </a:p>
         </p:txBody>
       </p:sp>
     </p:spTree>
-    <p:extLst>
-      <p:ext uri="{BB962C8B-B14F-4D97-AF65-F5344CB8AC3E}">
-        <p14:creationId xmlns:p14="http://schemas.microsoft.com/office/powerpoint/2010/main" val="928894157"/>
-      </p:ext>
-    </p:extLst>
   </p:cSld>
   <p:clrMapOvr>
     <a:masterClrMapping/>
@@ -9134,13 +8299,7 @@
       </p:grpSpPr>
       <p:sp>
         <p:nvSpPr>
-          <p:cNvPr id="2" name="Title 1">
-            <a:extLst>
-              <a:ext uri="{FF2B5EF4-FFF2-40B4-BE49-F238E27FC236}">
-                <a16:creationId xmlns:a16="http://schemas.microsoft.com/office/drawing/2014/main" id="{16E61A2D-E1C7-44B0-80FA-8ABD6935BF95}"/>
-              </a:ext>
-            </a:extLst>
-          </p:cNvPr>
+          <p:cNvPr id="2" name="Title 1"/>
           <p:cNvSpPr>
             <a:spLocks noGrp="1"/>
           </p:cNvSpPr>
@@ -9163,13 +8322,7 @@
       </p:sp>
       <p:sp>
         <p:nvSpPr>
-          <p:cNvPr id="3" name="Content Placeholder 2">
-            <a:extLst>
-              <a:ext uri="{FF2B5EF4-FFF2-40B4-BE49-F238E27FC236}">
-                <a16:creationId xmlns:a16="http://schemas.microsoft.com/office/drawing/2014/main" id="{5D35CBFB-D8A7-442E-9002-5E5161C8DE6F}"/>
-              </a:ext>
-            </a:extLst>
-          </p:cNvPr>
+          <p:cNvPr id="3" name="Content Placeholder 2"/>
           <p:cNvSpPr>
             <a:spLocks noGrp="1"/>
           </p:cNvSpPr>
@@ -9186,6 +8339,7 @@
               <a:rPr lang="en-US" dirty="0"/>
               <a:t>Most common attack is compromised physical devices</a:t>
             </a:r>
+            <a:endParaRPr lang="en-US" dirty="0"/>
           </a:p>
           <a:p>
             <a:pPr lvl="1"/>
@@ -9193,12 +8347,14 @@
               <a:rPr lang="en-US" dirty="0"/>
               <a:t>Access to the devices creates opportunities for insertion of malware or physical taps or attacks</a:t>
             </a:r>
+            <a:endParaRPr lang="en-US" dirty="0"/>
           </a:p>
           <a:p>
             <a:r>
               <a:rPr lang="en-US" dirty="0"/>
               <a:t>First line of defense</a:t>
             </a:r>
+            <a:endParaRPr lang="en-US" dirty="0"/>
           </a:p>
           <a:p>
             <a:pPr lvl="1"/>
@@ -9206,6 +8362,7 @@
               <a:rPr lang="en-US" dirty="0"/>
               <a:t>Physically isolate and lock up all the equipment</a:t>
             </a:r>
+            <a:endParaRPr lang="en-US" dirty="0"/>
           </a:p>
           <a:p>
             <a:pPr lvl="1"/>
@@ -9213,6 +8370,7 @@
               <a:rPr lang="en-US" dirty="0"/>
               <a:t>Allow access only to vetted people who need access</a:t>
             </a:r>
+            <a:endParaRPr lang="en-US" dirty="0"/>
           </a:p>
           <a:p>
             <a:pPr lvl="1"/>
@@ -9220,12 +8378,14 @@
               <a:rPr lang="en-US" dirty="0"/>
               <a:t>Use the lowest level of access needed</a:t>
             </a:r>
+            <a:endParaRPr lang="en-US" dirty="0"/>
           </a:p>
           <a:p>
             <a:r>
               <a:rPr lang="en-US" dirty="0"/>
               <a:t>Social engineering attacks try to convince staff to allow access to bad actors</a:t>
             </a:r>
+            <a:endParaRPr lang="en-US" dirty="0"/>
           </a:p>
           <a:p>
             <a:pPr lvl="1"/>
@@ -9233,6 +8393,7 @@
               <a:rPr lang="en-US" dirty="0"/>
               <a:t>Mitigation is to have strongly enforced security measures</a:t>
             </a:r>
+            <a:endParaRPr lang="en-US" dirty="0"/>
           </a:p>
           <a:p>
             <a:pPr lvl="1"/>
@@ -9240,12 +8401,14 @@
               <a:rPr lang="en-US" dirty="0"/>
               <a:t>“We will not open the server room for anyone who claims to have lost their keycard.”</a:t>
             </a:r>
+            <a:endParaRPr lang="en-US" dirty="0"/>
           </a:p>
           <a:p>
             <a:r>
               <a:rPr lang="en-US" dirty="0"/>
               <a:t>Physical interception is done by accessing cables and other devices – data taps for example</a:t>
             </a:r>
+            <a:endParaRPr lang="en-US" dirty="0"/>
           </a:p>
           <a:p>
             <a:pPr lvl="1"/>
@@ -9253,9 +8416,10 @@
               <a:rPr lang="en-US" dirty="0"/>
               <a:t>Also done by monitoring EM signals from monitors and other devices</a:t>
             </a:r>
-          </a:p>
-          <a:p>
-            <a:pPr marL="404813" lvl="1" indent="0">
+            <a:endParaRPr lang="en-US" dirty="0"/>
+          </a:p>
+          <a:p>
+            <a:pPr marL="405130" lvl="1" indent="0">
               <a:buNone/>
             </a:pPr>
             <a:endParaRPr lang="en-US" dirty="0"/>
@@ -9264,13 +8428,7 @@
       </p:sp>
       <p:sp>
         <p:nvSpPr>
-          <p:cNvPr id="4" name="Footer Placeholder 3">
-            <a:extLst>
-              <a:ext uri="{FF2B5EF4-FFF2-40B4-BE49-F238E27FC236}">
-                <a16:creationId xmlns:a16="http://schemas.microsoft.com/office/drawing/2014/main" id="{CDC9F319-8D31-4DA6-99C6-4A21ABEF7728}"/>
-              </a:ext>
-            </a:extLst>
-          </p:cNvPr>
+          <p:cNvPr id="4" name="Footer Placeholder 3"/>
           <p:cNvSpPr>
             <a:spLocks noGrp="1"/>
           </p:cNvSpPr>
@@ -9288,21 +8446,15 @@
             </a:pPr>
             <a:r>
               <a:rPr lang="en-US"/>
-              <a:t>Copyright © 2017 Elephant Scale. All rights reserved.</a:t>
-            </a:r>
-            <a:endParaRPr lang="en-US" dirty="0"/>
-          </a:p>
-        </p:txBody>
-      </p:sp>
-      <p:sp>
-        <p:nvSpPr>
-          <p:cNvPr id="5" name="Slide Number Placeholder 4">
-            <a:extLst>
-              <a:ext uri="{FF2B5EF4-FFF2-40B4-BE49-F238E27FC236}">
-                <a16:creationId xmlns:a16="http://schemas.microsoft.com/office/drawing/2014/main" id="{0D1AC9F0-C557-4BD8-BA0C-103B5DB8601D}"/>
-              </a:ext>
-            </a:extLst>
-          </p:cNvPr>
+              <a:t>Copyright © 2021 Elephant Scale. All rights reserved.</a:t>
+            </a:r>
+            <a:endParaRPr lang="en-US" dirty="0"/>
+          </a:p>
+        </p:txBody>
+      </p:sp>
+      <p:sp>
+        <p:nvSpPr>
+          <p:cNvPr id="5" name="Slide Number Placeholder 4"/>
           <p:cNvSpPr>
             <a:spLocks noGrp="1"/>
           </p:cNvSpPr>
@@ -9320,21 +8472,12 @@
             </a:pPr>
             <a:fld id="{77EF9825-4C23-4085-A4E3-B5565466BD91}" type="slidenum">
               <a:rPr lang="en-US" smtClean="0"/>
-              <a:pPr>
-                <a:defRPr/>
-              </a:pPr>
-              <a:t>28</a:t>
             </a:fld>
             <a:endParaRPr lang="en-US" dirty="0"/>
           </a:p>
         </p:txBody>
       </p:sp>
     </p:spTree>
-    <p:extLst>
-      <p:ext uri="{BB962C8B-B14F-4D97-AF65-F5344CB8AC3E}">
-        <p14:creationId xmlns:p14="http://schemas.microsoft.com/office/powerpoint/2010/main" val="2204274266"/>
-      </p:ext>
-    </p:extLst>
   </p:cSld>
   <p:clrMapOvr>
     <a:masterClrMapping/>
@@ -9361,13 +8504,7 @@
       </p:grpSpPr>
       <p:sp>
         <p:nvSpPr>
-          <p:cNvPr id="2" name="Title 1">
-            <a:extLst>
-              <a:ext uri="{FF2B5EF4-FFF2-40B4-BE49-F238E27FC236}">
-                <a16:creationId xmlns:a16="http://schemas.microsoft.com/office/drawing/2014/main" id="{16E61A2D-E1C7-44B0-80FA-8ABD6935BF95}"/>
-              </a:ext>
-            </a:extLst>
-          </p:cNvPr>
+          <p:cNvPr id="2" name="Title 1"/>
           <p:cNvSpPr>
             <a:spLocks noGrp="1"/>
           </p:cNvSpPr>
@@ -9390,13 +8527,7 @@
       </p:sp>
       <p:sp>
         <p:nvSpPr>
-          <p:cNvPr id="3" name="Content Placeholder 2">
-            <a:extLst>
-              <a:ext uri="{FF2B5EF4-FFF2-40B4-BE49-F238E27FC236}">
-                <a16:creationId xmlns:a16="http://schemas.microsoft.com/office/drawing/2014/main" id="{5D35CBFB-D8A7-442E-9002-5E5161C8DE6F}"/>
-              </a:ext>
-            </a:extLst>
-          </p:cNvPr>
+          <p:cNvPr id="3" name="Content Placeholder 2"/>
           <p:cNvSpPr>
             <a:spLocks noGrp="1"/>
           </p:cNvSpPr>
@@ -9413,6 +8544,7 @@
               <a:rPr lang="en-US" dirty="0"/>
               <a:t>Common vector to disable physical devices</a:t>
             </a:r>
+            <a:endParaRPr lang="en-US" dirty="0"/>
           </a:p>
           <a:p>
             <a:pPr lvl="1"/>
@@ -9420,6 +8552,7 @@
               <a:rPr lang="en-US" dirty="0"/>
               <a:t>Power overloads</a:t>
             </a:r>
+            <a:endParaRPr lang="en-US" dirty="0"/>
           </a:p>
           <a:p>
             <a:pPr lvl="1"/>
@@ -9427,12 +8560,14 @@
               <a:rPr lang="en-US" dirty="0"/>
               <a:t>EM pulses or physical damage</a:t>
             </a:r>
+            <a:endParaRPr lang="en-US" dirty="0"/>
           </a:p>
           <a:p>
             <a:r>
               <a:rPr lang="en-US" dirty="0"/>
               <a:t>Mitigations</a:t>
             </a:r>
+            <a:endParaRPr lang="en-US" dirty="0"/>
           </a:p>
           <a:p>
             <a:pPr lvl="1"/>
@@ -9440,6 +8575,7 @@
               <a:rPr lang="en-US" dirty="0"/>
               <a:t>Any device, cable or other “thing” connected to the network is vulnerable</a:t>
             </a:r>
+            <a:endParaRPr lang="en-US" dirty="0"/>
           </a:p>
           <a:p>
             <a:pPr lvl="1"/>
@@ -9447,6 +8583,7 @@
               <a:rPr lang="en-US" dirty="0"/>
               <a:t>Use proper shielding and physical isolation when necessary</a:t>
             </a:r>
+            <a:endParaRPr lang="en-US" dirty="0"/>
           </a:p>
           <a:p>
             <a:pPr lvl="1"/>
@@ -9454,9 +8591,10 @@
               <a:rPr lang="en-US" dirty="0"/>
               <a:t>Have a good disaster recover plan for loss of physical assets</a:t>
             </a:r>
-          </a:p>
-          <a:p>
-            <a:pPr marL="404813" lvl="1" indent="0">
+            <a:endParaRPr lang="en-US" dirty="0"/>
+          </a:p>
+          <a:p>
+            <a:pPr marL="405130" lvl="1" indent="0">
               <a:buNone/>
             </a:pPr>
             <a:endParaRPr lang="en-US" dirty="0"/>
@@ -9465,13 +8603,7 @@
       </p:sp>
       <p:sp>
         <p:nvSpPr>
-          <p:cNvPr id="4" name="Footer Placeholder 3">
-            <a:extLst>
-              <a:ext uri="{FF2B5EF4-FFF2-40B4-BE49-F238E27FC236}">
-                <a16:creationId xmlns:a16="http://schemas.microsoft.com/office/drawing/2014/main" id="{CDC9F319-8D31-4DA6-99C6-4A21ABEF7728}"/>
-              </a:ext>
-            </a:extLst>
-          </p:cNvPr>
+          <p:cNvPr id="4" name="Footer Placeholder 3"/>
           <p:cNvSpPr>
             <a:spLocks noGrp="1"/>
           </p:cNvSpPr>
@@ -9489,21 +8621,15 @@
             </a:pPr>
             <a:r>
               <a:rPr lang="en-US"/>
-              <a:t>Copyright © 2017 Elephant Scale. All rights reserved.</a:t>
-            </a:r>
-            <a:endParaRPr lang="en-US" dirty="0"/>
-          </a:p>
-        </p:txBody>
-      </p:sp>
-      <p:sp>
-        <p:nvSpPr>
-          <p:cNvPr id="5" name="Slide Number Placeholder 4">
-            <a:extLst>
-              <a:ext uri="{FF2B5EF4-FFF2-40B4-BE49-F238E27FC236}">
-                <a16:creationId xmlns:a16="http://schemas.microsoft.com/office/drawing/2014/main" id="{0D1AC9F0-C557-4BD8-BA0C-103B5DB8601D}"/>
-              </a:ext>
-            </a:extLst>
-          </p:cNvPr>
+              <a:t>Copyright © 2021 Elephant Scale. All rights reserved.</a:t>
+            </a:r>
+            <a:endParaRPr lang="en-US" dirty="0"/>
+          </a:p>
+        </p:txBody>
+      </p:sp>
+      <p:sp>
+        <p:nvSpPr>
+          <p:cNvPr id="5" name="Slide Number Placeholder 4"/>
           <p:cNvSpPr>
             <a:spLocks noGrp="1"/>
           </p:cNvSpPr>
@@ -9521,21 +8647,12 @@
             </a:pPr>
             <a:fld id="{77EF9825-4C23-4085-A4E3-B5565466BD91}" type="slidenum">
               <a:rPr lang="en-US" smtClean="0"/>
-              <a:pPr>
-                <a:defRPr/>
-              </a:pPr>
-              <a:t>29</a:t>
             </a:fld>
             <a:endParaRPr lang="en-US" dirty="0"/>
           </a:p>
         </p:txBody>
       </p:sp>
     </p:spTree>
-    <p:extLst>
-      <p:ext uri="{BB962C8B-B14F-4D97-AF65-F5344CB8AC3E}">
-        <p14:creationId xmlns:p14="http://schemas.microsoft.com/office/powerpoint/2010/main" val="2001206189"/>
-      </p:ext>
-    </p:extLst>
   </p:cSld>
   <p:clrMapOvr>
     <a:masterClrMapping/>
@@ -9607,6 +8724,7 @@
               <a:rPr lang="en-US" dirty="0"/>
               <a:t>Open System Interconnection or OSI layers</a:t>
             </a:r>
+            <a:endParaRPr lang="en-US" dirty="0"/>
           </a:p>
           <a:p>
             <a:r>
@@ -9674,25 +8792,24 @@
               </a:rPr>
               <a:t>Copyright © 2021 by Elephant Scale, All Rights Reserved</a:t>
             </a:r>
+            <a:endParaRPr sz="800">
+              <a:solidFill>
+                <a:srgbClr val="000000"/>
+              </a:solidFill>
+            </a:endParaRPr>
           </a:p>
         </p:txBody>
       </p:sp>
       <p:pic>
         <p:nvPicPr>
-          <p:cNvPr id="7" name="Picture 6" descr="Diagram&#10;&#10;Description automatically generated">
-            <a:extLst>
-              <a:ext uri="{FF2B5EF4-FFF2-40B4-BE49-F238E27FC236}">
-                <a16:creationId xmlns:a16="http://schemas.microsoft.com/office/drawing/2014/main" id="{23AF6F97-EFA4-4C0D-9BFA-7B05D43C4E33}"/>
-              </a:ext>
-            </a:extLst>
-          </p:cNvPr>
+          <p:cNvPr id="7" name="Picture 6" descr="Diagram&#10;&#10;Description automatically generated"/>
           <p:cNvPicPr>
             <a:picLocks noChangeAspect="1"/>
           </p:cNvPicPr>
           <p:nvPr/>
         </p:nvPicPr>
         <p:blipFill>
-          <a:blip r:embed="rId3"/>
+          <a:blip r:embed="rId1"/>
           <a:stretch>
             <a:fillRect/>
           </a:stretch>
@@ -9707,6 +8824,55 @@
           </a:prstGeom>
         </p:spPr>
       </p:pic>
+      <p:sp>
+        <p:nvSpPr>
+          <p:cNvPr id="5" name="Slide Number Placeholder 4"/>
+          <p:cNvSpPr>
+            <a:spLocks noGrp="1"/>
+          </p:cNvSpPr>
+          <p:nvPr>
+            <p:ph type="sldNum" sz="quarter" idx="12"/>
+          </p:nvPr>
+        </p:nvSpPr>
+        <p:spPr/>
+        <p:txBody>
+          <a:bodyPr/>
+          <a:p>
+            <a:pPr>
+              <a:defRPr/>
+            </a:pPr>
+            <a:fld id="{77EF9825-4C23-4085-A4E3-B5565466BD91}" type="slidenum">
+              <a:rPr lang="en-US" smtClean="0"/>
+            </a:fld>
+            <a:endParaRPr lang="en-US" dirty="0"/>
+          </a:p>
+        </p:txBody>
+      </p:sp>
+      <p:sp>
+        <p:nvSpPr>
+          <p:cNvPr id="6" name="Footer Placeholder 5"/>
+          <p:cNvSpPr>
+            <a:spLocks noGrp="1"/>
+          </p:cNvSpPr>
+          <p:nvPr>
+            <p:ph type="ftr" sz="quarter" idx="11"/>
+          </p:nvPr>
+        </p:nvSpPr>
+        <p:spPr/>
+        <p:txBody>
+          <a:bodyPr/>
+          <a:p>
+            <a:pPr algn="l">
+              <a:defRPr/>
+            </a:pPr>
+            <a:r>
+              <a:rPr lang="en-US" dirty="0"/>
+              <a:t>Copyright © 2021 Elephant Scale. All rights reserved.</a:t>
+            </a:r>
+            <a:endParaRPr lang="en-US" dirty="0"/>
+          </a:p>
+        </p:txBody>
+      </p:sp>
     </p:spTree>
   </p:cSld>
   <p:clrMapOvr>
@@ -9734,13 +8900,7 @@
       </p:grpSpPr>
       <p:sp>
         <p:nvSpPr>
-          <p:cNvPr id="7" name="Subtitle 6">
-            <a:extLst>
-              <a:ext uri="{FF2B5EF4-FFF2-40B4-BE49-F238E27FC236}">
-                <a16:creationId xmlns:a16="http://schemas.microsoft.com/office/drawing/2014/main" id="{F0AE21C9-8363-46F0-8E84-17175B4B6DF1}"/>
-              </a:ext>
-            </a:extLst>
-          </p:cNvPr>
+          <p:cNvPr id="7" name="Subtitle 6"/>
           <p:cNvSpPr>
             <a:spLocks noGrp="1"/>
           </p:cNvSpPr>
@@ -9763,13 +8923,7 @@
       </p:sp>
       <p:sp>
         <p:nvSpPr>
-          <p:cNvPr id="6" name="Title 5">
-            <a:extLst>
-              <a:ext uri="{FF2B5EF4-FFF2-40B4-BE49-F238E27FC236}">
-                <a16:creationId xmlns:a16="http://schemas.microsoft.com/office/drawing/2014/main" id="{4DACFC3C-D81E-481C-B5A9-F8A87A958800}"/>
-              </a:ext>
-            </a:extLst>
-          </p:cNvPr>
+          <p:cNvPr id="6" name="Title 5"/>
           <p:cNvSpPr>
             <a:spLocks noGrp="1"/>
           </p:cNvSpPr>
@@ -9792,13 +8946,7 @@
       </p:sp>
       <p:sp>
         <p:nvSpPr>
-          <p:cNvPr id="4" name="Footer Placeholder 3">
-            <a:extLst>
-              <a:ext uri="{FF2B5EF4-FFF2-40B4-BE49-F238E27FC236}">
-                <a16:creationId xmlns:a16="http://schemas.microsoft.com/office/drawing/2014/main" id="{BFA942A8-60C4-4A5F-8D58-AE737E0673E5}"/>
-              </a:ext>
-            </a:extLst>
-          </p:cNvPr>
+          <p:cNvPr id="4" name="Footer Placeholder 3"/>
           <p:cNvSpPr>
             <a:spLocks noGrp="1"/>
           </p:cNvSpPr>
@@ -9821,21 +8969,15 @@
             </a:pPr>
             <a:r>
               <a:rPr lang="en-US"/>
-              <a:t>Copyright © 2017 Elephant Scale. All rights reserved.</a:t>
-            </a:r>
-            <a:endParaRPr lang="en-US" dirty="0"/>
-          </a:p>
-        </p:txBody>
-      </p:sp>
-      <p:sp>
-        <p:nvSpPr>
-          <p:cNvPr id="5" name="Slide Number Placeholder 4">
-            <a:extLst>
-              <a:ext uri="{FF2B5EF4-FFF2-40B4-BE49-F238E27FC236}">
-                <a16:creationId xmlns:a16="http://schemas.microsoft.com/office/drawing/2014/main" id="{7307FB93-BD0F-4578-AEEB-BF0EFE50CF23}"/>
-              </a:ext>
-            </a:extLst>
-          </p:cNvPr>
+              <a:t>Copyright © 2021 Elephant Scale. All rights reserved.</a:t>
+            </a:r>
+            <a:endParaRPr lang="en-US" dirty="0"/>
+          </a:p>
+        </p:txBody>
+      </p:sp>
+      <p:sp>
+        <p:nvSpPr>
+          <p:cNvPr id="5" name="Slide Number Placeholder 4"/>
           <p:cNvSpPr>
             <a:spLocks noGrp="1"/>
           </p:cNvSpPr>
@@ -9858,21 +9000,12 @@
             </a:pPr>
             <a:fld id="{77EF9825-4C23-4085-A4E3-B5565466BD91}" type="slidenum">
               <a:rPr lang="en-US" smtClean="0"/>
-              <a:pPr>
-                <a:defRPr/>
-              </a:pPr>
-              <a:t>30</a:t>
             </a:fld>
             <a:endParaRPr lang="en-US" dirty="0"/>
           </a:p>
         </p:txBody>
       </p:sp>
     </p:spTree>
-    <p:extLst>
-      <p:ext uri="{BB962C8B-B14F-4D97-AF65-F5344CB8AC3E}">
-        <p14:creationId xmlns:p14="http://schemas.microsoft.com/office/powerpoint/2010/main" val="631696940"/>
-      </p:ext>
-    </p:extLst>
   </p:cSld>
   <p:clrMapOvr>
     <a:masterClrMapping/>
@@ -9899,13 +9032,7 @@
       </p:grpSpPr>
       <p:sp>
         <p:nvSpPr>
-          <p:cNvPr id="2" name="Title 1">
-            <a:extLst>
-              <a:ext uri="{FF2B5EF4-FFF2-40B4-BE49-F238E27FC236}">
-                <a16:creationId xmlns:a16="http://schemas.microsoft.com/office/drawing/2014/main" id="{DE678C3F-BB35-48B7-9261-DFCA3F503630}"/>
-              </a:ext>
-            </a:extLst>
-          </p:cNvPr>
+          <p:cNvPr id="2" name="Title 1"/>
           <p:cNvSpPr>
             <a:spLocks noGrp="1"/>
           </p:cNvSpPr>
@@ -9928,13 +9055,7 @@
       </p:sp>
       <p:sp>
         <p:nvSpPr>
-          <p:cNvPr id="3" name="Content Placeholder 2">
-            <a:extLst>
-              <a:ext uri="{FF2B5EF4-FFF2-40B4-BE49-F238E27FC236}">
-                <a16:creationId xmlns:a16="http://schemas.microsoft.com/office/drawing/2014/main" id="{F58FA5E6-2535-4CCF-8425-4A58539AEFA0}"/>
-              </a:ext>
-            </a:extLst>
-          </p:cNvPr>
+          <p:cNvPr id="3" name="Content Placeholder 2"/>
           <p:cNvSpPr>
             <a:spLocks noGrp="1"/>
           </p:cNvSpPr>
@@ -9951,12 +9072,14 @@
               <a:rPr lang="en-US" dirty="0"/>
               <a:t>Any IoT security solution must include a security model and plan for each of the OSI levels or their equivalent</a:t>
             </a:r>
+            <a:endParaRPr lang="en-US" dirty="0"/>
           </a:p>
           <a:p>
             <a:r>
               <a:rPr lang="en-US" dirty="0"/>
               <a:t>Any deployed system is as insecure as the security at its weakest level</a:t>
             </a:r>
+            <a:endParaRPr lang="en-US" dirty="0"/>
           </a:p>
           <a:p>
             <a:pPr marL="0" indent="0">
@@ -9974,18 +9097,13 @@
               <a:rPr lang="en-CA" dirty="0"/>
               <a:t>\d&gt;&gt;</a:t>
             </a:r>
-          </a:p>
-        </p:txBody>
-      </p:sp>
-      <p:sp>
-        <p:nvSpPr>
-          <p:cNvPr id="4" name="Footer Placeholder 3">
-            <a:extLst>
-              <a:ext uri="{FF2B5EF4-FFF2-40B4-BE49-F238E27FC236}">
-                <a16:creationId xmlns:a16="http://schemas.microsoft.com/office/drawing/2014/main" id="{DCCAC81C-788A-4A80-8153-D26E24A8E1B3}"/>
-              </a:ext>
-            </a:extLst>
-          </p:cNvPr>
+            <a:endParaRPr lang="en-CA" dirty="0"/>
+          </a:p>
+        </p:txBody>
+      </p:sp>
+      <p:sp>
+        <p:nvSpPr>
+          <p:cNvPr id="4" name="Footer Placeholder 3"/>
           <p:cNvSpPr>
             <a:spLocks noGrp="1"/>
           </p:cNvSpPr>
@@ -10003,21 +9121,15 @@
             </a:pPr>
             <a:r>
               <a:rPr lang="en-US"/>
-              <a:t>Copyright © 2017 Elephant Scale. All rights reserved.</a:t>
-            </a:r>
-            <a:endParaRPr lang="en-US" dirty="0"/>
-          </a:p>
-        </p:txBody>
-      </p:sp>
-      <p:sp>
-        <p:nvSpPr>
-          <p:cNvPr id="5" name="Slide Number Placeholder 4">
-            <a:extLst>
-              <a:ext uri="{FF2B5EF4-FFF2-40B4-BE49-F238E27FC236}">
-                <a16:creationId xmlns:a16="http://schemas.microsoft.com/office/drawing/2014/main" id="{67B99C96-0D4A-4F54-B614-C2324961B909}"/>
-              </a:ext>
-            </a:extLst>
-          </p:cNvPr>
+              <a:t>Copyright © 2021 Elephant Scale. All rights reserved.</a:t>
+            </a:r>
+            <a:endParaRPr lang="en-US" dirty="0"/>
+          </a:p>
+        </p:txBody>
+      </p:sp>
+      <p:sp>
+        <p:nvSpPr>
+          <p:cNvPr id="5" name="Slide Number Placeholder 4"/>
           <p:cNvSpPr>
             <a:spLocks noGrp="1"/>
           </p:cNvSpPr>
@@ -10035,21 +9147,12 @@
             </a:pPr>
             <a:fld id="{77EF9825-4C23-4085-A4E3-B5565466BD91}" type="slidenum">
               <a:rPr lang="en-US" smtClean="0"/>
-              <a:pPr>
-                <a:defRPr/>
-              </a:pPr>
-              <a:t>31</a:t>
             </a:fld>
             <a:endParaRPr lang="en-US" dirty="0"/>
           </a:p>
         </p:txBody>
       </p:sp>
     </p:spTree>
-    <p:extLst>
-      <p:ext uri="{BB962C8B-B14F-4D97-AF65-F5344CB8AC3E}">
-        <p14:creationId xmlns:p14="http://schemas.microsoft.com/office/powerpoint/2010/main" val="834013614"/>
-      </p:ext>
-    </p:extLst>
   </p:cSld>
   <p:clrMapOvr>
     <a:masterClrMapping/>
@@ -10076,13 +9179,7 @@
       </p:grpSpPr>
       <p:sp>
         <p:nvSpPr>
-          <p:cNvPr id="2" name="Title 1">
-            <a:extLst>
-              <a:ext uri="{FF2B5EF4-FFF2-40B4-BE49-F238E27FC236}">
-                <a16:creationId xmlns:a16="http://schemas.microsoft.com/office/drawing/2014/main" id="{05B7FF10-754F-4F99-BBBF-7A2C618E936D}"/>
-              </a:ext>
-            </a:extLst>
-          </p:cNvPr>
+          <p:cNvPr id="2" name="Title 1"/>
           <p:cNvSpPr>
             <a:spLocks noGrp="1"/>
           </p:cNvSpPr>
@@ -10105,13 +9202,7 @@
       </p:sp>
       <p:sp>
         <p:nvSpPr>
-          <p:cNvPr id="3" name="Content Placeholder 2">
-            <a:extLst>
-              <a:ext uri="{FF2B5EF4-FFF2-40B4-BE49-F238E27FC236}">
-                <a16:creationId xmlns:a16="http://schemas.microsoft.com/office/drawing/2014/main" id="{E1C1037B-6214-4298-9C4F-A76BACFA4638}"/>
-              </a:ext>
-            </a:extLst>
-          </p:cNvPr>
+          <p:cNvPr id="3" name="Content Placeholder 2"/>
           <p:cNvSpPr>
             <a:spLocks noGrp="1"/>
           </p:cNvSpPr>
@@ -10134,13 +9225,7 @@
       </p:sp>
       <p:sp>
         <p:nvSpPr>
-          <p:cNvPr id="4" name="Footer Placeholder 3">
-            <a:extLst>
-              <a:ext uri="{FF2B5EF4-FFF2-40B4-BE49-F238E27FC236}">
-                <a16:creationId xmlns:a16="http://schemas.microsoft.com/office/drawing/2014/main" id="{EDBDFE3F-08BE-44E3-A2C0-AD4ED67C0C7D}"/>
-              </a:ext>
-            </a:extLst>
-          </p:cNvPr>
+          <p:cNvPr id="4" name="Footer Placeholder 3"/>
           <p:cNvSpPr>
             <a:spLocks noGrp="1"/>
           </p:cNvSpPr>
@@ -10158,21 +9243,15 @@
             </a:pPr>
             <a:r>
               <a:rPr lang="en-US"/>
-              <a:t>Copyright © 2017 Elephant Scale. All rights reserved.</a:t>
-            </a:r>
-            <a:endParaRPr lang="en-US" dirty="0"/>
-          </a:p>
-        </p:txBody>
-      </p:sp>
-      <p:sp>
-        <p:nvSpPr>
-          <p:cNvPr id="5" name="Slide Number Placeholder 4">
-            <a:extLst>
-              <a:ext uri="{FF2B5EF4-FFF2-40B4-BE49-F238E27FC236}">
-                <a16:creationId xmlns:a16="http://schemas.microsoft.com/office/drawing/2014/main" id="{06B601C0-01D8-4BB2-920F-553CC4F5365E}"/>
-              </a:ext>
-            </a:extLst>
-          </p:cNvPr>
+              <a:t>Copyright © 2021 Elephant Scale. All rights reserved.</a:t>
+            </a:r>
+            <a:endParaRPr lang="en-US" dirty="0"/>
+          </a:p>
+        </p:txBody>
+      </p:sp>
+      <p:sp>
+        <p:nvSpPr>
+          <p:cNvPr id="5" name="Slide Number Placeholder 4"/>
           <p:cNvSpPr>
             <a:spLocks noGrp="1"/>
           </p:cNvSpPr>
@@ -10190,21 +9269,12 @@
             </a:pPr>
             <a:fld id="{77EF9825-4C23-4085-A4E3-B5565466BD91}" type="slidenum">
               <a:rPr lang="en-US" smtClean="0"/>
-              <a:pPr>
-                <a:defRPr/>
-              </a:pPr>
-              <a:t>32</a:t>
             </a:fld>
             <a:endParaRPr lang="en-US" dirty="0"/>
           </a:p>
         </p:txBody>
       </p:sp>
     </p:spTree>
-    <p:extLst>
-      <p:ext uri="{BB962C8B-B14F-4D97-AF65-F5344CB8AC3E}">
-        <p14:creationId xmlns:p14="http://schemas.microsoft.com/office/powerpoint/2010/main" val="3542704851"/>
-      </p:ext>
-    </p:extLst>
   </p:cSld>
   <p:clrMapOvr>
     <a:masterClrMapping/>
@@ -10276,6 +9346,7 @@
               <a:rPr lang="en-US" dirty="0"/>
               <a:t>Maps to various implementations</a:t>
             </a:r>
+            <a:endParaRPr lang="en-US" dirty="0"/>
           </a:p>
           <a:p>
             <a:r>
@@ -10316,25 +9387,24 @@
               </a:rPr>
               <a:t>Copyright © 2021 by Elephant Scale, All Rights Reserved</a:t>
             </a:r>
+            <a:endParaRPr sz="800">
+              <a:solidFill>
+                <a:srgbClr val="000000"/>
+              </a:solidFill>
+            </a:endParaRPr>
           </a:p>
         </p:txBody>
       </p:sp>
       <p:pic>
         <p:nvPicPr>
-          <p:cNvPr id="8" name="Picture 7" descr="Table&#10;&#10;Description automatically generated">
-            <a:extLst>
-              <a:ext uri="{FF2B5EF4-FFF2-40B4-BE49-F238E27FC236}">
-                <a16:creationId xmlns:a16="http://schemas.microsoft.com/office/drawing/2014/main" id="{290AC5B3-F550-4C6D-83B3-1A6760EA5B91}"/>
-              </a:ext>
-            </a:extLst>
-          </p:cNvPr>
+          <p:cNvPr id="8" name="Picture 7" descr="Table&#10;&#10;Description automatically generated"/>
           <p:cNvPicPr>
             <a:picLocks noChangeAspect="1"/>
           </p:cNvPicPr>
           <p:nvPr/>
         </p:nvPicPr>
         <p:blipFill>
-          <a:blip r:embed="rId3"/>
+          <a:blip r:embed="rId1"/>
           <a:stretch>
             <a:fillRect/>
           </a:stretch>
@@ -10349,6 +9419,55 @@
           </a:prstGeom>
         </p:spPr>
       </p:pic>
+      <p:sp>
+        <p:nvSpPr>
+          <p:cNvPr id="5" name="Slide Number Placeholder 4"/>
+          <p:cNvSpPr>
+            <a:spLocks noGrp="1"/>
+          </p:cNvSpPr>
+          <p:nvPr>
+            <p:ph type="sldNum" sz="quarter" idx="12"/>
+          </p:nvPr>
+        </p:nvSpPr>
+        <p:spPr/>
+        <p:txBody>
+          <a:bodyPr/>
+          <a:p>
+            <a:pPr>
+              <a:defRPr/>
+            </a:pPr>
+            <a:fld id="{77EF9825-4C23-4085-A4E3-B5565466BD91}" type="slidenum">
+              <a:rPr lang="en-US" smtClean="0"/>
+            </a:fld>
+            <a:endParaRPr lang="en-US" dirty="0"/>
+          </a:p>
+        </p:txBody>
+      </p:sp>
+      <p:sp>
+        <p:nvSpPr>
+          <p:cNvPr id="6" name="Footer Placeholder 5"/>
+          <p:cNvSpPr>
+            <a:spLocks noGrp="1"/>
+          </p:cNvSpPr>
+          <p:nvPr>
+            <p:ph type="ftr" sz="quarter" idx="11"/>
+          </p:nvPr>
+        </p:nvSpPr>
+        <p:spPr/>
+        <p:txBody>
+          <a:bodyPr/>
+          <a:p>
+            <a:pPr algn="l">
+              <a:defRPr/>
+            </a:pPr>
+            <a:r>
+              <a:rPr lang="en-US" dirty="0"/>
+              <a:t>Copyright © 2021 Elephant Scale. All rights reserved.</a:t>
+            </a:r>
+            <a:endParaRPr lang="en-US" dirty="0"/>
+          </a:p>
+        </p:txBody>
+      </p:sp>
     </p:spTree>
   </p:cSld>
   <p:clrMapOvr>
@@ -10421,6 +9540,7 @@
               <a:rPr lang="en-US" dirty="0"/>
               <a:t>OSI maps to different protocols and standards for web and IoT worlds</a:t>
             </a:r>
+            <a:endParaRPr lang="en-US" dirty="0"/>
           </a:p>
         </p:txBody>
       </p:sp>
@@ -10454,25 +9574,24 @@
               </a:rPr>
               <a:t>Copyright © 2021 by Elephant Scale, All Rights Reserved</a:t>
             </a:r>
+            <a:endParaRPr sz="800">
+              <a:solidFill>
+                <a:srgbClr val="000000"/>
+              </a:solidFill>
+            </a:endParaRPr>
           </a:p>
         </p:txBody>
       </p:sp>
       <p:pic>
         <p:nvPicPr>
-          <p:cNvPr id="7" name="Picture 6" descr="Table&#10;&#10;Description automatically generated">
-            <a:extLst>
-              <a:ext uri="{FF2B5EF4-FFF2-40B4-BE49-F238E27FC236}">
-                <a16:creationId xmlns:a16="http://schemas.microsoft.com/office/drawing/2014/main" id="{0E386A95-07B9-4CFC-8A08-8036C57F8B5D}"/>
-              </a:ext>
-            </a:extLst>
-          </p:cNvPr>
+          <p:cNvPr id="7" name="Picture 6" descr="Table&#10;&#10;Description automatically generated"/>
           <p:cNvPicPr>
             <a:picLocks noChangeAspect="1"/>
           </p:cNvPicPr>
           <p:nvPr/>
         </p:nvPicPr>
         <p:blipFill>
-          <a:blip r:embed="rId3"/>
+          <a:blip r:embed="rId1"/>
           <a:stretch>
             <a:fillRect/>
           </a:stretch>
@@ -10487,12 +9606,56 @@
           </a:prstGeom>
         </p:spPr>
       </p:pic>
+      <p:sp>
+        <p:nvSpPr>
+          <p:cNvPr id="5" name="Slide Number Placeholder 4"/>
+          <p:cNvSpPr>
+            <a:spLocks noGrp="1"/>
+          </p:cNvSpPr>
+          <p:nvPr>
+            <p:ph type="sldNum" sz="quarter" idx="12"/>
+          </p:nvPr>
+        </p:nvSpPr>
+        <p:spPr/>
+        <p:txBody>
+          <a:bodyPr/>
+          <a:p>
+            <a:pPr>
+              <a:defRPr/>
+            </a:pPr>
+            <a:fld id="{77EF9825-4C23-4085-A4E3-B5565466BD91}" type="slidenum">
+              <a:rPr lang="en-US" smtClean="0"/>
+            </a:fld>
+            <a:endParaRPr lang="en-US" dirty="0"/>
+          </a:p>
+        </p:txBody>
+      </p:sp>
+      <p:sp>
+        <p:nvSpPr>
+          <p:cNvPr id="6" name="Footer Placeholder 5"/>
+          <p:cNvSpPr>
+            <a:spLocks noGrp="1"/>
+          </p:cNvSpPr>
+          <p:nvPr>
+            <p:ph type="ftr" sz="quarter" idx="11"/>
+          </p:nvPr>
+        </p:nvSpPr>
+        <p:spPr/>
+        <p:txBody>
+          <a:bodyPr/>
+          <a:p>
+            <a:pPr algn="l">
+              <a:defRPr/>
+            </a:pPr>
+            <a:r>
+              <a:rPr lang="en-US" dirty="0"/>
+              <a:t>Copyright © 2021 Elephant Scale. All rights reserved.</a:t>
+            </a:r>
+            <a:endParaRPr lang="en-US" dirty="0"/>
+          </a:p>
+        </p:txBody>
+      </p:sp>
     </p:spTree>
-    <p:extLst>
-      <p:ext uri="{BB962C8B-B14F-4D97-AF65-F5344CB8AC3E}">
-        <p14:creationId xmlns:p14="http://schemas.microsoft.com/office/powerpoint/2010/main" val="647712003"/>
-      </p:ext>
-    </p:extLst>
   </p:cSld>
   <p:clrMapOvr>
     <a:masterClrMapping/>
@@ -10519,13 +9682,7 @@
       </p:grpSpPr>
       <p:sp>
         <p:nvSpPr>
-          <p:cNvPr id="2" name="Title 1">
-            <a:extLst>
-              <a:ext uri="{FF2B5EF4-FFF2-40B4-BE49-F238E27FC236}">
-                <a16:creationId xmlns:a16="http://schemas.microsoft.com/office/drawing/2014/main" id="{D5A8371E-6FD1-421F-9C7C-547C8AE939A9}"/>
-              </a:ext>
-            </a:extLst>
-          </p:cNvPr>
+          <p:cNvPr id="2" name="Title 1"/>
           <p:cNvSpPr>
             <a:spLocks noGrp="1"/>
           </p:cNvSpPr>
@@ -10548,13 +9705,7 @@
       </p:sp>
       <p:sp>
         <p:nvSpPr>
-          <p:cNvPr id="7" name="Text Placeholder 6">
-            <a:extLst>
-              <a:ext uri="{FF2B5EF4-FFF2-40B4-BE49-F238E27FC236}">
-                <a16:creationId xmlns:a16="http://schemas.microsoft.com/office/drawing/2014/main" id="{862616B8-C108-480B-9A59-00D8E75B5F42}"/>
-              </a:ext>
-            </a:extLst>
-          </p:cNvPr>
+          <p:cNvPr id="7" name="Text Placeholder 6"/>
           <p:cNvSpPr>
             <a:spLocks noGrp="1"/>
           </p:cNvSpPr>
@@ -10571,12 +9722,14 @@
               <a:rPr lang="en-US" dirty="0"/>
               <a:t>Represents processes on the level of applications and users, IoT and otherwise</a:t>
             </a:r>
+            <a:endParaRPr lang="en-US" dirty="0"/>
           </a:p>
           <a:p>
             <a:r>
               <a:rPr lang="en-US" dirty="0"/>
               <a:t>Links the business application access to network services</a:t>
             </a:r>
+            <a:endParaRPr lang="en-US" dirty="0"/>
           </a:p>
           <a:p>
             <a:r>
@@ -10589,13 +9742,7 @@
       </p:sp>
       <p:pic>
         <p:nvPicPr>
-          <p:cNvPr id="10" name="Content Placeholder 9" descr="A screenshot of a phone&#10;&#10;Description automatically generated with medium confidence">
-            <a:extLst>
-              <a:ext uri="{FF2B5EF4-FFF2-40B4-BE49-F238E27FC236}">
-                <a16:creationId xmlns:a16="http://schemas.microsoft.com/office/drawing/2014/main" id="{04594735-37DB-4917-A7FB-78EB96482ECD}"/>
-              </a:ext>
-            </a:extLst>
-          </p:cNvPr>
+          <p:cNvPr id="10" name="Content Placeholder 9" descr="A screenshot of a phone&#10;&#10;Description automatically generated with medium confidence"/>
           <p:cNvPicPr>
             <a:picLocks noGrp="1" noChangeAspect="1"/>
           </p:cNvPicPr>
@@ -10604,7 +9751,7 @@
           </p:nvPr>
         </p:nvPicPr>
         <p:blipFill>
-          <a:blip r:embed="rId3"/>
+          <a:blip r:embed="rId1"/>
           <a:stretch>
             <a:fillRect/>
           </a:stretch>
@@ -10618,13 +9765,7 @@
       </p:pic>
       <p:sp>
         <p:nvSpPr>
-          <p:cNvPr id="5" name="Slide Number Placeholder 4">
-            <a:extLst>
-              <a:ext uri="{FF2B5EF4-FFF2-40B4-BE49-F238E27FC236}">
-                <a16:creationId xmlns:a16="http://schemas.microsoft.com/office/drawing/2014/main" id="{42B33EE9-D9F7-43E1-8295-F701997CEB5D}"/>
-              </a:ext>
-            </a:extLst>
-          </p:cNvPr>
+          <p:cNvPr id="5" name="Slide Number Placeholder 4"/>
           <p:cNvSpPr>
             <a:spLocks noGrp="1"/>
           </p:cNvSpPr>
@@ -10642,10 +9783,6 @@
             </a:pPr>
             <a:fld id="{77EF9825-4C23-4085-A4E3-B5565466BD91}" type="slidenum">
               <a:rPr lang="en-US" smtClean="0"/>
-              <a:pPr>
-                <a:defRPr/>
-              </a:pPr>
-              <a:t>6</a:t>
             </a:fld>
             <a:endParaRPr lang="en-US" dirty="0"/>
           </a:p>
@@ -10653,13 +9790,7 @@
       </p:sp>
       <p:sp>
         <p:nvSpPr>
-          <p:cNvPr id="4" name="Footer Placeholder 3">
-            <a:extLst>
-              <a:ext uri="{FF2B5EF4-FFF2-40B4-BE49-F238E27FC236}">
-                <a16:creationId xmlns:a16="http://schemas.microsoft.com/office/drawing/2014/main" id="{C78E7FDB-953C-49B8-9A3E-52830E9DFB81}"/>
-              </a:ext>
-            </a:extLst>
-          </p:cNvPr>
+          <p:cNvPr id="4" name="Footer Placeholder 3"/>
           <p:cNvSpPr>
             <a:spLocks noGrp="1"/>
           </p:cNvSpPr>
@@ -10677,21 +9808,15 @@
             </a:pPr>
             <a:r>
               <a:rPr lang="en-US"/>
-              <a:t>Copyright © 2017 Elephant Scale. All rights reserved.</a:t>
-            </a:r>
-            <a:endParaRPr lang="en-US" dirty="0"/>
-          </a:p>
-        </p:txBody>
-      </p:sp>
-      <p:sp>
-        <p:nvSpPr>
-          <p:cNvPr id="11" name="Rectangle 10">
-            <a:extLst>
-              <a:ext uri="{FF2B5EF4-FFF2-40B4-BE49-F238E27FC236}">
-                <a16:creationId xmlns:a16="http://schemas.microsoft.com/office/drawing/2014/main" id="{3EC5723A-45EA-487D-9400-2276398D7BF8}"/>
-              </a:ext>
-            </a:extLst>
-          </p:cNvPr>
+              <a:t>Copyright © 2021 Elephant Scale. All rights reserved.</a:t>
+            </a:r>
+            <a:endParaRPr lang="en-US" dirty="0"/>
+          </a:p>
+        </p:txBody>
+      </p:sp>
+      <p:sp>
+        <p:nvSpPr>
+          <p:cNvPr id="11" name="Rectangle 10"/>
           <p:cNvSpPr/>
           <p:nvPr/>
         </p:nvSpPr>
@@ -10716,11 +9841,7 @@
           <a:effectLst/>
         </p:spPr>
         <p:txBody>
-          <a:bodyPr vert="horz" wrap="square" lIns="91440" tIns="45720" rIns="91440" bIns="45720" numCol="1" rtlCol="0" anchor="t" anchorCtr="0" compatLnSpc="1">
-            <a:prstTxWarp prst="textNoShape">
-              <a:avLst/>
-            </a:prstTxWarp>
-          </a:bodyPr>
+          <a:bodyPr vert="horz" wrap="square" lIns="91440" tIns="45720" rIns="91440" bIns="45720" numCol="1" rtlCol="0" anchor="t" anchorCtr="0" compatLnSpc="1"/>
           <a:lstStyle/>
           <a:p>
             <a:pPr marL="0" marR="0" indent="0" algn="ctr" defTabSz="914400" rtl="0" eaLnBrk="1" fontAlgn="base" latinLnBrk="0" hangingPunct="1">
@@ -10737,7 +9858,6 @@
               <a:buSzTx/>
               <a:buFontTx/>
               <a:buNone/>
-              <a:tabLst/>
             </a:pPr>
             <a:endParaRPr kumimoji="0" lang="en-CA" sz="1000" b="0" i="0" u="none" strike="noStrike" cap="none" normalizeH="0" baseline="0">
               <a:ln>
@@ -10747,17 +9867,12 @@
                 <a:schemeClr val="tx1"/>
               </a:solidFill>
               <a:effectLst/>
-              <a:latin typeface="Garamond" pitchFamily="-110" charset="0"/>
+              <a:latin typeface="Garamond" pitchFamily="18" charset="0"/>
             </a:endParaRPr>
           </a:p>
         </p:txBody>
       </p:sp>
     </p:spTree>
-    <p:extLst>
-      <p:ext uri="{BB962C8B-B14F-4D97-AF65-F5344CB8AC3E}">
-        <p14:creationId xmlns:p14="http://schemas.microsoft.com/office/powerpoint/2010/main" val="87503554"/>
-      </p:ext>
-    </p:extLst>
   </p:cSld>
   <p:clrMapOvr>
     <a:masterClrMapping/>
@@ -10784,13 +9899,7 @@
       </p:grpSpPr>
       <p:sp>
         <p:nvSpPr>
-          <p:cNvPr id="2" name="Title 1">
-            <a:extLst>
-              <a:ext uri="{FF2B5EF4-FFF2-40B4-BE49-F238E27FC236}">
-                <a16:creationId xmlns:a16="http://schemas.microsoft.com/office/drawing/2014/main" id="{D5A8371E-6FD1-421F-9C7C-547C8AE939A9}"/>
-              </a:ext>
-            </a:extLst>
-          </p:cNvPr>
+          <p:cNvPr id="2" name="Title 1"/>
           <p:cNvSpPr>
             <a:spLocks noGrp="1"/>
           </p:cNvSpPr>
@@ -10813,13 +9922,7 @@
       </p:sp>
       <p:sp>
         <p:nvSpPr>
-          <p:cNvPr id="7" name="Text Placeholder 6">
-            <a:extLst>
-              <a:ext uri="{FF2B5EF4-FFF2-40B4-BE49-F238E27FC236}">
-                <a16:creationId xmlns:a16="http://schemas.microsoft.com/office/drawing/2014/main" id="{862616B8-C108-480B-9A59-00D8E75B5F42}"/>
-              </a:ext>
-            </a:extLst>
-          </p:cNvPr>
+          <p:cNvPr id="7" name="Text Placeholder 6"/>
           <p:cNvSpPr>
             <a:spLocks noGrp="1"/>
           </p:cNvSpPr>
@@ -10836,12 +9939,14 @@
               <a:rPr lang="en-US" dirty="0"/>
               <a:t>Formats and encrypts data for communication.</a:t>
             </a:r>
+            <a:endParaRPr lang="en-US" dirty="0"/>
           </a:p>
           <a:p>
             <a:r>
               <a:rPr lang="en-US" dirty="0"/>
               <a:t>Resolves compatibility issues in the communication between the application and the network. </a:t>
             </a:r>
+            <a:endParaRPr lang="en-US" dirty="0"/>
           </a:p>
           <a:p>
             <a:r>
@@ -10854,13 +9959,7 @@
       </p:sp>
       <p:pic>
         <p:nvPicPr>
-          <p:cNvPr id="10" name="Content Placeholder 9" descr="A screenshot of a phone&#10;&#10;Description automatically generated with medium confidence">
-            <a:extLst>
-              <a:ext uri="{FF2B5EF4-FFF2-40B4-BE49-F238E27FC236}">
-                <a16:creationId xmlns:a16="http://schemas.microsoft.com/office/drawing/2014/main" id="{04594735-37DB-4917-A7FB-78EB96482ECD}"/>
-              </a:ext>
-            </a:extLst>
-          </p:cNvPr>
+          <p:cNvPr id="10" name="Content Placeholder 9" descr="A screenshot of a phone&#10;&#10;Description automatically generated with medium confidence"/>
           <p:cNvPicPr>
             <a:picLocks noGrp="1" noChangeAspect="1"/>
           </p:cNvPicPr>
@@ -10869,7 +9968,7 @@
           </p:nvPr>
         </p:nvPicPr>
         <p:blipFill>
-          <a:blip r:embed="rId3"/>
+          <a:blip r:embed="rId1"/>
           <a:stretch>
             <a:fillRect/>
           </a:stretch>
@@ -10883,13 +9982,7 @@
       </p:pic>
       <p:sp>
         <p:nvSpPr>
-          <p:cNvPr id="5" name="Slide Number Placeholder 4">
-            <a:extLst>
-              <a:ext uri="{FF2B5EF4-FFF2-40B4-BE49-F238E27FC236}">
-                <a16:creationId xmlns:a16="http://schemas.microsoft.com/office/drawing/2014/main" id="{42B33EE9-D9F7-43E1-8295-F701997CEB5D}"/>
-              </a:ext>
-            </a:extLst>
-          </p:cNvPr>
+          <p:cNvPr id="5" name="Slide Number Placeholder 4"/>
           <p:cNvSpPr>
             <a:spLocks noGrp="1"/>
           </p:cNvSpPr>
@@ -10907,10 +10000,6 @@
             </a:pPr>
             <a:fld id="{77EF9825-4C23-4085-A4E3-B5565466BD91}" type="slidenum">
               <a:rPr lang="en-US" smtClean="0"/>
-              <a:pPr>
-                <a:defRPr/>
-              </a:pPr>
-              <a:t>7</a:t>
             </a:fld>
             <a:endParaRPr lang="en-US" dirty="0"/>
           </a:p>
@@ -10918,13 +10007,7 @@
       </p:sp>
       <p:sp>
         <p:nvSpPr>
-          <p:cNvPr id="4" name="Footer Placeholder 3">
-            <a:extLst>
-              <a:ext uri="{FF2B5EF4-FFF2-40B4-BE49-F238E27FC236}">
-                <a16:creationId xmlns:a16="http://schemas.microsoft.com/office/drawing/2014/main" id="{C78E7FDB-953C-49B8-9A3E-52830E9DFB81}"/>
-              </a:ext>
-            </a:extLst>
-          </p:cNvPr>
+          <p:cNvPr id="4" name="Footer Placeholder 3"/>
           <p:cNvSpPr>
             <a:spLocks noGrp="1"/>
           </p:cNvSpPr>
@@ -10942,21 +10025,15 @@
             </a:pPr>
             <a:r>
               <a:rPr lang="en-US"/>
-              <a:t>Copyright © 2017 Elephant Scale. All rights reserved.</a:t>
-            </a:r>
-            <a:endParaRPr lang="en-US" dirty="0"/>
-          </a:p>
-        </p:txBody>
-      </p:sp>
-      <p:sp>
-        <p:nvSpPr>
-          <p:cNvPr id="11" name="Rectangle 10">
-            <a:extLst>
-              <a:ext uri="{FF2B5EF4-FFF2-40B4-BE49-F238E27FC236}">
-                <a16:creationId xmlns:a16="http://schemas.microsoft.com/office/drawing/2014/main" id="{3EC5723A-45EA-487D-9400-2276398D7BF8}"/>
-              </a:ext>
-            </a:extLst>
-          </p:cNvPr>
+              <a:t>Copyright © 2021 Elephant Scale. All rights reserved.</a:t>
+            </a:r>
+            <a:endParaRPr lang="en-US" dirty="0"/>
+          </a:p>
+        </p:txBody>
+      </p:sp>
+      <p:sp>
+        <p:nvSpPr>
+          <p:cNvPr id="11" name="Rectangle 10"/>
           <p:cNvSpPr/>
           <p:nvPr/>
         </p:nvSpPr>
@@ -10981,11 +10058,7 @@
           <a:effectLst/>
         </p:spPr>
         <p:txBody>
-          <a:bodyPr vert="horz" wrap="square" lIns="91440" tIns="45720" rIns="91440" bIns="45720" numCol="1" rtlCol="0" anchor="t" anchorCtr="0" compatLnSpc="1">
-            <a:prstTxWarp prst="textNoShape">
-              <a:avLst/>
-            </a:prstTxWarp>
-          </a:bodyPr>
+          <a:bodyPr vert="horz" wrap="square" lIns="91440" tIns="45720" rIns="91440" bIns="45720" numCol="1" rtlCol="0" anchor="t" anchorCtr="0" compatLnSpc="1"/>
           <a:lstStyle/>
           <a:p>
             <a:pPr marL="0" marR="0" indent="0" algn="ctr" defTabSz="914400" rtl="0" eaLnBrk="1" fontAlgn="base" latinLnBrk="0" hangingPunct="1">
@@ -11002,7 +10075,6 @@
               <a:buSzTx/>
               <a:buFontTx/>
               <a:buNone/>
-              <a:tabLst/>
             </a:pPr>
             <a:endParaRPr kumimoji="0" lang="en-CA" sz="1000" b="0" i="0" u="none" strike="noStrike" cap="none" normalizeH="0" baseline="0">
               <a:ln>
@@ -11012,17 +10084,12 @@
                 <a:schemeClr val="tx1"/>
               </a:solidFill>
               <a:effectLst/>
-              <a:latin typeface="Garamond" pitchFamily="-110" charset="0"/>
+              <a:latin typeface="Garamond" pitchFamily="18" charset="0"/>
             </a:endParaRPr>
           </a:p>
         </p:txBody>
       </p:sp>
     </p:spTree>
-    <p:extLst>
-      <p:ext uri="{BB962C8B-B14F-4D97-AF65-F5344CB8AC3E}">
-        <p14:creationId xmlns:p14="http://schemas.microsoft.com/office/powerpoint/2010/main" val="2721288664"/>
-      </p:ext>
-    </p:extLst>
   </p:cSld>
   <p:clrMapOvr>
     <a:masterClrMapping/>
@@ -11049,13 +10116,7 @@
       </p:grpSpPr>
       <p:sp>
         <p:nvSpPr>
-          <p:cNvPr id="2" name="Title 1">
-            <a:extLst>
-              <a:ext uri="{FF2B5EF4-FFF2-40B4-BE49-F238E27FC236}">
-                <a16:creationId xmlns:a16="http://schemas.microsoft.com/office/drawing/2014/main" id="{D5A8371E-6FD1-421F-9C7C-547C8AE939A9}"/>
-              </a:ext>
-            </a:extLst>
-          </p:cNvPr>
+          <p:cNvPr id="2" name="Title 1"/>
           <p:cNvSpPr>
             <a:spLocks noGrp="1"/>
           </p:cNvSpPr>
@@ -11078,13 +10139,7 @@
       </p:sp>
       <p:sp>
         <p:nvSpPr>
-          <p:cNvPr id="7" name="Text Placeholder 6">
-            <a:extLst>
-              <a:ext uri="{FF2B5EF4-FFF2-40B4-BE49-F238E27FC236}">
-                <a16:creationId xmlns:a16="http://schemas.microsoft.com/office/drawing/2014/main" id="{862616B8-C108-480B-9A59-00D8E75B5F42}"/>
-              </a:ext>
-            </a:extLst>
-          </p:cNvPr>
+          <p:cNvPr id="7" name="Text Placeholder 6"/>
           <p:cNvSpPr>
             <a:spLocks noGrp="1"/>
           </p:cNvSpPr>
@@ -11101,6 +10156,7 @@
               <a:rPr lang="en-US" dirty="0"/>
               <a:t>Connections between local and remote applications are initiated, managed and terminated here</a:t>
             </a:r>
+            <a:endParaRPr lang="en-US" dirty="0"/>
           </a:p>
           <a:p>
             <a:r>
@@ -11113,13 +10169,7 @@
       </p:sp>
       <p:pic>
         <p:nvPicPr>
-          <p:cNvPr id="10" name="Content Placeholder 9" descr="A screenshot of a phone&#10;&#10;Description automatically generated with medium confidence">
-            <a:extLst>
-              <a:ext uri="{FF2B5EF4-FFF2-40B4-BE49-F238E27FC236}">
-                <a16:creationId xmlns:a16="http://schemas.microsoft.com/office/drawing/2014/main" id="{04594735-37DB-4917-A7FB-78EB96482ECD}"/>
-              </a:ext>
-            </a:extLst>
-          </p:cNvPr>
+          <p:cNvPr id="10" name="Content Placeholder 9" descr="A screenshot of a phone&#10;&#10;Description automatically generated with medium confidence"/>
           <p:cNvPicPr>
             <a:picLocks noGrp="1" noChangeAspect="1"/>
           </p:cNvPicPr>
@@ -11128,7 +10178,7 @@
           </p:nvPr>
         </p:nvPicPr>
         <p:blipFill>
-          <a:blip r:embed="rId3"/>
+          <a:blip r:embed="rId1"/>
           <a:stretch>
             <a:fillRect/>
           </a:stretch>
@@ -11142,13 +10192,7 @@
       </p:pic>
       <p:sp>
         <p:nvSpPr>
-          <p:cNvPr id="5" name="Slide Number Placeholder 4">
-            <a:extLst>
-              <a:ext uri="{FF2B5EF4-FFF2-40B4-BE49-F238E27FC236}">
-                <a16:creationId xmlns:a16="http://schemas.microsoft.com/office/drawing/2014/main" id="{42B33EE9-D9F7-43E1-8295-F701997CEB5D}"/>
-              </a:ext>
-            </a:extLst>
-          </p:cNvPr>
+          <p:cNvPr id="5" name="Slide Number Placeholder 4"/>
           <p:cNvSpPr>
             <a:spLocks noGrp="1"/>
           </p:cNvSpPr>
@@ -11166,10 +10210,6 @@
             </a:pPr>
             <a:fld id="{77EF9825-4C23-4085-A4E3-B5565466BD91}" type="slidenum">
               <a:rPr lang="en-US" smtClean="0"/>
-              <a:pPr>
-                <a:defRPr/>
-              </a:pPr>
-              <a:t>8</a:t>
             </a:fld>
             <a:endParaRPr lang="en-US" dirty="0"/>
           </a:p>
@@ -11177,13 +10217,7 @@
       </p:sp>
       <p:sp>
         <p:nvSpPr>
-          <p:cNvPr id="4" name="Footer Placeholder 3">
-            <a:extLst>
-              <a:ext uri="{FF2B5EF4-FFF2-40B4-BE49-F238E27FC236}">
-                <a16:creationId xmlns:a16="http://schemas.microsoft.com/office/drawing/2014/main" id="{C78E7FDB-953C-49B8-9A3E-52830E9DFB81}"/>
-              </a:ext>
-            </a:extLst>
-          </p:cNvPr>
+          <p:cNvPr id="4" name="Footer Placeholder 3"/>
           <p:cNvSpPr>
             <a:spLocks noGrp="1"/>
           </p:cNvSpPr>
@@ -11201,21 +10235,15 @@
             </a:pPr>
             <a:r>
               <a:rPr lang="en-US"/>
-              <a:t>Copyright © 2017 Elephant Scale. All rights reserved.</a:t>
-            </a:r>
-            <a:endParaRPr lang="en-US" dirty="0"/>
-          </a:p>
-        </p:txBody>
-      </p:sp>
-      <p:sp>
-        <p:nvSpPr>
-          <p:cNvPr id="11" name="Rectangle 10">
-            <a:extLst>
-              <a:ext uri="{FF2B5EF4-FFF2-40B4-BE49-F238E27FC236}">
-                <a16:creationId xmlns:a16="http://schemas.microsoft.com/office/drawing/2014/main" id="{3EC5723A-45EA-487D-9400-2276398D7BF8}"/>
-              </a:ext>
-            </a:extLst>
-          </p:cNvPr>
+              <a:t>Copyright © 2021 Elephant Scale. All rights reserved.</a:t>
+            </a:r>
+            <a:endParaRPr lang="en-US" dirty="0"/>
+          </a:p>
+        </p:txBody>
+      </p:sp>
+      <p:sp>
+        <p:nvSpPr>
+          <p:cNvPr id="11" name="Rectangle 10"/>
           <p:cNvSpPr/>
           <p:nvPr/>
         </p:nvSpPr>
@@ -11240,11 +10268,7 @@
           <a:effectLst/>
         </p:spPr>
         <p:txBody>
-          <a:bodyPr vert="horz" wrap="square" lIns="91440" tIns="45720" rIns="91440" bIns="45720" numCol="1" rtlCol="0" anchor="t" anchorCtr="0" compatLnSpc="1">
-            <a:prstTxWarp prst="textNoShape">
-              <a:avLst/>
-            </a:prstTxWarp>
-          </a:bodyPr>
+          <a:bodyPr vert="horz" wrap="square" lIns="91440" tIns="45720" rIns="91440" bIns="45720" numCol="1" rtlCol="0" anchor="t" anchorCtr="0" compatLnSpc="1"/>
           <a:lstStyle/>
           <a:p>
             <a:pPr marL="0" marR="0" indent="0" algn="ctr" defTabSz="914400" rtl="0" eaLnBrk="1" fontAlgn="base" latinLnBrk="0" hangingPunct="1">
@@ -11261,7 +10285,6 @@
               <a:buSzTx/>
               <a:buFontTx/>
               <a:buNone/>
-              <a:tabLst/>
             </a:pPr>
             <a:endParaRPr kumimoji="0" lang="en-CA" sz="1000" b="0" i="0" u="none" strike="noStrike" cap="none" normalizeH="0" baseline="0">
               <a:ln>
@@ -11271,17 +10294,12 @@
                 <a:schemeClr val="tx1"/>
               </a:solidFill>
               <a:effectLst/>
-              <a:latin typeface="Garamond" pitchFamily="-110" charset="0"/>
+              <a:latin typeface="Garamond" pitchFamily="18" charset="0"/>
             </a:endParaRPr>
           </a:p>
         </p:txBody>
       </p:sp>
     </p:spTree>
-    <p:extLst>
-      <p:ext uri="{BB962C8B-B14F-4D97-AF65-F5344CB8AC3E}">
-        <p14:creationId xmlns:p14="http://schemas.microsoft.com/office/powerpoint/2010/main" val="2792424289"/>
-      </p:ext>
-    </p:extLst>
   </p:cSld>
   <p:clrMapOvr>
     <a:masterClrMapping/>
@@ -11308,13 +10326,7 @@
       </p:grpSpPr>
       <p:sp>
         <p:nvSpPr>
-          <p:cNvPr id="2" name="Title 1">
-            <a:extLst>
-              <a:ext uri="{FF2B5EF4-FFF2-40B4-BE49-F238E27FC236}">
-                <a16:creationId xmlns:a16="http://schemas.microsoft.com/office/drawing/2014/main" id="{D5A8371E-6FD1-421F-9C7C-547C8AE939A9}"/>
-              </a:ext>
-            </a:extLst>
-          </p:cNvPr>
+          <p:cNvPr id="2" name="Title 1"/>
           <p:cNvSpPr>
             <a:spLocks noGrp="1"/>
           </p:cNvSpPr>
@@ -11337,13 +10349,7 @@
       </p:sp>
       <p:sp>
         <p:nvSpPr>
-          <p:cNvPr id="7" name="Text Placeholder 6">
-            <a:extLst>
-              <a:ext uri="{FF2B5EF4-FFF2-40B4-BE49-F238E27FC236}">
-                <a16:creationId xmlns:a16="http://schemas.microsoft.com/office/drawing/2014/main" id="{862616B8-C108-480B-9A59-00D8E75B5F42}"/>
-              </a:ext>
-            </a:extLst>
-          </p:cNvPr>
+          <p:cNvPr id="7" name="Text Placeholder 6"/>
           <p:cNvSpPr>
             <a:spLocks noGrp="1"/>
           </p:cNvSpPr>
@@ -11360,18 +10366,21 @@
               <a:rPr lang="en-US" dirty="0"/>
               <a:t>Manages the host-to-host data transmission</a:t>
             </a:r>
+            <a:endParaRPr lang="en-US" dirty="0"/>
           </a:p>
           <a:p>
             <a:r>
               <a:rPr lang="en-US" dirty="0"/>
               <a:t>Ensures that data transfers between hosts are completed.</a:t>
             </a:r>
+            <a:endParaRPr lang="en-US" dirty="0"/>
           </a:p>
           <a:p>
             <a:r>
               <a:rPr lang="en-US" dirty="0"/>
               <a:t>Manages error recovery and retransmission of lost data. </a:t>
             </a:r>
+            <a:endParaRPr lang="en-US" dirty="0"/>
           </a:p>
           <a:p>
             <a:r>
@@ -11384,13 +10393,7 @@
       </p:sp>
       <p:pic>
         <p:nvPicPr>
-          <p:cNvPr id="10" name="Content Placeholder 9" descr="A screenshot of a phone&#10;&#10;Description automatically generated with medium confidence">
-            <a:extLst>
-              <a:ext uri="{FF2B5EF4-FFF2-40B4-BE49-F238E27FC236}">
-                <a16:creationId xmlns:a16="http://schemas.microsoft.com/office/drawing/2014/main" id="{04594735-37DB-4917-A7FB-78EB96482ECD}"/>
-              </a:ext>
-            </a:extLst>
-          </p:cNvPr>
+          <p:cNvPr id="10" name="Content Placeholder 9" descr="A screenshot of a phone&#10;&#10;Description automatically generated with medium confidence"/>
           <p:cNvPicPr>
             <a:picLocks noGrp="1" noChangeAspect="1"/>
           </p:cNvPicPr>
@@ -11399,7 +10402,7 @@
           </p:nvPr>
         </p:nvPicPr>
         <p:blipFill>
-          <a:blip r:embed="rId3"/>
+          <a:blip r:embed="rId1"/>
           <a:stretch>
             <a:fillRect/>
           </a:stretch>
@@ -11413,13 +10416,7 @@
       </p:pic>
       <p:sp>
         <p:nvSpPr>
-          <p:cNvPr id="5" name="Slide Number Placeholder 4">
-            <a:extLst>
-              <a:ext uri="{FF2B5EF4-FFF2-40B4-BE49-F238E27FC236}">
-                <a16:creationId xmlns:a16="http://schemas.microsoft.com/office/drawing/2014/main" id="{42B33EE9-D9F7-43E1-8295-F701997CEB5D}"/>
-              </a:ext>
-            </a:extLst>
-          </p:cNvPr>
+          <p:cNvPr id="5" name="Slide Number Placeholder 4"/>
           <p:cNvSpPr>
             <a:spLocks noGrp="1"/>
           </p:cNvSpPr>
@@ -11437,10 +10434,6 @@
             </a:pPr>
             <a:fld id="{77EF9825-4C23-4085-A4E3-B5565466BD91}" type="slidenum">
               <a:rPr lang="en-US" smtClean="0"/>
-              <a:pPr>
-                <a:defRPr/>
-              </a:pPr>
-              <a:t>9</a:t>
             </a:fld>
             <a:endParaRPr lang="en-US" dirty="0"/>
           </a:p>
@@ -11448,13 +10441,7 @@
       </p:sp>
       <p:sp>
         <p:nvSpPr>
-          <p:cNvPr id="4" name="Footer Placeholder 3">
-            <a:extLst>
-              <a:ext uri="{FF2B5EF4-FFF2-40B4-BE49-F238E27FC236}">
-                <a16:creationId xmlns:a16="http://schemas.microsoft.com/office/drawing/2014/main" id="{C78E7FDB-953C-49B8-9A3E-52830E9DFB81}"/>
-              </a:ext>
-            </a:extLst>
-          </p:cNvPr>
+          <p:cNvPr id="4" name="Footer Placeholder 3"/>
           <p:cNvSpPr>
             <a:spLocks noGrp="1"/>
           </p:cNvSpPr>
@@ -11472,21 +10459,15 @@
             </a:pPr>
             <a:r>
               <a:rPr lang="en-US"/>
-              <a:t>Copyright © 2017 Elephant Scale. All rights reserved.</a:t>
-            </a:r>
-            <a:endParaRPr lang="en-US" dirty="0"/>
-          </a:p>
-        </p:txBody>
-      </p:sp>
-      <p:sp>
-        <p:nvSpPr>
-          <p:cNvPr id="11" name="Rectangle 10">
-            <a:extLst>
-              <a:ext uri="{FF2B5EF4-FFF2-40B4-BE49-F238E27FC236}">
-                <a16:creationId xmlns:a16="http://schemas.microsoft.com/office/drawing/2014/main" id="{3EC5723A-45EA-487D-9400-2276398D7BF8}"/>
-              </a:ext>
-            </a:extLst>
-          </p:cNvPr>
+              <a:t>Copyright © 2021 Elephant Scale. All rights reserved.</a:t>
+            </a:r>
+            <a:endParaRPr lang="en-US" dirty="0"/>
+          </a:p>
+        </p:txBody>
+      </p:sp>
+      <p:sp>
+        <p:nvSpPr>
+          <p:cNvPr id="11" name="Rectangle 10"/>
           <p:cNvSpPr/>
           <p:nvPr/>
         </p:nvSpPr>
@@ -11511,11 +10492,7 @@
           <a:effectLst/>
         </p:spPr>
         <p:txBody>
-          <a:bodyPr vert="horz" wrap="square" lIns="91440" tIns="45720" rIns="91440" bIns="45720" numCol="1" rtlCol="0" anchor="t" anchorCtr="0" compatLnSpc="1">
-            <a:prstTxWarp prst="textNoShape">
-              <a:avLst/>
-            </a:prstTxWarp>
-          </a:bodyPr>
+          <a:bodyPr vert="horz" wrap="square" lIns="91440" tIns="45720" rIns="91440" bIns="45720" numCol="1" rtlCol="0" anchor="t" anchorCtr="0" compatLnSpc="1"/>
           <a:lstStyle/>
           <a:p>
             <a:pPr marL="0" marR="0" indent="0" algn="ctr" defTabSz="914400" rtl="0" eaLnBrk="1" fontAlgn="base" latinLnBrk="0" hangingPunct="1">
@@ -11532,7 +10509,6 @@
               <a:buSzTx/>
               <a:buFontTx/>
               <a:buNone/>
-              <a:tabLst/>
             </a:pPr>
             <a:endParaRPr kumimoji="0" lang="en-CA" sz="1000" b="0" i="0" u="none" strike="noStrike" cap="none" normalizeH="0" baseline="0">
               <a:ln>
@@ -11542,17 +10518,12 @@
                 <a:schemeClr val="tx1"/>
               </a:solidFill>
               <a:effectLst/>
-              <a:latin typeface="Garamond" pitchFamily="-110" charset="0"/>
+              <a:latin typeface="Garamond" pitchFamily="18" charset="0"/>
             </a:endParaRPr>
           </a:p>
         </p:txBody>
       </p:sp>
     </p:spTree>
-    <p:extLst>
-      <p:ext uri="{BB962C8B-B14F-4D97-AF65-F5344CB8AC3E}">
-        <p14:creationId xmlns:p14="http://schemas.microsoft.com/office/powerpoint/2010/main" val="548165998"/>
-      </p:ext>
-    </p:extLst>
   </p:cSld>
   <p:clrMapOvr>
     <a:masterClrMapping/>
@@ -11803,13 +10774,8 @@
           <a:headEnd type="none" w="med" len="med"/>
           <a:tailEnd type="none" w="med" len="med"/>
         </a:ln>
-        <a:effectLst/>
       </a:spPr>
-      <a:bodyPr vert="horz" wrap="square" lIns="91440" tIns="45720" rIns="91440" bIns="45720" numCol="1" anchor="t" anchorCtr="0" compatLnSpc="1">
-        <a:prstTxWarp prst="textNoShape">
-          <a:avLst/>
-        </a:prstTxWarp>
-      </a:bodyPr>
+      <a:bodyPr vert="horz" wrap="square" lIns="91440" tIns="45720" rIns="91440" bIns="45720" numCol="1" anchor="t" anchorCtr="0" compatLnSpc="1"/>
       <a:lstStyle>
         <a:defPPr marL="0" marR="0" indent="0" algn="ctr" defTabSz="914400" rtl="0" eaLnBrk="1" fontAlgn="base" latinLnBrk="0" hangingPunct="1">
           <a:lnSpc>
@@ -11825,7 +10791,6 @@
           <a:buSzTx/>
           <a:buFontTx/>
           <a:buNone/>
-          <a:tabLst/>
           <a:defRPr kumimoji="0" lang="en-US" sz="1000" b="0" i="0" u="none" strike="noStrike" cap="none" normalizeH="0" baseline="0">
             <a:ln>
               <a:noFill/>
@@ -11834,7 +10799,7 @@
               <a:schemeClr val="tx1"/>
             </a:solidFill>
             <a:effectLst/>
-            <a:latin typeface="Garamond" pitchFamily="-110" charset="0"/>
+            <a:latin typeface="Garamond" pitchFamily="18" charset="0"/>
           </a:defRPr>
         </a:defPPr>
       </a:lstStyle>
@@ -11865,13 +10830,8 @@
           <a:headEnd type="none" w="med" len="med"/>
           <a:tailEnd type="none" w="med" len="med"/>
         </a:ln>
-        <a:effectLst/>
       </a:spPr>
-      <a:bodyPr vert="horz" wrap="square" lIns="91440" tIns="45720" rIns="91440" bIns="45720" numCol="1" anchor="t" anchorCtr="0" compatLnSpc="1">
-        <a:prstTxWarp prst="textNoShape">
-          <a:avLst/>
-        </a:prstTxWarp>
-      </a:bodyPr>
+      <a:bodyPr vert="horz" wrap="square" lIns="91440" tIns="45720" rIns="91440" bIns="45720" numCol="1" anchor="t" anchorCtr="0" compatLnSpc="1"/>
       <a:lstStyle>
         <a:defPPr marL="0" marR="0" indent="0" algn="ctr" defTabSz="914400" rtl="0" eaLnBrk="1" fontAlgn="base" latinLnBrk="0" hangingPunct="1">
           <a:lnSpc>
@@ -11887,7 +10847,6 @@
           <a:buSzTx/>
           <a:buFontTx/>
           <a:buNone/>
-          <a:tabLst/>
           <a:defRPr kumimoji="0" lang="en-US" sz="1000" b="0" i="0" u="none" strike="noStrike" cap="none" normalizeH="0" baseline="0">
             <a:ln>
               <a:noFill/>
@@ -11896,7 +10855,7 @@
               <a:schemeClr val="tx1"/>
             </a:solidFill>
             <a:effectLst/>
-            <a:latin typeface="Garamond" pitchFamily="-110" charset="0"/>
+            <a:latin typeface="Garamond" pitchFamily="18" charset="0"/>
           </a:defRPr>
         </a:defPPr>
       </a:lstStyle>
@@ -12191,6 +11150,11 @@
       <a:clrMap bg1="dk2" tx1="lt1" bg2="dk1" tx2="lt2" accent1="accent1" accent2="accent2" accent3="accent3" accent4="accent4" accent5="accent5" accent6="accent6" hlink="hlink" folHlink="folHlink"/>
     </a:extraClrScheme>
   </a:extraClrSchemeLst>
+  <a:extLst>
+    <a:ext uri="{05A4C25C-085E-4340-85A3-A5531E510DB2}">
+      <thm15:themeFamily xmlns:thm15="http://schemas.microsoft.com/office/thememl/2012/main" name="Office Theme" id="{62F939B6-93AF-4DB8-9C6B-D6C7DFDC589F}" vid="{4A3C46E8-61CC-4603-A589-7422A47A8E4A}"/>
+    </a:ext>
+  </a:extLst>
 </a:theme>
 </file>
 
@@ -12508,7 +11472,11 @@
       </a:style>
     </a:lnDef>
   </a:objectDefaults>
-  <a:extraClrSchemeLst/>
+  <a:extLst>
+    <a:ext uri="{05A4C25C-085E-4340-85A3-A5531E510DB2}">
+      <thm15:themeFamily xmlns:thm15="http://schemas.microsoft.com/office/thememl/2012/main" name="Office Theme" id="{62F939B6-93AF-4DB8-9C6B-D6C7DFDC589F}" vid="{4A3C46E8-61CC-4603-A589-7422A47A8E4A}"/>
+    </a:ext>
+  </a:extLst>
 </a:theme>
 </file>
 
@@ -12826,6 +11794,10 @@
       </a:style>
     </a:lnDef>
   </a:objectDefaults>
-  <a:extraClrSchemeLst/>
+  <a:extLst>
+    <a:ext uri="{05A4C25C-085E-4340-85A3-A5531E510DB2}">
+      <thm15:themeFamily xmlns:thm15="http://schemas.microsoft.com/office/thememl/2012/main" name="Office Theme" id="{62F939B6-93AF-4DB8-9C6B-D6C7DFDC589F}" vid="{4A3C46E8-61CC-4603-A589-7422A47A8E4A}"/>
+    </a:ext>
+  </a:extLst>
 </a:theme>
 </file>
--- a/cybersecurity-iacs/Rod/OSI_Security_Model.pptx
+++ b/cybersecurity-iacs/Rod/OSI_Security_Model.pptx
@@ -5,46 +5,48 @@
     <p:sldMasterId id="2147483648" r:id="rId1"/>
   </p:sldMasterIdLst>
   <p:notesMasterIdLst>
-    <p:notesMasterId r:id="rId6"/>
+    <p:notesMasterId r:id="rId36"/>
   </p:notesMasterIdLst>
   <p:handoutMasterIdLst>
-    <p:handoutMasterId r:id="rId36"/>
+    <p:handoutMasterId r:id="rId37"/>
   </p:handoutMasterIdLst>
   <p:sldIdLst>
-    <p:sldId id="256" r:id="rId3"/>
-    <p:sldId id="277" r:id="rId4"/>
-    <p:sldId id="257" r:id="rId5"/>
-    <p:sldId id="258" r:id="rId7"/>
-    <p:sldId id="259" r:id="rId8"/>
-    <p:sldId id="260" r:id="rId9"/>
-    <p:sldId id="261" r:id="rId10"/>
-    <p:sldId id="262" r:id="rId11"/>
-    <p:sldId id="263" r:id="rId12"/>
-    <p:sldId id="264" r:id="rId13"/>
-    <p:sldId id="265" r:id="rId14"/>
-    <p:sldId id="266" r:id="rId15"/>
-    <p:sldId id="267" r:id="rId16"/>
-    <p:sldId id="278" r:id="rId17"/>
-    <p:sldId id="268" r:id="rId18"/>
-    <p:sldId id="269" r:id="rId19"/>
-    <p:sldId id="270" r:id="rId20"/>
-    <p:sldId id="271" r:id="rId21"/>
-    <p:sldId id="273" r:id="rId22"/>
-    <p:sldId id="279" r:id="rId23"/>
-    <p:sldId id="272" r:id="rId24"/>
-    <p:sldId id="275" r:id="rId25"/>
-    <p:sldId id="276" r:id="rId26"/>
-    <p:sldId id="280" r:id="rId27"/>
-    <p:sldId id="274" r:id="rId28"/>
-    <p:sldId id="281" r:id="rId29"/>
-    <p:sldId id="282" r:id="rId30"/>
-    <p:sldId id="283" r:id="rId31"/>
-    <p:sldId id="284" r:id="rId32"/>
-    <p:sldId id="285" r:id="rId33"/>
-    <p:sldId id="286" r:id="rId34"/>
-    <p:sldId id="287" r:id="rId35"/>
+    <p:sldId id="256" r:id="rId2"/>
+    <p:sldId id="277" r:id="rId3"/>
+    <p:sldId id="257" r:id="rId4"/>
+    <p:sldId id="258" r:id="rId5"/>
+    <p:sldId id="259" r:id="rId6"/>
+    <p:sldId id="260" r:id="rId7"/>
+    <p:sldId id="261" r:id="rId8"/>
+    <p:sldId id="262" r:id="rId9"/>
+    <p:sldId id="263" r:id="rId10"/>
+    <p:sldId id="264" r:id="rId11"/>
+    <p:sldId id="265" r:id="rId12"/>
+    <p:sldId id="266" r:id="rId13"/>
+    <p:sldId id="267" r:id="rId14"/>
+    <p:sldId id="278" r:id="rId15"/>
+    <p:sldId id="268" r:id="rId16"/>
+    <p:sldId id="269" r:id="rId17"/>
+    <p:sldId id="270" r:id="rId18"/>
+    <p:sldId id="271" r:id="rId19"/>
+    <p:sldId id="273" r:id="rId20"/>
+    <p:sldId id="279" r:id="rId21"/>
+    <p:sldId id="272" r:id="rId22"/>
+    <p:sldId id="275" r:id="rId23"/>
+    <p:sldId id="276" r:id="rId24"/>
+    <p:sldId id="280" r:id="rId25"/>
+    <p:sldId id="274" r:id="rId26"/>
+    <p:sldId id="281" r:id="rId27"/>
+    <p:sldId id="282" r:id="rId28"/>
+    <p:sldId id="283" r:id="rId29"/>
+    <p:sldId id="284" r:id="rId30"/>
+    <p:sldId id="285" r:id="rId31"/>
+    <p:sldId id="286" r:id="rId32"/>
+    <p:sldId id="287" r:id="rId33"/>
+    <p:sldId id="288" r:id="rId34"/>
+    <p:sldId id="289" r:id="rId35"/>
   </p:sldIdLst>
-  <p:sldSz cx="9372600" cy="8297545"/>
+  <p:sldSz cx="9372600" cy="8297863"/>
   <p:notesSz cx="7315200" cy="9601200"/>
   <p:defaultTextStyle>
     <a:defPPr>
@@ -171,6 +173,36 @@
       </a:defRPr>
     </a:lvl9pPr>
   </p:defaultTextStyle>
+  <p:extLst>
+    <p:ext uri="{EFAFB233-063F-42B5-8137-9DF3F51BA10A}">
+      <p15:sldGuideLst xmlns:p15="http://schemas.microsoft.com/office/powerpoint/2012/main">
+        <p15:guide id="1" orient="horz" pos="2614">
+          <p15:clr>
+            <a:srgbClr val="A4A3A4"/>
+          </p15:clr>
+        </p15:guide>
+        <p15:guide id="2" pos="2952">
+          <p15:clr>
+            <a:srgbClr val="A4A3A4"/>
+          </p15:clr>
+        </p15:guide>
+      </p15:sldGuideLst>
+    </p:ext>
+    <p:ext uri="{2D200454-40CA-4A62-9FC3-DE9A4176ACB9}">
+      <p15:notesGuideLst xmlns:p15="http://schemas.microsoft.com/office/powerpoint/2012/main">
+        <p15:guide id="1" orient="horz" pos="3024">
+          <p15:clr>
+            <a:srgbClr val="A4A3A4"/>
+          </p15:clr>
+        </p15:guide>
+        <p15:guide id="2" pos="2308">
+          <p15:clr>
+            <a:srgbClr val="A4A3A4"/>
+          </p15:clr>
+        </p15:guide>
+      </p15:notesGuideLst>
+    </p:ext>
+  </p:extLst>
 </p:presentation>
 </file>
 
@@ -250,7 +282,6 @@
               <a:rPr lang="en-US" dirty="0"/>
               <a:t>Copyright © 2017 Elephant Scale. All rights reserved.</a:t>
             </a:r>
-            <a:endParaRPr lang="en-US" dirty="0"/>
           </a:p>
         </p:txBody>
       </p:sp>
@@ -293,12 +324,18 @@
             </a:pPr>
             <a:fld id="{97E62689-8C7D-4291-A094-4E689FEC4C3B}" type="slidenum">
               <a:rPr lang="en-US"/>
+              <a:t>‹#›</a:t>
             </a:fld>
             <a:endParaRPr lang="en-US" dirty="0"/>
           </a:p>
         </p:txBody>
       </p:sp>
     </p:spTree>
+    <p:extLst>
+      <p:ext uri="{BB962C8B-B14F-4D97-AF65-F5344CB8AC3E}">
+        <p14:creationId xmlns:p14="http://schemas.microsoft.com/office/powerpoint/2010/main" val="1"/>
+      </p:ext>
+    </p:extLst>
   </p:cSld>
   <p:clrMap bg1="lt1" tx1="dk1" bg2="lt2" tx2="dk2" accent1="accent1" accent2="accent2" accent3="accent3" accent4="accent4" accent5="accent5" accent6="accent6" hlink="hlink" folHlink="folHlink"/>
   <p:hf hdr="0" ftr="0" dt="0"/>
@@ -399,7 +436,6 @@
               <a:rPr lang="en-US" dirty="0"/>
               <a:t>Copyright © 2017 Elephant Scale. All rights reserved.</a:t>
             </a:r>
-            <a:endParaRPr lang="en-US" dirty="0"/>
           </a:p>
         </p:txBody>
       </p:sp>
@@ -443,6 +479,7 @@
             </a:pPr>
             <a:fld id="{EFAADD5D-AF76-45EE-AA5F-6DAC73BF167A}" type="slidenum">
               <a:rPr lang="en-US"/>
+              <a:t>‹#›</a:t>
             </a:fld>
             <a:endParaRPr lang="en-US" dirty="0"/>
           </a:p>
@@ -484,10 +521,6 @@
               </a:rPr>
               <a:t>Notes:</a:t>
             </a:r>
-            <a:endParaRPr lang="en-US" sz="1200" b="1" u="sng" dirty="0">
-              <a:latin typeface="Times New Roman" panose="02020603050405020304" pitchFamily="-110" charset="0"/>
-              <a:cs typeface="Times New Roman" panose="02020603050405020304" pitchFamily="-110" charset="0"/>
-            </a:endParaRPr>
           </a:p>
         </p:txBody>
       </p:sp>
@@ -749,7 +782,6 @@
               <a:rPr lang="en-US" dirty="0"/>
               <a:t>Image credit: https://superuser.com/questions/874393/what-protocol-is-used-to-transfer-a-message-in-a-http-application</a:t>
             </a:r>
-            <a:endParaRPr lang="en-US" dirty="0"/>
           </a:p>
           <a:p>
             <a:r>
@@ -806,6 +838,7 @@
             </a:pPr>
             <a:fld id="{EFAADD5D-AF76-45EE-AA5F-6DAC73BF167A}" type="slidenum">
               <a:rPr lang="en-US" smtClean="0"/>
+              <a:t>3</a:t>
             </a:fld>
             <a:endParaRPr lang="en-US" dirty="0"/>
           </a:p>
@@ -917,6 +950,7 @@
             </a:pPr>
             <a:fld id="{EFAADD5D-AF76-45EE-AA5F-6DAC73BF167A}" type="slidenum">
               <a:rPr lang="en-US" smtClean="0"/>
+              <a:t>12</a:t>
             </a:fld>
             <a:endParaRPr lang="en-US" dirty="0"/>
           </a:p>
@@ -1028,6 +1062,7 @@
             </a:pPr>
             <a:fld id="{EFAADD5D-AF76-45EE-AA5F-6DAC73BF167A}" type="slidenum">
               <a:rPr lang="en-US" smtClean="0"/>
+              <a:t>17</a:t>
             </a:fld>
             <a:endParaRPr lang="en-US" dirty="0"/>
           </a:p>
@@ -1135,6 +1170,7 @@
             </a:pPr>
             <a:fld id="{EFAADD5D-AF76-45EE-AA5F-6DAC73BF167A}" type="slidenum">
               <a:rPr lang="en-US" smtClean="0"/>
+              <a:t>18</a:t>
             </a:fld>
             <a:endParaRPr lang="en-US" dirty="0"/>
           </a:p>
@@ -1242,6 +1278,7 @@
             </a:pPr>
             <a:fld id="{EFAADD5D-AF76-45EE-AA5F-6DAC73BF167A}" type="slidenum">
               <a:rPr lang="en-US" smtClean="0"/>
+              <a:t>19</a:t>
             </a:fld>
             <a:endParaRPr lang="en-US" dirty="0"/>
           </a:p>
@@ -1349,6 +1386,7 @@
             </a:pPr>
             <a:fld id="{EFAADD5D-AF76-45EE-AA5F-6DAC73BF167A}" type="slidenum">
               <a:rPr lang="en-US" smtClean="0"/>
+              <a:t>21</a:t>
             </a:fld>
             <a:endParaRPr lang="en-US" dirty="0"/>
           </a:p>
@@ -1456,6 +1494,7 @@
             </a:pPr>
             <a:fld id="{EFAADD5D-AF76-45EE-AA5F-6DAC73BF167A}" type="slidenum">
               <a:rPr lang="en-US" smtClean="0"/>
+              <a:t>22</a:t>
             </a:fld>
             <a:endParaRPr lang="en-US" dirty="0"/>
           </a:p>
@@ -1563,6 +1602,7 @@
             </a:pPr>
             <a:fld id="{EFAADD5D-AF76-45EE-AA5F-6DAC73BF167A}" type="slidenum">
               <a:rPr lang="en-US" smtClean="0"/>
+              <a:t>23</a:t>
             </a:fld>
             <a:endParaRPr lang="en-US" dirty="0"/>
           </a:p>
@@ -1670,12 +1710,247 @@
             </a:pPr>
             <a:fld id="{EFAADD5D-AF76-45EE-AA5F-6DAC73BF167A}" type="slidenum">
               <a:rPr lang="en-US" smtClean="0"/>
+              <a:t>25</a:t>
             </a:fld>
             <a:endParaRPr lang="en-US" dirty="0"/>
           </a:p>
         </p:txBody>
       </p:sp>
     </p:spTree>
+  </p:cSld>
+  <p:clrMapOvr>
+    <a:masterClrMapping/>
+  </p:clrMapOvr>
+</p:notes>
+</file>
+
+<file path=ppt/notesSlides/notesSlide18.xml><?xml version="1.0" encoding="utf-8"?>
+<p:notes xmlns:a="http://schemas.openxmlformats.org/drawingml/2006/main" xmlns:r="http://schemas.openxmlformats.org/officeDocument/2006/relationships" xmlns:p="http://schemas.openxmlformats.org/presentationml/2006/main">
+  <p:cSld>
+    <p:spTree>
+      <p:nvGrpSpPr>
+        <p:cNvPr id="1" name=""/>
+        <p:cNvGrpSpPr/>
+        <p:nvPr/>
+      </p:nvGrpSpPr>
+      <p:grpSpPr>
+        <a:xfrm>
+          <a:off x="0" y="0"/>
+          <a:ext cx="0" cy="0"/>
+          <a:chOff x="0" y="0"/>
+          <a:chExt cx="0" cy="0"/>
+        </a:xfrm>
+      </p:grpSpPr>
+      <p:sp>
+        <p:nvSpPr>
+          <p:cNvPr id="2" name="Slide Image Placeholder 1"/>
+          <p:cNvSpPr>
+            <a:spLocks noGrp="1" noRot="1" noChangeAspect="1"/>
+          </p:cNvSpPr>
+          <p:nvPr>
+            <p:ph type="sldImg"/>
+          </p:nvPr>
+        </p:nvSpPr>
+        <p:spPr/>
+      </p:sp>
+      <p:sp>
+        <p:nvSpPr>
+          <p:cNvPr id="3" name="Notes Placeholder 2"/>
+          <p:cNvSpPr>
+            <a:spLocks noGrp="1"/>
+          </p:cNvSpPr>
+          <p:nvPr>
+            <p:ph type="body" idx="1"/>
+          </p:nvPr>
+        </p:nvSpPr>
+        <p:spPr/>
+        <p:txBody>
+          <a:bodyPr/>
+          <a:lstStyle/>
+          <a:p>
+            <a:r>
+              <a:rPr lang="en-US" dirty="0"/>
+              <a:t>Taken from https://www.helpnetsecurity.com/2021/09/14/osi-layer-1/</a:t>
+            </a:r>
+            <a:endParaRPr lang="en-CA" dirty="0"/>
+          </a:p>
+        </p:txBody>
+      </p:sp>
+      <p:sp>
+        <p:nvSpPr>
+          <p:cNvPr id="4" name="Footer Placeholder 3"/>
+          <p:cNvSpPr>
+            <a:spLocks noGrp="1"/>
+          </p:cNvSpPr>
+          <p:nvPr>
+            <p:ph type="ftr" sz="quarter" idx="4"/>
+          </p:nvPr>
+        </p:nvSpPr>
+        <p:spPr/>
+        <p:txBody>
+          <a:bodyPr/>
+          <a:lstStyle/>
+          <a:p>
+            <a:pPr>
+              <a:defRPr/>
+            </a:pPr>
+            <a:r>
+              <a:rPr lang="en-US"/>
+              <a:t>Copyright © 2017 Elephant Scale. All rights reserved.</a:t>
+            </a:r>
+            <a:endParaRPr lang="en-US" dirty="0"/>
+          </a:p>
+        </p:txBody>
+      </p:sp>
+      <p:sp>
+        <p:nvSpPr>
+          <p:cNvPr id="5" name="Slide Number Placeholder 4"/>
+          <p:cNvSpPr>
+            <a:spLocks noGrp="1"/>
+          </p:cNvSpPr>
+          <p:nvPr>
+            <p:ph type="sldNum" sz="quarter" idx="5"/>
+          </p:nvPr>
+        </p:nvSpPr>
+        <p:spPr/>
+        <p:txBody>
+          <a:bodyPr/>
+          <a:lstStyle/>
+          <a:p>
+            <a:pPr>
+              <a:defRPr/>
+            </a:pPr>
+            <a:fld id="{EFAADD5D-AF76-45EE-AA5F-6DAC73BF167A}" type="slidenum">
+              <a:rPr lang="en-US" smtClean="0"/>
+              <a:t>33</a:t>
+            </a:fld>
+            <a:endParaRPr lang="en-US" dirty="0"/>
+          </a:p>
+        </p:txBody>
+      </p:sp>
+    </p:spTree>
+    <p:extLst>
+      <p:ext uri="{BB962C8B-B14F-4D97-AF65-F5344CB8AC3E}">
+        <p14:creationId xmlns:p14="http://schemas.microsoft.com/office/powerpoint/2010/main" val="2103000125"/>
+      </p:ext>
+    </p:extLst>
+  </p:cSld>
+  <p:clrMapOvr>
+    <a:masterClrMapping/>
+  </p:clrMapOvr>
+</p:notes>
+</file>
+
+<file path=ppt/notesSlides/notesSlide19.xml><?xml version="1.0" encoding="utf-8"?>
+<p:notes xmlns:a="http://schemas.openxmlformats.org/drawingml/2006/main" xmlns:r="http://schemas.openxmlformats.org/officeDocument/2006/relationships" xmlns:p="http://schemas.openxmlformats.org/presentationml/2006/main">
+  <p:cSld>
+    <p:spTree>
+      <p:nvGrpSpPr>
+        <p:cNvPr id="1" name=""/>
+        <p:cNvGrpSpPr/>
+        <p:nvPr/>
+      </p:nvGrpSpPr>
+      <p:grpSpPr>
+        <a:xfrm>
+          <a:off x="0" y="0"/>
+          <a:ext cx="0" cy="0"/>
+          <a:chOff x="0" y="0"/>
+          <a:chExt cx="0" cy="0"/>
+        </a:xfrm>
+      </p:grpSpPr>
+      <p:sp>
+        <p:nvSpPr>
+          <p:cNvPr id="2" name="Slide Image Placeholder 1"/>
+          <p:cNvSpPr>
+            <a:spLocks noGrp="1" noRot="1" noChangeAspect="1"/>
+          </p:cNvSpPr>
+          <p:nvPr>
+            <p:ph type="sldImg"/>
+          </p:nvPr>
+        </p:nvSpPr>
+        <p:spPr/>
+      </p:sp>
+      <p:sp>
+        <p:nvSpPr>
+          <p:cNvPr id="3" name="Notes Placeholder 2"/>
+          <p:cNvSpPr>
+            <a:spLocks noGrp="1"/>
+          </p:cNvSpPr>
+          <p:nvPr>
+            <p:ph type="body" idx="1"/>
+          </p:nvPr>
+        </p:nvSpPr>
+        <p:spPr/>
+        <p:txBody>
+          <a:bodyPr/>
+          <a:lstStyle/>
+          <a:p>
+            <a:r>
+              <a:rPr lang="en-US" dirty="0"/>
+              <a:t>Taken from https://www.helpnetsecurity.com/2021/09/14/osi-layer-1/</a:t>
+            </a:r>
+            <a:endParaRPr lang="en-CA" dirty="0"/>
+          </a:p>
+        </p:txBody>
+      </p:sp>
+      <p:sp>
+        <p:nvSpPr>
+          <p:cNvPr id="4" name="Footer Placeholder 3"/>
+          <p:cNvSpPr>
+            <a:spLocks noGrp="1"/>
+          </p:cNvSpPr>
+          <p:nvPr>
+            <p:ph type="ftr" sz="quarter" idx="4"/>
+          </p:nvPr>
+        </p:nvSpPr>
+        <p:spPr/>
+        <p:txBody>
+          <a:bodyPr/>
+          <a:lstStyle/>
+          <a:p>
+            <a:pPr>
+              <a:defRPr/>
+            </a:pPr>
+            <a:r>
+              <a:rPr lang="en-US"/>
+              <a:t>Copyright © 2017 Elephant Scale. All rights reserved.</a:t>
+            </a:r>
+            <a:endParaRPr lang="en-US" dirty="0"/>
+          </a:p>
+        </p:txBody>
+      </p:sp>
+      <p:sp>
+        <p:nvSpPr>
+          <p:cNvPr id="5" name="Slide Number Placeholder 4"/>
+          <p:cNvSpPr>
+            <a:spLocks noGrp="1"/>
+          </p:cNvSpPr>
+          <p:nvPr>
+            <p:ph type="sldNum" sz="quarter" idx="5"/>
+          </p:nvPr>
+        </p:nvSpPr>
+        <p:spPr/>
+        <p:txBody>
+          <a:bodyPr/>
+          <a:lstStyle/>
+          <a:p>
+            <a:pPr>
+              <a:defRPr/>
+            </a:pPr>
+            <a:fld id="{EFAADD5D-AF76-45EE-AA5F-6DAC73BF167A}" type="slidenum">
+              <a:rPr lang="en-US" smtClean="0"/>
+              <a:t>34</a:t>
+            </a:fld>
+            <a:endParaRPr lang="en-US" dirty="0"/>
+          </a:p>
+        </p:txBody>
+      </p:sp>
+    </p:spTree>
+    <p:extLst>
+      <p:ext uri="{BB962C8B-B14F-4D97-AF65-F5344CB8AC3E}">
+        <p14:creationId xmlns:p14="http://schemas.microsoft.com/office/powerpoint/2010/main" val="455039626"/>
+      </p:ext>
+    </p:extLst>
   </p:cSld>
   <p:clrMapOvr>
     <a:masterClrMapping/>
@@ -1731,7 +2006,6 @@
               <a:rPr lang="en-US" dirty="0"/>
               <a:t>Image Credit: https://nicolaswindpassinger.com/osi-reference-model</a:t>
             </a:r>
-            <a:endParaRPr lang="en-US" dirty="0"/>
           </a:p>
           <a:p>
             <a:endParaRPr lang="en-US" dirty="0"/>
@@ -1784,6 +2058,7 @@
             </a:pPr>
             <a:fld id="{EFAADD5D-AF76-45EE-AA5F-6DAC73BF167A}" type="slidenum">
               <a:rPr lang="en-US" smtClean="0"/>
+              <a:t>4</a:t>
             </a:fld>
             <a:endParaRPr lang="en-US" dirty="0"/>
           </a:p>
@@ -1845,7 +2120,6 @@
               <a:rPr lang="en-US" dirty="0"/>
               <a:t>Image Credit: https://nicolaswindpassinger.com/osi-reference-model</a:t>
             </a:r>
-            <a:endParaRPr lang="en-US" dirty="0"/>
           </a:p>
         </p:txBody>
       </p:sp>
@@ -1895,6 +2169,7 @@
             </a:pPr>
             <a:fld id="{EFAADD5D-AF76-45EE-AA5F-6DAC73BF167A}" type="slidenum">
               <a:rPr lang="en-US" smtClean="0"/>
+              <a:t>5</a:t>
             </a:fld>
             <a:endParaRPr lang="en-US" dirty="0"/>
           </a:p>
@@ -2006,6 +2281,7 @@
             </a:pPr>
             <a:fld id="{EFAADD5D-AF76-45EE-AA5F-6DAC73BF167A}" type="slidenum">
               <a:rPr lang="en-US" smtClean="0"/>
+              <a:t>6</a:t>
             </a:fld>
             <a:endParaRPr lang="en-US" dirty="0"/>
           </a:p>
@@ -2117,6 +2393,7 @@
             </a:pPr>
             <a:fld id="{EFAADD5D-AF76-45EE-AA5F-6DAC73BF167A}" type="slidenum">
               <a:rPr lang="en-US" smtClean="0"/>
+              <a:t>7</a:t>
             </a:fld>
             <a:endParaRPr lang="en-US" dirty="0"/>
           </a:p>
@@ -2228,6 +2505,7 @@
             </a:pPr>
             <a:fld id="{EFAADD5D-AF76-45EE-AA5F-6DAC73BF167A}" type="slidenum">
               <a:rPr lang="en-US" smtClean="0"/>
+              <a:t>8</a:t>
             </a:fld>
             <a:endParaRPr lang="en-US" dirty="0"/>
           </a:p>
@@ -2339,6 +2617,7 @@
             </a:pPr>
             <a:fld id="{EFAADD5D-AF76-45EE-AA5F-6DAC73BF167A}" type="slidenum">
               <a:rPr lang="en-US" smtClean="0"/>
+              <a:t>9</a:t>
             </a:fld>
             <a:endParaRPr lang="en-US" dirty="0"/>
           </a:p>
@@ -2450,6 +2729,7 @@
             </a:pPr>
             <a:fld id="{EFAADD5D-AF76-45EE-AA5F-6DAC73BF167A}" type="slidenum">
               <a:rPr lang="en-US" smtClean="0"/>
+              <a:t>10</a:t>
             </a:fld>
             <a:endParaRPr lang="en-US" dirty="0"/>
           </a:p>
@@ -2561,6 +2841,7 @@
             </a:pPr>
             <a:fld id="{EFAADD5D-AF76-45EE-AA5F-6DAC73BF167A}" type="slidenum">
               <a:rPr lang="en-US" smtClean="0"/>
+              <a:t>11</a:t>
             </a:fld>
             <a:endParaRPr lang="en-US" dirty="0"/>
           </a:p>
@@ -2575,7 +2856,7 @@
 </file>
 
 <file path=ppt/slideLayouts/slideLayout1.xml><?xml version="1.0" encoding="utf-8"?>
-<p:sldLayout xmlns:a="http://schemas.openxmlformats.org/drawingml/2006/main" xmlns:r="http://schemas.openxmlformats.org/officeDocument/2006/relationships" xmlns:p="http://schemas.openxmlformats.org/presentationml/2006/main" type="title" preserve="1" showMasterSp="0">
+<p:sldLayout xmlns:a="http://schemas.openxmlformats.org/drawingml/2006/main" xmlns:r="http://schemas.openxmlformats.org/officeDocument/2006/relationships" xmlns:p="http://schemas.openxmlformats.org/presentationml/2006/main" showMasterSp="0" type="title" preserve="1">
   <p:cSld name="Title Slide">
     <p:bg>
       <p:bgPr>
@@ -2663,7 +2944,6 @@
               <a:rPr lang="en-US"/>
               <a:t>Click to edit Master subtitle style</a:t>
             </a:r>
-            <a:endParaRPr lang="en-US"/>
           </a:p>
         </p:txBody>
       </p:sp>
@@ -2695,7 +2975,6 @@
               <a:rPr lang="en-US"/>
               <a:t>Click to edit Master title style</a:t>
             </a:r>
-            <a:endParaRPr lang="en-US"/>
           </a:p>
         </p:txBody>
       </p:sp>
@@ -2746,7 +3025,6 @@
               <a:rPr lang="en-US" dirty="0"/>
               <a:t>Click to edit Master title style</a:t>
             </a:r>
-            <a:endParaRPr lang="en-US" dirty="0"/>
           </a:p>
         </p:txBody>
       </p:sp>
@@ -2770,7 +3048,6 @@
               <a:rPr lang="en-US" dirty="0"/>
               <a:t>Click to edit Master text styles</a:t>
             </a:r>
-            <a:endParaRPr lang="en-US" dirty="0"/>
           </a:p>
           <a:p>
             <a:pPr lvl="1"/>
@@ -2778,7 +3055,6 @@
               <a:rPr lang="en-US" dirty="0"/>
               <a:t>Second level</a:t>
             </a:r>
-            <a:endParaRPr lang="en-US" dirty="0"/>
           </a:p>
           <a:p>
             <a:pPr lvl="2"/>
@@ -2786,7 +3062,6 @@
               <a:rPr lang="en-US" dirty="0"/>
               <a:t>Third level</a:t>
             </a:r>
-            <a:endParaRPr lang="en-US" dirty="0"/>
           </a:p>
           <a:p>
             <a:pPr lvl="3"/>
@@ -2794,7 +3069,6 @@
               <a:rPr lang="en-US" dirty="0"/>
               <a:t>Fourth level</a:t>
             </a:r>
-            <a:endParaRPr lang="en-US" dirty="0"/>
           </a:p>
           <a:p>
             <a:pPr lvl="4"/>
@@ -2802,7 +3076,6 @@
               <a:rPr lang="en-US" dirty="0"/>
               <a:t>Fifth level</a:t>
             </a:r>
-            <a:endParaRPr lang="en-US" dirty="0"/>
           </a:p>
         </p:txBody>
       </p:sp>
@@ -2828,7 +3101,6 @@
               <a:rPr lang="en-US" dirty="0"/>
               <a:t>Copyright © 2021 Elephant Scale. All rights reserved.</a:t>
             </a:r>
-            <a:endParaRPr lang="en-US" dirty="0"/>
           </a:p>
         </p:txBody>
       </p:sp>
@@ -2852,6 +3124,7 @@
             </a:pPr>
             <a:fld id="{77EF9825-4C23-4085-A4E3-B5565466BD91}" type="slidenum">
               <a:rPr lang="en-US" smtClean="0"/>
+              <a:t>‹#›</a:t>
             </a:fld>
             <a:endParaRPr lang="en-US" dirty="0"/>
           </a:p>
@@ -2907,7 +3180,6 @@
               <a:rPr lang="en-US"/>
               <a:t>Click to edit Master title style</a:t>
             </a:r>
-            <a:endParaRPr lang="en-US"/>
           </a:p>
         </p:txBody>
       </p:sp>
@@ -2936,7 +3208,6 @@
               <a:rPr lang="en-US"/>
               <a:t>Click to edit Master text styles</a:t>
             </a:r>
-            <a:endParaRPr lang="en-US"/>
           </a:p>
           <a:p>
             <a:pPr lvl="1"/>
@@ -2944,7 +3215,6 @@
               <a:rPr lang="en-US"/>
               <a:t>Second level</a:t>
             </a:r>
-            <a:endParaRPr lang="en-US"/>
           </a:p>
           <a:p>
             <a:pPr lvl="2"/>
@@ -2952,7 +3222,6 @@
               <a:rPr lang="en-US"/>
               <a:t>Third level</a:t>
             </a:r>
-            <a:endParaRPr lang="en-US"/>
           </a:p>
           <a:p>
             <a:pPr lvl="3"/>
@@ -2960,7 +3229,6 @@
               <a:rPr lang="en-US"/>
               <a:t>Fourth level</a:t>
             </a:r>
-            <a:endParaRPr lang="en-US"/>
           </a:p>
           <a:p>
             <a:pPr lvl="4"/>
@@ -2968,7 +3236,6 @@
               <a:rPr lang="en-US"/>
               <a:t>Fifth level</a:t>
             </a:r>
-            <a:endParaRPr lang="en-US"/>
           </a:p>
         </p:txBody>
       </p:sp>
@@ -2997,7 +3264,6 @@
               <a:rPr lang="en-US"/>
               <a:t>Click to edit Master text styles</a:t>
             </a:r>
-            <a:endParaRPr lang="en-US"/>
           </a:p>
           <a:p>
             <a:pPr lvl="1"/>
@@ -3005,7 +3271,6 @@
               <a:rPr lang="en-US"/>
               <a:t>Second level</a:t>
             </a:r>
-            <a:endParaRPr lang="en-US"/>
           </a:p>
           <a:p>
             <a:pPr lvl="2"/>
@@ -3013,7 +3278,6 @@
               <a:rPr lang="en-US"/>
               <a:t>Third level</a:t>
             </a:r>
-            <a:endParaRPr lang="en-US"/>
           </a:p>
           <a:p>
             <a:pPr lvl="3"/>
@@ -3021,7 +3285,6 @@
               <a:rPr lang="en-US"/>
               <a:t>Fourth level</a:t>
             </a:r>
-            <a:endParaRPr lang="en-US"/>
           </a:p>
           <a:p>
             <a:pPr lvl="4"/>
@@ -3029,7 +3292,6 @@
               <a:rPr lang="en-US"/>
               <a:t>Fifth level</a:t>
             </a:r>
-            <a:endParaRPr lang="en-US"/>
           </a:p>
         </p:txBody>
       </p:sp>
@@ -3058,7 +3320,6 @@
               <a:rPr lang="en-US"/>
               <a:t>Click to edit Master text styles</a:t>
             </a:r>
-            <a:endParaRPr lang="en-US"/>
           </a:p>
           <a:p>
             <a:pPr lvl="1"/>
@@ -3066,7 +3327,6 @@
               <a:rPr lang="en-US"/>
               <a:t>Second level</a:t>
             </a:r>
-            <a:endParaRPr lang="en-US"/>
           </a:p>
           <a:p>
             <a:pPr lvl="2"/>
@@ -3074,7 +3334,6 @@
               <a:rPr lang="en-US"/>
               <a:t>Third level</a:t>
             </a:r>
-            <a:endParaRPr lang="en-US"/>
           </a:p>
           <a:p>
             <a:pPr lvl="3"/>
@@ -3082,7 +3341,6 @@
               <a:rPr lang="en-US"/>
               <a:t>Fourth level</a:t>
             </a:r>
-            <a:endParaRPr lang="en-US"/>
           </a:p>
           <a:p>
             <a:pPr lvl="4"/>
@@ -3090,7 +3348,6 @@
               <a:rPr lang="en-US"/>
               <a:t>Fifth level</a:t>
             </a:r>
-            <a:endParaRPr lang="en-US"/>
           </a:p>
         </p:txBody>
       </p:sp>
@@ -3118,6 +3375,7 @@
             </a:pPr>
             <a:fld id="{040E4B02-67B9-4228-B08B-2561CEE6B946}" type="slidenum">
               <a:rPr lang="en-US"/>
+              <a:t>‹#›</a:t>
             </a:fld>
             <a:endParaRPr lang="en-US" dirty="0"/>
           </a:p>
@@ -3149,7 +3407,6 @@
               <a:rPr lang="en-US" dirty="0"/>
               <a:t>Copyright © 2021 Elephant Scale. All rights reserved.</a:t>
             </a:r>
-            <a:endParaRPr lang="en-US" dirty="0"/>
           </a:p>
         </p:txBody>
       </p:sp>
@@ -3203,7 +3460,6 @@
               <a:rPr lang="en-US"/>
               <a:t>Click to edit Master title style</a:t>
             </a:r>
-            <a:endParaRPr lang="en-US"/>
           </a:p>
         </p:txBody>
       </p:sp>
@@ -3232,7 +3488,6 @@
               <a:rPr lang="en-US"/>
               <a:t>Click to edit Master text styles</a:t>
             </a:r>
-            <a:endParaRPr lang="en-US"/>
           </a:p>
           <a:p>
             <a:pPr lvl="1"/>
@@ -3240,7 +3495,6 @@
               <a:rPr lang="en-US"/>
               <a:t>Second level</a:t>
             </a:r>
-            <a:endParaRPr lang="en-US"/>
           </a:p>
           <a:p>
             <a:pPr lvl="2"/>
@@ -3248,7 +3502,6 @@
               <a:rPr lang="en-US"/>
               <a:t>Third level</a:t>
             </a:r>
-            <a:endParaRPr lang="en-US"/>
           </a:p>
           <a:p>
             <a:pPr lvl="3"/>
@@ -3256,7 +3509,6 @@
               <a:rPr lang="en-US"/>
               <a:t>Fourth level</a:t>
             </a:r>
-            <a:endParaRPr lang="en-US"/>
           </a:p>
           <a:p>
             <a:pPr lvl="4"/>
@@ -3264,7 +3516,6 @@
               <a:rPr lang="en-US"/>
               <a:t>Fifth level</a:t>
             </a:r>
-            <a:endParaRPr lang="en-US"/>
           </a:p>
         </p:txBody>
       </p:sp>
@@ -3293,7 +3544,6 @@
               <a:rPr lang="en-US"/>
               <a:t>Click to edit Master text styles</a:t>
             </a:r>
-            <a:endParaRPr lang="en-US"/>
           </a:p>
           <a:p>
             <a:pPr lvl="1"/>
@@ -3301,7 +3551,6 @@
               <a:rPr lang="en-US"/>
               <a:t>Second level</a:t>
             </a:r>
-            <a:endParaRPr lang="en-US"/>
           </a:p>
           <a:p>
             <a:pPr lvl="2"/>
@@ -3309,7 +3558,6 @@
               <a:rPr lang="en-US"/>
               <a:t>Third level</a:t>
             </a:r>
-            <a:endParaRPr lang="en-US"/>
           </a:p>
           <a:p>
             <a:pPr lvl="3"/>
@@ -3317,7 +3565,6 @@
               <a:rPr lang="en-US"/>
               <a:t>Fourth level</a:t>
             </a:r>
-            <a:endParaRPr lang="en-US"/>
           </a:p>
           <a:p>
             <a:pPr lvl="4"/>
@@ -3325,7 +3572,6 @@
               <a:rPr lang="en-US"/>
               <a:t>Fifth level</a:t>
             </a:r>
-            <a:endParaRPr lang="en-US"/>
           </a:p>
         </p:txBody>
       </p:sp>
@@ -3353,6 +3599,7 @@
             </a:pPr>
             <a:fld id="{A86CC632-9864-46F1-8EAB-FCD3BB9CEC9A}" type="slidenum">
               <a:rPr lang="en-US"/>
+              <a:t>‹#›</a:t>
             </a:fld>
             <a:endParaRPr lang="en-US" dirty="0"/>
           </a:p>
@@ -3384,7 +3631,6 @@
               <a:rPr lang="en-US" dirty="0"/>
               <a:t>Copyright © 2021 Elephant Scale. All rights reserved.</a:t>
             </a:r>
-            <a:endParaRPr lang="en-US" dirty="0"/>
           </a:p>
         </p:txBody>
       </p:sp>
@@ -3457,7 +3703,6 @@
               <a:rPr lang="en-US" dirty="0"/>
               <a:t>Click to edit Master text styles</a:t>
             </a:r>
-            <a:endParaRPr lang="en-US" dirty="0"/>
           </a:p>
           <a:p>
             <a:pPr lvl="1"/>
@@ -3465,7 +3710,6 @@
               <a:rPr lang="en-US" dirty="0"/>
               <a:t>Second level</a:t>
             </a:r>
-            <a:endParaRPr lang="en-US" dirty="0"/>
           </a:p>
           <a:p>
             <a:pPr lvl="2"/>
@@ -3473,7 +3717,6 @@
               <a:rPr lang="en-US" dirty="0"/>
               <a:t>Third level</a:t>
             </a:r>
-            <a:endParaRPr lang="en-US" dirty="0"/>
           </a:p>
           <a:p>
             <a:pPr lvl="3"/>
@@ -3481,7 +3724,6 @@
               <a:rPr lang="en-US" dirty="0"/>
               <a:t>Fourth level</a:t>
             </a:r>
-            <a:endParaRPr lang="en-US" dirty="0"/>
           </a:p>
           <a:p>
             <a:pPr lvl="4"/>
@@ -3489,7 +3731,6 @@
               <a:rPr lang="en-US" dirty="0"/>
               <a:t>Fifth level</a:t>
             </a:r>
-            <a:endParaRPr lang="en-US" dirty="0"/>
           </a:p>
         </p:txBody>
       </p:sp>
@@ -3538,6 +3779,7 @@
             </a:pPr>
             <a:fld id="{77EF9825-4C23-4085-A4E3-B5565466BD91}" type="slidenum">
               <a:rPr lang="en-US"/>
+              <a:t>‹#›</a:t>
             </a:fld>
             <a:endParaRPr lang="en-US" dirty="0"/>
           </a:p>
@@ -3595,7 +3837,6 @@
               <a:rPr lang="en-US" dirty="0"/>
               <a:t>Copyright © 2021 Elephant Scale. All rights reserved.</a:t>
             </a:r>
-            <a:endParaRPr lang="en-US" dirty="0"/>
           </a:p>
         </p:txBody>
       </p:sp>
@@ -3608,7 +3849,7 @@
           <p:nvPr/>
         </p:nvPicPr>
         <p:blipFill>
-          <a:blip r:embed="rId5"/>
+          <a:blip r:embed="rId6"/>
           <a:srcRect/>
           <a:stretch>
             <a:fillRect/>
@@ -3666,7 +3907,6 @@
               <a:rPr lang="en-US" dirty="0"/>
               <a:t>Click to edit Master title style</a:t>
             </a:r>
-            <a:endParaRPr lang="en-US" dirty="0"/>
           </a:p>
         </p:txBody>
       </p:sp>
@@ -4123,7 +4363,9 @@
         <p:txBody>
           <a:bodyPr/>
           <a:lstStyle/>
-          <a:p/>
+          <a:p>
+            <a:endParaRPr/>
+          </a:p>
         </p:txBody>
       </p:sp>
       <p:sp>
@@ -4179,11 +4421,6 @@
               </a:rPr>
               <a:t>Copyright © 2021 by Elephant Scale, All Rights Reserved</a:t>
             </a:r>
-            <a:endParaRPr sz="800">
-              <a:solidFill>
-                <a:srgbClr val="000000"/>
-              </a:solidFill>
-            </a:endParaRPr>
           </a:p>
         </p:txBody>
       </p:sp>
@@ -4254,14 +4491,12 @@
               <a:rPr lang="en-US" dirty="0"/>
               <a:t>Responsible for routing and transferring data packets between different nodes across various networks</a:t>
             </a:r>
-            <a:endParaRPr lang="en-US" dirty="0"/>
           </a:p>
           <a:p>
             <a:r>
               <a:rPr lang="en-US" dirty="0"/>
               <a:t>Includes the IP the Internet Protocol part of TCP/IP</a:t>
             </a:r>
-            <a:endParaRPr lang="en-US" dirty="0"/>
           </a:p>
           <a:p>
             <a:r>
@@ -4283,7 +4518,7 @@
           </p:nvPr>
         </p:nvPicPr>
         <p:blipFill>
-          <a:blip r:embed="rId1"/>
+          <a:blip r:embed="rId3"/>
           <a:stretch>
             <a:fillRect/>
           </a:stretch>
@@ -4315,6 +4550,7 @@
             </a:pPr>
             <a:fld id="{77EF9825-4C23-4085-A4E3-B5565466BD91}" type="slidenum">
               <a:rPr lang="en-US" smtClean="0"/>
+              <a:t>10</a:t>
             </a:fld>
             <a:endParaRPr lang="en-US" dirty="0"/>
           </a:p>
@@ -4473,14 +4709,12 @@
               <a:rPr lang="en-US" dirty="0"/>
               <a:t>Later where data transfer between two directly connected nodes in a network takes place</a:t>
             </a:r>
-            <a:endParaRPr lang="en-US" dirty="0"/>
           </a:p>
           <a:p>
             <a:r>
               <a:rPr lang="en-US" dirty="0"/>
               <a:t>Divided into two sub layers: </a:t>
             </a:r>
-            <a:endParaRPr lang="en-US" dirty="0"/>
           </a:p>
           <a:p>
             <a:pPr lvl="1"/>
@@ -4488,7 +4722,6 @@
               <a:rPr lang="en-US" dirty="0"/>
               <a:t>Medium access control layer (MAC layer)</a:t>
             </a:r>
-            <a:endParaRPr lang="en-US" dirty="0"/>
           </a:p>
           <a:p>
             <a:pPr lvl="1"/>
@@ -4496,14 +4729,12 @@
               <a:rPr lang="en-US" dirty="0"/>
               <a:t>Logical link control layer (LLC). </a:t>
             </a:r>
-            <a:endParaRPr lang="en-US" dirty="0"/>
           </a:p>
           <a:p>
             <a:r>
               <a:rPr lang="en-US" dirty="0"/>
               <a:t>Various IEEE 802 standards apply to this layer</a:t>
             </a:r>
-            <a:endParaRPr lang="en-US" dirty="0"/>
           </a:p>
           <a:p>
             <a:pPr lvl="1"/>
@@ -4511,7 +4742,6 @@
               <a:rPr lang="en-US" dirty="0"/>
               <a:t>IEEE 802.15.4 or low rate Wireless PAN for example</a:t>
             </a:r>
-            <a:endParaRPr lang="en-US" dirty="0"/>
           </a:p>
           <a:p>
             <a:endParaRPr lang="en-CA" dirty="0"/>
@@ -4529,7 +4759,7 @@
           </p:nvPr>
         </p:nvPicPr>
         <p:blipFill>
-          <a:blip r:embed="rId1"/>
+          <a:blip r:embed="rId3"/>
           <a:stretch>
             <a:fillRect/>
           </a:stretch>
@@ -4561,6 +4791,7 @@
             </a:pPr>
             <a:fld id="{77EF9825-4C23-4085-A4E3-B5565466BD91}" type="slidenum">
               <a:rPr lang="en-US" smtClean="0"/>
+              <a:t>11</a:t>
             </a:fld>
             <a:endParaRPr lang="en-US" dirty="0"/>
           </a:p>
@@ -4719,21 +4950,18 @@
               <a:rPr lang="en-US" dirty="0"/>
               <a:t>Layer where networks are organized</a:t>
             </a:r>
-            <a:endParaRPr lang="en-US" dirty="0"/>
           </a:p>
           <a:p>
             <a:r>
               <a:rPr lang="en-US" dirty="0"/>
               <a:t>Foundation of IoT and its connected </a:t>
             </a:r>
-            <a:endParaRPr lang="en-US" dirty="0"/>
           </a:p>
           <a:p>
             <a:r>
               <a:rPr lang="en-US" dirty="0"/>
               <a:t>Includes the essential physical structure needed to make the IoT possible</a:t>
             </a:r>
-            <a:endParaRPr lang="en-US" dirty="0"/>
           </a:p>
           <a:p>
             <a:pPr lvl="1"/>
@@ -4741,7 +4969,6 @@
               <a:rPr lang="en-US" dirty="0"/>
               <a:t>E.g., cables and radio frequency links</a:t>
             </a:r>
-            <a:endParaRPr lang="en-US" dirty="0"/>
           </a:p>
           <a:p>
             <a:pPr lvl="1"/>
@@ -4764,7 +4991,7 @@
           </p:nvPr>
         </p:nvPicPr>
         <p:blipFill>
-          <a:blip r:embed="rId1"/>
+          <a:blip r:embed="rId3"/>
           <a:stretch>
             <a:fillRect/>
           </a:stretch>
@@ -4796,6 +5023,7 @@
             </a:pPr>
             <a:fld id="{77EF9825-4C23-4085-A4E3-B5565466BD91}" type="slidenum">
               <a:rPr lang="en-US" smtClean="0"/>
+              <a:t>12</a:t>
             </a:fld>
             <a:endParaRPr lang="en-US" dirty="0"/>
           </a:p>
@@ -4952,7 +5180,6 @@
               <a:rPr lang="en-US" dirty="0"/>
               <a:t>Using OSI to figure out why an application isn’t working</a:t>
             </a:r>
-            <a:endParaRPr lang="en-US" dirty="0"/>
           </a:p>
           <a:p>
             <a:pPr marL="342900" lvl="1" indent="0">
@@ -4962,7 +5189,6 @@
               <a:rPr lang="en-US" dirty="0"/>
               <a:t>Layer 1: Physical</a:t>
             </a:r>
-            <a:endParaRPr lang="en-US" dirty="0"/>
           </a:p>
           <a:p>
             <a:pPr marL="342900" lvl="1" indent="0">
@@ -4972,7 +5198,6 @@
               <a:rPr lang="en-US" dirty="0"/>
               <a:t>	Is the network cable plugged in?</a:t>
             </a:r>
-            <a:endParaRPr lang="en-US" dirty="0"/>
           </a:p>
           <a:p>
             <a:pPr marL="342900" lvl="1" indent="0">
@@ -4982,7 +5207,6 @@
               <a:rPr lang="en-US" dirty="0"/>
               <a:t>Layer 2: Data Link</a:t>
             </a:r>
-            <a:endParaRPr lang="en-US" dirty="0"/>
           </a:p>
           <a:p>
             <a:pPr marL="342900" lvl="1" indent="0">
@@ -4992,7 +5216,6 @@
               <a:rPr lang="en-US" dirty="0"/>
               <a:t>	Do you have a link light?</a:t>
             </a:r>
-            <a:endParaRPr lang="en-US" dirty="0"/>
           </a:p>
           <a:p>
             <a:pPr marL="342900" lvl="1" indent="0">
@@ -5002,7 +5225,6 @@
               <a:rPr lang="en-US" dirty="0"/>
               <a:t>Layer 3: Network</a:t>
             </a:r>
-            <a:endParaRPr lang="en-US" dirty="0"/>
           </a:p>
           <a:p>
             <a:pPr marL="342900" lvl="1" indent="0">
@@ -5012,7 +5234,6 @@
               <a:rPr lang="en-US" dirty="0"/>
               <a:t>	Are you getting an IP?</a:t>
             </a:r>
-            <a:endParaRPr lang="en-US" dirty="0"/>
           </a:p>
           <a:p>
             <a:pPr marL="342900" lvl="1" indent="0">
@@ -5022,7 +5243,6 @@
               <a:rPr lang="en-US" dirty="0"/>
               <a:t>Layer 4: Transport</a:t>
             </a:r>
-            <a:endParaRPr lang="en-US" dirty="0"/>
           </a:p>
           <a:p>
             <a:pPr marL="342900" lvl="1" indent="0">
@@ -5032,7 +5252,6 @@
               <a:rPr lang="en-US" dirty="0"/>
               <a:t>	Can you connect to your default gateway?</a:t>
             </a:r>
-            <a:endParaRPr lang="en-US" dirty="0"/>
           </a:p>
           <a:p>
             <a:pPr marL="342900" lvl="1" indent="0">
@@ -5042,7 +5261,6 @@
               <a:rPr lang="en-US" dirty="0"/>
               <a:t>Layer 5: Session</a:t>
             </a:r>
-            <a:endParaRPr lang="en-US" dirty="0"/>
           </a:p>
           <a:p>
             <a:pPr marL="342900" lvl="1" indent="0">
@@ -5052,7 +5270,6 @@
               <a:rPr lang="en-US" dirty="0"/>
               <a:t>	Do you have DNS server information? </a:t>
             </a:r>
-            <a:endParaRPr lang="en-US" dirty="0"/>
           </a:p>
           <a:p>
             <a:pPr marL="342900" lvl="1" indent="0">
@@ -5062,7 +5279,6 @@
               <a:rPr lang="en-US" dirty="0"/>
               <a:t>	Can you ping 4.2.2.2 but not google.com?</a:t>
             </a:r>
-            <a:endParaRPr lang="en-US" dirty="0"/>
           </a:p>
           <a:p>
             <a:pPr marL="342900" lvl="1" indent="0">
@@ -5072,7 +5288,6 @@
               <a:rPr lang="en-US" dirty="0"/>
               <a:t>Layers 6&amp;7: Presentation &amp; Application – </a:t>
             </a:r>
-            <a:endParaRPr lang="en-US" dirty="0"/>
           </a:p>
           <a:p>
             <a:pPr marL="342900" lvl="1" indent="0">
@@ -5082,7 +5297,6 @@
               <a:rPr lang="en-US" dirty="0"/>
               <a:t>	Can you browse to a site? </a:t>
             </a:r>
-            <a:endParaRPr lang="en-US" dirty="0"/>
           </a:p>
           <a:p>
             <a:pPr marL="0" indent="0">
@@ -5145,6 +5359,7 @@
             </a:pPr>
             <a:fld id="{A86CC632-9864-46F1-8EAB-FCD3BB9CEC9A}" type="slidenum">
               <a:rPr lang="en-US" smtClean="0"/>
+              <a:t>13</a:t>
             </a:fld>
             <a:endParaRPr lang="en-US" dirty="0"/>
           </a:p>
@@ -5277,6 +5492,7 @@
             </a:pPr>
             <a:fld id="{77EF9825-4C23-4085-A4E3-B5565466BD91}" type="slidenum">
               <a:rPr lang="en-US" smtClean="0"/>
+              <a:t>14</a:t>
             </a:fld>
             <a:endParaRPr lang="en-US" dirty="0"/>
           </a:p>
@@ -5376,6 +5592,7 @@
             </a:pPr>
             <a:fld id="{A86CC632-9864-46F1-8EAB-FCD3BB9CEC9A}" type="slidenum">
               <a:rPr lang="en-US" smtClean="0"/>
+              <a:t>15</a:t>
             </a:fld>
             <a:endParaRPr lang="en-US" dirty="0"/>
           </a:p>
@@ -5400,9 +5617,27 @@
                 <a:tableStyleId>{5C22544A-7EE6-4342-B048-85BDC9FD1C3A}</a:tableStyleId>
               </a:tblPr>
               <a:tblGrid>
-                <a:gridCol w="920503"/>
-                <a:gridCol w="1687590"/>
-                <a:gridCol w="5292895"/>
+                <a:gridCol w="920503">
+                  <a:extLst>
+                    <a:ext uri="{9D8B030D-6E8A-4147-A177-3AD203B41FA5}">
+                      <a16:colId xmlns:a16="http://schemas.microsoft.com/office/drawing/2014/main" val="20000"/>
+                    </a:ext>
+                  </a:extLst>
+                </a:gridCol>
+                <a:gridCol w="1687590">
+                  <a:extLst>
+                    <a:ext uri="{9D8B030D-6E8A-4147-A177-3AD203B41FA5}">
+                      <a16:colId xmlns:a16="http://schemas.microsoft.com/office/drawing/2014/main" val="20001"/>
+                    </a:ext>
+                  </a:extLst>
+                </a:gridCol>
+                <a:gridCol w="5292895">
+                  <a:extLst>
+                    <a:ext uri="{9D8B030D-6E8A-4147-A177-3AD203B41FA5}">
+                      <a16:colId xmlns:a16="http://schemas.microsoft.com/office/drawing/2014/main" val="20002"/>
+                    </a:ext>
+                  </a:extLst>
+                </a:gridCol>
               </a:tblGrid>
               <a:tr h="434340">
                 <a:tc>
@@ -5450,6 +5685,11 @@
                   </a:txBody>
                   <a:tcPr/>
                 </a:tc>
+                <a:extLst>
+                  <a:ext uri="{0D108BD9-81ED-4DB2-BD59-A6C34878D82A}">
+                    <a16:rowId xmlns:a16="http://schemas.microsoft.com/office/drawing/2014/main" val="10000"/>
+                  </a:ext>
+                </a:extLst>
               </a:tr>
               <a:tr h="480060">
                 <a:tc>
@@ -5500,7 +5740,6 @@
                         <a:rPr lang="en-US" dirty="0"/>
                         <a:t>/Password sniffing.</a:t>
                       </a:r>
-                      <a:endParaRPr lang="en-US" dirty="0"/>
                     </a:p>
                     <a:p>
                       <a:pPr algn="ctr"/>
@@ -5508,7 +5747,6 @@
                         <a:rPr lang="en-US" dirty="0"/>
                         <a:t>Lack of role-based security for admin and support.</a:t>
                       </a:r>
-                      <a:endParaRPr lang="en-US" dirty="0"/>
                     </a:p>
                     <a:p>
                       <a:pPr algn="ctr"/>
@@ -5521,6 +5759,11 @@
                   </a:txBody>
                   <a:tcPr/>
                 </a:tc>
+                <a:extLst>
+                  <a:ext uri="{0D108BD9-81ED-4DB2-BD59-A6C34878D82A}">
+                    <a16:rowId xmlns:a16="http://schemas.microsoft.com/office/drawing/2014/main" val="10001"/>
+                  </a:ext>
+                </a:extLst>
               </a:tr>
               <a:tr h="434340">
                 <a:tc>
@@ -5563,7 +5806,6 @@
                         <a:rPr lang="en-US" dirty="0"/>
                         <a:t>Phishing, TLS/SSL sniffing</a:t>
                       </a:r>
-                      <a:endParaRPr lang="en-US" dirty="0"/>
                     </a:p>
                     <a:p>
                       <a:pPr algn="ctr"/>
@@ -5576,6 +5818,11 @@
                   </a:txBody>
                   <a:tcPr/>
                 </a:tc>
+                <a:extLst>
+                  <a:ext uri="{0D108BD9-81ED-4DB2-BD59-A6C34878D82A}">
+                    <a16:rowId xmlns:a16="http://schemas.microsoft.com/office/drawing/2014/main" val="10002"/>
+                  </a:ext>
+                </a:extLst>
               </a:tr>
               <a:tr h="434340">
                 <a:tc>
@@ -5618,7 +5865,6 @@
                         <a:rPr lang="en-US" dirty="0"/>
                         <a:t>Hacking – Telnet and FTP hacking</a:t>
                       </a:r>
-                      <a:endParaRPr lang="en-US" dirty="0"/>
                     </a:p>
                     <a:p>
                       <a:pPr algn="ctr"/>
@@ -5631,6 +5877,11 @@
                   </a:txBody>
                   <a:tcPr/>
                 </a:tc>
+                <a:extLst>
+                  <a:ext uri="{0D108BD9-81ED-4DB2-BD59-A6C34878D82A}">
+                    <a16:rowId xmlns:a16="http://schemas.microsoft.com/office/drawing/2014/main" val="10003"/>
+                  </a:ext>
+                </a:extLst>
               </a:tr>
               <a:tr h="434340">
                 <a:tc>
@@ -5673,7 +5924,6 @@
                         <a:rPr lang="en-US" dirty="0"/>
                         <a:t>TCP Sessions sniffing</a:t>
                       </a:r>
-                      <a:endParaRPr lang="en-US" dirty="0"/>
                     </a:p>
                     <a:p>
                       <a:pPr algn="ctr"/>
@@ -5686,6 +5936,11 @@
                   </a:txBody>
                   <a:tcPr/>
                 </a:tc>
+                <a:extLst>
+                  <a:ext uri="{0D108BD9-81ED-4DB2-BD59-A6C34878D82A}">
+                    <a16:rowId xmlns:a16="http://schemas.microsoft.com/office/drawing/2014/main" val="10004"/>
+                  </a:ext>
+                </a:extLst>
               </a:tr>
               <a:tr h="434340">
                 <a:tc>
@@ -5728,7 +5983,6 @@
                         <a:rPr lang="en-US" dirty="0"/>
                         <a:t>Man in the Middle Attacks</a:t>
                       </a:r>
-                      <a:endParaRPr lang="en-US" dirty="0"/>
                     </a:p>
                     <a:p>
                       <a:pPr algn="ctr"/>
@@ -5741,6 +5995,11 @@
                   </a:txBody>
                   <a:tcPr/>
                 </a:tc>
+                <a:extLst>
+                  <a:ext uri="{0D108BD9-81ED-4DB2-BD59-A6C34878D82A}">
+                    <a16:rowId xmlns:a16="http://schemas.microsoft.com/office/drawing/2014/main" val="10005"/>
+                  </a:ext>
+                </a:extLst>
               </a:tr>
               <a:tr h="434340">
                 <a:tc>
@@ -5788,6 +6047,11 @@
                   </a:txBody>
                   <a:tcPr/>
                 </a:tc>
+                <a:extLst>
+                  <a:ext uri="{0D108BD9-81ED-4DB2-BD59-A6C34878D82A}">
+                    <a16:rowId xmlns:a16="http://schemas.microsoft.com/office/drawing/2014/main" val="10006"/>
+                  </a:ext>
+                </a:extLst>
               </a:tr>
               <a:tr h="434340">
                 <a:tc>
@@ -5835,6 +6099,11 @@
                   </a:txBody>
                   <a:tcPr/>
                 </a:tc>
+                <a:extLst>
+                  <a:ext uri="{0D108BD9-81ED-4DB2-BD59-A6C34878D82A}">
+                    <a16:rowId xmlns:a16="http://schemas.microsoft.com/office/drawing/2014/main" val="10007"/>
+                  </a:ext>
+                </a:extLst>
               </a:tr>
             </a:tbl>
           </a:graphicData>
@@ -5909,7 +6178,6 @@
               <a:rPr lang="en-US" dirty="0"/>
               <a:t>Refers to the applications that support the end user functions</a:t>
             </a:r>
-            <a:endParaRPr lang="en-US" dirty="0"/>
           </a:p>
           <a:p>
             <a:pPr lvl="1"/>
@@ -5917,7 +6185,6 @@
               <a:rPr lang="en-US" dirty="0"/>
               <a:t>Applications at this layer include FTP, SMTP and other services</a:t>
             </a:r>
-            <a:endParaRPr lang="en-US" dirty="0"/>
           </a:p>
           <a:p>
             <a:pPr lvl="1"/>
@@ -5925,7 +6192,6 @@
               <a:rPr lang="en-US" dirty="0"/>
               <a:t>Supports user applications with that authentication and authorization</a:t>
             </a:r>
-            <a:endParaRPr lang="en-US" dirty="0"/>
           </a:p>
           <a:p>
             <a:r>
@@ -5940,7 +6206,6 @@
               <a:rPr lang="en-US" dirty="0"/>
               <a:t> is unauthorized access to control systems</a:t>
             </a:r>
-            <a:endParaRPr lang="en-US" dirty="0"/>
           </a:p>
           <a:p>
             <a:pPr lvl="1"/>
@@ -5956,7 +6221,6 @@
               <a:rPr lang="en-US" dirty="0"/>
               <a:t>, creating backdoors for future attacks</a:t>
             </a:r>
-            <a:endParaRPr lang="en-US" dirty="0"/>
           </a:p>
           <a:p>
             <a:pPr lvl="1"/>
@@ -5964,14 +6228,12 @@
               <a:rPr lang="en-US" dirty="0"/>
               <a:t>Common attack vector using social engineering, phishing and other deceptive exploits</a:t>
             </a:r>
-            <a:endParaRPr lang="en-US" dirty="0"/>
           </a:p>
           <a:p>
             <a:r>
               <a:rPr lang="en-US" dirty="0"/>
               <a:t>First line of defense is strong organizational procedures and policies on issuing, revoking and changing authentication credentials</a:t>
             </a:r>
-            <a:endParaRPr lang="en-US" dirty="0"/>
           </a:p>
           <a:p>
             <a:endParaRPr lang="en-CA" dirty="0"/>
@@ -6024,6 +6286,7 @@
             </a:pPr>
             <a:fld id="{77EF9825-4C23-4085-A4E3-B5565466BD91}" type="slidenum">
               <a:rPr lang="en-US" smtClean="0"/>
+              <a:t>16</a:t>
             </a:fld>
             <a:endParaRPr lang="en-US" dirty="0"/>
           </a:p>
@@ -6102,7 +6365,6 @@
               <a:rPr lang="en-US" dirty="0"/>
               <a:t>/Password is common authentication</a:t>
             </a:r>
-            <a:endParaRPr lang="en-US" dirty="0"/>
           </a:p>
           <a:p>
             <a:pPr lvl="1"/>
@@ -6110,7 +6372,6 @@
               <a:rPr lang="en-US" dirty="0"/>
               <a:t>Often implemented with weak account policy</a:t>
             </a:r>
-            <a:endParaRPr lang="en-US" dirty="0"/>
           </a:p>
           <a:p>
             <a:pPr lvl="1"/>
@@ -6118,7 +6379,6 @@
               <a:rPr lang="en-US" dirty="0"/>
               <a:t>Users suffer from password fatigue</a:t>
             </a:r>
-            <a:endParaRPr lang="en-US" dirty="0"/>
           </a:p>
           <a:p>
             <a:pPr lvl="2"/>
@@ -6126,7 +6386,6 @@
               <a:rPr lang="en-US" dirty="0"/>
               <a:t>Tend to use the same password across accounts</a:t>
             </a:r>
-            <a:endParaRPr lang="en-US" dirty="0"/>
           </a:p>
           <a:p>
             <a:pPr lvl="2"/>
@@ -6134,7 +6393,6 @@
               <a:rPr lang="en-US" dirty="0"/>
               <a:t>Tend to use short easy to guess passwords</a:t>
             </a:r>
-            <a:endParaRPr lang="en-US" dirty="0"/>
           </a:p>
           <a:p>
             <a:pPr lvl="2"/>
@@ -6142,14 +6400,12 @@
               <a:rPr lang="en-US" dirty="0"/>
               <a:t>Tend to not change their passwords</a:t>
             </a:r>
-            <a:endParaRPr lang="en-US" dirty="0"/>
           </a:p>
           <a:p>
             <a:r>
               <a:rPr lang="en-US" dirty="0"/>
               <a:t>Mitigations</a:t>
             </a:r>
-            <a:endParaRPr lang="en-US" dirty="0"/>
           </a:p>
           <a:p>
             <a:pPr lvl="1"/>
@@ -6157,7 +6413,6 @@
               <a:rPr lang="en-US" dirty="0"/>
               <a:t>Password policy requiring strong passwords and regular rotations</a:t>
             </a:r>
-            <a:endParaRPr lang="en-US" dirty="0"/>
           </a:p>
           <a:p>
             <a:pPr lvl="1"/>
@@ -6165,7 +6420,6 @@
               <a:rPr lang="en-US" dirty="0"/>
               <a:t>Use generated tokens instead of passwords</a:t>
             </a:r>
-            <a:endParaRPr lang="en-US" dirty="0"/>
           </a:p>
           <a:p>
             <a:pPr lvl="2"/>
@@ -6173,7 +6427,6 @@
               <a:rPr lang="en-US" dirty="0"/>
               <a:t>These have higher entropy and are harder to crack</a:t>
             </a:r>
-            <a:endParaRPr lang="en-US" dirty="0"/>
           </a:p>
           <a:p>
             <a:pPr lvl="2"/>
@@ -6181,7 +6434,6 @@
               <a:rPr lang="en-US" dirty="0"/>
               <a:t>Eliminates the problem of password reuse</a:t>
             </a:r>
-            <a:endParaRPr lang="en-US" dirty="0"/>
           </a:p>
           <a:p>
             <a:pPr lvl="1"/>
@@ -6189,7 +6441,6 @@
               <a:rPr lang="en-US" dirty="0"/>
               <a:t>MFA – multi-factor authentication</a:t>
             </a:r>
-            <a:endParaRPr lang="en-US" dirty="0"/>
           </a:p>
           <a:p>
             <a:pPr lvl="2"/>
@@ -6197,7 +6448,6 @@
               <a:rPr lang="en-US" dirty="0"/>
               <a:t>Requires authentication from two of three possible sources</a:t>
             </a:r>
-            <a:endParaRPr lang="en-US" dirty="0"/>
           </a:p>
           <a:p>
             <a:pPr lvl="3"/>
@@ -6205,7 +6455,6 @@
               <a:rPr lang="en-US" dirty="0"/>
               <a:t>What the user knows – password or token</a:t>
             </a:r>
-            <a:endParaRPr lang="en-US" dirty="0"/>
           </a:p>
           <a:p>
             <a:pPr lvl="3"/>
@@ -6213,7 +6462,6 @@
               <a:rPr lang="en-US" dirty="0"/>
               <a:t>Where the user is – specific IP address</a:t>
             </a:r>
-            <a:endParaRPr lang="en-US" dirty="0"/>
           </a:p>
           <a:p>
             <a:pPr lvl="3"/>
@@ -6221,7 +6469,6 @@
               <a:rPr lang="en-US" dirty="0"/>
               <a:t>Something the user has – mobile phone for a confirmation code</a:t>
             </a:r>
-            <a:endParaRPr lang="en-US" dirty="0"/>
           </a:p>
           <a:p>
             <a:pPr lvl="2"/>
@@ -6282,6 +6529,7 @@
             </a:pPr>
             <a:fld id="{77EF9825-4C23-4085-A4E3-B5565466BD91}" type="slidenum">
               <a:rPr lang="en-US" smtClean="0"/>
+              <a:t>17</a:t>
             </a:fld>
             <a:endParaRPr lang="en-US" dirty="0"/>
           </a:p>
@@ -6356,14 +6604,12 @@
               <a:rPr lang="en-US" dirty="0"/>
               <a:t>Encryption is performed at this layer</a:t>
             </a:r>
-            <a:endParaRPr lang="en-US" dirty="0"/>
           </a:p>
           <a:p>
             <a:r>
               <a:rPr lang="en-US" dirty="0"/>
               <a:t>Common attacks often involve weak or missing encryption</a:t>
             </a:r>
-            <a:endParaRPr lang="en-US" dirty="0"/>
           </a:p>
           <a:p>
             <a:pPr lvl="1"/>
@@ -6371,14 +6617,12 @@
               <a:rPr lang="en-US" dirty="0"/>
               <a:t>There must be both encryption for data in transit and encryption for data at rest</a:t>
             </a:r>
-            <a:endParaRPr lang="en-US" dirty="0"/>
           </a:p>
           <a:p>
             <a:r>
               <a:rPr lang="en-US" dirty="0"/>
               <a:t>Exploitable weaknesses can occur when:</a:t>
             </a:r>
-            <a:endParaRPr lang="en-US" dirty="0"/>
           </a:p>
           <a:p>
             <a:pPr lvl="1"/>
@@ -6386,7 +6630,6 @@
               <a:rPr lang="en-US" dirty="0"/>
               <a:t>An encryption standard is used that is too weak, one that has known weaknesses for example</a:t>
             </a:r>
-            <a:endParaRPr lang="en-US" dirty="0"/>
           </a:p>
           <a:p>
             <a:pPr lvl="1"/>
@@ -6394,7 +6637,6 @@
               <a:rPr lang="en-US" dirty="0"/>
               <a:t>Flawed implementation of the encryption such as:</a:t>
             </a:r>
-            <a:endParaRPr lang="en-US" dirty="0"/>
           </a:p>
           <a:p>
             <a:pPr lvl="2"/>
@@ -6402,7 +6644,6 @@
               <a:rPr lang="en-US" dirty="0"/>
               <a:t>Keys are too short</a:t>
             </a:r>
-            <a:endParaRPr lang="en-US" dirty="0"/>
           </a:p>
           <a:p>
             <a:pPr lvl="2"/>
@@ -6410,7 +6651,6 @@
               <a:rPr lang="en-US" dirty="0"/>
               <a:t>Salts are not used in digests allowing the use of rainbow tables to reverse engineer passwords</a:t>
             </a:r>
-            <a:endParaRPr lang="en-US" dirty="0"/>
           </a:p>
           <a:p>
             <a:pPr lvl="2"/>
@@ -6418,7 +6658,6 @@
               <a:rPr lang="en-US" dirty="0"/>
               <a:t>Using an encryption library that has not been fully vetted</a:t>
             </a:r>
-            <a:endParaRPr lang="en-US" dirty="0"/>
           </a:p>
           <a:p>
             <a:pPr lvl="2"/>
@@ -6426,7 +6665,6 @@
               <a:rPr lang="en-US" dirty="0"/>
               <a:t>Using a home-grown encryption library that is not full tested</a:t>
             </a:r>
-            <a:endParaRPr lang="en-US" dirty="0"/>
           </a:p>
           <a:p>
             <a:pPr lvl="1"/>
@@ -6434,7 +6672,6 @@
               <a:rPr lang="en-US" dirty="0"/>
               <a:t>Flawed application of an encryption application</a:t>
             </a:r>
-            <a:endParaRPr lang="en-US" dirty="0"/>
           </a:p>
           <a:p>
             <a:pPr lvl="2"/>
@@ -6442,7 +6679,6 @@
               <a:rPr lang="en-US" dirty="0"/>
               <a:t>Failure to encrypt data when it should be</a:t>
             </a:r>
-            <a:endParaRPr lang="en-US" dirty="0"/>
           </a:p>
           <a:p>
             <a:pPr lvl="2"/>
@@ -6450,7 +6686,6 @@
               <a:rPr lang="en-US" dirty="0"/>
               <a:t>Not encrypting some data that is accessible</a:t>
             </a:r>
-            <a:endParaRPr lang="en-US" dirty="0"/>
           </a:p>
           <a:p>
             <a:pPr lvl="2"/>
@@ -6511,6 +6746,7 @@
             </a:pPr>
             <a:fld id="{77EF9825-4C23-4085-A4E3-B5565466BD91}" type="slidenum">
               <a:rPr lang="en-US" smtClean="0"/>
+              <a:t>18</a:t>
             </a:fld>
             <a:endParaRPr lang="en-US" dirty="0"/>
           </a:p>
@@ -6585,7 +6821,6 @@
               <a:rPr lang="en-US" dirty="0"/>
               <a:t>Presentation level security can be subverted at the application level</a:t>
             </a:r>
-            <a:endParaRPr lang="en-US" dirty="0"/>
           </a:p>
           <a:p>
             <a:r>
@@ -6600,7 +6835,6 @@
               <a:rPr lang="en-US" dirty="0"/>
               <a:t>) attack</a:t>
             </a:r>
-            <a:endParaRPr lang="en-US" dirty="0"/>
           </a:p>
           <a:p>
             <a:pPr lvl="1"/>
@@ -6608,14 +6842,12 @@
               <a:rPr lang="en-US" dirty="0"/>
               <a:t>Access is gained at the application level to steal or alter data before it become encrypted</a:t>
             </a:r>
-            <a:endParaRPr lang="en-US" dirty="0"/>
           </a:p>
           <a:p>
             <a:r>
               <a:rPr lang="en-US" dirty="0"/>
               <a:t>Often the result of human engineering</a:t>
             </a:r>
-            <a:endParaRPr lang="en-US" dirty="0"/>
           </a:p>
           <a:p>
             <a:pPr lvl="1"/>
@@ -6623,7 +6855,6 @@
               <a:rPr lang="en-US" dirty="0"/>
               <a:t>Compromised user installs malware</a:t>
             </a:r>
-            <a:endParaRPr lang="en-US" dirty="0"/>
           </a:p>
           <a:p>
             <a:pPr lvl="1"/>
@@ -6631,14 +6862,12 @@
               <a:rPr lang="en-US" dirty="0"/>
               <a:t>Or malware is installed from a phishing or other attack</a:t>
             </a:r>
-            <a:endParaRPr lang="en-US" dirty="0"/>
           </a:p>
           <a:p>
             <a:r>
               <a:rPr lang="en-US" dirty="0"/>
               <a:t>Can be mitigated to a degree by isolation</a:t>
             </a:r>
-            <a:endParaRPr lang="en-US" dirty="0"/>
           </a:p>
           <a:p>
             <a:pPr lvl="1"/>
@@ -6646,7 +6875,6 @@
               <a:rPr lang="en-US" dirty="0"/>
               <a:t>Applications used for systems control do not have access to other applications</a:t>
             </a:r>
-            <a:endParaRPr lang="en-US" dirty="0"/>
           </a:p>
           <a:p>
             <a:pPr lvl="1"/>
@@ -6654,7 +6882,6 @@
               <a:rPr lang="en-US" dirty="0"/>
               <a:t>No public access to the user control apps</a:t>
             </a:r>
-            <a:endParaRPr lang="en-US" dirty="0"/>
           </a:p>
           <a:p>
             <a:pPr lvl="1"/>
@@ -6662,14 +6889,12 @@
               <a:rPr lang="en-US" dirty="0"/>
               <a:t>Only the absolute minimum network access to private networks</a:t>
             </a:r>
-            <a:endParaRPr lang="en-US" dirty="0"/>
           </a:p>
           <a:p>
             <a:r>
               <a:rPr lang="en-US" dirty="0"/>
               <a:t>Ideally, control systems only connect to the system they control</a:t>
             </a:r>
-            <a:endParaRPr lang="en-US" dirty="0"/>
           </a:p>
           <a:p>
             <a:pPr lvl="2"/>
@@ -6730,6 +6955,7 @@
             </a:pPr>
             <a:fld id="{77EF9825-4C23-4085-A4E3-B5565466BD91}" type="slidenum">
               <a:rPr lang="en-US" smtClean="0"/>
+              <a:t>19</a:t>
             </a:fld>
             <a:endParaRPr lang="en-US" dirty="0"/>
           </a:p>
@@ -6862,6 +7088,7 @@
             </a:pPr>
             <a:fld id="{77EF9825-4C23-4085-A4E3-B5565466BD91}" type="slidenum">
               <a:rPr lang="en-US" smtClean="0"/>
+              <a:t>2</a:t>
             </a:fld>
             <a:endParaRPr lang="en-US" dirty="0"/>
           </a:p>
@@ -6937,7 +7164,6 @@
               <a:rPr lang="en-US" dirty="0"/>
               <a:t>Copyright © 2021 Elephant Scale. All rights reserved.</a:t>
             </a:r>
-            <a:endParaRPr lang="en-US" dirty="0"/>
           </a:p>
         </p:txBody>
       </p:sp>
@@ -6961,6 +7187,7 @@
             </a:pPr>
             <a:fld id="{77EF9825-4C23-4085-A4E3-B5565466BD91}" type="slidenum">
               <a:rPr lang="en-US" smtClean="0"/>
+              <a:t>20</a:t>
             </a:fld>
             <a:endParaRPr lang="en-US" dirty="0"/>
           </a:p>
@@ -6975,7 +7202,7 @@
           <p:nvPr/>
         </p:nvPicPr>
         <p:blipFill>
-          <a:blip r:embed="rId1"/>
+          <a:blip r:embed="rId2"/>
           <a:stretch>
             <a:fillRect/>
           </a:stretch>
@@ -7059,7 +7286,6 @@
               <a:rPr lang="en-US" dirty="0"/>
               <a:t>The main attacks at this level deal with interfering with sessions or some sort of session hijack</a:t>
             </a:r>
-            <a:endParaRPr lang="en-US" dirty="0"/>
           </a:p>
           <a:p>
             <a:r>
@@ -7074,21 +7300,18 @@
               <a:rPr lang="en-US" dirty="0"/>
               <a:t>) attacks occur when an adversary can intercept communications between two parties in a session</a:t>
             </a:r>
-            <a:endParaRPr lang="en-US" dirty="0"/>
           </a:p>
           <a:p>
             <a:r>
               <a:rPr lang="en-US" dirty="0"/>
               <a:t>A main risk is that an adversary could take over an automated system by hijacking a session between the system and an operator</a:t>
             </a:r>
-            <a:endParaRPr lang="en-US" dirty="0"/>
           </a:p>
           <a:p>
             <a:r>
               <a:rPr lang="en-US" dirty="0"/>
               <a:t>Some potential exploits</a:t>
             </a:r>
-            <a:endParaRPr lang="en-US" dirty="0"/>
           </a:p>
           <a:p>
             <a:pPr lvl="1"/>
@@ -7096,7 +7319,6 @@
               <a:rPr lang="en-US" dirty="0"/>
               <a:t>Failure to use regular confirmation of identity of participant</a:t>
             </a:r>
-            <a:endParaRPr lang="en-US" dirty="0"/>
           </a:p>
           <a:p>
             <a:pPr lvl="2"/>
@@ -7104,7 +7326,6 @@
               <a:rPr lang="en-US" dirty="0"/>
               <a:t>Ignoring warning about expired TSL certificate for example</a:t>
             </a:r>
-            <a:endParaRPr lang="en-US" dirty="0"/>
           </a:p>
           <a:p>
             <a:pPr lvl="1"/>
@@ -7112,7 +7333,6 @@
               <a:rPr lang="en-US" dirty="0"/>
               <a:t>Failure to rotate credentials during a session</a:t>
             </a:r>
-            <a:endParaRPr lang="en-US" dirty="0"/>
           </a:p>
           <a:p>
             <a:pPr lvl="2"/>
@@ -7120,7 +7340,6 @@
               <a:rPr lang="en-US" dirty="0"/>
               <a:t>The longer a set of credentials is used, the more likely they are to be hacked</a:t>
             </a:r>
-            <a:endParaRPr lang="en-US" dirty="0"/>
           </a:p>
           <a:p>
             <a:pPr lvl="1"/>
@@ -7128,7 +7347,6 @@
               <a:rPr lang="en-US" dirty="0"/>
               <a:t>Failure to securely transmit session information</a:t>
             </a:r>
-            <a:endParaRPr lang="en-US" dirty="0"/>
           </a:p>
           <a:p>
             <a:pPr lvl="2"/>
@@ -7136,7 +7354,6 @@
               <a:rPr lang="en-US" dirty="0"/>
               <a:t>Often makes the session tokens or ids guessable by an adversary</a:t>
             </a:r>
-            <a:endParaRPr lang="en-US" dirty="0"/>
           </a:p>
           <a:p>
             <a:pPr lvl="1"/>
@@ -7201,6 +7418,7 @@
             </a:pPr>
             <a:fld id="{77EF9825-4C23-4085-A4E3-B5565466BD91}" type="slidenum">
               <a:rPr lang="en-US" smtClean="0"/>
+              <a:t>21</a:t>
             </a:fld>
             <a:endParaRPr lang="en-US" dirty="0"/>
           </a:p>
@@ -7275,7 +7493,6 @@
               <a:rPr lang="en-US" dirty="0"/>
               <a:t>Internet based attacks probe for open ports</a:t>
             </a:r>
-            <a:endParaRPr lang="en-US" dirty="0"/>
           </a:p>
           <a:p>
             <a:pPr lvl="1"/>
@@ -7283,7 +7500,6 @@
               <a:rPr lang="en-US" dirty="0"/>
               <a:t>Can be used to inject malware</a:t>
             </a:r>
-            <a:endParaRPr lang="en-US" dirty="0"/>
           </a:p>
           <a:p>
             <a:pPr lvl="1"/>
@@ -7291,14 +7507,12 @@
               <a:rPr lang="en-US" dirty="0"/>
               <a:t>Malware often opens other ports as a backdoor</a:t>
             </a:r>
-            <a:endParaRPr lang="en-US" dirty="0"/>
           </a:p>
           <a:p>
             <a:r>
               <a:rPr lang="en-US" dirty="0"/>
               <a:t>Mitigations involve</a:t>
             </a:r>
-            <a:endParaRPr lang="en-US" dirty="0"/>
           </a:p>
           <a:p>
             <a:pPr lvl="1"/>
@@ -7306,7 +7520,6 @@
               <a:rPr lang="en-US" dirty="0"/>
               <a:t>Regular port scans</a:t>
             </a:r>
-            <a:endParaRPr lang="en-US" dirty="0"/>
           </a:p>
           <a:p>
             <a:pPr lvl="1"/>
@@ -7314,7 +7527,6 @@
               <a:rPr lang="en-US" dirty="0"/>
               <a:t>Use of non-standard ports to confound probing for commonly used ports</a:t>
             </a:r>
-            <a:endParaRPr lang="en-US" dirty="0"/>
           </a:p>
           <a:p>
             <a:pPr lvl="1"/>
@@ -7322,21 +7534,18 @@
               <a:rPr lang="en-US" dirty="0"/>
               <a:t>Firewalls to block access to most ports except those explicitly allowed on a whitelist</a:t>
             </a:r>
-            <a:endParaRPr lang="en-US" dirty="0"/>
           </a:p>
           <a:p>
             <a:r>
               <a:rPr lang="en-US" dirty="0"/>
               <a:t>Known or published IP addresses are potential targets</a:t>
             </a:r>
-            <a:endParaRPr lang="en-US" dirty="0"/>
           </a:p>
           <a:p>
             <a:r>
               <a:rPr lang="en-US" dirty="0"/>
               <a:t>Mitigations involve</a:t>
             </a:r>
-            <a:endParaRPr lang="en-US" dirty="0"/>
           </a:p>
           <a:p>
             <a:pPr lvl="1"/>
@@ -7344,7 +7553,6 @@
               <a:rPr lang="en-US" dirty="0"/>
               <a:t>Use of an API gateway to map external IP addresses to internal addresses</a:t>
             </a:r>
-            <a:endParaRPr lang="en-US" dirty="0"/>
           </a:p>
           <a:p>
             <a:pPr lvl="1"/>
@@ -7352,7 +7560,6 @@
               <a:rPr lang="en-US" dirty="0"/>
               <a:t>Use of filtering and firewalling on the gateway</a:t>
             </a:r>
-            <a:endParaRPr lang="en-US" dirty="0"/>
           </a:p>
           <a:p>
             <a:pPr lvl="1"/>
@@ -7360,7 +7567,6 @@
               <a:rPr lang="en-US" dirty="0"/>
               <a:t>Establishment of a DNZ</a:t>
             </a:r>
-            <a:endParaRPr lang="en-US" dirty="0"/>
           </a:p>
           <a:p>
             <a:pPr lvl="1"/>
@@ -7414,6 +7620,7 @@
             </a:pPr>
             <a:fld id="{77EF9825-4C23-4085-A4E3-B5565466BD91}" type="slidenum">
               <a:rPr lang="en-US" smtClean="0"/>
+              <a:t>22</a:t>
             </a:fld>
             <a:endParaRPr lang="en-US" dirty="0"/>
           </a:p>
@@ -7494,7 +7701,6 @@
               <a:rPr lang="en-US" dirty="0"/>
               <a:t>DMZs connect internal networks to the outside world</a:t>
             </a:r>
-            <a:endParaRPr lang="en-US" dirty="0"/>
           </a:p>
           <a:p>
             <a:pPr lvl="2"/>
@@ -7502,7 +7708,6 @@
               <a:rPr lang="en-US" dirty="0"/>
               <a:t>Internal networks cannot be accessed directly</a:t>
             </a:r>
-            <a:endParaRPr lang="en-US" dirty="0"/>
           </a:p>
           <a:p>
             <a:pPr lvl="2"/>
@@ -7510,7 +7715,6 @@
               <a:rPr lang="en-US" dirty="0"/>
               <a:t>Must go through the DMZ</a:t>
             </a:r>
-            <a:endParaRPr lang="en-US" dirty="0"/>
           </a:p>
           <a:p>
             <a:pPr lvl="2"/>
@@ -7518,7 +7722,6 @@
               <a:rPr lang="en-US" dirty="0"/>
               <a:t>Including standard application-level attacks</a:t>
             </a:r>
-            <a:endParaRPr lang="en-US" dirty="0"/>
           </a:p>
           <a:p>
             <a:pPr lvl="1"/>
@@ -7526,7 +7729,6 @@
               <a:rPr lang="en-US" dirty="0"/>
               <a:t>Honeypots are fake networks</a:t>
             </a:r>
-            <a:endParaRPr lang="en-US" dirty="0"/>
           </a:p>
           <a:p>
             <a:pPr lvl="2"/>
@@ -7534,7 +7736,6 @@
               <a:rPr lang="en-US" dirty="0"/>
               <a:t>Designed to distract attackers</a:t>
             </a:r>
-            <a:endParaRPr lang="en-US" dirty="0"/>
           </a:p>
           <a:p>
             <a:pPr lvl="2"/>
@@ -7542,7 +7743,6 @@
               <a:rPr lang="en-US" dirty="0"/>
               <a:t>They wind up attacking the honeypot instead of the industrial system</a:t>
             </a:r>
-            <a:endParaRPr lang="en-US" dirty="0"/>
           </a:p>
         </p:txBody>
       </p:sp>
@@ -7592,6 +7792,7 @@
             </a:pPr>
             <a:fld id="{77EF9825-4C23-4085-A4E3-B5565466BD91}" type="slidenum">
               <a:rPr lang="en-US" smtClean="0"/>
+              <a:t>23</a:t>
             </a:fld>
             <a:endParaRPr lang="en-US" dirty="0"/>
           </a:p>
@@ -7606,7 +7807,7 @@
           <p:nvPr/>
         </p:nvPicPr>
         <p:blipFill>
-          <a:blip r:embed="rId1"/>
+          <a:blip r:embed="rId3"/>
           <a:stretch>
             <a:fillRect/>
           </a:stretch>
@@ -7688,7 +7889,6 @@
               <a:rPr lang="en-US" dirty="0"/>
               <a:t>Level at which most network hardware operates</a:t>
             </a:r>
-            <a:endParaRPr lang="en-US" dirty="0"/>
           </a:p>
           <a:p>
             <a:pPr lvl="1"/>
@@ -7696,14 +7896,12 @@
               <a:rPr lang="en-US" dirty="0"/>
               <a:t>Switches, routers, firewalls, etc.</a:t>
             </a:r>
-            <a:endParaRPr lang="en-US" dirty="0"/>
           </a:p>
           <a:p>
             <a:r>
               <a:rPr lang="en-US" dirty="0"/>
               <a:t>Attacker can reroute traffic via a compromised router</a:t>
             </a:r>
-            <a:endParaRPr lang="en-US" dirty="0"/>
           </a:p>
           <a:p>
             <a:pPr lvl="1"/>
@@ -7711,14 +7909,12 @@
               <a:rPr lang="en-US" dirty="0"/>
               <a:t>Many commercial routers have security flaws</a:t>
             </a:r>
-            <a:endParaRPr lang="en-US" dirty="0"/>
           </a:p>
           <a:p>
             <a:r>
               <a:rPr lang="en-US" dirty="0"/>
               <a:t>Malware insertion into network devices is a common attack</a:t>
             </a:r>
-            <a:endParaRPr lang="en-US" dirty="0"/>
           </a:p>
           <a:p>
             <a:pPr lvl="1"/>
@@ -7726,7 +7922,6 @@
               <a:rPr lang="en-US" dirty="0"/>
               <a:t>Used by the NSA as part of their Tailored Access Operations (TAO)</a:t>
             </a:r>
-            <a:endParaRPr lang="en-US" dirty="0"/>
           </a:p>
           <a:p>
             <a:pPr lvl="1"/>
@@ -7734,7 +7929,6 @@
               <a:rPr lang="en-US" dirty="0"/>
               <a:t>Network devices are physically intercepted during shipment</a:t>
             </a:r>
-            <a:endParaRPr lang="en-US" dirty="0"/>
           </a:p>
           <a:p>
             <a:pPr lvl="1"/>
@@ -7742,14 +7936,12 @@
               <a:rPr lang="en-US" dirty="0"/>
               <a:t>Malware is installed to create backdoors</a:t>
             </a:r>
-            <a:endParaRPr lang="en-US" dirty="0"/>
           </a:p>
           <a:p>
             <a:r>
               <a:rPr lang="en-US" dirty="0"/>
               <a:t>Security analyses often overlook off the shelf hardware</a:t>
             </a:r>
-            <a:endParaRPr lang="en-US" dirty="0"/>
           </a:p>
         </p:txBody>
       </p:sp>
@@ -7799,6 +7991,7 @@
             </a:pPr>
             <a:fld id="{77EF9825-4C23-4085-A4E3-B5565466BD91}" type="slidenum">
               <a:rPr lang="en-US" smtClean="0"/>
+              <a:t>24</a:t>
             </a:fld>
             <a:endParaRPr lang="en-US" dirty="0"/>
           </a:p>
@@ -7898,6 +8091,7 @@
             </a:pPr>
             <a:fld id="{77EF9825-4C23-4085-A4E3-B5565466BD91}" type="slidenum">
               <a:rPr lang="en-US" smtClean="0"/>
+              <a:t>25</a:t>
             </a:fld>
             <a:endParaRPr lang="en-US" dirty="0"/>
           </a:p>
@@ -7912,7 +8106,7 @@
           <p:nvPr/>
         </p:nvPicPr>
         <p:blipFill>
-          <a:blip r:embed="rId1"/>
+          <a:blip r:embed="rId3"/>
           <a:stretch>
             <a:fillRect/>
           </a:stretch>
@@ -7994,7 +8188,6 @@
               <a:rPr lang="en-US" dirty="0"/>
               <a:t>Mitigations involve</a:t>
             </a:r>
-            <a:endParaRPr lang="en-US" dirty="0"/>
           </a:p>
           <a:p>
             <a:pPr lvl="1"/>
@@ -8002,7 +8195,6 @@
               <a:rPr lang="en-US" dirty="0"/>
               <a:t>Using NAT and other address translation strategies</a:t>
             </a:r>
-            <a:endParaRPr lang="en-US" dirty="0"/>
           </a:p>
           <a:p>
             <a:pPr lvl="1"/>
@@ -8010,7 +8202,6 @@
               <a:rPr lang="en-US" dirty="0"/>
               <a:t>Physically secure network equipment</a:t>
             </a:r>
-            <a:endParaRPr lang="en-US" dirty="0"/>
           </a:p>
           <a:p>
             <a:pPr lvl="1"/>
@@ -8018,7 +8209,6 @@
               <a:rPr lang="en-US" dirty="0"/>
               <a:t>Breeches at this layer commonly occur inside the organization</a:t>
             </a:r>
-            <a:endParaRPr lang="en-US" dirty="0"/>
           </a:p>
           <a:p>
             <a:pPr lvl="1"/>
@@ -8026,7 +8216,6 @@
               <a:rPr lang="en-US" dirty="0"/>
               <a:t>The use of VPNs where possible</a:t>
             </a:r>
-            <a:endParaRPr lang="en-US" dirty="0"/>
           </a:p>
           <a:p>
             <a:pPr lvl="1"/>
@@ -8034,7 +8223,6 @@
               <a:rPr lang="en-US" dirty="0"/>
               <a:t>However, this does add a layer of latency and complexity</a:t>
             </a:r>
-            <a:endParaRPr lang="en-US" dirty="0"/>
           </a:p>
           <a:p>
             <a:pPr lvl="1"/>
@@ -8042,7 +8230,6 @@
               <a:rPr lang="en-US" dirty="0"/>
               <a:t>Full security audits of all network equipment</a:t>
             </a:r>
-            <a:endParaRPr lang="en-US" dirty="0"/>
           </a:p>
         </p:txBody>
       </p:sp>
@@ -8092,6 +8279,7 @@
             </a:pPr>
             <a:fld id="{77EF9825-4C23-4085-A4E3-B5565466BD91}" type="slidenum">
               <a:rPr lang="en-US" smtClean="0"/>
+              <a:t>26</a:t>
             </a:fld>
             <a:endParaRPr lang="en-US" dirty="0"/>
           </a:p>
@@ -8164,14 +8352,12 @@
               <a:rPr lang="en-US" dirty="0"/>
               <a:t>This layer works on the MAC address and packet layer</a:t>
             </a:r>
-            <a:endParaRPr lang="en-US" dirty="0"/>
           </a:p>
           <a:p>
             <a:r>
               <a:rPr lang="en-US" dirty="0"/>
               <a:t>Common attack is to force a Network Interface Controller (NIC) into promiscuous mode</a:t>
             </a:r>
-            <a:endParaRPr lang="en-US" dirty="0"/>
           </a:p>
           <a:p>
             <a:pPr lvl="1"/>
@@ -8179,21 +8365,18 @@
               <a:rPr lang="en-US" dirty="0"/>
               <a:t>This allows it to absorb traffic intended for other machines</a:t>
             </a:r>
-            <a:endParaRPr lang="en-US" dirty="0"/>
           </a:p>
           <a:p>
             <a:r>
               <a:rPr lang="en-US" dirty="0"/>
               <a:t>This is also the layer where attackers may spoof a MAC address</a:t>
             </a:r>
-            <a:endParaRPr lang="en-US" dirty="0"/>
           </a:p>
           <a:p>
             <a:r>
               <a:rPr lang="en-US" dirty="0"/>
               <a:t>Mitigation</a:t>
             </a:r>
-            <a:endParaRPr lang="en-US" dirty="0"/>
           </a:p>
           <a:p>
             <a:pPr lvl="1"/>
@@ -8201,7 +8384,6 @@
               <a:rPr lang="en-US" dirty="0"/>
               <a:t>A common mitigation is to create separate virtual LANS (VLANs) on a single physical LAN</a:t>
             </a:r>
-            <a:endParaRPr lang="en-US" dirty="0"/>
           </a:p>
           <a:p>
             <a:pPr lvl="1"/>
@@ -8209,7 +8391,6 @@
               <a:rPr lang="en-US" dirty="0"/>
               <a:t>Access control lists can then be applied to the different VLANs</a:t>
             </a:r>
-            <a:endParaRPr lang="en-US" dirty="0"/>
           </a:p>
           <a:p>
             <a:pPr lvl="1"/>
@@ -8217,7 +8398,6 @@
               <a:rPr lang="en-US" dirty="0"/>
               <a:t>Disabling unused ports also helps at this layer too</a:t>
             </a:r>
-            <a:endParaRPr lang="en-US" dirty="0"/>
           </a:p>
         </p:txBody>
       </p:sp>
@@ -8267,6 +8447,7 @@
             </a:pPr>
             <a:fld id="{77EF9825-4C23-4085-A4E3-B5565466BD91}" type="slidenum">
               <a:rPr lang="en-US" smtClean="0"/>
+              <a:t>27</a:t>
             </a:fld>
             <a:endParaRPr lang="en-US" dirty="0"/>
           </a:p>
@@ -8339,7 +8520,6 @@
               <a:rPr lang="en-US" dirty="0"/>
               <a:t>Most common attack is compromised physical devices</a:t>
             </a:r>
-            <a:endParaRPr lang="en-US" dirty="0"/>
           </a:p>
           <a:p>
             <a:pPr lvl="1"/>
@@ -8347,14 +8527,12 @@
               <a:rPr lang="en-US" dirty="0"/>
               <a:t>Access to the devices creates opportunities for insertion of malware or physical taps or attacks</a:t>
             </a:r>
-            <a:endParaRPr lang="en-US" dirty="0"/>
           </a:p>
           <a:p>
             <a:r>
               <a:rPr lang="en-US" dirty="0"/>
               <a:t>First line of defense</a:t>
             </a:r>
-            <a:endParaRPr lang="en-US" dirty="0"/>
           </a:p>
           <a:p>
             <a:pPr lvl="1"/>
@@ -8362,7 +8540,6 @@
               <a:rPr lang="en-US" dirty="0"/>
               <a:t>Physically isolate and lock up all the equipment</a:t>
             </a:r>
-            <a:endParaRPr lang="en-US" dirty="0"/>
           </a:p>
           <a:p>
             <a:pPr lvl="1"/>
@@ -8370,7 +8547,6 @@
               <a:rPr lang="en-US" dirty="0"/>
               <a:t>Allow access only to vetted people who need access</a:t>
             </a:r>
-            <a:endParaRPr lang="en-US" dirty="0"/>
           </a:p>
           <a:p>
             <a:pPr lvl="1"/>
@@ -8378,14 +8554,12 @@
               <a:rPr lang="en-US" dirty="0"/>
               <a:t>Use the lowest level of access needed</a:t>
             </a:r>
-            <a:endParaRPr lang="en-US" dirty="0"/>
           </a:p>
           <a:p>
             <a:r>
               <a:rPr lang="en-US" dirty="0"/>
               <a:t>Social engineering attacks try to convince staff to allow access to bad actors</a:t>
             </a:r>
-            <a:endParaRPr lang="en-US" dirty="0"/>
           </a:p>
           <a:p>
             <a:pPr lvl="1"/>
@@ -8393,7 +8567,6 @@
               <a:rPr lang="en-US" dirty="0"/>
               <a:t>Mitigation is to have strongly enforced security measures</a:t>
             </a:r>
-            <a:endParaRPr lang="en-US" dirty="0"/>
           </a:p>
           <a:p>
             <a:pPr lvl="1"/>
@@ -8401,14 +8574,12 @@
               <a:rPr lang="en-US" dirty="0"/>
               <a:t>“We will not open the server room for anyone who claims to have lost their keycard.”</a:t>
             </a:r>
-            <a:endParaRPr lang="en-US" dirty="0"/>
           </a:p>
           <a:p>
             <a:r>
               <a:rPr lang="en-US" dirty="0"/>
               <a:t>Physical interception is done by accessing cables and other devices – data taps for example</a:t>
             </a:r>
-            <a:endParaRPr lang="en-US" dirty="0"/>
           </a:p>
           <a:p>
             <a:pPr lvl="1"/>
@@ -8416,7 +8587,6 @@
               <a:rPr lang="en-US" dirty="0"/>
               <a:t>Also done by monitoring EM signals from monitors and other devices</a:t>
             </a:r>
-            <a:endParaRPr lang="en-US" dirty="0"/>
           </a:p>
           <a:p>
             <a:pPr marL="405130" lvl="1" indent="0">
@@ -8472,6 +8642,7 @@
             </a:pPr>
             <a:fld id="{77EF9825-4C23-4085-A4E3-B5565466BD91}" type="slidenum">
               <a:rPr lang="en-US" smtClean="0"/>
+              <a:t>28</a:t>
             </a:fld>
             <a:endParaRPr lang="en-US" dirty="0"/>
           </a:p>
@@ -8544,7 +8715,6 @@
               <a:rPr lang="en-US" dirty="0"/>
               <a:t>Common vector to disable physical devices</a:t>
             </a:r>
-            <a:endParaRPr lang="en-US" dirty="0"/>
           </a:p>
           <a:p>
             <a:pPr lvl="1"/>
@@ -8552,7 +8722,6 @@
               <a:rPr lang="en-US" dirty="0"/>
               <a:t>Power overloads</a:t>
             </a:r>
-            <a:endParaRPr lang="en-US" dirty="0"/>
           </a:p>
           <a:p>
             <a:pPr lvl="1"/>
@@ -8560,14 +8729,12 @@
               <a:rPr lang="en-US" dirty="0"/>
               <a:t>EM pulses or physical damage</a:t>
             </a:r>
-            <a:endParaRPr lang="en-US" dirty="0"/>
           </a:p>
           <a:p>
             <a:r>
               <a:rPr lang="en-US" dirty="0"/>
               <a:t>Mitigations</a:t>
             </a:r>
-            <a:endParaRPr lang="en-US" dirty="0"/>
           </a:p>
           <a:p>
             <a:pPr lvl="1"/>
@@ -8575,7 +8742,6 @@
               <a:rPr lang="en-US" dirty="0"/>
               <a:t>Any device, cable or other “thing” connected to the network is vulnerable</a:t>
             </a:r>
-            <a:endParaRPr lang="en-US" dirty="0"/>
           </a:p>
           <a:p>
             <a:pPr lvl="1"/>
@@ -8583,7 +8749,6 @@
               <a:rPr lang="en-US" dirty="0"/>
               <a:t>Use proper shielding and physical isolation when necessary</a:t>
             </a:r>
-            <a:endParaRPr lang="en-US" dirty="0"/>
           </a:p>
           <a:p>
             <a:pPr lvl="1"/>
@@ -8591,7 +8756,6 @@
               <a:rPr lang="en-US" dirty="0"/>
               <a:t>Have a good disaster recover plan for loss of physical assets</a:t>
             </a:r>
-            <a:endParaRPr lang="en-US" dirty="0"/>
           </a:p>
           <a:p>
             <a:pPr marL="405130" lvl="1" indent="0">
@@ -8647,6 +8811,7 @@
             </a:pPr>
             <a:fld id="{77EF9825-4C23-4085-A4E3-B5565466BD91}" type="slidenum">
               <a:rPr lang="en-US" smtClean="0"/>
+              <a:t>29</a:t>
             </a:fld>
             <a:endParaRPr lang="en-US" dirty="0"/>
           </a:p>
@@ -8724,7 +8889,6 @@
               <a:rPr lang="en-US" dirty="0"/>
               <a:t>Open System Interconnection or OSI layers</a:t>
             </a:r>
-            <a:endParaRPr lang="en-US" dirty="0"/>
           </a:p>
           <a:p>
             <a:r>
@@ -8792,11 +8956,6 @@
               </a:rPr>
               <a:t>Copyright © 2021 by Elephant Scale, All Rights Reserved</a:t>
             </a:r>
-            <a:endParaRPr sz="800">
-              <a:solidFill>
-                <a:srgbClr val="000000"/>
-              </a:solidFill>
-            </a:endParaRPr>
           </a:p>
         </p:txBody>
       </p:sp>
@@ -8809,7 +8968,7 @@
           <p:nvPr/>
         </p:nvPicPr>
         <p:blipFill>
-          <a:blip r:embed="rId1"/>
+          <a:blip r:embed="rId3"/>
           <a:stretch>
             <a:fillRect/>
           </a:stretch>
@@ -8837,12 +8996,14 @@
         <p:spPr/>
         <p:txBody>
           <a:bodyPr/>
+          <a:lstStyle/>
           <a:p>
             <a:pPr>
               <a:defRPr/>
             </a:pPr>
             <a:fld id="{77EF9825-4C23-4085-A4E3-B5565466BD91}" type="slidenum">
               <a:rPr lang="en-US" smtClean="0"/>
+              <a:t>3</a:t>
             </a:fld>
             <a:endParaRPr lang="en-US" dirty="0"/>
           </a:p>
@@ -8861,6 +9022,7 @@
         <p:spPr/>
         <p:txBody>
           <a:bodyPr/>
+          <a:lstStyle/>
           <a:p>
             <a:pPr algn="l">
               <a:defRPr/>
@@ -8869,7 +9031,6 @@
               <a:rPr lang="en-US" dirty="0"/>
               <a:t>Copyright © 2021 Elephant Scale. All rights reserved.</a:t>
             </a:r>
-            <a:endParaRPr lang="en-US" dirty="0"/>
           </a:p>
         </p:txBody>
       </p:sp>
@@ -9000,6 +9161,7 @@
             </a:pPr>
             <a:fld id="{77EF9825-4C23-4085-A4E3-B5565466BD91}" type="slidenum">
               <a:rPr lang="en-US" smtClean="0"/>
+              <a:t>30</a:t>
             </a:fld>
             <a:endParaRPr lang="en-US" dirty="0"/>
           </a:p>
@@ -9063,7 +9225,12 @@
             <p:ph idx="1"/>
           </p:nvPr>
         </p:nvSpPr>
-        <p:spPr/>
+        <p:spPr>
+          <a:xfrm>
+            <a:off x="234950" y="994976"/>
+            <a:ext cx="8902700" cy="1782355"/>
+          </a:xfrm>
+        </p:spPr>
         <p:txBody>
           <a:bodyPr/>
           <a:lstStyle/>
@@ -9072,32 +9239,12 @@
               <a:rPr lang="en-US" dirty="0"/>
               <a:t>Any IoT security solution must include a security model and plan for each of the OSI levels or their equivalent</a:t>
             </a:r>
-            <a:endParaRPr lang="en-US" dirty="0"/>
           </a:p>
           <a:p>
             <a:r>
               <a:rPr lang="en-US" dirty="0"/>
               <a:t>Any deployed system is as insecure as the security at its weakest level</a:t>
             </a:r>
-            <a:endParaRPr lang="en-US" dirty="0"/>
-          </a:p>
-          <a:p>
-            <a:pPr marL="0" indent="0">
-              <a:buNone/>
-            </a:pPr>
-            <a:r>
-              <a:rPr lang="en-CA" dirty="0"/>
-              <a:t>&lt;&lt; diagram to be inserted OSI security </a:t>
-            </a:r>
-            <a:r>
-              <a:rPr lang="en-CA" dirty="0" err="1"/>
-              <a:t>Pyramie</a:t>
-            </a:r>
-            <a:r>
-              <a:rPr lang="en-CA" dirty="0"/>
-              <a:t>\d&gt;&gt;</a:t>
-            </a:r>
-            <a:endParaRPr lang="en-CA" dirty="0"/>
           </a:p>
         </p:txBody>
       </p:sp>
@@ -9147,11 +9294,42 @@
             </a:pPr>
             <a:fld id="{77EF9825-4C23-4085-A4E3-B5565466BD91}" type="slidenum">
               <a:rPr lang="en-US" smtClean="0"/>
+              <a:t>31</a:t>
             </a:fld>
             <a:endParaRPr lang="en-US" dirty="0"/>
           </a:p>
         </p:txBody>
       </p:sp>
+      <p:pic>
+        <p:nvPicPr>
+          <p:cNvPr id="7" name="Picture 6" descr="Diagram&#10;&#10;Description automatically generated">
+            <a:extLst>
+              <a:ext uri="{FF2B5EF4-FFF2-40B4-BE49-F238E27FC236}">
+                <a16:creationId xmlns:a16="http://schemas.microsoft.com/office/drawing/2014/main" id="{2539D705-ED6C-4F84-9EFD-84EEDF6FE0D8}"/>
+              </a:ext>
+            </a:extLst>
+          </p:cNvPr>
+          <p:cNvPicPr>
+            <a:picLocks noChangeAspect="1"/>
+          </p:cNvPicPr>
+          <p:nvPr/>
+        </p:nvPicPr>
+        <p:blipFill>
+          <a:blip r:embed="rId2"/>
+          <a:stretch>
+            <a:fillRect/>
+          </a:stretch>
+        </p:blipFill>
+        <p:spPr>
+          <a:xfrm>
+            <a:off x="1838681" y="2936757"/>
+            <a:ext cx="5695238" cy="4428571"/>
+          </a:xfrm>
+          <a:prstGeom prst="rect">
+            <a:avLst/>
+          </a:prstGeom>
+        </p:spPr>
+      </p:pic>
     </p:spTree>
   </p:cSld>
   <p:clrMapOvr>
@@ -9202,29 +9380,6 @@
       </p:sp>
       <p:sp>
         <p:nvSpPr>
-          <p:cNvPr id="3" name="Content Placeholder 2"/>
-          <p:cNvSpPr>
-            <a:spLocks noGrp="1"/>
-          </p:cNvSpPr>
-          <p:nvPr>
-            <p:ph idx="1"/>
-          </p:nvPr>
-        </p:nvSpPr>
-        <p:spPr/>
-        <p:txBody>
-          <a:bodyPr/>
-          <a:lstStyle/>
-          <a:p>
-            <a:r>
-              <a:rPr lang="en-US" dirty="0"/>
-              <a:t>&lt;&lt; Diagram to be inserted – Summary&gt;&gt;</a:t>
-            </a:r>
-            <a:endParaRPr lang="en-CA" dirty="0"/>
-          </a:p>
-        </p:txBody>
-      </p:sp>
-      <p:sp>
-        <p:nvSpPr>
           <p:cNvPr id="4" name="Footer Placeholder 3"/>
           <p:cNvSpPr>
             <a:spLocks noGrp="1"/>
@@ -9269,12 +9424,459 @@
             </a:pPr>
             <a:fld id="{77EF9825-4C23-4085-A4E3-B5565466BD91}" type="slidenum">
               <a:rPr lang="en-US" smtClean="0"/>
+              <a:t>32</a:t>
             </a:fld>
             <a:endParaRPr lang="en-US" dirty="0"/>
           </a:p>
         </p:txBody>
       </p:sp>
+      <p:pic>
+        <p:nvPicPr>
+          <p:cNvPr id="9" name="Picture 8" descr="Diagram&#10;&#10;Description automatically generated">
+            <a:extLst>
+              <a:ext uri="{FF2B5EF4-FFF2-40B4-BE49-F238E27FC236}">
+                <a16:creationId xmlns:a16="http://schemas.microsoft.com/office/drawing/2014/main" id="{D41610B2-2D53-4AD6-9BD7-3C4A39812907}"/>
+              </a:ext>
+            </a:extLst>
+          </p:cNvPr>
+          <p:cNvPicPr>
+            <a:picLocks noChangeAspect="1"/>
+          </p:cNvPicPr>
+          <p:nvPr/>
+        </p:nvPicPr>
+        <p:blipFill>
+          <a:blip r:embed="rId2"/>
+          <a:stretch>
+            <a:fillRect/>
+          </a:stretch>
+        </p:blipFill>
+        <p:spPr>
+          <a:xfrm>
+            <a:off x="1485900" y="948531"/>
+            <a:ext cx="6919193" cy="6708393"/>
+          </a:xfrm>
+          <a:prstGeom prst="rect">
+            <a:avLst/>
+          </a:prstGeom>
+        </p:spPr>
+      </p:pic>
     </p:spTree>
+  </p:cSld>
+  <p:clrMapOvr>
+    <a:masterClrMapping/>
+  </p:clrMapOvr>
+</p:sld>
+</file>
+
+<file path=ppt/slides/slide33.xml><?xml version="1.0" encoding="utf-8"?>
+<p:sld xmlns:a="http://schemas.openxmlformats.org/drawingml/2006/main" xmlns:r="http://schemas.openxmlformats.org/officeDocument/2006/relationships" xmlns:p="http://schemas.openxmlformats.org/presentationml/2006/main">
+  <p:cSld>
+    <p:spTree>
+      <p:nvGrpSpPr>
+        <p:cNvPr id="1" name=""/>
+        <p:cNvGrpSpPr/>
+        <p:nvPr/>
+      </p:nvGrpSpPr>
+      <p:grpSpPr>
+        <a:xfrm>
+          <a:off x="0" y="0"/>
+          <a:ext cx="0" cy="0"/>
+          <a:chOff x="0" y="0"/>
+          <a:chExt cx="0" cy="0"/>
+        </a:xfrm>
+      </p:grpSpPr>
+      <p:sp>
+        <p:nvSpPr>
+          <p:cNvPr id="2" name="Title 1">
+            <a:extLst>
+              <a:ext uri="{FF2B5EF4-FFF2-40B4-BE49-F238E27FC236}">
+                <a16:creationId xmlns:a16="http://schemas.microsoft.com/office/drawing/2014/main" id="{2678D863-177D-4422-A93F-353A84E97FA5}"/>
+              </a:ext>
+            </a:extLst>
+          </p:cNvPr>
+          <p:cNvSpPr>
+            <a:spLocks noGrp="1"/>
+          </p:cNvSpPr>
+          <p:nvPr>
+            <p:ph type="title"/>
+          </p:nvPr>
+        </p:nvSpPr>
+        <p:spPr/>
+        <p:txBody>
+          <a:bodyPr/>
+          <a:lstStyle/>
+          <a:p>
+            <a:r>
+              <a:rPr lang="en-US" dirty="0"/>
+              <a:t>Layer One Attacks</a:t>
+            </a:r>
+            <a:endParaRPr lang="en-CA" dirty="0"/>
+          </a:p>
+        </p:txBody>
+      </p:sp>
+      <p:sp>
+        <p:nvSpPr>
+          <p:cNvPr id="3" name="Content Placeholder 2">
+            <a:extLst>
+              <a:ext uri="{FF2B5EF4-FFF2-40B4-BE49-F238E27FC236}">
+                <a16:creationId xmlns:a16="http://schemas.microsoft.com/office/drawing/2014/main" id="{A851E11E-1FBB-4CC8-9F7A-33AE76F93030}"/>
+              </a:ext>
+            </a:extLst>
+          </p:cNvPr>
+          <p:cNvSpPr>
+            <a:spLocks noGrp="1"/>
+          </p:cNvSpPr>
+          <p:nvPr>
+            <p:ph idx="1"/>
+          </p:nvPr>
+        </p:nvSpPr>
+        <p:spPr/>
+        <p:txBody>
+          <a:bodyPr/>
+          <a:lstStyle/>
+          <a:p>
+            <a:r>
+              <a:rPr lang="en-US" dirty="0"/>
+              <a:t>Traditional cybersecurity improvements push attackers toward alternative paths</a:t>
+            </a:r>
+          </a:p>
+          <a:p>
+            <a:pPr lvl="1"/>
+            <a:r>
+              <a:rPr lang="en-US" dirty="0"/>
+              <a:t>The physical layer has become a fertile ground for attacks</a:t>
+            </a:r>
+          </a:p>
+          <a:p>
+            <a:pPr lvl="1"/>
+            <a:r>
+              <a:rPr lang="en-US" dirty="0"/>
+              <a:t>Effectively, the soft underbelly of cybersecurity</a:t>
+            </a:r>
+          </a:p>
+          <a:p>
+            <a:r>
+              <a:rPr lang="en-US" dirty="0"/>
+              <a:t>Can take the form of a compromised employee planting a device on the network</a:t>
+            </a:r>
+          </a:p>
+          <a:p>
+            <a:r>
+              <a:rPr lang="en-US" dirty="0"/>
+              <a:t>Rogue and insecure hardware is often missed during security audits</a:t>
+            </a:r>
+          </a:p>
+          <a:p>
+            <a:pPr lvl="1"/>
+            <a:r>
+              <a:rPr lang="en-US" dirty="0"/>
+              <a:t>Legitimate hardware can be altered to provide insecure access</a:t>
+            </a:r>
+          </a:p>
+          <a:p>
+            <a:r>
+              <a:rPr lang="en-US" dirty="0"/>
+              <a:t>Zero-trust network security causes attackers to look at physical access via hardware exploits</a:t>
+            </a:r>
+          </a:p>
+          <a:p>
+            <a:pPr lvl="1"/>
+            <a:r>
+              <a:rPr lang="en-US" dirty="0"/>
+              <a:t>Even air-gapping is not an effective solution</a:t>
+            </a:r>
+          </a:p>
+          <a:p>
+            <a:pPr lvl="1"/>
+            <a:r>
+              <a:rPr lang="en-US" dirty="0"/>
+              <a:t>For example, STUXNET</a:t>
+            </a:r>
+          </a:p>
+          <a:p>
+            <a:endParaRPr lang="en-CA" dirty="0"/>
+          </a:p>
+        </p:txBody>
+      </p:sp>
+      <p:sp>
+        <p:nvSpPr>
+          <p:cNvPr id="4" name="Footer Placeholder 3">
+            <a:extLst>
+              <a:ext uri="{FF2B5EF4-FFF2-40B4-BE49-F238E27FC236}">
+                <a16:creationId xmlns:a16="http://schemas.microsoft.com/office/drawing/2014/main" id="{EBC56D9F-17B5-4088-8901-BC3201E9B4F9}"/>
+              </a:ext>
+            </a:extLst>
+          </p:cNvPr>
+          <p:cNvSpPr>
+            <a:spLocks noGrp="1"/>
+          </p:cNvSpPr>
+          <p:nvPr>
+            <p:ph type="ftr" sz="quarter" idx="11"/>
+          </p:nvPr>
+        </p:nvSpPr>
+        <p:spPr/>
+        <p:txBody>
+          <a:bodyPr/>
+          <a:lstStyle/>
+          <a:p>
+            <a:pPr algn="l">
+              <a:defRPr/>
+            </a:pPr>
+            <a:r>
+              <a:rPr lang="en-US"/>
+              <a:t>Copyright © 2021 Elephant Scale. All rights reserved.</a:t>
+            </a:r>
+            <a:endParaRPr lang="en-US" dirty="0"/>
+          </a:p>
+        </p:txBody>
+      </p:sp>
+      <p:sp>
+        <p:nvSpPr>
+          <p:cNvPr id="5" name="Slide Number Placeholder 4">
+            <a:extLst>
+              <a:ext uri="{FF2B5EF4-FFF2-40B4-BE49-F238E27FC236}">
+                <a16:creationId xmlns:a16="http://schemas.microsoft.com/office/drawing/2014/main" id="{87CA0D83-08E4-4B1E-87F4-585E80013196}"/>
+              </a:ext>
+            </a:extLst>
+          </p:cNvPr>
+          <p:cNvSpPr>
+            <a:spLocks noGrp="1"/>
+          </p:cNvSpPr>
+          <p:nvPr>
+            <p:ph type="sldNum" sz="quarter" idx="12"/>
+          </p:nvPr>
+        </p:nvSpPr>
+        <p:spPr/>
+        <p:txBody>
+          <a:bodyPr/>
+          <a:lstStyle/>
+          <a:p>
+            <a:pPr>
+              <a:defRPr/>
+            </a:pPr>
+            <a:fld id="{77EF9825-4C23-4085-A4E3-B5565466BD91}" type="slidenum">
+              <a:rPr lang="en-US" smtClean="0"/>
+              <a:t>33</a:t>
+            </a:fld>
+            <a:endParaRPr lang="en-US" dirty="0"/>
+          </a:p>
+        </p:txBody>
+      </p:sp>
+    </p:spTree>
+    <p:extLst>
+      <p:ext uri="{BB962C8B-B14F-4D97-AF65-F5344CB8AC3E}">
+        <p14:creationId xmlns:p14="http://schemas.microsoft.com/office/powerpoint/2010/main" val="3985288914"/>
+      </p:ext>
+    </p:extLst>
+  </p:cSld>
+  <p:clrMapOvr>
+    <a:masterClrMapping/>
+  </p:clrMapOvr>
+</p:sld>
+</file>
+
+<file path=ppt/slides/slide34.xml><?xml version="1.0" encoding="utf-8"?>
+<p:sld xmlns:a="http://schemas.openxmlformats.org/drawingml/2006/main" xmlns:r="http://schemas.openxmlformats.org/officeDocument/2006/relationships" xmlns:p="http://schemas.openxmlformats.org/presentationml/2006/main">
+  <p:cSld>
+    <p:spTree>
+      <p:nvGrpSpPr>
+        <p:cNvPr id="1" name=""/>
+        <p:cNvGrpSpPr/>
+        <p:nvPr/>
+      </p:nvGrpSpPr>
+      <p:grpSpPr>
+        <a:xfrm>
+          <a:off x="0" y="0"/>
+          <a:ext cx="0" cy="0"/>
+          <a:chOff x="0" y="0"/>
+          <a:chExt cx="0" cy="0"/>
+        </a:xfrm>
+      </p:grpSpPr>
+      <p:sp>
+        <p:nvSpPr>
+          <p:cNvPr id="2" name="Title 1">
+            <a:extLst>
+              <a:ext uri="{FF2B5EF4-FFF2-40B4-BE49-F238E27FC236}">
+                <a16:creationId xmlns:a16="http://schemas.microsoft.com/office/drawing/2014/main" id="{2678D863-177D-4422-A93F-353A84E97FA5}"/>
+              </a:ext>
+            </a:extLst>
+          </p:cNvPr>
+          <p:cNvSpPr>
+            <a:spLocks noGrp="1"/>
+          </p:cNvSpPr>
+          <p:nvPr>
+            <p:ph type="title"/>
+          </p:nvPr>
+        </p:nvSpPr>
+        <p:spPr/>
+        <p:txBody>
+          <a:bodyPr/>
+          <a:lstStyle/>
+          <a:p>
+            <a:r>
+              <a:rPr lang="en-US" dirty="0"/>
+              <a:t>Hardware Security Challenges</a:t>
+            </a:r>
+            <a:endParaRPr lang="en-CA" dirty="0"/>
+          </a:p>
+        </p:txBody>
+      </p:sp>
+      <p:sp>
+        <p:nvSpPr>
+          <p:cNvPr id="3" name="Content Placeholder 2">
+            <a:extLst>
+              <a:ext uri="{FF2B5EF4-FFF2-40B4-BE49-F238E27FC236}">
+                <a16:creationId xmlns:a16="http://schemas.microsoft.com/office/drawing/2014/main" id="{A851E11E-1FBB-4CC8-9F7A-33AE76F93030}"/>
+              </a:ext>
+            </a:extLst>
+          </p:cNvPr>
+          <p:cNvSpPr>
+            <a:spLocks noGrp="1"/>
+          </p:cNvSpPr>
+          <p:nvPr>
+            <p:ph idx="1"/>
+          </p:nvPr>
+        </p:nvSpPr>
+        <p:spPr/>
+        <p:txBody>
+          <a:bodyPr/>
+          <a:lstStyle/>
+          <a:p>
+            <a:r>
+              <a:rPr lang="en-US" dirty="0"/>
+              <a:t>Firmware can be updated with compromised versions</a:t>
+            </a:r>
+          </a:p>
+          <a:p>
+            <a:pPr lvl="1"/>
+            <a:r>
+              <a:rPr lang="en-US" dirty="0"/>
+              <a:t>Often overlooked in security testing</a:t>
+            </a:r>
+          </a:p>
+          <a:p>
+            <a:r>
+              <a:rPr lang="en-US" dirty="0"/>
+              <a:t>Recommended mitigation</a:t>
+            </a:r>
+          </a:p>
+          <a:p>
+            <a:pPr lvl="1"/>
+            <a:r>
+              <a:rPr lang="en-US" dirty="0"/>
+              <a:t>automated security validation tools that can scan for configuration anomalies within their platform and evaluate security-sensitive bits within their firmware</a:t>
+            </a:r>
+          </a:p>
+          <a:p>
+            <a:r>
+              <a:rPr lang="en-US" dirty="0"/>
+              <a:t>Hardware uses multiple components from different manufacturers, each using a different supply chain</a:t>
+            </a:r>
+          </a:p>
+          <a:p>
+            <a:pPr lvl="1"/>
+            <a:r>
+              <a:rPr lang="en-US" dirty="0"/>
+              <a:t>Security has to be enforced across the supply chain</a:t>
+            </a:r>
+          </a:p>
+          <a:p>
+            <a:r>
+              <a:rPr lang="en-US" dirty="0"/>
+              <a:t>Problem made more urgent by the increased use of  systems on chips (SoCs)</a:t>
+            </a:r>
+          </a:p>
+          <a:p>
+            <a:pPr lvl="1"/>
+            <a:r>
+              <a:rPr lang="en-US" dirty="0"/>
+              <a:t>SoCs consolidate multiple traditional components on a single chip</a:t>
+            </a:r>
+          </a:p>
+          <a:p>
+            <a:pPr lvl="1"/>
+            <a:r>
+              <a:rPr lang="en-US" dirty="0"/>
+              <a:t>Bypasses the more traditional network </a:t>
+            </a:r>
+            <a:r>
+              <a:rPr lang="en-US"/>
+              <a:t>security analysis</a:t>
+            </a:r>
+            <a:endParaRPr lang="en-CA" dirty="0"/>
+          </a:p>
+        </p:txBody>
+      </p:sp>
+      <p:sp>
+        <p:nvSpPr>
+          <p:cNvPr id="4" name="Footer Placeholder 3">
+            <a:extLst>
+              <a:ext uri="{FF2B5EF4-FFF2-40B4-BE49-F238E27FC236}">
+                <a16:creationId xmlns:a16="http://schemas.microsoft.com/office/drawing/2014/main" id="{EBC56D9F-17B5-4088-8901-BC3201E9B4F9}"/>
+              </a:ext>
+            </a:extLst>
+          </p:cNvPr>
+          <p:cNvSpPr>
+            <a:spLocks noGrp="1"/>
+          </p:cNvSpPr>
+          <p:nvPr>
+            <p:ph type="ftr" sz="quarter" idx="11"/>
+          </p:nvPr>
+        </p:nvSpPr>
+        <p:spPr/>
+        <p:txBody>
+          <a:bodyPr/>
+          <a:lstStyle/>
+          <a:p>
+            <a:pPr algn="l">
+              <a:defRPr/>
+            </a:pPr>
+            <a:r>
+              <a:rPr lang="en-US"/>
+              <a:t>Copyright © 2021 Elephant Scale. All rights reserved.</a:t>
+            </a:r>
+            <a:endParaRPr lang="en-US" dirty="0"/>
+          </a:p>
+        </p:txBody>
+      </p:sp>
+      <p:sp>
+        <p:nvSpPr>
+          <p:cNvPr id="5" name="Slide Number Placeholder 4">
+            <a:extLst>
+              <a:ext uri="{FF2B5EF4-FFF2-40B4-BE49-F238E27FC236}">
+                <a16:creationId xmlns:a16="http://schemas.microsoft.com/office/drawing/2014/main" id="{87CA0D83-08E4-4B1E-87F4-585E80013196}"/>
+              </a:ext>
+            </a:extLst>
+          </p:cNvPr>
+          <p:cNvSpPr>
+            <a:spLocks noGrp="1"/>
+          </p:cNvSpPr>
+          <p:nvPr>
+            <p:ph type="sldNum" sz="quarter" idx="12"/>
+          </p:nvPr>
+        </p:nvSpPr>
+        <p:spPr/>
+        <p:txBody>
+          <a:bodyPr/>
+          <a:lstStyle/>
+          <a:p>
+            <a:pPr>
+              <a:defRPr/>
+            </a:pPr>
+            <a:fld id="{77EF9825-4C23-4085-A4E3-B5565466BD91}" type="slidenum">
+              <a:rPr lang="en-US" smtClean="0"/>
+              <a:t>34</a:t>
+            </a:fld>
+            <a:endParaRPr lang="en-US" dirty="0"/>
+          </a:p>
+        </p:txBody>
+      </p:sp>
+    </p:spTree>
+    <p:extLst>
+      <p:ext uri="{BB962C8B-B14F-4D97-AF65-F5344CB8AC3E}">
+        <p14:creationId xmlns:p14="http://schemas.microsoft.com/office/powerpoint/2010/main" val="3333288994"/>
+      </p:ext>
+    </p:extLst>
   </p:cSld>
   <p:clrMapOvr>
     <a:masterClrMapping/>
@@ -9346,7 +9948,6 @@
               <a:rPr lang="en-US" dirty="0"/>
               <a:t>Maps to various implementations</a:t>
             </a:r>
-            <a:endParaRPr lang="en-US" dirty="0"/>
           </a:p>
           <a:p>
             <a:r>
@@ -9387,11 +9988,6 @@
               </a:rPr>
               <a:t>Copyright © 2021 by Elephant Scale, All Rights Reserved</a:t>
             </a:r>
-            <a:endParaRPr sz="800">
-              <a:solidFill>
-                <a:srgbClr val="000000"/>
-              </a:solidFill>
-            </a:endParaRPr>
           </a:p>
         </p:txBody>
       </p:sp>
@@ -9404,7 +10000,7 @@
           <p:nvPr/>
         </p:nvPicPr>
         <p:blipFill>
-          <a:blip r:embed="rId1"/>
+          <a:blip r:embed="rId3"/>
           <a:stretch>
             <a:fillRect/>
           </a:stretch>
@@ -9432,12 +10028,14 @@
         <p:spPr/>
         <p:txBody>
           <a:bodyPr/>
+          <a:lstStyle/>
           <a:p>
             <a:pPr>
               <a:defRPr/>
             </a:pPr>
             <a:fld id="{77EF9825-4C23-4085-A4E3-B5565466BD91}" type="slidenum">
               <a:rPr lang="en-US" smtClean="0"/>
+              <a:t>4</a:t>
             </a:fld>
             <a:endParaRPr lang="en-US" dirty="0"/>
           </a:p>
@@ -9456,6 +10054,7 @@
         <p:spPr/>
         <p:txBody>
           <a:bodyPr/>
+          <a:lstStyle/>
           <a:p>
             <a:pPr algn="l">
               <a:defRPr/>
@@ -9464,7 +10063,6 @@
               <a:rPr lang="en-US" dirty="0"/>
               <a:t>Copyright © 2021 Elephant Scale. All rights reserved.</a:t>
             </a:r>
-            <a:endParaRPr lang="en-US" dirty="0"/>
           </a:p>
         </p:txBody>
       </p:sp>
@@ -9540,7 +10138,6 @@
               <a:rPr lang="en-US" dirty="0"/>
               <a:t>OSI maps to different protocols and standards for web and IoT worlds</a:t>
             </a:r>
-            <a:endParaRPr lang="en-US" dirty="0"/>
           </a:p>
         </p:txBody>
       </p:sp>
@@ -9574,11 +10171,6 @@
               </a:rPr>
               <a:t>Copyright © 2021 by Elephant Scale, All Rights Reserved</a:t>
             </a:r>
-            <a:endParaRPr sz="800">
-              <a:solidFill>
-                <a:srgbClr val="000000"/>
-              </a:solidFill>
-            </a:endParaRPr>
           </a:p>
         </p:txBody>
       </p:sp>
@@ -9591,7 +10183,7 @@
           <p:nvPr/>
         </p:nvPicPr>
         <p:blipFill>
-          <a:blip r:embed="rId1"/>
+          <a:blip r:embed="rId3"/>
           <a:stretch>
             <a:fillRect/>
           </a:stretch>
@@ -9619,12 +10211,14 @@
         <p:spPr/>
         <p:txBody>
           <a:bodyPr/>
+          <a:lstStyle/>
           <a:p>
             <a:pPr>
               <a:defRPr/>
             </a:pPr>
             <a:fld id="{77EF9825-4C23-4085-A4E3-B5565466BD91}" type="slidenum">
               <a:rPr lang="en-US" smtClean="0"/>
+              <a:t>5</a:t>
             </a:fld>
             <a:endParaRPr lang="en-US" dirty="0"/>
           </a:p>
@@ -9643,6 +10237,7 @@
         <p:spPr/>
         <p:txBody>
           <a:bodyPr/>
+          <a:lstStyle/>
           <a:p>
             <a:pPr algn="l">
               <a:defRPr/>
@@ -9651,7 +10246,6 @@
               <a:rPr lang="en-US" dirty="0"/>
               <a:t>Copyright © 2021 Elephant Scale. All rights reserved.</a:t>
             </a:r>
-            <a:endParaRPr lang="en-US" dirty="0"/>
           </a:p>
         </p:txBody>
       </p:sp>
@@ -9722,14 +10316,12 @@
               <a:rPr lang="en-US" dirty="0"/>
               <a:t>Represents processes on the level of applications and users, IoT and otherwise</a:t>
             </a:r>
-            <a:endParaRPr lang="en-US" dirty="0"/>
           </a:p>
           <a:p>
             <a:r>
               <a:rPr lang="en-US" dirty="0"/>
               <a:t>Links the business application access to network services</a:t>
             </a:r>
-            <a:endParaRPr lang="en-US" dirty="0"/>
           </a:p>
           <a:p>
             <a:r>
@@ -9751,7 +10343,7 @@
           </p:nvPr>
         </p:nvPicPr>
         <p:blipFill>
-          <a:blip r:embed="rId1"/>
+          <a:blip r:embed="rId3"/>
           <a:stretch>
             <a:fillRect/>
           </a:stretch>
@@ -9783,6 +10375,7 @@
             </a:pPr>
             <a:fld id="{77EF9825-4C23-4085-A4E3-B5565466BD91}" type="slidenum">
               <a:rPr lang="en-US" smtClean="0"/>
+              <a:t>6</a:t>
             </a:fld>
             <a:endParaRPr lang="en-US" dirty="0"/>
           </a:p>
@@ -9939,14 +10532,12 @@
               <a:rPr lang="en-US" dirty="0"/>
               <a:t>Formats and encrypts data for communication.</a:t>
             </a:r>
-            <a:endParaRPr lang="en-US" dirty="0"/>
           </a:p>
           <a:p>
             <a:r>
               <a:rPr lang="en-US" dirty="0"/>
               <a:t>Resolves compatibility issues in the communication between the application and the network. </a:t>
             </a:r>
-            <a:endParaRPr lang="en-US" dirty="0"/>
           </a:p>
           <a:p>
             <a:r>
@@ -9968,7 +10559,7 @@
           </p:nvPr>
         </p:nvPicPr>
         <p:blipFill>
-          <a:blip r:embed="rId1"/>
+          <a:blip r:embed="rId3"/>
           <a:stretch>
             <a:fillRect/>
           </a:stretch>
@@ -10000,6 +10591,7 @@
             </a:pPr>
             <a:fld id="{77EF9825-4C23-4085-A4E3-B5565466BD91}" type="slidenum">
               <a:rPr lang="en-US" smtClean="0"/>
+              <a:t>7</a:t>
             </a:fld>
             <a:endParaRPr lang="en-US" dirty="0"/>
           </a:p>
@@ -10156,7 +10748,6 @@
               <a:rPr lang="en-US" dirty="0"/>
               <a:t>Connections between local and remote applications are initiated, managed and terminated here</a:t>
             </a:r>
-            <a:endParaRPr lang="en-US" dirty="0"/>
           </a:p>
           <a:p>
             <a:r>
@@ -10178,7 +10769,7 @@
           </p:nvPr>
         </p:nvPicPr>
         <p:blipFill>
-          <a:blip r:embed="rId1"/>
+          <a:blip r:embed="rId3"/>
           <a:stretch>
             <a:fillRect/>
           </a:stretch>
@@ -10210,6 +10801,7 @@
             </a:pPr>
             <a:fld id="{77EF9825-4C23-4085-A4E3-B5565466BD91}" type="slidenum">
               <a:rPr lang="en-US" smtClean="0"/>
+              <a:t>8</a:t>
             </a:fld>
             <a:endParaRPr lang="en-US" dirty="0"/>
           </a:p>
@@ -10366,21 +10958,18 @@
               <a:rPr lang="en-US" dirty="0"/>
               <a:t>Manages the host-to-host data transmission</a:t>
             </a:r>
-            <a:endParaRPr lang="en-US" dirty="0"/>
           </a:p>
           <a:p>
             <a:r>
               <a:rPr lang="en-US" dirty="0"/>
               <a:t>Ensures that data transfers between hosts are completed.</a:t>
             </a:r>
-            <a:endParaRPr lang="en-US" dirty="0"/>
           </a:p>
           <a:p>
             <a:r>
               <a:rPr lang="en-US" dirty="0"/>
               <a:t>Manages error recovery and retransmission of lost data. </a:t>
             </a:r>
-            <a:endParaRPr lang="en-US" dirty="0"/>
           </a:p>
           <a:p>
             <a:r>
@@ -10402,7 +10991,7 @@
           </p:nvPr>
         </p:nvPicPr>
         <p:blipFill>
-          <a:blip r:embed="rId1"/>
+          <a:blip r:embed="rId3"/>
           <a:stretch>
             <a:fillRect/>
           </a:stretch>
@@ -10434,6 +11023,7 @@
             </a:pPr>
             <a:fld id="{77EF9825-4C23-4085-A4E3-B5565466BD91}" type="slidenum">
               <a:rPr lang="en-US" smtClean="0"/>
+              <a:t>9</a:t>
             </a:fld>
             <a:endParaRPr lang="en-US" dirty="0"/>
           </a:p>
@@ -11472,6 +12062,7 @@
       </a:style>
     </a:lnDef>
   </a:objectDefaults>
+  <a:extraClrSchemeLst/>
   <a:extLst>
     <a:ext uri="{05A4C25C-085E-4340-85A3-A5531E510DB2}">
       <thm15:themeFamily xmlns:thm15="http://schemas.microsoft.com/office/thememl/2012/main" name="Office Theme" id="{62F939B6-93AF-4DB8-9C6B-D6C7DFDC589F}" vid="{4A3C46E8-61CC-4603-A589-7422A47A8E4A}"/>
@@ -11794,6 +12385,7 @@
       </a:style>
     </a:lnDef>
   </a:objectDefaults>
+  <a:extraClrSchemeLst/>
   <a:extLst>
     <a:ext uri="{05A4C25C-085E-4340-85A3-A5531E510DB2}">
       <thm15:themeFamily xmlns:thm15="http://schemas.microsoft.com/office/thememl/2012/main" name="Office Theme" id="{62F939B6-93AF-4DB8-9C6B-D6C7DFDC589F}" vid="{4A3C46E8-61CC-4603-A589-7422A47A8E4A}"/>
